--- a/beta testing.pptx
+++ b/beta testing.pptx
@@ -5,10 +5,11 @@
     <p:sldMasterId id="2147483648" r:id="rId1"/>
   </p:sldMasterIdLst>
   <p:notesMasterIdLst>
-    <p:notesMasterId r:id="rId3"/>
+    <p:notesMasterId r:id="rId4"/>
   </p:notesMasterIdLst>
   <p:sldIdLst>
-    <p:sldId id="275" r:id="rId2"/>
+    <p:sldId id="277" r:id="rId2"/>
+    <p:sldId id="278" r:id="rId3"/>
   </p:sldIdLst>
   <p:sldSz cx="12192000" cy="6858000"/>
   <p:notesSz cx="6858000" cy="9144000"/>
@@ -126,6 +127,6863 @@
 </p:presentation>
 </file>
 
+<file path=ppt/diagrams/colors1.xml><?xml version="1.0" encoding="utf-8"?>
+<dgm:colorsDef xmlns:dgm="http://schemas.openxmlformats.org/drawingml/2006/diagram" xmlns:a="http://schemas.openxmlformats.org/drawingml/2006/main" uniqueId="urn:microsoft.com/office/officeart/2005/8/colors/accent1_2">
+  <dgm:title val=""/>
+  <dgm:desc val=""/>
+  <dgm:catLst>
+    <dgm:cat type="accent1" pri="11200"/>
+  </dgm:catLst>
+  <dgm:styleLbl name="node0">
+    <dgm:fillClrLst meth="repeat">
+      <a:schemeClr val="accent1"/>
+    </dgm:fillClrLst>
+    <dgm:linClrLst meth="repeat">
+      <a:schemeClr val="lt1"/>
+    </dgm:linClrLst>
+    <dgm:effectClrLst/>
+    <dgm:txLinClrLst/>
+    <dgm:txFillClrLst/>
+    <dgm:txEffectClrLst/>
+  </dgm:styleLbl>
+  <dgm:styleLbl name="alignNode1">
+    <dgm:fillClrLst meth="repeat">
+      <a:schemeClr val="accent1"/>
+    </dgm:fillClrLst>
+    <dgm:linClrLst meth="repeat">
+      <a:schemeClr val="accent1"/>
+    </dgm:linClrLst>
+    <dgm:effectClrLst/>
+    <dgm:txLinClrLst/>
+    <dgm:txFillClrLst/>
+    <dgm:txEffectClrLst/>
+  </dgm:styleLbl>
+  <dgm:styleLbl name="node1">
+    <dgm:fillClrLst meth="repeat">
+      <a:schemeClr val="accent1"/>
+    </dgm:fillClrLst>
+    <dgm:linClrLst meth="repeat">
+      <a:schemeClr val="lt1"/>
+    </dgm:linClrLst>
+    <dgm:effectClrLst/>
+    <dgm:txLinClrLst/>
+    <dgm:txFillClrLst/>
+    <dgm:txEffectClrLst/>
+  </dgm:styleLbl>
+  <dgm:styleLbl name="lnNode1">
+    <dgm:fillClrLst meth="repeat">
+      <a:schemeClr val="accent1"/>
+    </dgm:fillClrLst>
+    <dgm:linClrLst meth="repeat">
+      <a:schemeClr val="lt1"/>
+    </dgm:linClrLst>
+    <dgm:effectClrLst/>
+    <dgm:txLinClrLst/>
+    <dgm:txFillClrLst/>
+    <dgm:txEffectClrLst/>
+  </dgm:styleLbl>
+  <dgm:styleLbl name="vennNode1">
+    <dgm:fillClrLst meth="repeat">
+      <a:schemeClr val="accent1">
+        <a:alpha val="50000"/>
+      </a:schemeClr>
+    </dgm:fillClrLst>
+    <dgm:linClrLst meth="repeat">
+      <a:schemeClr val="lt1"/>
+    </dgm:linClrLst>
+    <dgm:effectClrLst/>
+    <dgm:txLinClrLst/>
+    <dgm:txFillClrLst/>
+    <dgm:txEffectClrLst/>
+  </dgm:styleLbl>
+  <dgm:styleLbl name="node2">
+    <dgm:fillClrLst meth="repeat">
+      <a:schemeClr val="accent1"/>
+    </dgm:fillClrLst>
+    <dgm:linClrLst meth="repeat">
+      <a:schemeClr val="lt1"/>
+    </dgm:linClrLst>
+    <dgm:effectClrLst/>
+    <dgm:txLinClrLst/>
+    <dgm:txFillClrLst/>
+    <dgm:txEffectClrLst/>
+  </dgm:styleLbl>
+  <dgm:styleLbl name="node3">
+    <dgm:fillClrLst meth="repeat">
+      <a:schemeClr val="accent1"/>
+    </dgm:fillClrLst>
+    <dgm:linClrLst meth="repeat">
+      <a:schemeClr val="lt1"/>
+    </dgm:linClrLst>
+    <dgm:effectClrLst/>
+    <dgm:txLinClrLst/>
+    <dgm:txFillClrLst/>
+    <dgm:txEffectClrLst/>
+  </dgm:styleLbl>
+  <dgm:styleLbl name="node4">
+    <dgm:fillClrLst meth="repeat">
+      <a:schemeClr val="accent1"/>
+    </dgm:fillClrLst>
+    <dgm:linClrLst meth="repeat">
+      <a:schemeClr val="lt1"/>
+    </dgm:linClrLst>
+    <dgm:effectClrLst/>
+    <dgm:txLinClrLst/>
+    <dgm:txFillClrLst/>
+    <dgm:txEffectClrLst/>
+  </dgm:styleLbl>
+  <dgm:styleLbl name="fgImgPlace1">
+    <dgm:fillClrLst meth="repeat">
+      <a:schemeClr val="accent1">
+        <a:tint val="50000"/>
+      </a:schemeClr>
+    </dgm:fillClrLst>
+    <dgm:linClrLst meth="repeat">
+      <a:schemeClr val="lt1"/>
+    </dgm:linClrLst>
+    <dgm:effectClrLst/>
+    <dgm:txLinClrLst/>
+    <dgm:txFillClrLst meth="repeat">
+      <a:schemeClr val="lt1"/>
+    </dgm:txFillClrLst>
+    <dgm:txEffectClrLst/>
+  </dgm:styleLbl>
+  <dgm:styleLbl name="alignImgPlace1">
+    <dgm:fillClrLst meth="repeat">
+      <a:schemeClr val="accent1">
+        <a:tint val="50000"/>
+      </a:schemeClr>
+    </dgm:fillClrLst>
+    <dgm:linClrLst meth="repeat">
+      <a:schemeClr val="lt1"/>
+    </dgm:linClrLst>
+    <dgm:effectClrLst/>
+    <dgm:txLinClrLst/>
+    <dgm:txFillClrLst meth="repeat">
+      <a:schemeClr val="lt1"/>
+    </dgm:txFillClrLst>
+    <dgm:txEffectClrLst/>
+  </dgm:styleLbl>
+  <dgm:styleLbl name="bgImgPlace1">
+    <dgm:fillClrLst meth="repeat">
+      <a:schemeClr val="accent1">
+        <a:tint val="50000"/>
+      </a:schemeClr>
+    </dgm:fillClrLst>
+    <dgm:linClrLst meth="repeat">
+      <a:schemeClr val="lt1"/>
+    </dgm:linClrLst>
+    <dgm:effectClrLst/>
+    <dgm:txLinClrLst/>
+    <dgm:txFillClrLst meth="repeat">
+      <a:schemeClr val="lt1"/>
+    </dgm:txFillClrLst>
+    <dgm:txEffectClrLst/>
+  </dgm:styleLbl>
+  <dgm:styleLbl name="sibTrans2D1">
+    <dgm:fillClrLst meth="repeat">
+      <a:schemeClr val="accent1">
+        <a:tint val="60000"/>
+      </a:schemeClr>
+    </dgm:fillClrLst>
+    <dgm:linClrLst meth="repeat">
+      <a:schemeClr val="accent1">
+        <a:tint val="60000"/>
+      </a:schemeClr>
+    </dgm:linClrLst>
+    <dgm:effectClrLst/>
+    <dgm:txLinClrLst/>
+    <dgm:txFillClrLst/>
+    <dgm:txEffectClrLst/>
+  </dgm:styleLbl>
+  <dgm:styleLbl name="fgSibTrans2D1">
+    <dgm:fillClrLst meth="repeat">
+      <a:schemeClr val="accent1">
+        <a:tint val="60000"/>
+      </a:schemeClr>
+    </dgm:fillClrLst>
+    <dgm:linClrLst meth="repeat">
+      <a:schemeClr val="accent1">
+        <a:tint val="60000"/>
+      </a:schemeClr>
+    </dgm:linClrLst>
+    <dgm:effectClrLst/>
+    <dgm:txLinClrLst/>
+    <dgm:txFillClrLst/>
+    <dgm:txEffectClrLst/>
+  </dgm:styleLbl>
+  <dgm:styleLbl name="bgSibTrans2D1">
+    <dgm:fillClrLst meth="repeat">
+      <a:schemeClr val="accent1">
+        <a:tint val="60000"/>
+      </a:schemeClr>
+    </dgm:fillClrLst>
+    <dgm:linClrLst meth="repeat">
+      <a:schemeClr val="accent1">
+        <a:tint val="60000"/>
+      </a:schemeClr>
+    </dgm:linClrLst>
+    <dgm:effectClrLst/>
+    <dgm:txLinClrLst/>
+    <dgm:txFillClrLst/>
+    <dgm:txEffectClrLst/>
+  </dgm:styleLbl>
+  <dgm:styleLbl name="sibTrans1D1">
+    <dgm:fillClrLst meth="repeat">
+      <a:schemeClr val="accent1"/>
+    </dgm:fillClrLst>
+    <dgm:linClrLst meth="repeat">
+      <a:schemeClr val="accent1"/>
+    </dgm:linClrLst>
+    <dgm:effectClrLst/>
+    <dgm:txLinClrLst/>
+    <dgm:txFillClrLst meth="repeat">
+      <a:schemeClr val="tx1"/>
+    </dgm:txFillClrLst>
+    <dgm:txEffectClrLst/>
+  </dgm:styleLbl>
+  <dgm:styleLbl name="callout">
+    <dgm:fillClrLst meth="repeat">
+      <a:schemeClr val="accent1"/>
+    </dgm:fillClrLst>
+    <dgm:linClrLst meth="repeat">
+      <a:schemeClr val="accent1">
+        <a:tint val="50000"/>
+      </a:schemeClr>
+    </dgm:linClrLst>
+    <dgm:effectClrLst/>
+    <dgm:txLinClrLst/>
+    <dgm:txFillClrLst meth="repeat">
+      <a:schemeClr val="tx1"/>
+    </dgm:txFillClrLst>
+    <dgm:txEffectClrLst/>
+  </dgm:styleLbl>
+  <dgm:styleLbl name="asst0">
+    <dgm:fillClrLst meth="repeat">
+      <a:schemeClr val="accent1"/>
+    </dgm:fillClrLst>
+    <dgm:linClrLst meth="repeat">
+      <a:schemeClr val="lt1"/>
+    </dgm:linClrLst>
+    <dgm:effectClrLst/>
+    <dgm:txLinClrLst/>
+    <dgm:txFillClrLst/>
+    <dgm:txEffectClrLst/>
+  </dgm:styleLbl>
+  <dgm:styleLbl name="asst1">
+    <dgm:fillClrLst meth="repeat">
+      <a:schemeClr val="accent1"/>
+    </dgm:fillClrLst>
+    <dgm:linClrLst meth="repeat">
+      <a:schemeClr val="lt1"/>
+    </dgm:linClrLst>
+    <dgm:effectClrLst/>
+    <dgm:txLinClrLst/>
+    <dgm:txFillClrLst/>
+    <dgm:txEffectClrLst/>
+  </dgm:styleLbl>
+  <dgm:styleLbl name="asst2">
+    <dgm:fillClrLst meth="repeat">
+      <a:schemeClr val="accent1"/>
+    </dgm:fillClrLst>
+    <dgm:linClrLst meth="repeat">
+      <a:schemeClr val="lt1"/>
+    </dgm:linClrLst>
+    <dgm:effectClrLst/>
+    <dgm:txLinClrLst/>
+    <dgm:txFillClrLst/>
+    <dgm:txEffectClrLst/>
+  </dgm:styleLbl>
+  <dgm:styleLbl name="asst3">
+    <dgm:fillClrLst meth="repeat">
+      <a:schemeClr val="accent1"/>
+    </dgm:fillClrLst>
+    <dgm:linClrLst meth="repeat">
+      <a:schemeClr val="lt1"/>
+    </dgm:linClrLst>
+    <dgm:effectClrLst/>
+    <dgm:txLinClrLst/>
+    <dgm:txFillClrLst/>
+    <dgm:txEffectClrLst/>
+  </dgm:styleLbl>
+  <dgm:styleLbl name="asst4">
+    <dgm:fillClrLst meth="repeat">
+      <a:schemeClr val="accent1"/>
+    </dgm:fillClrLst>
+    <dgm:linClrLst meth="repeat">
+      <a:schemeClr val="lt1"/>
+    </dgm:linClrLst>
+    <dgm:effectClrLst/>
+    <dgm:txLinClrLst/>
+    <dgm:txFillClrLst/>
+    <dgm:txEffectClrLst/>
+  </dgm:styleLbl>
+  <dgm:styleLbl name="parChTrans2D1">
+    <dgm:fillClrLst meth="repeat">
+      <a:schemeClr val="accent1">
+        <a:tint val="60000"/>
+      </a:schemeClr>
+    </dgm:fillClrLst>
+    <dgm:linClrLst meth="repeat">
+      <a:schemeClr val="accent1">
+        <a:tint val="60000"/>
+      </a:schemeClr>
+    </dgm:linClrLst>
+    <dgm:effectClrLst/>
+    <dgm:txLinClrLst/>
+    <dgm:txFillClrLst meth="repeat">
+      <a:schemeClr val="lt1"/>
+    </dgm:txFillClrLst>
+    <dgm:txEffectClrLst/>
+  </dgm:styleLbl>
+  <dgm:styleLbl name="parChTrans2D2">
+    <dgm:fillClrLst meth="repeat">
+      <a:schemeClr val="accent1"/>
+    </dgm:fillClrLst>
+    <dgm:linClrLst meth="repeat">
+      <a:schemeClr val="accent1"/>
+    </dgm:linClrLst>
+    <dgm:effectClrLst/>
+    <dgm:txLinClrLst/>
+    <dgm:txFillClrLst meth="repeat">
+      <a:schemeClr val="lt1"/>
+    </dgm:txFillClrLst>
+    <dgm:txEffectClrLst/>
+  </dgm:styleLbl>
+  <dgm:styleLbl name="parChTrans2D3">
+    <dgm:fillClrLst meth="repeat">
+      <a:schemeClr val="accent1"/>
+    </dgm:fillClrLst>
+    <dgm:linClrLst meth="repeat">
+      <a:schemeClr val="accent1"/>
+    </dgm:linClrLst>
+    <dgm:effectClrLst/>
+    <dgm:txLinClrLst/>
+    <dgm:txFillClrLst meth="repeat">
+      <a:schemeClr val="lt1"/>
+    </dgm:txFillClrLst>
+    <dgm:txEffectClrLst/>
+  </dgm:styleLbl>
+  <dgm:styleLbl name="parChTrans2D4">
+    <dgm:fillClrLst meth="repeat">
+      <a:schemeClr val="accent1"/>
+    </dgm:fillClrLst>
+    <dgm:linClrLst meth="repeat">
+      <a:schemeClr val="accent1"/>
+    </dgm:linClrLst>
+    <dgm:effectClrLst/>
+    <dgm:txLinClrLst/>
+    <dgm:txFillClrLst meth="repeat">
+      <a:schemeClr val="lt1"/>
+    </dgm:txFillClrLst>
+    <dgm:txEffectClrLst/>
+  </dgm:styleLbl>
+  <dgm:styleLbl name="parChTrans1D1">
+    <dgm:fillClrLst meth="repeat">
+      <a:schemeClr val="accent1"/>
+    </dgm:fillClrLst>
+    <dgm:linClrLst meth="repeat">
+      <a:schemeClr val="accent1">
+        <a:shade val="60000"/>
+      </a:schemeClr>
+    </dgm:linClrLst>
+    <dgm:effectClrLst/>
+    <dgm:txLinClrLst/>
+    <dgm:txFillClrLst meth="repeat">
+      <a:schemeClr val="tx1"/>
+    </dgm:txFillClrLst>
+    <dgm:txEffectClrLst/>
+  </dgm:styleLbl>
+  <dgm:styleLbl name="parChTrans1D2">
+    <dgm:fillClrLst meth="repeat">
+      <a:schemeClr val="accent1"/>
+    </dgm:fillClrLst>
+    <dgm:linClrLst meth="repeat">
+      <a:schemeClr val="accent1">
+        <a:shade val="60000"/>
+      </a:schemeClr>
+    </dgm:linClrLst>
+    <dgm:effectClrLst/>
+    <dgm:txLinClrLst/>
+    <dgm:txFillClrLst meth="repeat">
+      <a:schemeClr val="tx1"/>
+    </dgm:txFillClrLst>
+    <dgm:txEffectClrLst/>
+  </dgm:styleLbl>
+  <dgm:styleLbl name="parChTrans1D3">
+    <dgm:fillClrLst meth="repeat">
+      <a:schemeClr val="accent1"/>
+    </dgm:fillClrLst>
+    <dgm:linClrLst meth="repeat">
+      <a:schemeClr val="accent1">
+        <a:shade val="80000"/>
+      </a:schemeClr>
+    </dgm:linClrLst>
+    <dgm:effectClrLst/>
+    <dgm:txLinClrLst/>
+    <dgm:txFillClrLst meth="repeat">
+      <a:schemeClr val="tx1"/>
+    </dgm:txFillClrLst>
+    <dgm:txEffectClrLst/>
+  </dgm:styleLbl>
+  <dgm:styleLbl name="parChTrans1D4">
+    <dgm:fillClrLst meth="repeat">
+      <a:schemeClr val="accent1"/>
+    </dgm:fillClrLst>
+    <dgm:linClrLst meth="repeat">
+      <a:schemeClr val="accent1">
+        <a:shade val="80000"/>
+      </a:schemeClr>
+    </dgm:linClrLst>
+    <dgm:effectClrLst/>
+    <dgm:txLinClrLst/>
+    <dgm:txFillClrLst meth="repeat">
+      <a:schemeClr val="tx1"/>
+    </dgm:txFillClrLst>
+    <dgm:txEffectClrLst/>
+  </dgm:styleLbl>
+  <dgm:styleLbl name="fgAcc1">
+    <dgm:fillClrLst meth="repeat">
+      <a:schemeClr val="lt1">
+        <a:alpha val="90000"/>
+      </a:schemeClr>
+    </dgm:fillClrLst>
+    <dgm:linClrLst meth="repeat">
+      <a:schemeClr val="accent1"/>
+    </dgm:linClrLst>
+    <dgm:effectClrLst/>
+    <dgm:txLinClrLst/>
+    <dgm:txFillClrLst meth="repeat">
+      <a:schemeClr val="dk1"/>
+    </dgm:txFillClrLst>
+    <dgm:txEffectClrLst/>
+  </dgm:styleLbl>
+  <dgm:styleLbl name="conFgAcc1">
+    <dgm:fillClrLst meth="repeat">
+      <a:schemeClr val="lt1">
+        <a:alpha val="90000"/>
+      </a:schemeClr>
+    </dgm:fillClrLst>
+    <dgm:linClrLst meth="repeat">
+      <a:schemeClr val="accent1"/>
+    </dgm:linClrLst>
+    <dgm:effectClrLst/>
+    <dgm:txLinClrLst/>
+    <dgm:txFillClrLst meth="repeat">
+      <a:schemeClr val="dk1"/>
+    </dgm:txFillClrLst>
+    <dgm:txEffectClrLst/>
+  </dgm:styleLbl>
+  <dgm:styleLbl name="alignAcc1">
+    <dgm:fillClrLst meth="repeat">
+      <a:schemeClr val="lt1">
+        <a:alpha val="90000"/>
+      </a:schemeClr>
+    </dgm:fillClrLst>
+    <dgm:linClrLst meth="repeat">
+      <a:schemeClr val="accent1"/>
+    </dgm:linClrLst>
+    <dgm:effectClrLst/>
+    <dgm:txLinClrLst/>
+    <dgm:txFillClrLst meth="repeat">
+      <a:schemeClr val="dk1"/>
+    </dgm:txFillClrLst>
+    <dgm:txEffectClrLst/>
+  </dgm:styleLbl>
+  <dgm:styleLbl name="trAlignAcc1">
+    <dgm:fillClrLst meth="repeat">
+      <a:schemeClr val="lt1">
+        <a:alpha val="40000"/>
+      </a:schemeClr>
+    </dgm:fillClrLst>
+    <dgm:linClrLst meth="repeat">
+      <a:schemeClr val="accent1"/>
+    </dgm:linClrLst>
+    <dgm:effectClrLst/>
+    <dgm:txLinClrLst/>
+    <dgm:txFillClrLst meth="repeat">
+      <a:schemeClr val="dk1"/>
+    </dgm:txFillClrLst>
+    <dgm:txEffectClrLst/>
+  </dgm:styleLbl>
+  <dgm:styleLbl name="bgAcc1">
+    <dgm:fillClrLst meth="repeat">
+      <a:schemeClr val="lt1">
+        <a:alpha val="90000"/>
+      </a:schemeClr>
+    </dgm:fillClrLst>
+    <dgm:linClrLst meth="repeat">
+      <a:schemeClr val="accent1"/>
+    </dgm:linClrLst>
+    <dgm:effectClrLst/>
+    <dgm:txLinClrLst/>
+    <dgm:txFillClrLst meth="repeat">
+      <a:schemeClr val="dk1"/>
+    </dgm:txFillClrLst>
+    <dgm:txEffectClrLst/>
+  </dgm:styleLbl>
+  <dgm:styleLbl name="solidFgAcc1">
+    <dgm:fillClrLst meth="repeat">
+      <a:schemeClr val="lt1"/>
+    </dgm:fillClrLst>
+    <dgm:linClrLst meth="repeat">
+      <a:schemeClr val="accent1"/>
+    </dgm:linClrLst>
+    <dgm:effectClrLst/>
+    <dgm:txLinClrLst/>
+    <dgm:txFillClrLst meth="repeat">
+      <a:schemeClr val="dk1"/>
+    </dgm:txFillClrLst>
+    <dgm:txEffectClrLst/>
+  </dgm:styleLbl>
+  <dgm:styleLbl name="solidAlignAcc1">
+    <dgm:fillClrLst meth="repeat">
+      <a:schemeClr val="lt1"/>
+    </dgm:fillClrLst>
+    <dgm:linClrLst meth="repeat">
+      <a:schemeClr val="accent1"/>
+    </dgm:linClrLst>
+    <dgm:effectClrLst/>
+    <dgm:txLinClrLst/>
+    <dgm:txFillClrLst meth="repeat">
+      <a:schemeClr val="dk1"/>
+    </dgm:txFillClrLst>
+    <dgm:txEffectClrLst/>
+  </dgm:styleLbl>
+  <dgm:styleLbl name="solidBgAcc1">
+    <dgm:fillClrLst meth="repeat">
+      <a:schemeClr val="lt1"/>
+    </dgm:fillClrLst>
+    <dgm:linClrLst meth="repeat">
+      <a:schemeClr val="accent1"/>
+    </dgm:linClrLst>
+    <dgm:effectClrLst/>
+    <dgm:txLinClrLst/>
+    <dgm:txFillClrLst meth="repeat">
+      <a:schemeClr val="dk1"/>
+    </dgm:txFillClrLst>
+    <dgm:txEffectClrLst/>
+  </dgm:styleLbl>
+  <dgm:styleLbl name="fgAccFollowNode1">
+    <dgm:fillClrLst meth="repeat">
+      <a:schemeClr val="accent1">
+        <a:alpha val="90000"/>
+        <a:tint val="40000"/>
+      </a:schemeClr>
+    </dgm:fillClrLst>
+    <dgm:linClrLst meth="repeat">
+      <a:schemeClr val="accent1">
+        <a:alpha val="90000"/>
+        <a:tint val="40000"/>
+      </a:schemeClr>
+    </dgm:linClrLst>
+    <dgm:effectClrLst/>
+    <dgm:txLinClrLst/>
+    <dgm:txFillClrLst meth="repeat">
+      <a:schemeClr val="dk1"/>
+    </dgm:txFillClrLst>
+    <dgm:txEffectClrLst/>
+  </dgm:styleLbl>
+  <dgm:styleLbl name="alignAccFollowNode1">
+    <dgm:fillClrLst meth="repeat">
+      <a:schemeClr val="accent1">
+        <a:alpha val="90000"/>
+        <a:tint val="40000"/>
+      </a:schemeClr>
+    </dgm:fillClrLst>
+    <dgm:linClrLst meth="repeat">
+      <a:schemeClr val="accent1">
+        <a:alpha val="90000"/>
+        <a:tint val="40000"/>
+      </a:schemeClr>
+    </dgm:linClrLst>
+    <dgm:effectClrLst/>
+    <dgm:txLinClrLst/>
+    <dgm:txFillClrLst meth="repeat">
+      <a:schemeClr val="dk1"/>
+    </dgm:txFillClrLst>
+    <dgm:txEffectClrLst/>
+  </dgm:styleLbl>
+  <dgm:styleLbl name="bgAccFollowNode1">
+    <dgm:fillClrLst meth="repeat">
+      <a:schemeClr val="accent1">
+        <a:alpha val="90000"/>
+        <a:tint val="40000"/>
+      </a:schemeClr>
+    </dgm:fillClrLst>
+    <dgm:linClrLst meth="repeat">
+      <a:schemeClr val="accent1">
+        <a:alpha val="90000"/>
+        <a:tint val="40000"/>
+      </a:schemeClr>
+    </dgm:linClrLst>
+    <dgm:effectClrLst/>
+    <dgm:txLinClrLst/>
+    <dgm:txFillClrLst meth="repeat">
+      <a:schemeClr val="dk1"/>
+    </dgm:txFillClrLst>
+    <dgm:txEffectClrLst/>
+  </dgm:styleLbl>
+  <dgm:styleLbl name="fgAcc0">
+    <dgm:fillClrLst meth="repeat">
+      <a:schemeClr val="lt1">
+        <a:alpha val="90000"/>
+      </a:schemeClr>
+    </dgm:fillClrLst>
+    <dgm:linClrLst meth="repeat">
+      <a:schemeClr val="accent1"/>
+    </dgm:linClrLst>
+    <dgm:effectClrLst/>
+    <dgm:txLinClrLst/>
+    <dgm:txFillClrLst meth="repeat">
+      <a:schemeClr val="dk1"/>
+    </dgm:txFillClrLst>
+    <dgm:txEffectClrLst/>
+  </dgm:styleLbl>
+  <dgm:styleLbl name="fgAcc2">
+    <dgm:fillClrLst meth="repeat">
+      <a:schemeClr val="lt1">
+        <a:alpha val="90000"/>
+      </a:schemeClr>
+    </dgm:fillClrLst>
+    <dgm:linClrLst meth="repeat">
+      <a:schemeClr val="accent1"/>
+    </dgm:linClrLst>
+    <dgm:effectClrLst/>
+    <dgm:txLinClrLst/>
+    <dgm:txFillClrLst meth="repeat">
+      <a:schemeClr val="dk1"/>
+    </dgm:txFillClrLst>
+    <dgm:txEffectClrLst/>
+  </dgm:styleLbl>
+  <dgm:styleLbl name="fgAcc3">
+    <dgm:fillClrLst meth="repeat">
+      <a:schemeClr val="lt1">
+        <a:alpha val="90000"/>
+      </a:schemeClr>
+    </dgm:fillClrLst>
+    <dgm:linClrLst meth="repeat">
+      <a:schemeClr val="accent1"/>
+    </dgm:linClrLst>
+    <dgm:effectClrLst/>
+    <dgm:txLinClrLst/>
+    <dgm:txFillClrLst meth="repeat">
+      <a:schemeClr val="dk1"/>
+    </dgm:txFillClrLst>
+    <dgm:txEffectClrLst/>
+  </dgm:styleLbl>
+  <dgm:styleLbl name="fgAcc4">
+    <dgm:fillClrLst meth="repeat">
+      <a:schemeClr val="lt1">
+        <a:alpha val="90000"/>
+      </a:schemeClr>
+    </dgm:fillClrLst>
+    <dgm:linClrLst meth="repeat">
+      <a:schemeClr val="accent1"/>
+    </dgm:linClrLst>
+    <dgm:effectClrLst/>
+    <dgm:txLinClrLst/>
+    <dgm:txFillClrLst meth="repeat">
+      <a:schemeClr val="dk1"/>
+    </dgm:txFillClrLst>
+    <dgm:txEffectClrLst/>
+  </dgm:styleLbl>
+  <dgm:styleLbl name="bgShp">
+    <dgm:fillClrLst meth="repeat">
+      <a:schemeClr val="accent1">
+        <a:tint val="40000"/>
+      </a:schemeClr>
+    </dgm:fillClrLst>
+    <dgm:linClrLst meth="repeat">
+      <a:schemeClr val="accent1"/>
+    </dgm:linClrLst>
+    <dgm:effectClrLst/>
+    <dgm:txLinClrLst/>
+    <dgm:txFillClrLst meth="repeat">
+      <a:schemeClr val="dk1"/>
+    </dgm:txFillClrLst>
+    <dgm:txEffectClrLst/>
+  </dgm:styleLbl>
+  <dgm:styleLbl name="dkBgShp">
+    <dgm:fillClrLst meth="repeat">
+      <a:schemeClr val="accent1">
+        <a:shade val="80000"/>
+      </a:schemeClr>
+    </dgm:fillClrLst>
+    <dgm:linClrLst meth="repeat">
+      <a:schemeClr val="accent1"/>
+    </dgm:linClrLst>
+    <dgm:effectClrLst/>
+    <dgm:txLinClrLst/>
+    <dgm:txFillClrLst meth="repeat">
+      <a:schemeClr val="lt1"/>
+    </dgm:txFillClrLst>
+    <dgm:txEffectClrLst/>
+  </dgm:styleLbl>
+  <dgm:styleLbl name="trBgShp">
+    <dgm:fillClrLst meth="repeat">
+      <a:schemeClr val="accent1">
+        <a:tint val="50000"/>
+        <a:alpha val="40000"/>
+      </a:schemeClr>
+    </dgm:fillClrLst>
+    <dgm:linClrLst meth="repeat">
+      <a:schemeClr val="accent1"/>
+    </dgm:linClrLst>
+    <dgm:effectClrLst/>
+    <dgm:txLinClrLst/>
+    <dgm:txFillClrLst meth="repeat">
+      <a:schemeClr val="lt1"/>
+    </dgm:txFillClrLst>
+    <dgm:txEffectClrLst/>
+  </dgm:styleLbl>
+  <dgm:styleLbl name="fgShp">
+    <dgm:fillClrLst meth="repeat">
+      <a:schemeClr val="accent1">
+        <a:tint val="60000"/>
+      </a:schemeClr>
+    </dgm:fillClrLst>
+    <dgm:linClrLst meth="repeat">
+      <a:schemeClr val="lt1"/>
+    </dgm:linClrLst>
+    <dgm:effectClrLst/>
+    <dgm:txLinClrLst/>
+    <dgm:txFillClrLst meth="repeat">
+      <a:schemeClr val="dk1"/>
+    </dgm:txFillClrLst>
+    <dgm:txEffectClrLst/>
+  </dgm:styleLbl>
+  <dgm:styleLbl name="revTx">
+    <dgm:fillClrLst meth="repeat">
+      <a:schemeClr val="lt1">
+        <a:alpha val="0"/>
+      </a:schemeClr>
+    </dgm:fillClrLst>
+    <dgm:linClrLst meth="repeat">
+      <a:schemeClr val="dk1">
+        <a:alpha val="0"/>
+      </a:schemeClr>
+    </dgm:linClrLst>
+    <dgm:effectClrLst/>
+    <dgm:txLinClrLst/>
+    <dgm:txFillClrLst meth="repeat">
+      <a:schemeClr val="tx1"/>
+    </dgm:txFillClrLst>
+    <dgm:txEffectClrLst/>
+  </dgm:styleLbl>
+</dgm:colorsDef>
+</file>
+
+<file path=ppt/diagrams/colors2.xml><?xml version="1.0" encoding="utf-8"?>
+<dgm:colorsDef xmlns:dgm="http://schemas.openxmlformats.org/drawingml/2006/diagram" xmlns:a="http://schemas.openxmlformats.org/drawingml/2006/main" uniqueId="urn:microsoft.com/office/officeart/2005/8/colors/accent1_2">
+  <dgm:title val=""/>
+  <dgm:desc val=""/>
+  <dgm:catLst>
+    <dgm:cat type="accent1" pri="11200"/>
+  </dgm:catLst>
+  <dgm:styleLbl name="node0">
+    <dgm:fillClrLst meth="repeat">
+      <a:schemeClr val="accent1"/>
+    </dgm:fillClrLst>
+    <dgm:linClrLst meth="repeat">
+      <a:schemeClr val="lt1"/>
+    </dgm:linClrLst>
+    <dgm:effectClrLst/>
+    <dgm:txLinClrLst/>
+    <dgm:txFillClrLst/>
+    <dgm:txEffectClrLst/>
+  </dgm:styleLbl>
+  <dgm:styleLbl name="alignNode1">
+    <dgm:fillClrLst meth="repeat">
+      <a:schemeClr val="accent1"/>
+    </dgm:fillClrLst>
+    <dgm:linClrLst meth="repeat">
+      <a:schemeClr val="accent1"/>
+    </dgm:linClrLst>
+    <dgm:effectClrLst/>
+    <dgm:txLinClrLst/>
+    <dgm:txFillClrLst/>
+    <dgm:txEffectClrLst/>
+  </dgm:styleLbl>
+  <dgm:styleLbl name="node1">
+    <dgm:fillClrLst meth="repeat">
+      <a:schemeClr val="accent1"/>
+    </dgm:fillClrLst>
+    <dgm:linClrLst meth="repeat">
+      <a:schemeClr val="lt1"/>
+    </dgm:linClrLst>
+    <dgm:effectClrLst/>
+    <dgm:txLinClrLst/>
+    <dgm:txFillClrLst/>
+    <dgm:txEffectClrLst/>
+  </dgm:styleLbl>
+  <dgm:styleLbl name="lnNode1">
+    <dgm:fillClrLst meth="repeat">
+      <a:schemeClr val="accent1"/>
+    </dgm:fillClrLst>
+    <dgm:linClrLst meth="repeat">
+      <a:schemeClr val="lt1"/>
+    </dgm:linClrLst>
+    <dgm:effectClrLst/>
+    <dgm:txLinClrLst/>
+    <dgm:txFillClrLst/>
+    <dgm:txEffectClrLst/>
+  </dgm:styleLbl>
+  <dgm:styleLbl name="vennNode1">
+    <dgm:fillClrLst meth="repeat">
+      <a:schemeClr val="accent1">
+        <a:alpha val="50000"/>
+      </a:schemeClr>
+    </dgm:fillClrLst>
+    <dgm:linClrLst meth="repeat">
+      <a:schemeClr val="lt1"/>
+    </dgm:linClrLst>
+    <dgm:effectClrLst/>
+    <dgm:txLinClrLst/>
+    <dgm:txFillClrLst/>
+    <dgm:txEffectClrLst/>
+  </dgm:styleLbl>
+  <dgm:styleLbl name="node2">
+    <dgm:fillClrLst meth="repeat">
+      <a:schemeClr val="accent1"/>
+    </dgm:fillClrLst>
+    <dgm:linClrLst meth="repeat">
+      <a:schemeClr val="lt1"/>
+    </dgm:linClrLst>
+    <dgm:effectClrLst/>
+    <dgm:txLinClrLst/>
+    <dgm:txFillClrLst/>
+    <dgm:txEffectClrLst/>
+  </dgm:styleLbl>
+  <dgm:styleLbl name="node3">
+    <dgm:fillClrLst meth="repeat">
+      <a:schemeClr val="accent1"/>
+    </dgm:fillClrLst>
+    <dgm:linClrLst meth="repeat">
+      <a:schemeClr val="lt1"/>
+    </dgm:linClrLst>
+    <dgm:effectClrLst/>
+    <dgm:txLinClrLst/>
+    <dgm:txFillClrLst/>
+    <dgm:txEffectClrLst/>
+  </dgm:styleLbl>
+  <dgm:styleLbl name="node4">
+    <dgm:fillClrLst meth="repeat">
+      <a:schemeClr val="accent1"/>
+    </dgm:fillClrLst>
+    <dgm:linClrLst meth="repeat">
+      <a:schemeClr val="lt1"/>
+    </dgm:linClrLst>
+    <dgm:effectClrLst/>
+    <dgm:txLinClrLst/>
+    <dgm:txFillClrLst/>
+    <dgm:txEffectClrLst/>
+  </dgm:styleLbl>
+  <dgm:styleLbl name="fgImgPlace1">
+    <dgm:fillClrLst meth="repeat">
+      <a:schemeClr val="accent1">
+        <a:tint val="50000"/>
+      </a:schemeClr>
+    </dgm:fillClrLst>
+    <dgm:linClrLst meth="repeat">
+      <a:schemeClr val="lt1"/>
+    </dgm:linClrLst>
+    <dgm:effectClrLst/>
+    <dgm:txLinClrLst/>
+    <dgm:txFillClrLst meth="repeat">
+      <a:schemeClr val="lt1"/>
+    </dgm:txFillClrLst>
+    <dgm:txEffectClrLst/>
+  </dgm:styleLbl>
+  <dgm:styleLbl name="alignImgPlace1">
+    <dgm:fillClrLst meth="repeat">
+      <a:schemeClr val="accent1">
+        <a:tint val="50000"/>
+      </a:schemeClr>
+    </dgm:fillClrLst>
+    <dgm:linClrLst meth="repeat">
+      <a:schemeClr val="lt1"/>
+    </dgm:linClrLst>
+    <dgm:effectClrLst/>
+    <dgm:txLinClrLst/>
+    <dgm:txFillClrLst meth="repeat">
+      <a:schemeClr val="lt1"/>
+    </dgm:txFillClrLst>
+    <dgm:txEffectClrLst/>
+  </dgm:styleLbl>
+  <dgm:styleLbl name="bgImgPlace1">
+    <dgm:fillClrLst meth="repeat">
+      <a:schemeClr val="accent1">
+        <a:tint val="50000"/>
+      </a:schemeClr>
+    </dgm:fillClrLst>
+    <dgm:linClrLst meth="repeat">
+      <a:schemeClr val="lt1"/>
+    </dgm:linClrLst>
+    <dgm:effectClrLst/>
+    <dgm:txLinClrLst/>
+    <dgm:txFillClrLst meth="repeat">
+      <a:schemeClr val="lt1"/>
+    </dgm:txFillClrLst>
+    <dgm:txEffectClrLst/>
+  </dgm:styleLbl>
+  <dgm:styleLbl name="sibTrans2D1">
+    <dgm:fillClrLst meth="repeat">
+      <a:schemeClr val="accent1">
+        <a:tint val="60000"/>
+      </a:schemeClr>
+    </dgm:fillClrLst>
+    <dgm:linClrLst meth="repeat">
+      <a:schemeClr val="accent1">
+        <a:tint val="60000"/>
+      </a:schemeClr>
+    </dgm:linClrLst>
+    <dgm:effectClrLst/>
+    <dgm:txLinClrLst/>
+    <dgm:txFillClrLst/>
+    <dgm:txEffectClrLst/>
+  </dgm:styleLbl>
+  <dgm:styleLbl name="fgSibTrans2D1">
+    <dgm:fillClrLst meth="repeat">
+      <a:schemeClr val="accent1">
+        <a:tint val="60000"/>
+      </a:schemeClr>
+    </dgm:fillClrLst>
+    <dgm:linClrLst meth="repeat">
+      <a:schemeClr val="accent1">
+        <a:tint val="60000"/>
+      </a:schemeClr>
+    </dgm:linClrLst>
+    <dgm:effectClrLst/>
+    <dgm:txLinClrLst/>
+    <dgm:txFillClrLst/>
+    <dgm:txEffectClrLst/>
+  </dgm:styleLbl>
+  <dgm:styleLbl name="bgSibTrans2D1">
+    <dgm:fillClrLst meth="repeat">
+      <a:schemeClr val="accent1">
+        <a:tint val="60000"/>
+      </a:schemeClr>
+    </dgm:fillClrLst>
+    <dgm:linClrLst meth="repeat">
+      <a:schemeClr val="accent1">
+        <a:tint val="60000"/>
+      </a:schemeClr>
+    </dgm:linClrLst>
+    <dgm:effectClrLst/>
+    <dgm:txLinClrLst/>
+    <dgm:txFillClrLst/>
+    <dgm:txEffectClrLst/>
+  </dgm:styleLbl>
+  <dgm:styleLbl name="sibTrans1D1">
+    <dgm:fillClrLst meth="repeat">
+      <a:schemeClr val="accent1"/>
+    </dgm:fillClrLst>
+    <dgm:linClrLst meth="repeat">
+      <a:schemeClr val="accent1"/>
+    </dgm:linClrLst>
+    <dgm:effectClrLst/>
+    <dgm:txLinClrLst/>
+    <dgm:txFillClrLst meth="repeat">
+      <a:schemeClr val="tx1"/>
+    </dgm:txFillClrLst>
+    <dgm:txEffectClrLst/>
+  </dgm:styleLbl>
+  <dgm:styleLbl name="callout">
+    <dgm:fillClrLst meth="repeat">
+      <a:schemeClr val="accent1"/>
+    </dgm:fillClrLst>
+    <dgm:linClrLst meth="repeat">
+      <a:schemeClr val="accent1">
+        <a:tint val="50000"/>
+      </a:schemeClr>
+    </dgm:linClrLst>
+    <dgm:effectClrLst/>
+    <dgm:txLinClrLst/>
+    <dgm:txFillClrLst meth="repeat">
+      <a:schemeClr val="tx1"/>
+    </dgm:txFillClrLst>
+    <dgm:txEffectClrLst/>
+  </dgm:styleLbl>
+  <dgm:styleLbl name="asst0">
+    <dgm:fillClrLst meth="repeat">
+      <a:schemeClr val="accent1"/>
+    </dgm:fillClrLst>
+    <dgm:linClrLst meth="repeat">
+      <a:schemeClr val="lt1"/>
+    </dgm:linClrLst>
+    <dgm:effectClrLst/>
+    <dgm:txLinClrLst/>
+    <dgm:txFillClrLst/>
+    <dgm:txEffectClrLst/>
+  </dgm:styleLbl>
+  <dgm:styleLbl name="asst1">
+    <dgm:fillClrLst meth="repeat">
+      <a:schemeClr val="accent1"/>
+    </dgm:fillClrLst>
+    <dgm:linClrLst meth="repeat">
+      <a:schemeClr val="lt1"/>
+    </dgm:linClrLst>
+    <dgm:effectClrLst/>
+    <dgm:txLinClrLst/>
+    <dgm:txFillClrLst/>
+    <dgm:txEffectClrLst/>
+  </dgm:styleLbl>
+  <dgm:styleLbl name="asst2">
+    <dgm:fillClrLst meth="repeat">
+      <a:schemeClr val="accent1"/>
+    </dgm:fillClrLst>
+    <dgm:linClrLst meth="repeat">
+      <a:schemeClr val="lt1"/>
+    </dgm:linClrLst>
+    <dgm:effectClrLst/>
+    <dgm:txLinClrLst/>
+    <dgm:txFillClrLst/>
+    <dgm:txEffectClrLst/>
+  </dgm:styleLbl>
+  <dgm:styleLbl name="asst3">
+    <dgm:fillClrLst meth="repeat">
+      <a:schemeClr val="accent1"/>
+    </dgm:fillClrLst>
+    <dgm:linClrLst meth="repeat">
+      <a:schemeClr val="lt1"/>
+    </dgm:linClrLst>
+    <dgm:effectClrLst/>
+    <dgm:txLinClrLst/>
+    <dgm:txFillClrLst/>
+    <dgm:txEffectClrLst/>
+  </dgm:styleLbl>
+  <dgm:styleLbl name="asst4">
+    <dgm:fillClrLst meth="repeat">
+      <a:schemeClr val="accent1"/>
+    </dgm:fillClrLst>
+    <dgm:linClrLst meth="repeat">
+      <a:schemeClr val="lt1"/>
+    </dgm:linClrLst>
+    <dgm:effectClrLst/>
+    <dgm:txLinClrLst/>
+    <dgm:txFillClrLst/>
+    <dgm:txEffectClrLst/>
+  </dgm:styleLbl>
+  <dgm:styleLbl name="parChTrans2D1">
+    <dgm:fillClrLst meth="repeat">
+      <a:schemeClr val="accent1">
+        <a:tint val="60000"/>
+      </a:schemeClr>
+    </dgm:fillClrLst>
+    <dgm:linClrLst meth="repeat">
+      <a:schemeClr val="accent1">
+        <a:tint val="60000"/>
+      </a:schemeClr>
+    </dgm:linClrLst>
+    <dgm:effectClrLst/>
+    <dgm:txLinClrLst/>
+    <dgm:txFillClrLst meth="repeat">
+      <a:schemeClr val="lt1"/>
+    </dgm:txFillClrLst>
+    <dgm:txEffectClrLst/>
+  </dgm:styleLbl>
+  <dgm:styleLbl name="parChTrans2D2">
+    <dgm:fillClrLst meth="repeat">
+      <a:schemeClr val="accent1"/>
+    </dgm:fillClrLst>
+    <dgm:linClrLst meth="repeat">
+      <a:schemeClr val="accent1"/>
+    </dgm:linClrLst>
+    <dgm:effectClrLst/>
+    <dgm:txLinClrLst/>
+    <dgm:txFillClrLst meth="repeat">
+      <a:schemeClr val="lt1"/>
+    </dgm:txFillClrLst>
+    <dgm:txEffectClrLst/>
+  </dgm:styleLbl>
+  <dgm:styleLbl name="parChTrans2D3">
+    <dgm:fillClrLst meth="repeat">
+      <a:schemeClr val="accent1"/>
+    </dgm:fillClrLst>
+    <dgm:linClrLst meth="repeat">
+      <a:schemeClr val="accent1"/>
+    </dgm:linClrLst>
+    <dgm:effectClrLst/>
+    <dgm:txLinClrLst/>
+    <dgm:txFillClrLst meth="repeat">
+      <a:schemeClr val="lt1"/>
+    </dgm:txFillClrLst>
+    <dgm:txEffectClrLst/>
+  </dgm:styleLbl>
+  <dgm:styleLbl name="parChTrans2D4">
+    <dgm:fillClrLst meth="repeat">
+      <a:schemeClr val="accent1"/>
+    </dgm:fillClrLst>
+    <dgm:linClrLst meth="repeat">
+      <a:schemeClr val="accent1"/>
+    </dgm:linClrLst>
+    <dgm:effectClrLst/>
+    <dgm:txLinClrLst/>
+    <dgm:txFillClrLst meth="repeat">
+      <a:schemeClr val="lt1"/>
+    </dgm:txFillClrLst>
+    <dgm:txEffectClrLst/>
+  </dgm:styleLbl>
+  <dgm:styleLbl name="parChTrans1D1">
+    <dgm:fillClrLst meth="repeat">
+      <a:schemeClr val="accent1"/>
+    </dgm:fillClrLst>
+    <dgm:linClrLst meth="repeat">
+      <a:schemeClr val="accent1">
+        <a:shade val="60000"/>
+      </a:schemeClr>
+    </dgm:linClrLst>
+    <dgm:effectClrLst/>
+    <dgm:txLinClrLst/>
+    <dgm:txFillClrLst meth="repeat">
+      <a:schemeClr val="tx1"/>
+    </dgm:txFillClrLst>
+    <dgm:txEffectClrLst/>
+  </dgm:styleLbl>
+  <dgm:styleLbl name="parChTrans1D2">
+    <dgm:fillClrLst meth="repeat">
+      <a:schemeClr val="accent1"/>
+    </dgm:fillClrLst>
+    <dgm:linClrLst meth="repeat">
+      <a:schemeClr val="accent1">
+        <a:shade val="60000"/>
+      </a:schemeClr>
+    </dgm:linClrLst>
+    <dgm:effectClrLst/>
+    <dgm:txLinClrLst/>
+    <dgm:txFillClrLst meth="repeat">
+      <a:schemeClr val="tx1"/>
+    </dgm:txFillClrLst>
+    <dgm:txEffectClrLst/>
+  </dgm:styleLbl>
+  <dgm:styleLbl name="parChTrans1D3">
+    <dgm:fillClrLst meth="repeat">
+      <a:schemeClr val="accent1"/>
+    </dgm:fillClrLst>
+    <dgm:linClrLst meth="repeat">
+      <a:schemeClr val="accent1">
+        <a:shade val="80000"/>
+      </a:schemeClr>
+    </dgm:linClrLst>
+    <dgm:effectClrLst/>
+    <dgm:txLinClrLst/>
+    <dgm:txFillClrLst meth="repeat">
+      <a:schemeClr val="tx1"/>
+    </dgm:txFillClrLst>
+    <dgm:txEffectClrLst/>
+  </dgm:styleLbl>
+  <dgm:styleLbl name="parChTrans1D4">
+    <dgm:fillClrLst meth="repeat">
+      <a:schemeClr val="accent1"/>
+    </dgm:fillClrLst>
+    <dgm:linClrLst meth="repeat">
+      <a:schemeClr val="accent1">
+        <a:shade val="80000"/>
+      </a:schemeClr>
+    </dgm:linClrLst>
+    <dgm:effectClrLst/>
+    <dgm:txLinClrLst/>
+    <dgm:txFillClrLst meth="repeat">
+      <a:schemeClr val="tx1"/>
+    </dgm:txFillClrLst>
+    <dgm:txEffectClrLst/>
+  </dgm:styleLbl>
+  <dgm:styleLbl name="fgAcc1">
+    <dgm:fillClrLst meth="repeat">
+      <a:schemeClr val="lt1">
+        <a:alpha val="90000"/>
+      </a:schemeClr>
+    </dgm:fillClrLst>
+    <dgm:linClrLst meth="repeat">
+      <a:schemeClr val="accent1"/>
+    </dgm:linClrLst>
+    <dgm:effectClrLst/>
+    <dgm:txLinClrLst/>
+    <dgm:txFillClrLst meth="repeat">
+      <a:schemeClr val="dk1"/>
+    </dgm:txFillClrLst>
+    <dgm:txEffectClrLst/>
+  </dgm:styleLbl>
+  <dgm:styleLbl name="conFgAcc1">
+    <dgm:fillClrLst meth="repeat">
+      <a:schemeClr val="lt1">
+        <a:alpha val="90000"/>
+      </a:schemeClr>
+    </dgm:fillClrLst>
+    <dgm:linClrLst meth="repeat">
+      <a:schemeClr val="accent1"/>
+    </dgm:linClrLst>
+    <dgm:effectClrLst/>
+    <dgm:txLinClrLst/>
+    <dgm:txFillClrLst meth="repeat">
+      <a:schemeClr val="dk1"/>
+    </dgm:txFillClrLst>
+    <dgm:txEffectClrLst/>
+  </dgm:styleLbl>
+  <dgm:styleLbl name="alignAcc1">
+    <dgm:fillClrLst meth="repeat">
+      <a:schemeClr val="lt1">
+        <a:alpha val="90000"/>
+      </a:schemeClr>
+    </dgm:fillClrLst>
+    <dgm:linClrLst meth="repeat">
+      <a:schemeClr val="accent1"/>
+    </dgm:linClrLst>
+    <dgm:effectClrLst/>
+    <dgm:txLinClrLst/>
+    <dgm:txFillClrLst meth="repeat">
+      <a:schemeClr val="dk1"/>
+    </dgm:txFillClrLst>
+    <dgm:txEffectClrLst/>
+  </dgm:styleLbl>
+  <dgm:styleLbl name="trAlignAcc1">
+    <dgm:fillClrLst meth="repeat">
+      <a:schemeClr val="lt1">
+        <a:alpha val="40000"/>
+      </a:schemeClr>
+    </dgm:fillClrLst>
+    <dgm:linClrLst meth="repeat">
+      <a:schemeClr val="accent1"/>
+    </dgm:linClrLst>
+    <dgm:effectClrLst/>
+    <dgm:txLinClrLst/>
+    <dgm:txFillClrLst meth="repeat">
+      <a:schemeClr val="dk1"/>
+    </dgm:txFillClrLst>
+    <dgm:txEffectClrLst/>
+  </dgm:styleLbl>
+  <dgm:styleLbl name="bgAcc1">
+    <dgm:fillClrLst meth="repeat">
+      <a:schemeClr val="lt1">
+        <a:alpha val="90000"/>
+      </a:schemeClr>
+    </dgm:fillClrLst>
+    <dgm:linClrLst meth="repeat">
+      <a:schemeClr val="accent1"/>
+    </dgm:linClrLst>
+    <dgm:effectClrLst/>
+    <dgm:txLinClrLst/>
+    <dgm:txFillClrLst meth="repeat">
+      <a:schemeClr val="dk1"/>
+    </dgm:txFillClrLst>
+    <dgm:txEffectClrLst/>
+  </dgm:styleLbl>
+  <dgm:styleLbl name="solidFgAcc1">
+    <dgm:fillClrLst meth="repeat">
+      <a:schemeClr val="lt1"/>
+    </dgm:fillClrLst>
+    <dgm:linClrLst meth="repeat">
+      <a:schemeClr val="accent1"/>
+    </dgm:linClrLst>
+    <dgm:effectClrLst/>
+    <dgm:txLinClrLst/>
+    <dgm:txFillClrLst meth="repeat">
+      <a:schemeClr val="dk1"/>
+    </dgm:txFillClrLst>
+    <dgm:txEffectClrLst/>
+  </dgm:styleLbl>
+  <dgm:styleLbl name="solidAlignAcc1">
+    <dgm:fillClrLst meth="repeat">
+      <a:schemeClr val="lt1"/>
+    </dgm:fillClrLst>
+    <dgm:linClrLst meth="repeat">
+      <a:schemeClr val="accent1"/>
+    </dgm:linClrLst>
+    <dgm:effectClrLst/>
+    <dgm:txLinClrLst/>
+    <dgm:txFillClrLst meth="repeat">
+      <a:schemeClr val="dk1"/>
+    </dgm:txFillClrLst>
+    <dgm:txEffectClrLst/>
+  </dgm:styleLbl>
+  <dgm:styleLbl name="solidBgAcc1">
+    <dgm:fillClrLst meth="repeat">
+      <a:schemeClr val="lt1"/>
+    </dgm:fillClrLst>
+    <dgm:linClrLst meth="repeat">
+      <a:schemeClr val="accent1"/>
+    </dgm:linClrLst>
+    <dgm:effectClrLst/>
+    <dgm:txLinClrLst/>
+    <dgm:txFillClrLst meth="repeat">
+      <a:schemeClr val="dk1"/>
+    </dgm:txFillClrLst>
+    <dgm:txEffectClrLst/>
+  </dgm:styleLbl>
+  <dgm:styleLbl name="fgAccFollowNode1">
+    <dgm:fillClrLst meth="repeat">
+      <a:schemeClr val="accent1">
+        <a:alpha val="90000"/>
+        <a:tint val="40000"/>
+      </a:schemeClr>
+    </dgm:fillClrLst>
+    <dgm:linClrLst meth="repeat">
+      <a:schemeClr val="accent1">
+        <a:alpha val="90000"/>
+        <a:tint val="40000"/>
+      </a:schemeClr>
+    </dgm:linClrLst>
+    <dgm:effectClrLst/>
+    <dgm:txLinClrLst/>
+    <dgm:txFillClrLst meth="repeat">
+      <a:schemeClr val="dk1"/>
+    </dgm:txFillClrLst>
+    <dgm:txEffectClrLst/>
+  </dgm:styleLbl>
+  <dgm:styleLbl name="alignAccFollowNode1">
+    <dgm:fillClrLst meth="repeat">
+      <a:schemeClr val="accent1">
+        <a:alpha val="90000"/>
+        <a:tint val="40000"/>
+      </a:schemeClr>
+    </dgm:fillClrLst>
+    <dgm:linClrLst meth="repeat">
+      <a:schemeClr val="accent1">
+        <a:alpha val="90000"/>
+        <a:tint val="40000"/>
+      </a:schemeClr>
+    </dgm:linClrLst>
+    <dgm:effectClrLst/>
+    <dgm:txLinClrLst/>
+    <dgm:txFillClrLst meth="repeat">
+      <a:schemeClr val="dk1"/>
+    </dgm:txFillClrLst>
+    <dgm:txEffectClrLst/>
+  </dgm:styleLbl>
+  <dgm:styleLbl name="bgAccFollowNode1">
+    <dgm:fillClrLst meth="repeat">
+      <a:schemeClr val="accent1">
+        <a:alpha val="90000"/>
+        <a:tint val="40000"/>
+      </a:schemeClr>
+    </dgm:fillClrLst>
+    <dgm:linClrLst meth="repeat">
+      <a:schemeClr val="accent1">
+        <a:alpha val="90000"/>
+        <a:tint val="40000"/>
+      </a:schemeClr>
+    </dgm:linClrLst>
+    <dgm:effectClrLst/>
+    <dgm:txLinClrLst/>
+    <dgm:txFillClrLst meth="repeat">
+      <a:schemeClr val="dk1"/>
+    </dgm:txFillClrLst>
+    <dgm:txEffectClrLst/>
+  </dgm:styleLbl>
+  <dgm:styleLbl name="fgAcc0">
+    <dgm:fillClrLst meth="repeat">
+      <a:schemeClr val="lt1">
+        <a:alpha val="90000"/>
+      </a:schemeClr>
+    </dgm:fillClrLst>
+    <dgm:linClrLst meth="repeat">
+      <a:schemeClr val="accent1"/>
+    </dgm:linClrLst>
+    <dgm:effectClrLst/>
+    <dgm:txLinClrLst/>
+    <dgm:txFillClrLst meth="repeat">
+      <a:schemeClr val="dk1"/>
+    </dgm:txFillClrLst>
+    <dgm:txEffectClrLst/>
+  </dgm:styleLbl>
+  <dgm:styleLbl name="fgAcc2">
+    <dgm:fillClrLst meth="repeat">
+      <a:schemeClr val="lt1">
+        <a:alpha val="90000"/>
+      </a:schemeClr>
+    </dgm:fillClrLst>
+    <dgm:linClrLst meth="repeat">
+      <a:schemeClr val="accent1"/>
+    </dgm:linClrLst>
+    <dgm:effectClrLst/>
+    <dgm:txLinClrLst/>
+    <dgm:txFillClrLst meth="repeat">
+      <a:schemeClr val="dk1"/>
+    </dgm:txFillClrLst>
+    <dgm:txEffectClrLst/>
+  </dgm:styleLbl>
+  <dgm:styleLbl name="fgAcc3">
+    <dgm:fillClrLst meth="repeat">
+      <a:schemeClr val="lt1">
+        <a:alpha val="90000"/>
+      </a:schemeClr>
+    </dgm:fillClrLst>
+    <dgm:linClrLst meth="repeat">
+      <a:schemeClr val="accent1"/>
+    </dgm:linClrLst>
+    <dgm:effectClrLst/>
+    <dgm:txLinClrLst/>
+    <dgm:txFillClrLst meth="repeat">
+      <a:schemeClr val="dk1"/>
+    </dgm:txFillClrLst>
+    <dgm:txEffectClrLst/>
+  </dgm:styleLbl>
+  <dgm:styleLbl name="fgAcc4">
+    <dgm:fillClrLst meth="repeat">
+      <a:schemeClr val="lt1">
+        <a:alpha val="90000"/>
+      </a:schemeClr>
+    </dgm:fillClrLst>
+    <dgm:linClrLst meth="repeat">
+      <a:schemeClr val="accent1"/>
+    </dgm:linClrLst>
+    <dgm:effectClrLst/>
+    <dgm:txLinClrLst/>
+    <dgm:txFillClrLst meth="repeat">
+      <a:schemeClr val="dk1"/>
+    </dgm:txFillClrLst>
+    <dgm:txEffectClrLst/>
+  </dgm:styleLbl>
+  <dgm:styleLbl name="bgShp">
+    <dgm:fillClrLst meth="repeat">
+      <a:schemeClr val="accent1">
+        <a:tint val="40000"/>
+      </a:schemeClr>
+    </dgm:fillClrLst>
+    <dgm:linClrLst meth="repeat">
+      <a:schemeClr val="accent1"/>
+    </dgm:linClrLst>
+    <dgm:effectClrLst/>
+    <dgm:txLinClrLst/>
+    <dgm:txFillClrLst meth="repeat">
+      <a:schemeClr val="dk1"/>
+    </dgm:txFillClrLst>
+    <dgm:txEffectClrLst/>
+  </dgm:styleLbl>
+  <dgm:styleLbl name="dkBgShp">
+    <dgm:fillClrLst meth="repeat">
+      <a:schemeClr val="accent1">
+        <a:shade val="80000"/>
+      </a:schemeClr>
+    </dgm:fillClrLst>
+    <dgm:linClrLst meth="repeat">
+      <a:schemeClr val="accent1"/>
+    </dgm:linClrLst>
+    <dgm:effectClrLst/>
+    <dgm:txLinClrLst/>
+    <dgm:txFillClrLst meth="repeat">
+      <a:schemeClr val="lt1"/>
+    </dgm:txFillClrLst>
+    <dgm:txEffectClrLst/>
+  </dgm:styleLbl>
+  <dgm:styleLbl name="trBgShp">
+    <dgm:fillClrLst meth="repeat">
+      <a:schemeClr val="accent1">
+        <a:tint val="50000"/>
+        <a:alpha val="40000"/>
+      </a:schemeClr>
+    </dgm:fillClrLst>
+    <dgm:linClrLst meth="repeat">
+      <a:schemeClr val="accent1"/>
+    </dgm:linClrLst>
+    <dgm:effectClrLst/>
+    <dgm:txLinClrLst/>
+    <dgm:txFillClrLst meth="repeat">
+      <a:schemeClr val="lt1"/>
+    </dgm:txFillClrLst>
+    <dgm:txEffectClrLst/>
+  </dgm:styleLbl>
+  <dgm:styleLbl name="fgShp">
+    <dgm:fillClrLst meth="repeat">
+      <a:schemeClr val="accent1">
+        <a:tint val="60000"/>
+      </a:schemeClr>
+    </dgm:fillClrLst>
+    <dgm:linClrLst meth="repeat">
+      <a:schemeClr val="lt1"/>
+    </dgm:linClrLst>
+    <dgm:effectClrLst/>
+    <dgm:txLinClrLst/>
+    <dgm:txFillClrLst meth="repeat">
+      <a:schemeClr val="dk1"/>
+    </dgm:txFillClrLst>
+    <dgm:txEffectClrLst/>
+  </dgm:styleLbl>
+  <dgm:styleLbl name="revTx">
+    <dgm:fillClrLst meth="repeat">
+      <a:schemeClr val="lt1">
+        <a:alpha val="0"/>
+      </a:schemeClr>
+    </dgm:fillClrLst>
+    <dgm:linClrLst meth="repeat">
+      <a:schemeClr val="dk1">
+        <a:alpha val="0"/>
+      </a:schemeClr>
+    </dgm:linClrLst>
+    <dgm:effectClrLst/>
+    <dgm:txLinClrLst/>
+    <dgm:txFillClrLst meth="repeat">
+      <a:schemeClr val="tx1"/>
+    </dgm:txFillClrLst>
+    <dgm:txEffectClrLst/>
+  </dgm:styleLbl>
+</dgm:colorsDef>
+</file>
+
+<file path=ppt/diagrams/data1.xml><?xml version="1.0" encoding="utf-8"?>
+<dgm:dataModel xmlns:dgm="http://schemas.openxmlformats.org/drawingml/2006/diagram" xmlns:a="http://schemas.openxmlformats.org/drawingml/2006/main">
+  <dgm:ptLst>
+    <dgm:pt modelId="{BA2FAB3D-81B6-4C82-BA38-D897035D7D3F}" type="doc">
+      <dgm:prSet loTypeId="urn:microsoft.com/office/officeart/2005/8/layout/process2" loCatId="process" qsTypeId="urn:microsoft.com/office/officeart/2005/8/quickstyle/simple1" qsCatId="simple" csTypeId="urn:microsoft.com/office/officeart/2005/8/colors/accent1_2" csCatId="accent1" phldr="1"/>
+      <dgm:spPr/>
+      <dgm:t>
+        <a:bodyPr/>
+        <a:lstStyle/>
+        <a:p>
+          <a:endParaRPr lang="en-MY"/>
+        </a:p>
+      </dgm:t>
+    </dgm:pt>
+    <dgm:pt modelId="{A5A83577-164B-4C8C-B5F2-52BFBA792537}">
+      <dgm:prSet phldrT="[Text]"/>
+      <dgm:spPr/>
+      <dgm:t>
+        <a:bodyPr/>
+        <a:lstStyle/>
+        <a:p>
+          <a:r>
+            <a:rPr lang="en-MY" dirty="0"/>
+            <a:t>Info-gathering Test </a:t>
+          </a:r>
+        </a:p>
+      </dgm:t>
+    </dgm:pt>
+    <dgm:pt modelId="{AA16010F-7A5D-46F5-99CF-65810E36D089}" type="parTrans" cxnId="{0897F320-0956-4BF0-8105-D891C1E0154D}">
+      <dgm:prSet/>
+      <dgm:spPr/>
+      <dgm:t>
+        <a:bodyPr/>
+        <a:lstStyle/>
+        <a:p>
+          <a:endParaRPr lang="en-MY"/>
+        </a:p>
+      </dgm:t>
+    </dgm:pt>
+    <dgm:pt modelId="{48CA02E2-39E3-4E62-ADA3-E381C4B87116}" type="sibTrans" cxnId="{0897F320-0956-4BF0-8105-D891C1E0154D}">
+      <dgm:prSet/>
+      <dgm:spPr/>
+      <dgm:t>
+        <a:bodyPr/>
+        <a:lstStyle/>
+        <a:p>
+          <a:endParaRPr lang="en-MY"/>
+        </a:p>
+      </dgm:t>
+    </dgm:pt>
+    <dgm:pt modelId="{7D6EF572-5EC6-4C84-8563-FC1F82E66669}">
+      <dgm:prSet phldrT="[Text]"/>
+      <dgm:spPr/>
+      <dgm:t>
+        <a:bodyPr/>
+        <a:lstStyle/>
+        <a:p>
+          <a:r>
+            <a:rPr lang="en-MY" dirty="0"/>
+            <a:t>Hash/signature  Extraction Test</a:t>
+          </a:r>
+        </a:p>
+      </dgm:t>
+    </dgm:pt>
+    <dgm:pt modelId="{B8807F8D-F6A0-4D38-834D-4A9A462280D9}" type="parTrans" cxnId="{1295AE9F-699D-47C0-8965-EBE7367ADCED}">
+      <dgm:prSet/>
+      <dgm:spPr/>
+      <dgm:t>
+        <a:bodyPr/>
+        <a:lstStyle/>
+        <a:p>
+          <a:endParaRPr lang="en-MY"/>
+        </a:p>
+      </dgm:t>
+    </dgm:pt>
+    <dgm:pt modelId="{11281F99-E085-45A5-A926-EF70D4731C20}" type="sibTrans" cxnId="{1295AE9F-699D-47C0-8965-EBE7367ADCED}">
+      <dgm:prSet/>
+      <dgm:spPr/>
+      <dgm:t>
+        <a:bodyPr/>
+        <a:lstStyle/>
+        <a:p>
+          <a:endParaRPr lang="en-MY"/>
+        </a:p>
+      </dgm:t>
+    </dgm:pt>
+    <dgm:pt modelId="{4F0D7010-9C11-49AC-80EA-91A088459301}">
+      <dgm:prSet phldrT="[Text]"/>
+      <dgm:spPr/>
+      <dgm:t>
+        <a:bodyPr/>
+        <a:lstStyle/>
+        <a:p>
+          <a:r>
+            <a:rPr lang="en-MY" dirty="0"/>
+            <a:t>Virus Scanning Test</a:t>
+          </a:r>
+        </a:p>
+      </dgm:t>
+    </dgm:pt>
+    <dgm:pt modelId="{500C3AC0-F4BC-458E-AAAA-E132696450F2}" type="parTrans" cxnId="{CC702852-CAB3-450F-8A36-CFF74948FB24}">
+      <dgm:prSet/>
+      <dgm:spPr/>
+      <dgm:t>
+        <a:bodyPr/>
+        <a:lstStyle/>
+        <a:p>
+          <a:endParaRPr lang="en-MY"/>
+        </a:p>
+      </dgm:t>
+    </dgm:pt>
+    <dgm:pt modelId="{6463B5D0-D7E2-4BEB-BF48-94DFFF26B2FD}" type="sibTrans" cxnId="{CC702852-CAB3-450F-8A36-CFF74948FB24}">
+      <dgm:prSet/>
+      <dgm:spPr/>
+      <dgm:t>
+        <a:bodyPr/>
+        <a:lstStyle/>
+        <a:p>
+          <a:endParaRPr lang="en-MY"/>
+        </a:p>
+      </dgm:t>
+    </dgm:pt>
+    <dgm:pt modelId="{ACBF3CCF-F9B1-4F5A-BD32-B28072EE9D08}">
+      <dgm:prSet/>
+      <dgm:spPr/>
+      <dgm:t>
+        <a:bodyPr/>
+        <a:lstStyle/>
+        <a:p>
+          <a:r>
+            <a:rPr lang="en-MY" dirty="0"/>
+            <a:t>Machine Learning Test</a:t>
+          </a:r>
+        </a:p>
+      </dgm:t>
+    </dgm:pt>
+    <dgm:pt modelId="{0114FC3A-8326-43BF-A8A6-3136659D8097}" type="parTrans" cxnId="{00FB2418-9E5C-496D-8474-C9A4AA04F980}">
+      <dgm:prSet/>
+      <dgm:spPr/>
+      <dgm:t>
+        <a:bodyPr/>
+        <a:lstStyle/>
+        <a:p>
+          <a:endParaRPr lang="en-MY"/>
+        </a:p>
+      </dgm:t>
+    </dgm:pt>
+    <dgm:pt modelId="{30BDC718-B89D-47C6-8ACB-F8CF221E0F9B}" type="sibTrans" cxnId="{00FB2418-9E5C-496D-8474-C9A4AA04F980}">
+      <dgm:prSet/>
+      <dgm:spPr/>
+      <dgm:t>
+        <a:bodyPr/>
+        <a:lstStyle/>
+        <a:p>
+          <a:endParaRPr lang="en-MY"/>
+        </a:p>
+      </dgm:t>
+    </dgm:pt>
+    <dgm:pt modelId="{9677E242-DC52-44FB-8718-7A8C245F9165}">
+      <dgm:prSet/>
+      <dgm:spPr/>
+      <dgm:t>
+        <a:bodyPr/>
+        <a:lstStyle/>
+        <a:p>
+          <a:r>
+            <a:rPr lang="en-MY" dirty="0"/>
+            <a:t>Email Account Test</a:t>
+          </a:r>
+        </a:p>
+      </dgm:t>
+    </dgm:pt>
+    <dgm:pt modelId="{561D92B7-7D30-4F0B-9122-4CFEBCCC15DA}" type="parTrans" cxnId="{2F3F1893-4156-4DF9-94BF-1E21F333100A}">
+      <dgm:prSet/>
+      <dgm:spPr/>
+      <dgm:t>
+        <a:bodyPr/>
+        <a:lstStyle/>
+        <a:p>
+          <a:endParaRPr lang="en-MY"/>
+        </a:p>
+      </dgm:t>
+    </dgm:pt>
+    <dgm:pt modelId="{2C3B6347-FFDD-41A5-B162-5FCA431A8A85}" type="sibTrans" cxnId="{2F3F1893-4156-4DF9-94BF-1E21F333100A}">
+      <dgm:prSet/>
+      <dgm:spPr/>
+      <dgm:t>
+        <a:bodyPr/>
+        <a:lstStyle/>
+        <a:p>
+          <a:endParaRPr lang="en-MY"/>
+        </a:p>
+      </dgm:t>
+    </dgm:pt>
+    <dgm:pt modelId="{70A98C39-207A-4D66-A44E-D3FFC8F0B103}" type="pres">
+      <dgm:prSet presAssocID="{BA2FAB3D-81B6-4C82-BA38-D897035D7D3F}" presName="linearFlow" presStyleCnt="0">
+        <dgm:presLayoutVars>
+          <dgm:resizeHandles val="exact"/>
+        </dgm:presLayoutVars>
+      </dgm:prSet>
+      <dgm:spPr/>
+    </dgm:pt>
+    <dgm:pt modelId="{AA1B8B86-8B56-4E89-980E-CA968091E7C8}" type="pres">
+      <dgm:prSet presAssocID="{A5A83577-164B-4C8C-B5F2-52BFBA792537}" presName="node" presStyleLbl="node1" presStyleIdx="0" presStyleCnt="5" custScaleX="161051" custScaleY="161051">
+        <dgm:presLayoutVars>
+          <dgm:bulletEnabled val="1"/>
+        </dgm:presLayoutVars>
+      </dgm:prSet>
+      <dgm:spPr/>
+    </dgm:pt>
+    <dgm:pt modelId="{7785C724-787D-42CF-B411-8CD847C2037A}" type="pres">
+      <dgm:prSet presAssocID="{48CA02E2-39E3-4E62-ADA3-E381C4B87116}" presName="sibTrans" presStyleLbl="sibTrans2D1" presStyleIdx="0" presStyleCnt="4"/>
+      <dgm:spPr/>
+    </dgm:pt>
+    <dgm:pt modelId="{73B19602-D826-4A97-9457-713EE40B5E14}" type="pres">
+      <dgm:prSet presAssocID="{48CA02E2-39E3-4E62-ADA3-E381C4B87116}" presName="connectorText" presStyleLbl="sibTrans2D1" presStyleIdx="0" presStyleCnt="4"/>
+      <dgm:spPr/>
+    </dgm:pt>
+    <dgm:pt modelId="{6B7DA0C4-AA6C-4EF0-9CDE-27CA27EF6988}" type="pres">
+      <dgm:prSet presAssocID="{7D6EF572-5EC6-4C84-8563-FC1F82E66669}" presName="node" presStyleLbl="node1" presStyleIdx="1" presStyleCnt="5" custScaleX="161051" custScaleY="161051">
+        <dgm:presLayoutVars>
+          <dgm:bulletEnabled val="1"/>
+        </dgm:presLayoutVars>
+      </dgm:prSet>
+      <dgm:spPr/>
+    </dgm:pt>
+    <dgm:pt modelId="{1958CE3A-EB89-4DE5-8FC3-EC97EAA589FD}" type="pres">
+      <dgm:prSet presAssocID="{11281F99-E085-45A5-A926-EF70D4731C20}" presName="sibTrans" presStyleLbl="sibTrans2D1" presStyleIdx="1" presStyleCnt="4"/>
+      <dgm:spPr/>
+    </dgm:pt>
+    <dgm:pt modelId="{5F51D1EE-6664-4E63-A164-439A36C688F5}" type="pres">
+      <dgm:prSet presAssocID="{11281F99-E085-45A5-A926-EF70D4731C20}" presName="connectorText" presStyleLbl="sibTrans2D1" presStyleIdx="1" presStyleCnt="4"/>
+      <dgm:spPr/>
+    </dgm:pt>
+    <dgm:pt modelId="{8D0403A4-B176-494F-8914-0D5A80E359FC}" type="pres">
+      <dgm:prSet presAssocID="{4F0D7010-9C11-49AC-80EA-91A088459301}" presName="node" presStyleLbl="node1" presStyleIdx="2" presStyleCnt="5" custScaleX="161051" custScaleY="161051">
+        <dgm:presLayoutVars>
+          <dgm:bulletEnabled val="1"/>
+        </dgm:presLayoutVars>
+      </dgm:prSet>
+      <dgm:spPr/>
+    </dgm:pt>
+    <dgm:pt modelId="{27A5FF5C-9215-49BD-81AC-BD44B52B4BE1}" type="pres">
+      <dgm:prSet presAssocID="{6463B5D0-D7E2-4BEB-BF48-94DFFF26B2FD}" presName="sibTrans" presStyleLbl="sibTrans2D1" presStyleIdx="2" presStyleCnt="4"/>
+      <dgm:spPr/>
+    </dgm:pt>
+    <dgm:pt modelId="{7D16C6B0-BE47-4AC7-A2D7-B8E4D0DA1A75}" type="pres">
+      <dgm:prSet presAssocID="{6463B5D0-D7E2-4BEB-BF48-94DFFF26B2FD}" presName="connectorText" presStyleLbl="sibTrans2D1" presStyleIdx="2" presStyleCnt="4"/>
+      <dgm:spPr/>
+    </dgm:pt>
+    <dgm:pt modelId="{CAB34779-88A7-4319-9547-47319AA4C9EC}" type="pres">
+      <dgm:prSet presAssocID="{ACBF3CCF-F9B1-4F5A-BD32-B28072EE9D08}" presName="node" presStyleLbl="node1" presStyleIdx="3" presStyleCnt="5" custScaleX="161051" custScaleY="161051">
+        <dgm:presLayoutVars>
+          <dgm:bulletEnabled val="1"/>
+        </dgm:presLayoutVars>
+      </dgm:prSet>
+      <dgm:spPr/>
+    </dgm:pt>
+    <dgm:pt modelId="{BA41D488-D785-4AC2-8DDD-A2B14A127CB3}" type="pres">
+      <dgm:prSet presAssocID="{30BDC718-B89D-47C6-8ACB-F8CF221E0F9B}" presName="sibTrans" presStyleLbl="sibTrans2D1" presStyleIdx="3" presStyleCnt="4"/>
+      <dgm:spPr/>
+    </dgm:pt>
+    <dgm:pt modelId="{90929F40-4088-4AF6-B551-8E7F3139EDBB}" type="pres">
+      <dgm:prSet presAssocID="{30BDC718-B89D-47C6-8ACB-F8CF221E0F9B}" presName="connectorText" presStyleLbl="sibTrans2D1" presStyleIdx="3" presStyleCnt="4"/>
+      <dgm:spPr/>
+    </dgm:pt>
+    <dgm:pt modelId="{EB042DCD-54E9-48BF-B93E-149A92833F11}" type="pres">
+      <dgm:prSet presAssocID="{9677E242-DC52-44FB-8718-7A8C245F9165}" presName="node" presStyleLbl="node1" presStyleIdx="4" presStyleCnt="5" custScaleX="161051" custScaleY="161051">
+        <dgm:presLayoutVars>
+          <dgm:bulletEnabled val="1"/>
+        </dgm:presLayoutVars>
+      </dgm:prSet>
+      <dgm:spPr/>
+    </dgm:pt>
+  </dgm:ptLst>
+  <dgm:cxnLst>
+    <dgm:cxn modelId="{00FB2418-9E5C-496D-8474-C9A4AA04F980}" srcId="{BA2FAB3D-81B6-4C82-BA38-D897035D7D3F}" destId="{ACBF3CCF-F9B1-4F5A-BD32-B28072EE9D08}" srcOrd="3" destOrd="0" parTransId="{0114FC3A-8326-43BF-A8A6-3136659D8097}" sibTransId="{30BDC718-B89D-47C6-8ACB-F8CF221E0F9B}"/>
+    <dgm:cxn modelId="{0897F320-0956-4BF0-8105-D891C1E0154D}" srcId="{BA2FAB3D-81B6-4C82-BA38-D897035D7D3F}" destId="{A5A83577-164B-4C8C-B5F2-52BFBA792537}" srcOrd="0" destOrd="0" parTransId="{AA16010F-7A5D-46F5-99CF-65810E36D089}" sibTransId="{48CA02E2-39E3-4E62-ADA3-E381C4B87116}"/>
+    <dgm:cxn modelId="{48433D23-2960-480B-8BEA-53712A60AED8}" type="presOf" srcId="{48CA02E2-39E3-4E62-ADA3-E381C4B87116}" destId="{7785C724-787D-42CF-B411-8CD847C2037A}" srcOrd="0" destOrd="0" presId="urn:microsoft.com/office/officeart/2005/8/layout/process2"/>
+    <dgm:cxn modelId="{A5FA2430-9180-473A-B162-3919607121B8}" type="presOf" srcId="{7D6EF572-5EC6-4C84-8563-FC1F82E66669}" destId="{6B7DA0C4-AA6C-4EF0-9CDE-27CA27EF6988}" srcOrd="0" destOrd="0" presId="urn:microsoft.com/office/officeart/2005/8/layout/process2"/>
+    <dgm:cxn modelId="{D4AE8237-A1E9-44DA-8E8B-626A340E8BD6}" type="presOf" srcId="{30BDC718-B89D-47C6-8ACB-F8CF221E0F9B}" destId="{90929F40-4088-4AF6-B551-8E7F3139EDBB}" srcOrd="1" destOrd="0" presId="urn:microsoft.com/office/officeart/2005/8/layout/process2"/>
+    <dgm:cxn modelId="{B8B1593B-410C-4D5F-B99A-C009270CB220}" type="presOf" srcId="{9677E242-DC52-44FB-8718-7A8C245F9165}" destId="{EB042DCD-54E9-48BF-B93E-149A92833F11}" srcOrd="0" destOrd="0" presId="urn:microsoft.com/office/officeart/2005/8/layout/process2"/>
+    <dgm:cxn modelId="{830B893C-36D7-450F-B6A8-79B5D1B3B79D}" type="presOf" srcId="{48CA02E2-39E3-4E62-ADA3-E381C4B87116}" destId="{73B19602-D826-4A97-9457-713EE40B5E14}" srcOrd="1" destOrd="0" presId="urn:microsoft.com/office/officeart/2005/8/layout/process2"/>
+    <dgm:cxn modelId="{EA30753D-195C-45B6-97CC-532CFEC3D5E9}" type="presOf" srcId="{11281F99-E085-45A5-A926-EF70D4731C20}" destId="{5F51D1EE-6664-4E63-A164-439A36C688F5}" srcOrd="1" destOrd="0" presId="urn:microsoft.com/office/officeart/2005/8/layout/process2"/>
+    <dgm:cxn modelId="{33E87A5E-B9FC-44BA-B11B-EEDE937BFCE1}" type="presOf" srcId="{BA2FAB3D-81B6-4C82-BA38-D897035D7D3F}" destId="{70A98C39-207A-4D66-A44E-D3FFC8F0B103}" srcOrd="0" destOrd="0" presId="urn:microsoft.com/office/officeart/2005/8/layout/process2"/>
+    <dgm:cxn modelId="{3540B142-3E8B-4FFA-A464-77FED76C7618}" type="presOf" srcId="{ACBF3CCF-F9B1-4F5A-BD32-B28072EE9D08}" destId="{CAB34779-88A7-4319-9547-47319AA4C9EC}" srcOrd="0" destOrd="0" presId="urn:microsoft.com/office/officeart/2005/8/layout/process2"/>
+    <dgm:cxn modelId="{D6D4C248-A223-4AF3-BCF0-E9D614142BCC}" type="presOf" srcId="{6463B5D0-D7E2-4BEB-BF48-94DFFF26B2FD}" destId="{27A5FF5C-9215-49BD-81AC-BD44B52B4BE1}" srcOrd="0" destOrd="0" presId="urn:microsoft.com/office/officeart/2005/8/layout/process2"/>
+    <dgm:cxn modelId="{CC702852-CAB3-450F-8A36-CFF74948FB24}" srcId="{BA2FAB3D-81B6-4C82-BA38-D897035D7D3F}" destId="{4F0D7010-9C11-49AC-80EA-91A088459301}" srcOrd="2" destOrd="0" parTransId="{500C3AC0-F4BC-458E-AAAA-E132696450F2}" sibTransId="{6463B5D0-D7E2-4BEB-BF48-94DFFF26B2FD}"/>
+    <dgm:cxn modelId="{848AEC57-0022-4433-B818-8750ECE0CD1E}" type="presOf" srcId="{4F0D7010-9C11-49AC-80EA-91A088459301}" destId="{8D0403A4-B176-494F-8914-0D5A80E359FC}" srcOrd="0" destOrd="0" presId="urn:microsoft.com/office/officeart/2005/8/layout/process2"/>
+    <dgm:cxn modelId="{B4D1EC58-E5BA-4925-BF38-7EF054FF8535}" type="presOf" srcId="{A5A83577-164B-4C8C-B5F2-52BFBA792537}" destId="{AA1B8B86-8B56-4E89-980E-CA968091E7C8}" srcOrd="0" destOrd="0" presId="urn:microsoft.com/office/officeart/2005/8/layout/process2"/>
+    <dgm:cxn modelId="{D34AC87F-C01E-4482-9C7F-300B170B06F5}" type="presOf" srcId="{30BDC718-B89D-47C6-8ACB-F8CF221E0F9B}" destId="{BA41D488-D785-4AC2-8DDD-A2B14A127CB3}" srcOrd="0" destOrd="0" presId="urn:microsoft.com/office/officeart/2005/8/layout/process2"/>
+    <dgm:cxn modelId="{1020B282-ABE5-4C0A-8671-5D541C78808C}" type="presOf" srcId="{6463B5D0-D7E2-4BEB-BF48-94DFFF26B2FD}" destId="{7D16C6B0-BE47-4AC7-A2D7-B8E4D0DA1A75}" srcOrd="1" destOrd="0" presId="urn:microsoft.com/office/officeart/2005/8/layout/process2"/>
+    <dgm:cxn modelId="{2F3F1893-4156-4DF9-94BF-1E21F333100A}" srcId="{BA2FAB3D-81B6-4C82-BA38-D897035D7D3F}" destId="{9677E242-DC52-44FB-8718-7A8C245F9165}" srcOrd="4" destOrd="0" parTransId="{561D92B7-7D30-4F0B-9122-4CFEBCCC15DA}" sibTransId="{2C3B6347-FFDD-41A5-B162-5FCA431A8A85}"/>
+    <dgm:cxn modelId="{1295AE9F-699D-47C0-8965-EBE7367ADCED}" srcId="{BA2FAB3D-81B6-4C82-BA38-D897035D7D3F}" destId="{7D6EF572-5EC6-4C84-8563-FC1F82E66669}" srcOrd="1" destOrd="0" parTransId="{B8807F8D-F6A0-4D38-834D-4A9A462280D9}" sibTransId="{11281F99-E085-45A5-A926-EF70D4731C20}"/>
+    <dgm:cxn modelId="{08874EE6-41C8-456F-96EB-B97F382B8370}" type="presOf" srcId="{11281F99-E085-45A5-A926-EF70D4731C20}" destId="{1958CE3A-EB89-4DE5-8FC3-EC97EAA589FD}" srcOrd="0" destOrd="0" presId="urn:microsoft.com/office/officeart/2005/8/layout/process2"/>
+    <dgm:cxn modelId="{B3EA2C81-7171-4467-90AC-2D8B8889BED0}" type="presParOf" srcId="{70A98C39-207A-4D66-A44E-D3FFC8F0B103}" destId="{AA1B8B86-8B56-4E89-980E-CA968091E7C8}" srcOrd="0" destOrd="0" presId="urn:microsoft.com/office/officeart/2005/8/layout/process2"/>
+    <dgm:cxn modelId="{AA20AB55-C579-40B9-8450-E6B9CE180D72}" type="presParOf" srcId="{70A98C39-207A-4D66-A44E-D3FFC8F0B103}" destId="{7785C724-787D-42CF-B411-8CD847C2037A}" srcOrd="1" destOrd="0" presId="urn:microsoft.com/office/officeart/2005/8/layout/process2"/>
+    <dgm:cxn modelId="{FCA8A258-FFF2-41D1-AD6C-071D53694644}" type="presParOf" srcId="{7785C724-787D-42CF-B411-8CD847C2037A}" destId="{73B19602-D826-4A97-9457-713EE40B5E14}" srcOrd="0" destOrd="0" presId="urn:microsoft.com/office/officeart/2005/8/layout/process2"/>
+    <dgm:cxn modelId="{59343F43-66FE-4D0D-A96C-34829C8B0849}" type="presParOf" srcId="{70A98C39-207A-4D66-A44E-D3FFC8F0B103}" destId="{6B7DA0C4-AA6C-4EF0-9CDE-27CA27EF6988}" srcOrd="2" destOrd="0" presId="urn:microsoft.com/office/officeart/2005/8/layout/process2"/>
+    <dgm:cxn modelId="{D07B2230-706D-40B5-912B-17B1AE78583A}" type="presParOf" srcId="{70A98C39-207A-4D66-A44E-D3FFC8F0B103}" destId="{1958CE3A-EB89-4DE5-8FC3-EC97EAA589FD}" srcOrd="3" destOrd="0" presId="urn:microsoft.com/office/officeart/2005/8/layout/process2"/>
+    <dgm:cxn modelId="{B9A64BB4-1C23-4DD7-BC60-BC121032B00A}" type="presParOf" srcId="{1958CE3A-EB89-4DE5-8FC3-EC97EAA589FD}" destId="{5F51D1EE-6664-4E63-A164-439A36C688F5}" srcOrd="0" destOrd="0" presId="urn:microsoft.com/office/officeart/2005/8/layout/process2"/>
+    <dgm:cxn modelId="{AF86D6E5-2B02-4631-96A3-9E2A35851082}" type="presParOf" srcId="{70A98C39-207A-4D66-A44E-D3FFC8F0B103}" destId="{8D0403A4-B176-494F-8914-0D5A80E359FC}" srcOrd="4" destOrd="0" presId="urn:microsoft.com/office/officeart/2005/8/layout/process2"/>
+    <dgm:cxn modelId="{0CAEF495-146F-45EF-9969-68265B19A7E2}" type="presParOf" srcId="{70A98C39-207A-4D66-A44E-D3FFC8F0B103}" destId="{27A5FF5C-9215-49BD-81AC-BD44B52B4BE1}" srcOrd="5" destOrd="0" presId="urn:microsoft.com/office/officeart/2005/8/layout/process2"/>
+    <dgm:cxn modelId="{C93D6EFF-74F9-4C57-A2D7-F4D3FF0D0FA2}" type="presParOf" srcId="{27A5FF5C-9215-49BD-81AC-BD44B52B4BE1}" destId="{7D16C6B0-BE47-4AC7-A2D7-B8E4D0DA1A75}" srcOrd="0" destOrd="0" presId="urn:microsoft.com/office/officeart/2005/8/layout/process2"/>
+    <dgm:cxn modelId="{DD26D0E0-52D3-4805-A198-5217ACCDDED1}" type="presParOf" srcId="{70A98C39-207A-4D66-A44E-D3FFC8F0B103}" destId="{CAB34779-88A7-4319-9547-47319AA4C9EC}" srcOrd="6" destOrd="0" presId="urn:microsoft.com/office/officeart/2005/8/layout/process2"/>
+    <dgm:cxn modelId="{61ADB17B-FB76-44C8-A290-C3855063ED59}" type="presParOf" srcId="{70A98C39-207A-4D66-A44E-D3FFC8F0B103}" destId="{BA41D488-D785-4AC2-8DDD-A2B14A127CB3}" srcOrd="7" destOrd="0" presId="urn:microsoft.com/office/officeart/2005/8/layout/process2"/>
+    <dgm:cxn modelId="{D1500619-3F81-4FCE-875B-4B6467ABB29B}" type="presParOf" srcId="{BA41D488-D785-4AC2-8DDD-A2B14A127CB3}" destId="{90929F40-4088-4AF6-B551-8E7F3139EDBB}" srcOrd="0" destOrd="0" presId="urn:microsoft.com/office/officeart/2005/8/layout/process2"/>
+    <dgm:cxn modelId="{74E03123-1E73-492D-B676-69A276D50EB3}" type="presParOf" srcId="{70A98C39-207A-4D66-A44E-D3FFC8F0B103}" destId="{EB042DCD-54E9-48BF-B93E-149A92833F11}" srcOrd="8" destOrd="0" presId="urn:microsoft.com/office/officeart/2005/8/layout/process2"/>
+  </dgm:cxnLst>
+  <dgm:bg/>
+  <dgm:whole/>
+  <dgm:extLst>
+    <a:ext uri="http://schemas.microsoft.com/office/drawing/2008/diagram">
+      <dsp:dataModelExt xmlns:dsp="http://schemas.microsoft.com/office/drawing/2008/diagram" relId="rId6" minVer="http://schemas.openxmlformats.org/drawingml/2006/diagram"/>
+    </a:ext>
+  </dgm:extLst>
+</dgm:dataModel>
+</file>
+
+<file path=ppt/diagrams/data2.xml><?xml version="1.0" encoding="utf-8"?>
+<dgm:dataModel xmlns:dgm="http://schemas.openxmlformats.org/drawingml/2006/diagram" xmlns:a="http://schemas.openxmlformats.org/drawingml/2006/main">
+  <dgm:ptLst>
+    <dgm:pt modelId="{BA2FAB3D-81B6-4C82-BA38-D897035D7D3F}" type="doc">
+      <dgm:prSet loTypeId="urn:microsoft.com/office/officeart/2005/8/layout/chevron2" loCatId="process" qsTypeId="urn:microsoft.com/office/officeart/2005/8/quickstyle/simple1" qsCatId="simple" csTypeId="urn:microsoft.com/office/officeart/2005/8/colors/accent1_2" csCatId="accent1" phldr="1"/>
+      <dgm:spPr/>
+      <dgm:t>
+        <a:bodyPr/>
+        <a:lstStyle/>
+        <a:p>
+          <a:endParaRPr lang="en-MY"/>
+        </a:p>
+      </dgm:t>
+    </dgm:pt>
+    <dgm:pt modelId="{A5A83577-164B-4C8C-B5F2-52BFBA792537}">
+      <dgm:prSet phldrT="[Text]"/>
+      <dgm:spPr/>
+      <dgm:t>
+        <a:bodyPr/>
+        <a:lstStyle/>
+        <a:p>
+          <a:r>
+            <a:rPr lang="en-MY" dirty="0"/>
+            <a:t>Info-gathering Test </a:t>
+          </a:r>
+        </a:p>
+      </dgm:t>
+    </dgm:pt>
+    <dgm:pt modelId="{AA16010F-7A5D-46F5-99CF-65810E36D089}" type="parTrans" cxnId="{0897F320-0956-4BF0-8105-D891C1E0154D}">
+      <dgm:prSet/>
+      <dgm:spPr/>
+      <dgm:t>
+        <a:bodyPr/>
+        <a:lstStyle/>
+        <a:p>
+          <a:endParaRPr lang="en-MY"/>
+        </a:p>
+      </dgm:t>
+    </dgm:pt>
+    <dgm:pt modelId="{48CA02E2-39E3-4E62-ADA3-E381C4B87116}" type="sibTrans" cxnId="{0897F320-0956-4BF0-8105-D891C1E0154D}">
+      <dgm:prSet/>
+      <dgm:spPr/>
+      <dgm:t>
+        <a:bodyPr/>
+        <a:lstStyle/>
+        <a:p>
+          <a:endParaRPr lang="en-MY"/>
+        </a:p>
+      </dgm:t>
+    </dgm:pt>
+    <dgm:pt modelId="{FF2C68A9-703E-4A55-AE17-2C3C41021AB2}">
+      <dgm:prSet phldrT="[Text]"/>
+      <dgm:spPr/>
+      <dgm:t>
+        <a:bodyPr/>
+        <a:lstStyle/>
+        <a:p>
+          <a:r>
+            <a:rPr kumimoji="0" lang="en-US" b="0" i="0" u="none" strike="noStrike" cap="none" spc="0" normalizeH="0" baseline="0" noProof="0" dirty="0">
+              <a:ln>
+                <a:noFill/>
+              </a:ln>
+              <a:solidFill>
+                <a:prstClr val="black"/>
+              </a:solidFill>
+              <a:effectLst/>
+              <a:uLnTx/>
+              <a:uFillTx/>
+              <a:latin typeface="Calibri"/>
+              <a:ea typeface="+mn-ea"/>
+              <a:cs typeface="+mn-cs"/>
+            </a:rPr>
+            <a:t>Gather information that published by Virus Total and other software security website within the latest 24 hours. </a:t>
+          </a:r>
+          <a:endParaRPr lang="en-MY" dirty="0"/>
+        </a:p>
+      </dgm:t>
+    </dgm:pt>
+    <dgm:pt modelId="{23BA73F8-9854-4726-A387-C2D9CA49586C}" type="parTrans" cxnId="{98419961-D83B-460A-8A0E-E3B0D4C2A601}">
+      <dgm:prSet/>
+      <dgm:spPr/>
+      <dgm:t>
+        <a:bodyPr/>
+        <a:lstStyle/>
+        <a:p>
+          <a:endParaRPr lang="en-MY"/>
+        </a:p>
+      </dgm:t>
+    </dgm:pt>
+    <dgm:pt modelId="{C78637D3-286A-46C9-8E66-5BFC532E08E4}" type="sibTrans" cxnId="{98419961-D83B-460A-8A0E-E3B0D4C2A601}">
+      <dgm:prSet/>
+      <dgm:spPr/>
+      <dgm:t>
+        <a:bodyPr/>
+        <a:lstStyle/>
+        <a:p>
+          <a:endParaRPr lang="en-MY"/>
+        </a:p>
+      </dgm:t>
+    </dgm:pt>
+    <dgm:pt modelId="{CFBF9D44-BE99-4C7A-9397-5CA4B3C96365}">
+      <dgm:prSet phldrT="[Text]"/>
+      <dgm:spPr/>
+      <dgm:t>
+        <a:bodyPr/>
+        <a:lstStyle/>
+        <a:p>
+          <a:r>
+            <a:rPr lang="en-MY" dirty="0"/>
+            <a:t>Complete in 30 seconds.</a:t>
+          </a:r>
+        </a:p>
+      </dgm:t>
+    </dgm:pt>
+    <dgm:pt modelId="{B07BAB91-DB8B-43E3-9F00-4E707FBAB4E0}" type="parTrans" cxnId="{D658CF27-597B-46D2-B619-F314E13BA3F5}">
+      <dgm:prSet/>
+      <dgm:spPr/>
+      <dgm:t>
+        <a:bodyPr/>
+        <a:lstStyle/>
+        <a:p>
+          <a:endParaRPr lang="en-MY"/>
+        </a:p>
+      </dgm:t>
+    </dgm:pt>
+    <dgm:pt modelId="{8F21E347-200E-41B5-BC88-B4740051DE8B}" type="sibTrans" cxnId="{D658CF27-597B-46D2-B619-F314E13BA3F5}">
+      <dgm:prSet/>
+      <dgm:spPr/>
+      <dgm:t>
+        <a:bodyPr/>
+        <a:lstStyle/>
+        <a:p>
+          <a:endParaRPr lang="en-MY"/>
+        </a:p>
+      </dgm:t>
+    </dgm:pt>
+    <dgm:pt modelId="{7D6EF572-5EC6-4C84-8563-FC1F82E66669}">
+      <dgm:prSet phldrT="[Text]"/>
+      <dgm:spPr/>
+      <dgm:t>
+        <a:bodyPr/>
+        <a:lstStyle/>
+        <a:p>
+          <a:r>
+            <a:rPr lang="en-MY" dirty="0"/>
+            <a:t>Hash/signature  Extraction Test</a:t>
+          </a:r>
+        </a:p>
+      </dgm:t>
+    </dgm:pt>
+    <dgm:pt modelId="{B8807F8D-F6A0-4D38-834D-4A9A462280D9}" type="parTrans" cxnId="{1295AE9F-699D-47C0-8965-EBE7367ADCED}">
+      <dgm:prSet/>
+      <dgm:spPr/>
+      <dgm:t>
+        <a:bodyPr/>
+        <a:lstStyle/>
+        <a:p>
+          <a:endParaRPr lang="en-MY"/>
+        </a:p>
+      </dgm:t>
+    </dgm:pt>
+    <dgm:pt modelId="{11281F99-E085-45A5-A926-EF70D4731C20}" type="sibTrans" cxnId="{1295AE9F-699D-47C0-8965-EBE7367ADCED}">
+      <dgm:prSet/>
+      <dgm:spPr/>
+      <dgm:t>
+        <a:bodyPr/>
+        <a:lstStyle/>
+        <a:p>
+          <a:endParaRPr lang="en-MY"/>
+        </a:p>
+      </dgm:t>
+    </dgm:pt>
+    <dgm:pt modelId="{39C0DCC4-14D7-40C8-8054-320FB6E822CB}">
+      <dgm:prSet phldrT="[Text]"/>
+      <dgm:spPr/>
+      <dgm:t>
+        <a:bodyPr/>
+        <a:lstStyle/>
+        <a:p>
+          <a:r>
+            <a:rPr lang="en-MY" dirty="0"/>
+            <a:t>Remove redundant information and extract necessary hash/signature</a:t>
+          </a:r>
+        </a:p>
+      </dgm:t>
+    </dgm:pt>
+    <dgm:pt modelId="{3ADC6B9F-2FEA-4F3E-860B-3B54AAC6CFD9}" type="parTrans" cxnId="{11221DB5-9749-4F6E-A26A-3086A3817FC7}">
+      <dgm:prSet/>
+      <dgm:spPr/>
+      <dgm:t>
+        <a:bodyPr/>
+        <a:lstStyle/>
+        <a:p>
+          <a:endParaRPr lang="en-MY"/>
+        </a:p>
+      </dgm:t>
+    </dgm:pt>
+    <dgm:pt modelId="{03AF96FB-89C5-4C4E-95F5-8B206B3F7B05}" type="sibTrans" cxnId="{11221DB5-9749-4F6E-A26A-3086A3817FC7}">
+      <dgm:prSet/>
+      <dgm:spPr/>
+      <dgm:t>
+        <a:bodyPr/>
+        <a:lstStyle/>
+        <a:p>
+          <a:endParaRPr lang="en-MY"/>
+        </a:p>
+      </dgm:t>
+    </dgm:pt>
+    <dgm:pt modelId="{48D1509A-E47B-43FF-B8A0-ED6CC8593F08}">
+      <dgm:prSet phldrT="[Text]"/>
+      <dgm:spPr/>
+      <dgm:t>
+        <a:bodyPr/>
+        <a:lstStyle/>
+        <a:p>
+          <a:r>
+            <a:rPr lang="en-MY" dirty="0"/>
+            <a:t>Complete within 3 minutes</a:t>
+          </a:r>
+        </a:p>
+      </dgm:t>
+    </dgm:pt>
+    <dgm:pt modelId="{39F8D2BA-1B81-4AB1-8F3C-FFC0EF36BB78}" type="parTrans" cxnId="{4A02DCB9-1E2D-4194-8675-168A8CCF4877}">
+      <dgm:prSet/>
+      <dgm:spPr/>
+      <dgm:t>
+        <a:bodyPr/>
+        <a:lstStyle/>
+        <a:p>
+          <a:endParaRPr lang="en-MY"/>
+        </a:p>
+      </dgm:t>
+    </dgm:pt>
+    <dgm:pt modelId="{87AE719F-5FD0-499A-91BA-ACDB246F13A5}" type="sibTrans" cxnId="{4A02DCB9-1E2D-4194-8675-168A8CCF4877}">
+      <dgm:prSet/>
+      <dgm:spPr/>
+      <dgm:t>
+        <a:bodyPr/>
+        <a:lstStyle/>
+        <a:p>
+          <a:endParaRPr lang="en-MY"/>
+        </a:p>
+      </dgm:t>
+    </dgm:pt>
+    <dgm:pt modelId="{4F0D7010-9C11-49AC-80EA-91A088459301}">
+      <dgm:prSet phldrT="[Text]"/>
+      <dgm:spPr/>
+      <dgm:t>
+        <a:bodyPr/>
+        <a:lstStyle/>
+        <a:p>
+          <a:r>
+            <a:rPr lang="en-MY" dirty="0"/>
+            <a:t>Virus Scanning Test</a:t>
+          </a:r>
+        </a:p>
+      </dgm:t>
+    </dgm:pt>
+    <dgm:pt modelId="{500C3AC0-F4BC-458E-AAAA-E132696450F2}" type="parTrans" cxnId="{CC702852-CAB3-450F-8A36-CFF74948FB24}">
+      <dgm:prSet/>
+      <dgm:spPr/>
+      <dgm:t>
+        <a:bodyPr/>
+        <a:lstStyle/>
+        <a:p>
+          <a:endParaRPr lang="en-MY"/>
+        </a:p>
+      </dgm:t>
+    </dgm:pt>
+    <dgm:pt modelId="{6463B5D0-D7E2-4BEB-BF48-94DFFF26B2FD}" type="sibTrans" cxnId="{CC702852-CAB3-450F-8A36-CFF74948FB24}">
+      <dgm:prSet/>
+      <dgm:spPr/>
+      <dgm:t>
+        <a:bodyPr/>
+        <a:lstStyle/>
+        <a:p>
+          <a:endParaRPr lang="en-MY"/>
+        </a:p>
+      </dgm:t>
+    </dgm:pt>
+    <dgm:pt modelId="{462D4D1D-1A1E-4CF3-92F0-91539A30D9D1}">
+      <dgm:prSet phldrT="[Text]"/>
+      <dgm:spPr/>
+      <dgm:t>
+        <a:bodyPr/>
+        <a:lstStyle/>
+        <a:p>
+          <a:r>
+            <a:rPr lang="en-MY" dirty="0"/>
+            <a:t>Scan </a:t>
+          </a:r>
+          <a:r>
+            <a:rPr kumimoji="0" lang="en-US" b="0" i="0" u="none" strike="noStrike" cap="none" spc="0" normalizeH="0" baseline="0" noProof="0" dirty="0">
+              <a:ln>
+                <a:noFill/>
+              </a:ln>
+              <a:solidFill>
+                <a:prstClr val="black"/>
+              </a:solidFill>
+              <a:effectLst/>
+              <a:uLnTx/>
+              <a:uFillTx/>
+              <a:latin typeface="Calibri"/>
+              <a:ea typeface="+mn-ea"/>
+              <a:cs typeface="+mn-cs"/>
+            </a:rPr>
+            <a:t>100 known phishing email collected within the latest 12 hours</a:t>
+          </a:r>
+          <a:r>
+            <a:rPr lang="en-MY" dirty="0"/>
+            <a:t> </a:t>
+          </a:r>
+        </a:p>
+      </dgm:t>
+    </dgm:pt>
+    <dgm:pt modelId="{9610E1B0-79A1-40E7-A84F-CE8E5B7EEC1E}" type="parTrans" cxnId="{76644E20-2DEF-4AD2-BB9D-66CE2423858E}">
+      <dgm:prSet/>
+      <dgm:spPr/>
+      <dgm:t>
+        <a:bodyPr/>
+        <a:lstStyle/>
+        <a:p>
+          <a:endParaRPr lang="en-MY"/>
+        </a:p>
+      </dgm:t>
+    </dgm:pt>
+    <dgm:pt modelId="{F01B60F1-C04C-406E-BFDF-6930DACA8F7C}" type="sibTrans" cxnId="{76644E20-2DEF-4AD2-BB9D-66CE2423858E}">
+      <dgm:prSet/>
+      <dgm:spPr/>
+      <dgm:t>
+        <a:bodyPr/>
+        <a:lstStyle/>
+        <a:p>
+          <a:endParaRPr lang="en-MY"/>
+        </a:p>
+      </dgm:t>
+    </dgm:pt>
+    <dgm:pt modelId="{D65D2250-A356-45D5-9AE4-CC3838667A88}">
+      <dgm:prSet phldrT="[Text]"/>
+      <dgm:spPr/>
+      <dgm:t>
+        <a:bodyPr/>
+        <a:lstStyle/>
+        <a:p>
+          <a:r>
+            <a:rPr lang="en-MY" dirty="0"/>
+            <a:t>Complete within 1 minute</a:t>
+          </a:r>
+        </a:p>
+      </dgm:t>
+    </dgm:pt>
+    <dgm:pt modelId="{D6B04488-6138-4E14-8176-F679115F1B6E}" type="parTrans" cxnId="{9A69FFCF-EF13-4C80-8F27-329820113CB3}">
+      <dgm:prSet/>
+      <dgm:spPr/>
+      <dgm:t>
+        <a:bodyPr/>
+        <a:lstStyle/>
+        <a:p>
+          <a:endParaRPr lang="en-MY"/>
+        </a:p>
+      </dgm:t>
+    </dgm:pt>
+    <dgm:pt modelId="{F73CC3B5-BDC6-4C88-814E-F750A3791796}" type="sibTrans" cxnId="{9A69FFCF-EF13-4C80-8F27-329820113CB3}">
+      <dgm:prSet/>
+      <dgm:spPr/>
+      <dgm:t>
+        <a:bodyPr/>
+        <a:lstStyle/>
+        <a:p>
+          <a:endParaRPr lang="en-MY"/>
+        </a:p>
+      </dgm:t>
+    </dgm:pt>
+    <dgm:pt modelId="{ACBF3CCF-F9B1-4F5A-BD32-B28072EE9D08}">
+      <dgm:prSet/>
+      <dgm:spPr/>
+      <dgm:t>
+        <a:bodyPr/>
+        <a:lstStyle/>
+        <a:p>
+          <a:r>
+            <a:rPr lang="en-MY" dirty="0"/>
+            <a:t>Machine Learning Test</a:t>
+          </a:r>
+        </a:p>
+      </dgm:t>
+    </dgm:pt>
+    <dgm:pt modelId="{0114FC3A-8326-43BF-A8A6-3136659D8097}" type="parTrans" cxnId="{00FB2418-9E5C-496D-8474-C9A4AA04F980}">
+      <dgm:prSet/>
+      <dgm:spPr/>
+      <dgm:t>
+        <a:bodyPr/>
+        <a:lstStyle/>
+        <a:p>
+          <a:endParaRPr lang="en-MY"/>
+        </a:p>
+      </dgm:t>
+    </dgm:pt>
+    <dgm:pt modelId="{30BDC718-B89D-47C6-8ACB-F8CF221E0F9B}" type="sibTrans" cxnId="{00FB2418-9E5C-496D-8474-C9A4AA04F980}">
+      <dgm:prSet/>
+      <dgm:spPr/>
+      <dgm:t>
+        <a:bodyPr/>
+        <a:lstStyle/>
+        <a:p>
+          <a:endParaRPr lang="en-MY"/>
+        </a:p>
+      </dgm:t>
+    </dgm:pt>
+    <dgm:pt modelId="{9677E242-DC52-44FB-8718-7A8C245F9165}">
+      <dgm:prSet/>
+      <dgm:spPr/>
+      <dgm:t>
+        <a:bodyPr/>
+        <a:lstStyle/>
+        <a:p>
+          <a:r>
+            <a:rPr lang="en-MY" dirty="0"/>
+            <a:t>Email Account Test</a:t>
+          </a:r>
+        </a:p>
+      </dgm:t>
+    </dgm:pt>
+    <dgm:pt modelId="{561D92B7-7D30-4F0B-9122-4CFEBCCC15DA}" type="parTrans" cxnId="{2F3F1893-4156-4DF9-94BF-1E21F333100A}">
+      <dgm:prSet/>
+      <dgm:spPr/>
+      <dgm:t>
+        <a:bodyPr/>
+        <a:lstStyle/>
+        <a:p>
+          <a:endParaRPr lang="en-MY"/>
+        </a:p>
+      </dgm:t>
+    </dgm:pt>
+    <dgm:pt modelId="{2C3B6347-FFDD-41A5-B162-5FCA431A8A85}" type="sibTrans" cxnId="{2F3F1893-4156-4DF9-94BF-1E21F333100A}">
+      <dgm:prSet/>
+      <dgm:spPr/>
+      <dgm:t>
+        <a:bodyPr/>
+        <a:lstStyle/>
+        <a:p>
+          <a:endParaRPr lang="en-MY"/>
+        </a:p>
+      </dgm:t>
+    </dgm:pt>
+    <dgm:pt modelId="{B4AF978A-D1B4-43EF-A63B-922A3B3EA7CB}">
+      <dgm:prSet/>
+      <dgm:spPr/>
+      <dgm:t>
+        <a:bodyPr/>
+        <a:lstStyle/>
+        <a:p>
+          <a:endParaRPr lang="en-MY" dirty="0"/>
+        </a:p>
+      </dgm:t>
+    </dgm:pt>
+    <dgm:pt modelId="{27B56B41-94CE-4326-A9FB-D11E716AF522}" type="parTrans" cxnId="{361D9357-E0B9-4644-AFA2-EAEB4D83BF2C}">
+      <dgm:prSet/>
+      <dgm:spPr/>
+      <dgm:t>
+        <a:bodyPr/>
+        <a:lstStyle/>
+        <a:p>
+          <a:endParaRPr lang="en-MY"/>
+        </a:p>
+      </dgm:t>
+    </dgm:pt>
+    <dgm:pt modelId="{FFBF3F86-30F7-427C-A70D-9CCAFFEADD3E}" type="sibTrans" cxnId="{361D9357-E0B9-4644-AFA2-EAEB4D83BF2C}">
+      <dgm:prSet/>
+      <dgm:spPr/>
+      <dgm:t>
+        <a:bodyPr/>
+        <a:lstStyle/>
+        <a:p>
+          <a:endParaRPr lang="en-MY"/>
+        </a:p>
+      </dgm:t>
+    </dgm:pt>
+    <dgm:pt modelId="{C529BBDF-0E76-455C-979D-9A5529645497}">
+      <dgm:prSet/>
+      <dgm:spPr/>
+      <dgm:t>
+        <a:bodyPr/>
+        <a:lstStyle/>
+        <a:p>
+          <a:endParaRPr lang="en-MY" dirty="0"/>
+        </a:p>
+      </dgm:t>
+    </dgm:pt>
+    <dgm:pt modelId="{4A5C7827-9E4D-4BE7-ABDF-4D95D454C9C2}" type="parTrans" cxnId="{35D2F31E-43EA-4648-AE26-6AA3FAF85895}">
+      <dgm:prSet/>
+      <dgm:spPr/>
+      <dgm:t>
+        <a:bodyPr/>
+        <a:lstStyle/>
+        <a:p>
+          <a:endParaRPr lang="en-MY"/>
+        </a:p>
+      </dgm:t>
+    </dgm:pt>
+    <dgm:pt modelId="{B68B5A00-7C65-45C6-A19A-8BF3121C55E9}" type="sibTrans" cxnId="{35D2F31E-43EA-4648-AE26-6AA3FAF85895}">
+      <dgm:prSet/>
+      <dgm:spPr/>
+      <dgm:t>
+        <a:bodyPr/>
+        <a:lstStyle/>
+        <a:p>
+          <a:endParaRPr lang="en-MY"/>
+        </a:p>
+      </dgm:t>
+    </dgm:pt>
+    <dgm:pt modelId="{C12EADD9-07EF-42EA-B1BC-59D19F7FC107}">
+      <dgm:prSet/>
+      <dgm:spPr/>
+      <dgm:t>
+        <a:bodyPr/>
+        <a:lstStyle/>
+        <a:p>
+          <a:r>
+            <a:rPr kumimoji="0" lang="en-US" b="0" i="0" u="none" strike="noStrike" cap="none" spc="0" normalizeH="0" baseline="0" noProof="0" dirty="0">
+              <a:ln>
+                <a:noFill/>
+              </a:ln>
+              <a:solidFill>
+                <a:prstClr val="black"/>
+              </a:solidFill>
+              <a:effectLst/>
+              <a:uLnTx/>
+              <a:uFillTx/>
+              <a:latin typeface="Calibri"/>
+              <a:ea typeface="+mn-ea"/>
+              <a:cs typeface="+mn-cs"/>
+            </a:rPr>
+            <a:t>8000 known phishing email collected in the past 1 week are used for training machine learning model. </a:t>
+          </a:r>
+          <a:endParaRPr lang="en-MY" dirty="0"/>
+        </a:p>
+      </dgm:t>
+    </dgm:pt>
+    <dgm:pt modelId="{A725A5AB-3838-406D-A15D-5B538892C35C}" type="parTrans" cxnId="{E17AD399-DAA1-4C7F-ADEC-8CED3D7F74D3}">
+      <dgm:prSet/>
+      <dgm:spPr/>
+      <dgm:t>
+        <a:bodyPr/>
+        <a:lstStyle/>
+        <a:p>
+          <a:endParaRPr lang="en-MY"/>
+        </a:p>
+      </dgm:t>
+    </dgm:pt>
+    <dgm:pt modelId="{3BCE76C2-DE4F-4561-9E8C-157C3D853836}" type="sibTrans" cxnId="{E17AD399-DAA1-4C7F-ADEC-8CED3D7F74D3}">
+      <dgm:prSet/>
+      <dgm:spPr/>
+      <dgm:t>
+        <a:bodyPr/>
+        <a:lstStyle/>
+        <a:p>
+          <a:endParaRPr lang="en-MY"/>
+        </a:p>
+      </dgm:t>
+    </dgm:pt>
+    <dgm:pt modelId="{EC883152-774D-474D-A842-FA7AEEA7FD06}">
+      <dgm:prSet/>
+      <dgm:spPr/>
+      <dgm:t>
+        <a:bodyPr/>
+        <a:lstStyle/>
+        <a:p>
+          <a:r>
+            <a:rPr lang="en-MY" dirty="0"/>
+            <a:t>Training complete in 6 hours. Accuracy must reach 99.8%</a:t>
+          </a:r>
+        </a:p>
+      </dgm:t>
+    </dgm:pt>
+    <dgm:pt modelId="{1A911721-EE80-41AD-B38F-51CD947C2AB7}" type="parTrans" cxnId="{03946EE8-3D04-4372-8AE2-D1815905B5F4}">
+      <dgm:prSet/>
+      <dgm:spPr/>
+      <dgm:t>
+        <a:bodyPr/>
+        <a:lstStyle/>
+        <a:p>
+          <a:endParaRPr lang="en-MY"/>
+        </a:p>
+      </dgm:t>
+    </dgm:pt>
+    <dgm:pt modelId="{5454BA78-8BEF-48E2-8BAB-0A70871AF79A}" type="sibTrans" cxnId="{03946EE8-3D04-4372-8AE2-D1815905B5F4}">
+      <dgm:prSet/>
+      <dgm:spPr/>
+      <dgm:t>
+        <a:bodyPr/>
+        <a:lstStyle/>
+        <a:p>
+          <a:endParaRPr lang="en-MY"/>
+        </a:p>
+      </dgm:t>
+    </dgm:pt>
+    <dgm:pt modelId="{A617A291-CE2F-4D50-9F39-E6690C416BAE}">
+      <dgm:prSet/>
+      <dgm:spPr/>
+      <dgm:t>
+        <a:bodyPr/>
+        <a:lstStyle/>
+        <a:p>
+          <a:r>
+            <a:rPr kumimoji="0" lang="en-US" b="0" i="0" u="none" strike="noStrike" cap="none" spc="0" normalizeH="0" baseline="0" noProof="0" dirty="0">
+              <a:ln>
+                <a:noFill/>
+              </a:ln>
+              <a:solidFill>
+                <a:prstClr val="black"/>
+              </a:solidFill>
+              <a:effectLst/>
+              <a:uLnTx/>
+              <a:uFillTx/>
+              <a:latin typeface="Calibri"/>
+              <a:ea typeface="+mn-ea"/>
+              <a:cs typeface="+mn-cs"/>
+            </a:rPr>
+            <a:t>2000 known phishing emails and 8000 non-phishing emails are sent to a demo user email account in random order in past 7 days.</a:t>
+          </a:r>
+          <a:endParaRPr lang="en-MY" dirty="0"/>
+        </a:p>
+      </dgm:t>
+    </dgm:pt>
+    <dgm:pt modelId="{183DF3FA-9549-4C67-8808-4FA5328A609D}" type="parTrans" cxnId="{03466D5D-3920-4172-AB6F-E9230588098B}">
+      <dgm:prSet/>
+      <dgm:spPr/>
+      <dgm:t>
+        <a:bodyPr/>
+        <a:lstStyle/>
+        <a:p>
+          <a:endParaRPr lang="en-MY"/>
+        </a:p>
+      </dgm:t>
+    </dgm:pt>
+    <dgm:pt modelId="{AC7A9E9B-4252-4A83-B529-BBF2B56F8815}" type="sibTrans" cxnId="{03466D5D-3920-4172-AB6F-E9230588098B}">
+      <dgm:prSet/>
+      <dgm:spPr/>
+      <dgm:t>
+        <a:bodyPr/>
+        <a:lstStyle/>
+        <a:p>
+          <a:endParaRPr lang="en-MY"/>
+        </a:p>
+      </dgm:t>
+    </dgm:pt>
+    <dgm:pt modelId="{AA026BD7-495E-47FD-BE62-196ECAA0712D}">
+      <dgm:prSet/>
+      <dgm:spPr/>
+      <dgm:t>
+        <a:bodyPr/>
+        <a:lstStyle/>
+        <a:p>
+          <a:r>
+            <a:rPr kumimoji="0" lang="en-US" b="0" i="0" u="none" strike="noStrike" cap="none" spc="0" normalizeH="0" baseline="0" noProof="0" dirty="0">
+              <a:ln>
+                <a:noFill/>
+              </a:ln>
+              <a:solidFill>
+                <a:prstClr val="black"/>
+              </a:solidFill>
+              <a:effectLst/>
+              <a:uLnTx/>
+              <a:uFillTx/>
+              <a:latin typeface="Calibri"/>
+              <a:ea typeface="+mn-ea"/>
+              <a:cs typeface="+mn-cs"/>
+            </a:rPr>
+            <a:t>The agent must scan through the emails within 5 minutes with 99% accuracy. </a:t>
+          </a:r>
+          <a:endParaRPr lang="en-MY" dirty="0"/>
+        </a:p>
+      </dgm:t>
+    </dgm:pt>
+    <dgm:pt modelId="{4BCBCF9F-42A6-49EA-A6E6-9FFC99C12C73}" type="parTrans" cxnId="{34E1C97F-89C5-4F48-93DC-04934EF1F5DB}">
+      <dgm:prSet/>
+      <dgm:spPr/>
+      <dgm:t>
+        <a:bodyPr/>
+        <a:lstStyle/>
+        <a:p>
+          <a:endParaRPr lang="en-MY"/>
+        </a:p>
+      </dgm:t>
+    </dgm:pt>
+    <dgm:pt modelId="{5572B634-4BDB-41E2-9128-379275D26A92}" type="sibTrans" cxnId="{34E1C97F-89C5-4F48-93DC-04934EF1F5DB}">
+      <dgm:prSet/>
+      <dgm:spPr/>
+      <dgm:t>
+        <a:bodyPr/>
+        <a:lstStyle/>
+        <a:p>
+          <a:endParaRPr lang="en-MY"/>
+        </a:p>
+      </dgm:t>
+    </dgm:pt>
+    <dgm:pt modelId="{73DD52FD-8A85-4780-B89F-9627D4DCADC5}" type="pres">
+      <dgm:prSet presAssocID="{BA2FAB3D-81B6-4C82-BA38-D897035D7D3F}" presName="linearFlow" presStyleCnt="0">
+        <dgm:presLayoutVars>
+          <dgm:dir/>
+          <dgm:animLvl val="lvl"/>
+          <dgm:resizeHandles val="exact"/>
+        </dgm:presLayoutVars>
+      </dgm:prSet>
+      <dgm:spPr/>
+    </dgm:pt>
+    <dgm:pt modelId="{2B8F50BF-77B5-4F8F-9D0A-35B621392E3A}" type="pres">
+      <dgm:prSet presAssocID="{A5A83577-164B-4C8C-B5F2-52BFBA792537}" presName="composite" presStyleCnt="0"/>
+      <dgm:spPr/>
+    </dgm:pt>
+    <dgm:pt modelId="{6454DAB9-67C4-48D0-B02D-2E89EED07D60}" type="pres">
+      <dgm:prSet presAssocID="{A5A83577-164B-4C8C-B5F2-52BFBA792537}" presName="parentText" presStyleLbl="alignNode1" presStyleIdx="0" presStyleCnt="5">
+        <dgm:presLayoutVars>
+          <dgm:chMax val="1"/>
+          <dgm:bulletEnabled val="1"/>
+        </dgm:presLayoutVars>
+      </dgm:prSet>
+      <dgm:spPr/>
+    </dgm:pt>
+    <dgm:pt modelId="{9678A81A-87B0-4ADB-AACC-0F43C41A73D8}" type="pres">
+      <dgm:prSet presAssocID="{A5A83577-164B-4C8C-B5F2-52BFBA792537}" presName="descendantText" presStyleLbl="alignAcc1" presStyleIdx="0" presStyleCnt="5">
+        <dgm:presLayoutVars>
+          <dgm:bulletEnabled val="1"/>
+        </dgm:presLayoutVars>
+      </dgm:prSet>
+      <dgm:spPr/>
+    </dgm:pt>
+    <dgm:pt modelId="{C34CC1F1-4E6F-4A8F-A1E0-2BFB2A5A9847}" type="pres">
+      <dgm:prSet presAssocID="{48CA02E2-39E3-4E62-ADA3-E381C4B87116}" presName="sp" presStyleCnt="0"/>
+      <dgm:spPr/>
+    </dgm:pt>
+    <dgm:pt modelId="{561123BE-13F5-49D1-9F9D-37FCB913FC07}" type="pres">
+      <dgm:prSet presAssocID="{7D6EF572-5EC6-4C84-8563-FC1F82E66669}" presName="composite" presStyleCnt="0"/>
+      <dgm:spPr/>
+    </dgm:pt>
+    <dgm:pt modelId="{F9CAE16E-096A-410F-92E3-0AB785393FDF}" type="pres">
+      <dgm:prSet presAssocID="{7D6EF572-5EC6-4C84-8563-FC1F82E66669}" presName="parentText" presStyleLbl="alignNode1" presStyleIdx="1" presStyleCnt="5" custLinFactNeighborY="0">
+        <dgm:presLayoutVars>
+          <dgm:chMax val="1"/>
+          <dgm:bulletEnabled val="1"/>
+        </dgm:presLayoutVars>
+      </dgm:prSet>
+      <dgm:spPr/>
+    </dgm:pt>
+    <dgm:pt modelId="{1DA01B55-7583-4BDC-A845-7A8F6DB647F8}" type="pres">
+      <dgm:prSet presAssocID="{7D6EF572-5EC6-4C84-8563-FC1F82E66669}" presName="descendantText" presStyleLbl="alignAcc1" presStyleIdx="1" presStyleCnt="5">
+        <dgm:presLayoutVars>
+          <dgm:bulletEnabled val="1"/>
+        </dgm:presLayoutVars>
+      </dgm:prSet>
+      <dgm:spPr/>
+    </dgm:pt>
+    <dgm:pt modelId="{183D9126-CDFC-4D26-A3E9-96A21C3CD386}" type="pres">
+      <dgm:prSet presAssocID="{11281F99-E085-45A5-A926-EF70D4731C20}" presName="sp" presStyleCnt="0"/>
+      <dgm:spPr/>
+    </dgm:pt>
+    <dgm:pt modelId="{3E353C56-CFFB-4CDD-997C-18A7CCDA0E80}" type="pres">
+      <dgm:prSet presAssocID="{4F0D7010-9C11-49AC-80EA-91A088459301}" presName="composite" presStyleCnt="0"/>
+      <dgm:spPr/>
+    </dgm:pt>
+    <dgm:pt modelId="{E8EF1F52-AD82-42E9-A4E0-B23648BC058E}" type="pres">
+      <dgm:prSet presAssocID="{4F0D7010-9C11-49AC-80EA-91A088459301}" presName="parentText" presStyleLbl="alignNode1" presStyleIdx="2" presStyleCnt="5">
+        <dgm:presLayoutVars>
+          <dgm:chMax val="1"/>
+          <dgm:bulletEnabled val="1"/>
+        </dgm:presLayoutVars>
+      </dgm:prSet>
+      <dgm:spPr/>
+    </dgm:pt>
+    <dgm:pt modelId="{A6126571-9D54-4EB2-821B-B2B1E3CF4CD5}" type="pres">
+      <dgm:prSet presAssocID="{4F0D7010-9C11-49AC-80EA-91A088459301}" presName="descendantText" presStyleLbl="alignAcc1" presStyleIdx="2" presStyleCnt="5">
+        <dgm:presLayoutVars>
+          <dgm:bulletEnabled val="1"/>
+        </dgm:presLayoutVars>
+      </dgm:prSet>
+      <dgm:spPr/>
+    </dgm:pt>
+    <dgm:pt modelId="{650C9D8C-FC55-4CFB-9F40-DCCE4B677447}" type="pres">
+      <dgm:prSet presAssocID="{6463B5D0-D7E2-4BEB-BF48-94DFFF26B2FD}" presName="sp" presStyleCnt="0"/>
+      <dgm:spPr/>
+    </dgm:pt>
+    <dgm:pt modelId="{20B3934E-1844-46E4-9E61-4516E02FA8F7}" type="pres">
+      <dgm:prSet presAssocID="{ACBF3CCF-F9B1-4F5A-BD32-B28072EE9D08}" presName="composite" presStyleCnt="0"/>
+      <dgm:spPr/>
+    </dgm:pt>
+    <dgm:pt modelId="{2D30A8F1-BBCD-4E9D-AB56-FEFE746D0A9E}" type="pres">
+      <dgm:prSet presAssocID="{ACBF3CCF-F9B1-4F5A-BD32-B28072EE9D08}" presName="parentText" presStyleLbl="alignNode1" presStyleIdx="3" presStyleCnt="5">
+        <dgm:presLayoutVars>
+          <dgm:chMax val="1"/>
+          <dgm:bulletEnabled val="1"/>
+        </dgm:presLayoutVars>
+      </dgm:prSet>
+      <dgm:spPr/>
+    </dgm:pt>
+    <dgm:pt modelId="{910E639D-3F30-47BB-9096-0D77B51C52EB}" type="pres">
+      <dgm:prSet presAssocID="{ACBF3CCF-F9B1-4F5A-BD32-B28072EE9D08}" presName="descendantText" presStyleLbl="alignAcc1" presStyleIdx="3" presStyleCnt="5">
+        <dgm:presLayoutVars>
+          <dgm:bulletEnabled val="1"/>
+        </dgm:presLayoutVars>
+      </dgm:prSet>
+      <dgm:spPr/>
+    </dgm:pt>
+    <dgm:pt modelId="{8C764D94-DDBF-491E-AB5F-42041FD44C2E}" type="pres">
+      <dgm:prSet presAssocID="{30BDC718-B89D-47C6-8ACB-F8CF221E0F9B}" presName="sp" presStyleCnt="0"/>
+      <dgm:spPr/>
+    </dgm:pt>
+    <dgm:pt modelId="{84053BF9-0A06-4D4F-A1D7-0457E89DDA24}" type="pres">
+      <dgm:prSet presAssocID="{9677E242-DC52-44FB-8718-7A8C245F9165}" presName="composite" presStyleCnt="0"/>
+      <dgm:spPr/>
+    </dgm:pt>
+    <dgm:pt modelId="{F36EBE82-03ED-4C49-8030-EAFDE88A47E8}" type="pres">
+      <dgm:prSet presAssocID="{9677E242-DC52-44FB-8718-7A8C245F9165}" presName="parentText" presStyleLbl="alignNode1" presStyleIdx="4" presStyleCnt="5">
+        <dgm:presLayoutVars>
+          <dgm:chMax val="1"/>
+          <dgm:bulletEnabled val="1"/>
+        </dgm:presLayoutVars>
+      </dgm:prSet>
+      <dgm:spPr/>
+    </dgm:pt>
+    <dgm:pt modelId="{02F445BE-D6C2-42D5-BBB4-3F96402D8037}" type="pres">
+      <dgm:prSet presAssocID="{9677E242-DC52-44FB-8718-7A8C245F9165}" presName="descendantText" presStyleLbl="alignAcc1" presStyleIdx="4" presStyleCnt="5">
+        <dgm:presLayoutVars>
+          <dgm:bulletEnabled val="1"/>
+        </dgm:presLayoutVars>
+      </dgm:prSet>
+      <dgm:spPr/>
+    </dgm:pt>
+  </dgm:ptLst>
+  <dgm:cxnLst>
+    <dgm:cxn modelId="{03996711-5947-411B-AC68-E300139C8FE4}" type="presOf" srcId="{FF2C68A9-703E-4A55-AE17-2C3C41021AB2}" destId="{9678A81A-87B0-4ADB-AACC-0F43C41A73D8}" srcOrd="0" destOrd="0" presId="urn:microsoft.com/office/officeart/2005/8/layout/chevron2"/>
+    <dgm:cxn modelId="{C430A617-0D24-467E-AD74-0E9EBE9068B2}" type="presOf" srcId="{4F0D7010-9C11-49AC-80EA-91A088459301}" destId="{E8EF1F52-AD82-42E9-A4E0-B23648BC058E}" srcOrd="0" destOrd="0" presId="urn:microsoft.com/office/officeart/2005/8/layout/chevron2"/>
+    <dgm:cxn modelId="{00FB2418-9E5C-496D-8474-C9A4AA04F980}" srcId="{BA2FAB3D-81B6-4C82-BA38-D897035D7D3F}" destId="{ACBF3CCF-F9B1-4F5A-BD32-B28072EE9D08}" srcOrd="3" destOrd="0" parTransId="{0114FC3A-8326-43BF-A8A6-3136659D8097}" sibTransId="{30BDC718-B89D-47C6-8ACB-F8CF221E0F9B}"/>
+    <dgm:cxn modelId="{FB439B1B-C186-4F60-B1A7-45DC02F8A335}" type="presOf" srcId="{48D1509A-E47B-43FF-B8A0-ED6CC8593F08}" destId="{1DA01B55-7583-4BDC-A845-7A8F6DB647F8}" srcOrd="0" destOrd="1" presId="urn:microsoft.com/office/officeart/2005/8/layout/chevron2"/>
+    <dgm:cxn modelId="{35D2F31E-43EA-4648-AE26-6AA3FAF85895}" srcId="{ACBF3CCF-F9B1-4F5A-BD32-B28072EE9D08}" destId="{C529BBDF-0E76-455C-979D-9A5529645497}" srcOrd="3" destOrd="0" parTransId="{4A5C7827-9E4D-4BE7-ABDF-4D95D454C9C2}" sibTransId="{B68B5A00-7C65-45C6-A19A-8BF3121C55E9}"/>
+    <dgm:cxn modelId="{76644E20-2DEF-4AD2-BB9D-66CE2423858E}" srcId="{4F0D7010-9C11-49AC-80EA-91A088459301}" destId="{462D4D1D-1A1E-4CF3-92F0-91539A30D9D1}" srcOrd="0" destOrd="0" parTransId="{9610E1B0-79A1-40E7-A84F-CE8E5B7EEC1E}" sibTransId="{F01B60F1-C04C-406E-BFDF-6930DACA8F7C}"/>
+    <dgm:cxn modelId="{0897F320-0956-4BF0-8105-D891C1E0154D}" srcId="{BA2FAB3D-81B6-4C82-BA38-D897035D7D3F}" destId="{A5A83577-164B-4C8C-B5F2-52BFBA792537}" srcOrd="0" destOrd="0" parTransId="{AA16010F-7A5D-46F5-99CF-65810E36D089}" sibTransId="{48CA02E2-39E3-4E62-ADA3-E381C4B87116}"/>
+    <dgm:cxn modelId="{62C27524-BE9B-40FA-8B0B-28FE0D033973}" type="presOf" srcId="{EC883152-774D-474D-A842-FA7AEEA7FD06}" destId="{910E639D-3F30-47BB-9096-0D77B51C52EB}" srcOrd="0" destOrd="2" presId="urn:microsoft.com/office/officeart/2005/8/layout/chevron2"/>
+    <dgm:cxn modelId="{D658CF27-597B-46D2-B619-F314E13BA3F5}" srcId="{A5A83577-164B-4C8C-B5F2-52BFBA792537}" destId="{CFBF9D44-BE99-4C7A-9397-5CA4B3C96365}" srcOrd="1" destOrd="0" parTransId="{B07BAB91-DB8B-43E3-9F00-4E707FBAB4E0}" sibTransId="{8F21E347-200E-41B5-BC88-B4740051DE8B}"/>
+    <dgm:cxn modelId="{03466D5D-3920-4172-AB6F-E9230588098B}" srcId="{9677E242-DC52-44FB-8718-7A8C245F9165}" destId="{A617A291-CE2F-4D50-9F39-E6690C416BAE}" srcOrd="0" destOrd="0" parTransId="{183DF3FA-9549-4C67-8808-4FA5328A609D}" sibTransId="{AC7A9E9B-4252-4A83-B529-BBF2B56F8815}"/>
+    <dgm:cxn modelId="{98419961-D83B-460A-8A0E-E3B0D4C2A601}" srcId="{A5A83577-164B-4C8C-B5F2-52BFBA792537}" destId="{FF2C68A9-703E-4A55-AE17-2C3C41021AB2}" srcOrd="0" destOrd="0" parTransId="{23BA73F8-9854-4726-A387-C2D9CA49586C}" sibTransId="{C78637D3-286A-46C9-8E66-5BFC532E08E4}"/>
+    <dgm:cxn modelId="{21635D63-2500-4211-9565-46DC035F8EE9}" type="presOf" srcId="{A617A291-CE2F-4D50-9F39-E6690C416BAE}" destId="{02F445BE-D6C2-42D5-BBB4-3F96402D8037}" srcOrd="0" destOrd="0" presId="urn:microsoft.com/office/officeart/2005/8/layout/chevron2"/>
+    <dgm:cxn modelId="{1BC00E4A-21D7-468C-BEB6-111447FA2F10}" type="presOf" srcId="{BA2FAB3D-81B6-4C82-BA38-D897035D7D3F}" destId="{73DD52FD-8A85-4780-B89F-9627D4DCADC5}" srcOrd="0" destOrd="0" presId="urn:microsoft.com/office/officeart/2005/8/layout/chevron2"/>
+    <dgm:cxn modelId="{32AC1B4E-56BF-4934-8CEB-73D272DD815F}" type="presOf" srcId="{7D6EF572-5EC6-4C84-8563-FC1F82E66669}" destId="{F9CAE16E-096A-410F-92E3-0AB785393FDF}" srcOrd="0" destOrd="0" presId="urn:microsoft.com/office/officeart/2005/8/layout/chevron2"/>
+    <dgm:cxn modelId="{CC702852-CAB3-450F-8A36-CFF74948FB24}" srcId="{BA2FAB3D-81B6-4C82-BA38-D897035D7D3F}" destId="{4F0D7010-9C11-49AC-80EA-91A088459301}" srcOrd="2" destOrd="0" parTransId="{500C3AC0-F4BC-458E-AAAA-E132696450F2}" sibTransId="{6463B5D0-D7E2-4BEB-BF48-94DFFF26B2FD}"/>
+    <dgm:cxn modelId="{361D9357-E0B9-4644-AFA2-EAEB4D83BF2C}" srcId="{ACBF3CCF-F9B1-4F5A-BD32-B28072EE9D08}" destId="{B4AF978A-D1B4-43EF-A63B-922A3B3EA7CB}" srcOrd="0" destOrd="0" parTransId="{27B56B41-94CE-4326-A9FB-D11E716AF522}" sibTransId="{FFBF3F86-30F7-427C-A70D-9CCAFFEADD3E}"/>
+    <dgm:cxn modelId="{34E1C97F-89C5-4F48-93DC-04934EF1F5DB}" srcId="{9677E242-DC52-44FB-8718-7A8C245F9165}" destId="{AA026BD7-495E-47FD-BE62-196ECAA0712D}" srcOrd="1" destOrd="0" parTransId="{4BCBCF9F-42A6-49EA-A6E6-9FFC99C12C73}" sibTransId="{5572B634-4BDB-41E2-9128-379275D26A92}"/>
+    <dgm:cxn modelId="{2F3F1893-4156-4DF9-94BF-1E21F333100A}" srcId="{BA2FAB3D-81B6-4C82-BA38-D897035D7D3F}" destId="{9677E242-DC52-44FB-8718-7A8C245F9165}" srcOrd="4" destOrd="0" parTransId="{561D92B7-7D30-4F0B-9122-4CFEBCCC15DA}" sibTransId="{2C3B6347-FFDD-41A5-B162-5FCA431A8A85}"/>
+    <dgm:cxn modelId="{80FE6D93-03F6-4250-A031-C52C9EEAC6E9}" type="presOf" srcId="{462D4D1D-1A1E-4CF3-92F0-91539A30D9D1}" destId="{A6126571-9D54-4EB2-821B-B2B1E3CF4CD5}" srcOrd="0" destOrd="0" presId="urn:microsoft.com/office/officeart/2005/8/layout/chevron2"/>
+    <dgm:cxn modelId="{A551CF93-DB0A-410F-88D5-FC02970E900A}" type="presOf" srcId="{AA026BD7-495E-47FD-BE62-196ECAA0712D}" destId="{02F445BE-D6C2-42D5-BBB4-3F96402D8037}" srcOrd="0" destOrd="1" presId="urn:microsoft.com/office/officeart/2005/8/layout/chevron2"/>
+    <dgm:cxn modelId="{E17AD399-DAA1-4C7F-ADEC-8CED3D7F74D3}" srcId="{ACBF3CCF-F9B1-4F5A-BD32-B28072EE9D08}" destId="{C12EADD9-07EF-42EA-B1BC-59D19F7FC107}" srcOrd="1" destOrd="0" parTransId="{A725A5AB-3838-406D-A15D-5B538892C35C}" sibTransId="{3BCE76C2-DE4F-4561-9E8C-157C3D853836}"/>
+    <dgm:cxn modelId="{8D9E5B9A-828E-4152-B1F8-00BD07B2AC9E}" type="presOf" srcId="{A5A83577-164B-4C8C-B5F2-52BFBA792537}" destId="{6454DAB9-67C4-48D0-B02D-2E89EED07D60}" srcOrd="0" destOrd="0" presId="urn:microsoft.com/office/officeart/2005/8/layout/chevron2"/>
+    <dgm:cxn modelId="{1295AE9F-699D-47C0-8965-EBE7367ADCED}" srcId="{BA2FAB3D-81B6-4C82-BA38-D897035D7D3F}" destId="{7D6EF572-5EC6-4C84-8563-FC1F82E66669}" srcOrd="1" destOrd="0" parTransId="{B8807F8D-F6A0-4D38-834D-4A9A462280D9}" sibTransId="{11281F99-E085-45A5-A926-EF70D4731C20}"/>
+    <dgm:cxn modelId="{3DB983A3-DA50-42CB-92A8-FAF2711EEC79}" type="presOf" srcId="{D65D2250-A356-45D5-9AE4-CC3838667A88}" destId="{A6126571-9D54-4EB2-821B-B2B1E3CF4CD5}" srcOrd="0" destOrd="1" presId="urn:microsoft.com/office/officeart/2005/8/layout/chevron2"/>
+    <dgm:cxn modelId="{A07474B0-91B9-4CED-9E18-AEC87D1BEE58}" type="presOf" srcId="{CFBF9D44-BE99-4C7A-9397-5CA4B3C96365}" destId="{9678A81A-87B0-4ADB-AACC-0F43C41A73D8}" srcOrd="0" destOrd="1" presId="urn:microsoft.com/office/officeart/2005/8/layout/chevron2"/>
+    <dgm:cxn modelId="{11221DB5-9749-4F6E-A26A-3086A3817FC7}" srcId="{7D6EF572-5EC6-4C84-8563-FC1F82E66669}" destId="{39C0DCC4-14D7-40C8-8054-320FB6E822CB}" srcOrd="0" destOrd="0" parTransId="{3ADC6B9F-2FEA-4F3E-860B-3B54AAC6CFD9}" sibTransId="{03AF96FB-89C5-4C4E-95F5-8B206B3F7B05}"/>
+    <dgm:cxn modelId="{0AE822B6-12D4-4489-9C0A-53DF3DE6662F}" type="presOf" srcId="{39C0DCC4-14D7-40C8-8054-320FB6E822CB}" destId="{1DA01B55-7583-4BDC-A845-7A8F6DB647F8}" srcOrd="0" destOrd="0" presId="urn:microsoft.com/office/officeart/2005/8/layout/chevron2"/>
+    <dgm:cxn modelId="{4A02DCB9-1E2D-4194-8675-168A8CCF4877}" srcId="{7D6EF572-5EC6-4C84-8563-FC1F82E66669}" destId="{48D1509A-E47B-43FF-B8A0-ED6CC8593F08}" srcOrd="1" destOrd="0" parTransId="{39F8D2BA-1B81-4AB1-8F3C-FFC0EF36BB78}" sibTransId="{87AE719F-5FD0-499A-91BA-ACDB246F13A5}"/>
+    <dgm:cxn modelId="{9A69FFCF-EF13-4C80-8F27-329820113CB3}" srcId="{4F0D7010-9C11-49AC-80EA-91A088459301}" destId="{D65D2250-A356-45D5-9AE4-CC3838667A88}" srcOrd="1" destOrd="0" parTransId="{D6B04488-6138-4E14-8176-F679115F1B6E}" sibTransId="{F73CC3B5-BDC6-4C88-814E-F750A3791796}"/>
+    <dgm:cxn modelId="{DC69F8D2-F930-48C2-A7B9-E6A2C68703FD}" type="presOf" srcId="{C12EADD9-07EF-42EA-B1BC-59D19F7FC107}" destId="{910E639D-3F30-47BB-9096-0D77B51C52EB}" srcOrd="0" destOrd="1" presId="urn:microsoft.com/office/officeart/2005/8/layout/chevron2"/>
+    <dgm:cxn modelId="{92E7F5DF-EEF4-42FA-8F85-65D364F7ED66}" type="presOf" srcId="{B4AF978A-D1B4-43EF-A63B-922A3B3EA7CB}" destId="{910E639D-3F30-47BB-9096-0D77B51C52EB}" srcOrd="0" destOrd="0" presId="urn:microsoft.com/office/officeart/2005/8/layout/chevron2"/>
+    <dgm:cxn modelId="{03946EE8-3D04-4372-8AE2-D1815905B5F4}" srcId="{ACBF3CCF-F9B1-4F5A-BD32-B28072EE9D08}" destId="{EC883152-774D-474D-A842-FA7AEEA7FD06}" srcOrd="2" destOrd="0" parTransId="{1A911721-EE80-41AD-B38F-51CD947C2AB7}" sibTransId="{5454BA78-8BEF-48E2-8BAB-0A70871AF79A}"/>
+    <dgm:cxn modelId="{A8364CEB-A2A7-49B3-8444-901953314BFF}" type="presOf" srcId="{9677E242-DC52-44FB-8718-7A8C245F9165}" destId="{F36EBE82-03ED-4C49-8030-EAFDE88A47E8}" srcOrd="0" destOrd="0" presId="urn:microsoft.com/office/officeart/2005/8/layout/chevron2"/>
+    <dgm:cxn modelId="{E2562FEE-CA3C-4BF7-A22D-50C534B7D6CD}" type="presOf" srcId="{ACBF3CCF-F9B1-4F5A-BD32-B28072EE9D08}" destId="{2D30A8F1-BBCD-4E9D-AB56-FEFE746D0A9E}" srcOrd="0" destOrd="0" presId="urn:microsoft.com/office/officeart/2005/8/layout/chevron2"/>
+    <dgm:cxn modelId="{5BDB62FA-4E41-4899-923C-3CBE0986B85F}" type="presOf" srcId="{C529BBDF-0E76-455C-979D-9A5529645497}" destId="{910E639D-3F30-47BB-9096-0D77B51C52EB}" srcOrd="0" destOrd="3" presId="urn:microsoft.com/office/officeart/2005/8/layout/chevron2"/>
+    <dgm:cxn modelId="{24CCC587-14BA-445B-9879-9C83C18CD00C}" type="presParOf" srcId="{73DD52FD-8A85-4780-B89F-9627D4DCADC5}" destId="{2B8F50BF-77B5-4F8F-9D0A-35B621392E3A}" srcOrd="0" destOrd="0" presId="urn:microsoft.com/office/officeart/2005/8/layout/chevron2"/>
+    <dgm:cxn modelId="{57A579BD-4F4A-4164-A8CF-D33660B3C094}" type="presParOf" srcId="{2B8F50BF-77B5-4F8F-9D0A-35B621392E3A}" destId="{6454DAB9-67C4-48D0-B02D-2E89EED07D60}" srcOrd="0" destOrd="0" presId="urn:microsoft.com/office/officeart/2005/8/layout/chevron2"/>
+    <dgm:cxn modelId="{9E3BA788-FFD0-4866-9531-57B297982B2B}" type="presParOf" srcId="{2B8F50BF-77B5-4F8F-9D0A-35B621392E3A}" destId="{9678A81A-87B0-4ADB-AACC-0F43C41A73D8}" srcOrd="1" destOrd="0" presId="urn:microsoft.com/office/officeart/2005/8/layout/chevron2"/>
+    <dgm:cxn modelId="{B6C9CA5F-B4A7-4AE0-9570-A7451C0EEBEA}" type="presParOf" srcId="{73DD52FD-8A85-4780-B89F-9627D4DCADC5}" destId="{C34CC1F1-4E6F-4A8F-A1E0-2BFB2A5A9847}" srcOrd="1" destOrd="0" presId="urn:microsoft.com/office/officeart/2005/8/layout/chevron2"/>
+    <dgm:cxn modelId="{92D53FD8-E68A-4537-8F59-3469F8382033}" type="presParOf" srcId="{73DD52FD-8A85-4780-B89F-9627D4DCADC5}" destId="{561123BE-13F5-49D1-9F9D-37FCB913FC07}" srcOrd="2" destOrd="0" presId="urn:microsoft.com/office/officeart/2005/8/layout/chevron2"/>
+    <dgm:cxn modelId="{65772E2C-83E0-4161-9526-6A712743FCBD}" type="presParOf" srcId="{561123BE-13F5-49D1-9F9D-37FCB913FC07}" destId="{F9CAE16E-096A-410F-92E3-0AB785393FDF}" srcOrd="0" destOrd="0" presId="urn:microsoft.com/office/officeart/2005/8/layout/chevron2"/>
+    <dgm:cxn modelId="{CC4951E9-1475-443F-8CF9-99A8BAAABE11}" type="presParOf" srcId="{561123BE-13F5-49D1-9F9D-37FCB913FC07}" destId="{1DA01B55-7583-4BDC-A845-7A8F6DB647F8}" srcOrd="1" destOrd="0" presId="urn:microsoft.com/office/officeart/2005/8/layout/chevron2"/>
+    <dgm:cxn modelId="{7BEF35B7-E2C5-48B4-A823-80360ECECEE6}" type="presParOf" srcId="{73DD52FD-8A85-4780-B89F-9627D4DCADC5}" destId="{183D9126-CDFC-4D26-A3E9-96A21C3CD386}" srcOrd="3" destOrd="0" presId="urn:microsoft.com/office/officeart/2005/8/layout/chevron2"/>
+    <dgm:cxn modelId="{D5721C19-DF1B-4FFF-B740-A5266DFECAC4}" type="presParOf" srcId="{73DD52FD-8A85-4780-B89F-9627D4DCADC5}" destId="{3E353C56-CFFB-4CDD-997C-18A7CCDA0E80}" srcOrd="4" destOrd="0" presId="urn:microsoft.com/office/officeart/2005/8/layout/chevron2"/>
+    <dgm:cxn modelId="{041EEE9B-9771-4C74-BD78-1704EBFB74D7}" type="presParOf" srcId="{3E353C56-CFFB-4CDD-997C-18A7CCDA0E80}" destId="{E8EF1F52-AD82-42E9-A4E0-B23648BC058E}" srcOrd="0" destOrd="0" presId="urn:microsoft.com/office/officeart/2005/8/layout/chevron2"/>
+    <dgm:cxn modelId="{DA6FBD14-9156-4940-A5C5-89BD12A97DB0}" type="presParOf" srcId="{3E353C56-CFFB-4CDD-997C-18A7CCDA0E80}" destId="{A6126571-9D54-4EB2-821B-B2B1E3CF4CD5}" srcOrd="1" destOrd="0" presId="urn:microsoft.com/office/officeart/2005/8/layout/chevron2"/>
+    <dgm:cxn modelId="{B8C74340-47FD-48AF-976D-0017C31503AA}" type="presParOf" srcId="{73DD52FD-8A85-4780-B89F-9627D4DCADC5}" destId="{650C9D8C-FC55-4CFB-9F40-DCCE4B677447}" srcOrd="5" destOrd="0" presId="urn:microsoft.com/office/officeart/2005/8/layout/chevron2"/>
+    <dgm:cxn modelId="{18348488-9785-44A1-948D-51FA2D862C0E}" type="presParOf" srcId="{73DD52FD-8A85-4780-B89F-9627D4DCADC5}" destId="{20B3934E-1844-46E4-9E61-4516E02FA8F7}" srcOrd="6" destOrd="0" presId="urn:microsoft.com/office/officeart/2005/8/layout/chevron2"/>
+    <dgm:cxn modelId="{C4997182-1FB9-4BA4-8A41-54FA667C372B}" type="presParOf" srcId="{20B3934E-1844-46E4-9E61-4516E02FA8F7}" destId="{2D30A8F1-BBCD-4E9D-AB56-FEFE746D0A9E}" srcOrd="0" destOrd="0" presId="urn:microsoft.com/office/officeart/2005/8/layout/chevron2"/>
+    <dgm:cxn modelId="{5E23AC2A-87D2-4E83-977A-27008560CDF8}" type="presParOf" srcId="{20B3934E-1844-46E4-9E61-4516E02FA8F7}" destId="{910E639D-3F30-47BB-9096-0D77B51C52EB}" srcOrd="1" destOrd="0" presId="urn:microsoft.com/office/officeart/2005/8/layout/chevron2"/>
+    <dgm:cxn modelId="{2B0782B1-F642-449B-954F-2A8FCF5BFECB}" type="presParOf" srcId="{73DD52FD-8A85-4780-B89F-9627D4DCADC5}" destId="{8C764D94-DDBF-491E-AB5F-42041FD44C2E}" srcOrd="7" destOrd="0" presId="urn:microsoft.com/office/officeart/2005/8/layout/chevron2"/>
+    <dgm:cxn modelId="{B7CF3A72-E96E-4D0E-999E-351D28ABF6A9}" type="presParOf" srcId="{73DD52FD-8A85-4780-B89F-9627D4DCADC5}" destId="{84053BF9-0A06-4D4F-A1D7-0457E89DDA24}" srcOrd="8" destOrd="0" presId="urn:microsoft.com/office/officeart/2005/8/layout/chevron2"/>
+    <dgm:cxn modelId="{97A38195-EE9B-47BB-AF92-2CF15355FED4}" type="presParOf" srcId="{84053BF9-0A06-4D4F-A1D7-0457E89DDA24}" destId="{F36EBE82-03ED-4C49-8030-EAFDE88A47E8}" srcOrd="0" destOrd="0" presId="urn:microsoft.com/office/officeart/2005/8/layout/chevron2"/>
+    <dgm:cxn modelId="{46805E0D-4BF2-4A38-95CA-39E5D104F596}" type="presParOf" srcId="{84053BF9-0A06-4D4F-A1D7-0457E89DDA24}" destId="{02F445BE-D6C2-42D5-BBB4-3F96402D8037}" srcOrd="1" destOrd="0" presId="urn:microsoft.com/office/officeart/2005/8/layout/chevron2"/>
+  </dgm:cxnLst>
+  <dgm:bg/>
+  <dgm:whole/>
+  <dgm:extLst>
+    <a:ext uri="http://schemas.microsoft.com/office/drawing/2008/diagram">
+      <dsp:dataModelExt xmlns:dsp="http://schemas.microsoft.com/office/drawing/2008/diagram" relId="rId6" minVer="http://schemas.openxmlformats.org/drawingml/2006/diagram"/>
+    </a:ext>
+  </dgm:extLst>
+</dgm:dataModel>
+</file>
+
+<file path=ppt/diagrams/drawing1.xml><?xml version="1.0" encoding="utf-8"?>
+<dsp:drawing xmlns:dgm="http://schemas.openxmlformats.org/drawingml/2006/diagram" xmlns:dsp="http://schemas.microsoft.com/office/drawing/2008/diagram" xmlns:a="http://schemas.openxmlformats.org/drawingml/2006/main">
+  <dsp:spTree>
+    <dsp:nvGrpSpPr>
+      <dsp:cNvPr id="0" name=""/>
+      <dsp:cNvGrpSpPr/>
+    </dsp:nvGrpSpPr>
+    <dsp:grpSpPr/>
+    <dsp:sp modelId="{AA1B8B86-8B56-4E89-980E-CA968091E7C8}">
+      <dsp:nvSpPr>
+        <dsp:cNvPr id="0" name=""/>
+        <dsp:cNvSpPr/>
+      </dsp:nvSpPr>
+      <dsp:spPr>
+        <a:xfrm>
+          <a:off x="3892960" y="3225"/>
+          <a:ext cx="1650178" cy="916765"/>
+        </a:xfrm>
+        <a:prstGeom prst="roundRect">
+          <a:avLst>
+            <a:gd name="adj" fmla="val 10000"/>
+          </a:avLst>
+        </a:prstGeom>
+        <a:solidFill>
+          <a:schemeClr val="accent1">
+            <a:hueOff val="0"/>
+            <a:satOff val="0"/>
+            <a:lumOff val="0"/>
+            <a:alphaOff val="0"/>
+          </a:schemeClr>
+        </a:solidFill>
+        <a:ln w="12700" cap="flat" cmpd="sng" algn="ctr">
+          <a:solidFill>
+            <a:schemeClr val="lt1">
+              <a:hueOff val="0"/>
+              <a:satOff val="0"/>
+              <a:lumOff val="0"/>
+              <a:alphaOff val="0"/>
+            </a:schemeClr>
+          </a:solidFill>
+          <a:prstDash val="solid"/>
+          <a:miter lim="800000"/>
+        </a:ln>
+        <a:effectLst/>
+      </dsp:spPr>
+      <dsp:style>
+        <a:lnRef idx="2">
+          <a:scrgbClr r="0" g="0" b="0"/>
+        </a:lnRef>
+        <a:fillRef idx="1">
+          <a:scrgbClr r="0" g="0" b="0"/>
+        </a:fillRef>
+        <a:effectRef idx="0">
+          <a:scrgbClr r="0" g="0" b="0"/>
+        </a:effectRef>
+        <a:fontRef idx="minor">
+          <a:schemeClr val="lt1"/>
+        </a:fontRef>
+      </dsp:style>
+      <dsp:txBody>
+        <a:bodyPr spcFirstLastPara="0" vert="horz" wrap="square" lIns="64770" tIns="64770" rIns="64770" bIns="64770" numCol="1" spcCol="1270" anchor="ctr" anchorCtr="0">
+          <a:noAutofit/>
+        </a:bodyPr>
+        <a:lstStyle/>
+        <a:p>
+          <a:pPr marL="0" lvl="0" indent="0" algn="ctr" defTabSz="755650">
+            <a:lnSpc>
+              <a:spcPct val="90000"/>
+            </a:lnSpc>
+            <a:spcBef>
+              <a:spcPct val="0"/>
+            </a:spcBef>
+            <a:spcAft>
+              <a:spcPct val="35000"/>
+            </a:spcAft>
+            <a:buNone/>
+          </a:pPr>
+          <a:r>
+            <a:rPr lang="en-MY" sz="1700" kern="1200" dirty="0"/>
+            <a:t>Info-gathering Test </a:t>
+          </a:r>
+        </a:p>
+      </dsp:txBody>
+      <dsp:txXfrm>
+        <a:off x="3919811" y="30076"/>
+        <a:ext cx="1596476" cy="863063"/>
+      </dsp:txXfrm>
+    </dsp:sp>
+    <dsp:sp modelId="{7785C724-787D-42CF-B411-8CD847C2037A}">
+      <dsp:nvSpPr>
+        <dsp:cNvPr id="0" name=""/>
+        <dsp:cNvSpPr/>
+      </dsp:nvSpPr>
+      <dsp:spPr>
+        <a:xfrm rot="5400000">
+          <a:off x="4611317" y="934222"/>
+          <a:ext cx="213464" cy="256157"/>
+        </a:xfrm>
+        <a:prstGeom prst="rightArrow">
+          <a:avLst>
+            <a:gd name="adj1" fmla="val 60000"/>
+            <a:gd name="adj2" fmla="val 50000"/>
+          </a:avLst>
+        </a:prstGeom>
+        <a:solidFill>
+          <a:schemeClr val="accent1">
+            <a:tint val="60000"/>
+            <a:hueOff val="0"/>
+            <a:satOff val="0"/>
+            <a:lumOff val="0"/>
+            <a:alphaOff val="0"/>
+          </a:schemeClr>
+        </a:solidFill>
+        <a:ln>
+          <a:noFill/>
+        </a:ln>
+        <a:effectLst/>
+      </dsp:spPr>
+      <dsp:style>
+        <a:lnRef idx="0">
+          <a:scrgbClr r="0" g="0" b="0"/>
+        </a:lnRef>
+        <a:fillRef idx="1">
+          <a:scrgbClr r="0" g="0" b="0"/>
+        </a:fillRef>
+        <a:effectRef idx="0">
+          <a:scrgbClr r="0" g="0" b="0"/>
+        </a:effectRef>
+        <a:fontRef idx="minor">
+          <a:schemeClr val="lt1"/>
+        </a:fontRef>
+      </dsp:style>
+      <dsp:txBody>
+        <a:bodyPr spcFirstLastPara="0" vert="horz" wrap="square" lIns="0" tIns="0" rIns="0" bIns="0" numCol="1" spcCol="1270" anchor="ctr" anchorCtr="0">
+          <a:noAutofit/>
+        </a:bodyPr>
+        <a:lstStyle/>
+        <a:p>
+          <a:pPr marL="0" lvl="0" indent="0" algn="ctr" defTabSz="444500">
+            <a:lnSpc>
+              <a:spcPct val="90000"/>
+            </a:lnSpc>
+            <a:spcBef>
+              <a:spcPct val="0"/>
+            </a:spcBef>
+            <a:spcAft>
+              <a:spcPct val="35000"/>
+            </a:spcAft>
+            <a:buNone/>
+          </a:pPr>
+          <a:endParaRPr lang="en-MY" sz="1000" kern="1200"/>
+        </a:p>
+      </dsp:txBody>
+      <dsp:txXfrm rot="-5400000">
+        <a:off x="4641202" y="955569"/>
+        <a:ext cx="153695" cy="149425"/>
+      </dsp:txXfrm>
+    </dsp:sp>
+    <dsp:sp modelId="{6B7DA0C4-AA6C-4EF0-9CDE-27CA27EF6988}">
+      <dsp:nvSpPr>
+        <dsp:cNvPr id="0" name=""/>
+        <dsp:cNvSpPr/>
+      </dsp:nvSpPr>
+      <dsp:spPr>
+        <a:xfrm>
+          <a:off x="3892960" y="1204610"/>
+          <a:ext cx="1650178" cy="916765"/>
+        </a:xfrm>
+        <a:prstGeom prst="roundRect">
+          <a:avLst>
+            <a:gd name="adj" fmla="val 10000"/>
+          </a:avLst>
+        </a:prstGeom>
+        <a:solidFill>
+          <a:schemeClr val="accent1">
+            <a:hueOff val="0"/>
+            <a:satOff val="0"/>
+            <a:lumOff val="0"/>
+            <a:alphaOff val="0"/>
+          </a:schemeClr>
+        </a:solidFill>
+        <a:ln w="12700" cap="flat" cmpd="sng" algn="ctr">
+          <a:solidFill>
+            <a:schemeClr val="lt1">
+              <a:hueOff val="0"/>
+              <a:satOff val="0"/>
+              <a:lumOff val="0"/>
+              <a:alphaOff val="0"/>
+            </a:schemeClr>
+          </a:solidFill>
+          <a:prstDash val="solid"/>
+          <a:miter lim="800000"/>
+        </a:ln>
+        <a:effectLst/>
+      </dsp:spPr>
+      <dsp:style>
+        <a:lnRef idx="2">
+          <a:scrgbClr r="0" g="0" b="0"/>
+        </a:lnRef>
+        <a:fillRef idx="1">
+          <a:scrgbClr r="0" g="0" b="0"/>
+        </a:fillRef>
+        <a:effectRef idx="0">
+          <a:scrgbClr r="0" g="0" b="0"/>
+        </a:effectRef>
+        <a:fontRef idx="minor">
+          <a:schemeClr val="lt1"/>
+        </a:fontRef>
+      </dsp:style>
+      <dsp:txBody>
+        <a:bodyPr spcFirstLastPara="0" vert="horz" wrap="square" lIns="64770" tIns="64770" rIns="64770" bIns="64770" numCol="1" spcCol="1270" anchor="ctr" anchorCtr="0">
+          <a:noAutofit/>
+        </a:bodyPr>
+        <a:lstStyle/>
+        <a:p>
+          <a:pPr marL="0" lvl="0" indent="0" algn="ctr" defTabSz="755650">
+            <a:lnSpc>
+              <a:spcPct val="90000"/>
+            </a:lnSpc>
+            <a:spcBef>
+              <a:spcPct val="0"/>
+            </a:spcBef>
+            <a:spcAft>
+              <a:spcPct val="35000"/>
+            </a:spcAft>
+            <a:buNone/>
+          </a:pPr>
+          <a:r>
+            <a:rPr lang="en-MY" sz="1700" kern="1200" dirty="0"/>
+            <a:t>Hash/signature  Extraction Test</a:t>
+          </a:r>
+        </a:p>
+      </dsp:txBody>
+      <dsp:txXfrm>
+        <a:off x="3919811" y="1231461"/>
+        <a:ext cx="1596476" cy="863063"/>
+      </dsp:txXfrm>
+    </dsp:sp>
+    <dsp:sp modelId="{1958CE3A-EB89-4DE5-8FC3-EC97EAA589FD}">
+      <dsp:nvSpPr>
+        <dsp:cNvPr id="0" name=""/>
+        <dsp:cNvSpPr/>
+      </dsp:nvSpPr>
+      <dsp:spPr>
+        <a:xfrm rot="5400000">
+          <a:off x="4611317" y="2135607"/>
+          <a:ext cx="213464" cy="256157"/>
+        </a:xfrm>
+        <a:prstGeom prst="rightArrow">
+          <a:avLst>
+            <a:gd name="adj1" fmla="val 60000"/>
+            <a:gd name="adj2" fmla="val 50000"/>
+          </a:avLst>
+        </a:prstGeom>
+        <a:solidFill>
+          <a:schemeClr val="accent1">
+            <a:tint val="60000"/>
+            <a:hueOff val="0"/>
+            <a:satOff val="0"/>
+            <a:lumOff val="0"/>
+            <a:alphaOff val="0"/>
+          </a:schemeClr>
+        </a:solidFill>
+        <a:ln>
+          <a:noFill/>
+        </a:ln>
+        <a:effectLst/>
+      </dsp:spPr>
+      <dsp:style>
+        <a:lnRef idx="0">
+          <a:scrgbClr r="0" g="0" b="0"/>
+        </a:lnRef>
+        <a:fillRef idx="1">
+          <a:scrgbClr r="0" g="0" b="0"/>
+        </a:fillRef>
+        <a:effectRef idx="0">
+          <a:scrgbClr r="0" g="0" b="0"/>
+        </a:effectRef>
+        <a:fontRef idx="minor">
+          <a:schemeClr val="lt1"/>
+        </a:fontRef>
+      </dsp:style>
+      <dsp:txBody>
+        <a:bodyPr spcFirstLastPara="0" vert="horz" wrap="square" lIns="0" tIns="0" rIns="0" bIns="0" numCol="1" spcCol="1270" anchor="ctr" anchorCtr="0">
+          <a:noAutofit/>
+        </a:bodyPr>
+        <a:lstStyle/>
+        <a:p>
+          <a:pPr marL="0" lvl="0" indent="0" algn="ctr" defTabSz="444500">
+            <a:lnSpc>
+              <a:spcPct val="90000"/>
+            </a:lnSpc>
+            <a:spcBef>
+              <a:spcPct val="0"/>
+            </a:spcBef>
+            <a:spcAft>
+              <a:spcPct val="35000"/>
+            </a:spcAft>
+            <a:buNone/>
+          </a:pPr>
+          <a:endParaRPr lang="en-MY" sz="1000" kern="1200"/>
+        </a:p>
+      </dsp:txBody>
+      <dsp:txXfrm rot="-5400000">
+        <a:off x="4641202" y="2156954"/>
+        <a:ext cx="153695" cy="149425"/>
+      </dsp:txXfrm>
+    </dsp:sp>
+    <dsp:sp modelId="{8D0403A4-B176-494F-8914-0D5A80E359FC}">
+      <dsp:nvSpPr>
+        <dsp:cNvPr id="0" name=""/>
+        <dsp:cNvSpPr/>
+      </dsp:nvSpPr>
+      <dsp:spPr>
+        <a:xfrm>
+          <a:off x="3892960" y="2405996"/>
+          <a:ext cx="1650178" cy="916765"/>
+        </a:xfrm>
+        <a:prstGeom prst="roundRect">
+          <a:avLst>
+            <a:gd name="adj" fmla="val 10000"/>
+          </a:avLst>
+        </a:prstGeom>
+        <a:solidFill>
+          <a:schemeClr val="accent1">
+            <a:hueOff val="0"/>
+            <a:satOff val="0"/>
+            <a:lumOff val="0"/>
+            <a:alphaOff val="0"/>
+          </a:schemeClr>
+        </a:solidFill>
+        <a:ln w="12700" cap="flat" cmpd="sng" algn="ctr">
+          <a:solidFill>
+            <a:schemeClr val="lt1">
+              <a:hueOff val="0"/>
+              <a:satOff val="0"/>
+              <a:lumOff val="0"/>
+              <a:alphaOff val="0"/>
+            </a:schemeClr>
+          </a:solidFill>
+          <a:prstDash val="solid"/>
+          <a:miter lim="800000"/>
+        </a:ln>
+        <a:effectLst/>
+      </dsp:spPr>
+      <dsp:style>
+        <a:lnRef idx="2">
+          <a:scrgbClr r="0" g="0" b="0"/>
+        </a:lnRef>
+        <a:fillRef idx="1">
+          <a:scrgbClr r="0" g="0" b="0"/>
+        </a:fillRef>
+        <a:effectRef idx="0">
+          <a:scrgbClr r="0" g="0" b="0"/>
+        </a:effectRef>
+        <a:fontRef idx="minor">
+          <a:schemeClr val="lt1"/>
+        </a:fontRef>
+      </dsp:style>
+      <dsp:txBody>
+        <a:bodyPr spcFirstLastPara="0" vert="horz" wrap="square" lIns="64770" tIns="64770" rIns="64770" bIns="64770" numCol="1" spcCol="1270" anchor="ctr" anchorCtr="0">
+          <a:noAutofit/>
+        </a:bodyPr>
+        <a:lstStyle/>
+        <a:p>
+          <a:pPr marL="0" lvl="0" indent="0" algn="ctr" defTabSz="755650">
+            <a:lnSpc>
+              <a:spcPct val="90000"/>
+            </a:lnSpc>
+            <a:spcBef>
+              <a:spcPct val="0"/>
+            </a:spcBef>
+            <a:spcAft>
+              <a:spcPct val="35000"/>
+            </a:spcAft>
+            <a:buNone/>
+          </a:pPr>
+          <a:r>
+            <a:rPr lang="en-MY" sz="1700" kern="1200" dirty="0"/>
+            <a:t>Virus Scanning Test</a:t>
+          </a:r>
+        </a:p>
+      </dsp:txBody>
+      <dsp:txXfrm>
+        <a:off x="3919811" y="2432847"/>
+        <a:ext cx="1596476" cy="863063"/>
+      </dsp:txXfrm>
+    </dsp:sp>
+    <dsp:sp modelId="{27A5FF5C-9215-49BD-81AC-BD44B52B4BE1}">
+      <dsp:nvSpPr>
+        <dsp:cNvPr id="0" name=""/>
+        <dsp:cNvSpPr/>
+      </dsp:nvSpPr>
+      <dsp:spPr>
+        <a:xfrm rot="5400000">
+          <a:off x="4611317" y="3336993"/>
+          <a:ext cx="213464" cy="256157"/>
+        </a:xfrm>
+        <a:prstGeom prst="rightArrow">
+          <a:avLst>
+            <a:gd name="adj1" fmla="val 60000"/>
+            <a:gd name="adj2" fmla="val 50000"/>
+          </a:avLst>
+        </a:prstGeom>
+        <a:solidFill>
+          <a:schemeClr val="accent1">
+            <a:tint val="60000"/>
+            <a:hueOff val="0"/>
+            <a:satOff val="0"/>
+            <a:lumOff val="0"/>
+            <a:alphaOff val="0"/>
+          </a:schemeClr>
+        </a:solidFill>
+        <a:ln>
+          <a:noFill/>
+        </a:ln>
+        <a:effectLst/>
+      </dsp:spPr>
+      <dsp:style>
+        <a:lnRef idx="0">
+          <a:scrgbClr r="0" g="0" b="0"/>
+        </a:lnRef>
+        <a:fillRef idx="1">
+          <a:scrgbClr r="0" g="0" b="0"/>
+        </a:fillRef>
+        <a:effectRef idx="0">
+          <a:scrgbClr r="0" g="0" b="0"/>
+        </a:effectRef>
+        <a:fontRef idx="minor">
+          <a:schemeClr val="lt1"/>
+        </a:fontRef>
+      </dsp:style>
+      <dsp:txBody>
+        <a:bodyPr spcFirstLastPara="0" vert="horz" wrap="square" lIns="0" tIns="0" rIns="0" bIns="0" numCol="1" spcCol="1270" anchor="ctr" anchorCtr="0">
+          <a:noAutofit/>
+        </a:bodyPr>
+        <a:lstStyle/>
+        <a:p>
+          <a:pPr marL="0" lvl="0" indent="0" algn="ctr" defTabSz="444500">
+            <a:lnSpc>
+              <a:spcPct val="90000"/>
+            </a:lnSpc>
+            <a:spcBef>
+              <a:spcPct val="0"/>
+            </a:spcBef>
+            <a:spcAft>
+              <a:spcPct val="35000"/>
+            </a:spcAft>
+            <a:buNone/>
+          </a:pPr>
+          <a:endParaRPr lang="en-MY" sz="1000" kern="1200"/>
+        </a:p>
+      </dsp:txBody>
+      <dsp:txXfrm rot="-5400000">
+        <a:off x="4641202" y="3358340"/>
+        <a:ext cx="153695" cy="149425"/>
+      </dsp:txXfrm>
+    </dsp:sp>
+    <dsp:sp modelId="{CAB34779-88A7-4319-9547-47319AA4C9EC}">
+      <dsp:nvSpPr>
+        <dsp:cNvPr id="0" name=""/>
+        <dsp:cNvSpPr/>
+      </dsp:nvSpPr>
+      <dsp:spPr>
+        <a:xfrm>
+          <a:off x="3892960" y="3607382"/>
+          <a:ext cx="1650178" cy="916765"/>
+        </a:xfrm>
+        <a:prstGeom prst="roundRect">
+          <a:avLst>
+            <a:gd name="adj" fmla="val 10000"/>
+          </a:avLst>
+        </a:prstGeom>
+        <a:solidFill>
+          <a:schemeClr val="accent1">
+            <a:hueOff val="0"/>
+            <a:satOff val="0"/>
+            <a:lumOff val="0"/>
+            <a:alphaOff val="0"/>
+          </a:schemeClr>
+        </a:solidFill>
+        <a:ln w="12700" cap="flat" cmpd="sng" algn="ctr">
+          <a:solidFill>
+            <a:schemeClr val="lt1">
+              <a:hueOff val="0"/>
+              <a:satOff val="0"/>
+              <a:lumOff val="0"/>
+              <a:alphaOff val="0"/>
+            </a:schemeClr>
+          </a:solidFill>
+          <a:prstDash val="solid"/>
+          <a:miter lim="800000"/>
+        </a:ln>
+        <a:effectLst/>
+      </dsp:spPr>
+      <dsp:style>
+        <a:lnRef idx="2">
+          <a:scrgbClr r="0" g="0" b="0"/>
+        </a:lnRef>
+        <a:fillRef idx="1">
+          <a:scrgbClr r="0" g="0" b="0"/>
+        </a:fillRef>
+        <a:effectRef idx="0">
+          <a:scrgbClr r="0" g="0" b="0"/>
+        </a:effectRef>
+        <a:fontRef idx="minor">
+          <a:schemeClr val="lt1"/>
+        </a:fontRef>
+      </dsp:style>
+      <dsp:txBody>
+        <a:bodyPr spcFirstLastPara="0" vert="horz" wrap="square" lIns="64770" tIns="64770" rIns="64770" bIns="64770" numCol="1" spcCol="1270" anchor="ctr" anchorCtr="0">
+          <a:noAutofit/>
+        </a:bodyPr>
+        <a:lstStyle/>
+        <a:p>
+          <a:pPr marL="0" lvl="0" indent="0" algn="ctr" defTabSz="755650">
+            <a:lnSpc>
+              <a:spcPct val="90000"/>
+            </a:lnSpc>
+            <a:spcBef>
+              <a:spcPct val="0"/>
+            </a:spcBef>
+            <a:spcAft>
+              <a:spcPct val="35000"/>
+            </a:spcAft>
+            <a:buNone/>
+          </a:pPr>
+          <a:r>
+            <a:rPr lang="en-MY" sz="1700" kern="1200" dirty="0"/>
+            <a:t>Machine Learning Test</a:t>
+          </a:r>
+        </a:p>
+      </dsp:txBody>
+      <dsp:txXfrm>
+        <a:off x="3919811" y="3634233"/>
+        <a:ext cx="1596476" cy="863063"/>
+      </dsp:txXfrm>
+    </dsp:sp>
+    <dsp:sp modelId="{BA41D488-D785-4AC2-8DDD-A2B14A127CB3}">
+      <dsp:nvSpPr>
+        <dsp:cNvPr id="0" name=""/>
+        <dsp:cNvSpPr/>
+      </dsp:nvSpPr>
+      <dsp:spPr>
+        <a:xfrm rot="5400000">
+          <a:off x="4611317" y="4538379"/>
+          <a:ext cx="213464" cy="256157"/>
+        </a:xfrm>
+        <a:prstGeom prst="rightArrow">
+          <a:avLst>
+            <a:gd name="adj1" fmla="val 60000"/>
+            <a:gd name="adj2" fmla="val 50000"/>
+          </a:avLst>
+        </a:prstGeom>
+        <a:solidFill>
+          <a:schemeClr val="accent1">
+            <a:tint val="60000"/>
+            <a:hueOff val="0"/>
+            <a:satOff val="0"/>
+            <a:lumOff val="0"/>
+            <a:alphaOff val="0"/>
+          </a:schemeClr>
+        </a:solidFill>
+        <a:ln>
+          <a:noFill/>
+        </a:ln>
+        <a:effectLst/>
+      </dsp:spPr>
+      <dsp:style>
+        <a:lnRef idx="0">
+          <a:scrgbClr r="0" g="0" b="0"/>
+        </a:lnRef>
+        <a:fillRef idx="1">
+          <a:scrgbClr r="0" g="0" b="0"/>
+        </a:fillRef>
+        <a:effectRef idx="0">
+          <a:scrgbClr r="0" g="0" b="0"/>
+        </a:effectRef>
+        <a:fontRef idx="minor">
+          <a:schemeClr val="lt1"/>
+        </a:fontRef>
+      </dsp:style>
+      <dsp:txBody>
+        <a:bodyPr spcFirstLastPara="0" vert="horz" wrap="square" lIns="0" tIns="0" rIns="0" bIns="0" numCol="1" spcCol="1270" anchor="ctr" anchorCtr="0">
+          <a:noAutofit/>
+        </a:bodyPr>
+        <a:lstStyle/>
+        <a:p>
+          <a:pPr marL="0" lvl="0" indent="0" algn="ctr" defTabSz="444500">
+            <a:lnSpc>
+              <a:spcPct val="90000"/>
+            </a:lnSpc>
+            <a:spcBef>
+              <a:spcPct val="0"/>
+            </a:spcBef>
+            <a:spcAft>
+              <a:spcPct val="35000"/>
+            </a:spcAft>
+            <a:buNone/>
+          </a:pPr>
+          <a:endParaRPr lang="en-MY" sz="1000" kern="1200"/>
+        </a:p>
+      </dsp:txBody>
+      <dsp:txXfrm rot="-5400000">
+        <a:off x="4641202" y="4559726"/>
+        <a:ext cx="153695" cy="149425"/>
+      </dsp:txXfrm>
+    </dsp:sp>
+    <dsp:sp modelId="{EB042DCD-54E9-48BF-B93E-149A92833F11}">
+      <dsp:nvSpPr>
+        <dsp:cNvPr id="0" name=""/>
+        <dsp:cNvSpPr/>
+      </dsp:nvSpPr>
+      <dsp:spPr>
+        <a:xfrm>
+          <a:off x="3892960" y="4808767"/>
+          <a:ext cx="1650178" cy="916765"/>
+        </a:xfrm>
+        <a:prstGeom prst="roundRect">
+          <a:avLst>
+            <a:gd name="adj" fmla="val 10000"/>
+          </a:avLst>
+        </a:prstGeom>
+        <a:solidFill>
+          <a:schemeClr val="accent1">
+            <a:hueOff val="0"/>
+            <a:satOff val="0"/>
+            <a:lumOff val="0"/>
+            <a:alphaOff val="0"/>
+          </a:schemeClr>
+        </a:solidFill>
+        <a:ln w="12700" cap="flat" cmpd="sng" algn="ctr">
+          <a:solidFill>
+            <a:schemeClr val="lt1">
+              <a:hueOff val="0"/>
+              <a:satOff val="0"/>
+              <a:lumOff val="0"/>
+              <a:alphaOff val="0"/>
+            </a:schemeClr>
+          </a:solidFill>
+          <a:prstDash val="solid"/>
+          <a:miter lim="800000"/>
+        </a:ln>
+        <a:effectLst/>
+      </dsp:spPr>
+      <dsp:style>
+        <a:lnRef idx="2">
+          <a:scrgbClr r="0" g="0" b="0"/>
+        </a:lnRef>
+        <a:fillRef idx="1">
+          <a:scrgbClr r="0" g="0" b="0"/>
+        </a:fillRef>
+        <a:effectRef idx="0">
+          <a:scrgbClr r="0" g="0" b="0"/>
+        </a:effectRef>
+        <a:fontRef idx="minor">
+          <a:schemeClr val="lt1"/>
+        </a:fontRef>
+      </dsp:style>
+      <dsp:txBody>
+        <a:bodyPr spcFirstLastPara="0" vert="horz" wrap="square" lIns="64770" tIns="64770" rIns="64770" bIns="64770" numCol="1" spcCol="1270" anchor="ctr" anchorCtr="0">
+          <a:noAutofit/>
+        </a:bodyPr>
+        <a:lstStyle/>
+        <a:p>
+          <a:pPr marL="0" lvl="0" indent="0" algn="ctr" defTabSz="755650">
+            <a:lnSpc>
+              <a:spcPct val="90000"/>
+            </a:lnSpc>
+            <a:spcBef>
+              <a:spcPct val="0"/>
+            </a:spcBef>
+            <a:spcAft>
+              <a:spcPct val="35000"/>
+            </a:spcAft>
+            <a:buNone/>
+          </a:pPr>
+          <a:r>
+            <a:rPr lang="en-MY" sz="1700" kern="1200" dirty="0"/>
+            <a:t>Email Account Test</a:t>
+          </a:r>
+        </a:p>
+      </dsp:txBody>
+      <dsp:txXfrm>
+        <a:off x="3919811" y="4835618"/>
+        <a:ext cx="1596476" cy="863063"/>
+      </dsp:txXfrm>
+    </dsp:sp>
+  </dsp:spTree>
+</dsp:drawing>
+</file>
+
+<file path=ppt/diagrams/drawing2.xml><?xml version="1.0" encoding="utf-8"?>
+<dsp:drawing xmlns:dgm="http://schemas.openxmlformats.org/drawingml/2006/diagram" xmlns:dsp="http://schemas.microsoft.com/office/drawing/2008/diagram" xmlns:a="http://schemas.openxmlformats.org/drawingml/2006/main">
+  <dsp:spTree>
+    <dsp:nvGrpSpPr>
+      <dsp:cNvPr id="0" name=""/>
+      <dsp:cNvGrpSpPr/>
+    </dsp:nvGrpSpPr>
+    <dsp:grpSpPr/>
+    <dsp:sp modelId="{6454DAB9-67C4-48D0-B02D-2E89EED07D60}">
+      <dsp:nvSpPr>
+        <dsp:cNvPr id="0" name=""/>
+        <dsp:cNvSpPr/>
+      </dsp:nvSpPr>
+      <dsp:spPr>
+        <a:xfrm rot="5400000">
+          <a:off x="-185667" y="187076"/>
+          <a:ext cx="1237781" cy="866446"/>
+        </a:xfrm>
+        <a:prstGeom prst="chevron">
+          <a:avLst/>
+        </a:prstGeom>
+        <a:solidFill>
+          <a:schemeClr val="accent1">
+            <a:hueOff val="0"/>
+            <a:satOff val="0"/>
+            <a:lumOff val="0"/>
+            <a:alphaOff val="0"/>
+          </a:schemeClr>
+        </a:solidFill>
+        <a:ln w="12700" cap="flat" cmpd="sng" algn="ctr">
+          <a:solidFill>
+            <a:schemeClr val="accent1">
+              <a:hueOff val="0"/>
+              <a:satOff val="0"/>
+              <a:lumOff val="0"/>
+              <a:alphaOff val="0"/>
+            </a:schemeClr>
+          </a:solidFill>
+          <a:prstDash val="solid"/>
+          <a:miter lim="800000"/>
+        </a:ln>
+        <a:effectLst/>
+      </dsp:spPr>
+      <dsp:style>
+        <a:lnRef idx="2">
+          <a:scrgbClr r="0" g="0" b="0"/>
+        </a:lnRef>
+        <a:fillRef idx="1">
+          <a:scrgbClr r="0" g="0" b="0"/>
+        </a:fillRef>
+        <a:effectRef idx="0">
+          <a:scrgbClr r="0" g="0" b="0"/>
+        </a:effectRef>
+        <a:fontRef idx="minor">
+          <a:schemeClr val="lt1"/>
+        </a:fontRef>
+      </dsp:style>
+      <dsp:txBody>
+        <a:bodyPr spcFirstLastPara="0" vert="horz" wrap="square" lIns="6350" tIns="6350" rIns="6350" bIns="6350" numCol="1" spcCol="1270" anchor="ctr" anchorCtr="0">
+          <a:noAutofit/>
+        </a:bodyPr>
+        <a:lstStyle/>
+        <a:p>
+          <a:pPr marL="0" lvl="0" indent="0" algn="ctr" defTabSz="444500">
+            <a:lnSpc>
+              <a:spcPct val="90000"/>
+            </a:lnSpc>
+            <a:spcBef>
+              <a:spcPct val="0"/>
+            </a:spcBef>
+            <a:spcAft>
+              <a:spcPct val="35000"/>
+            </a:spcAft>
+            <a:buNone/>
+          </a:pPr>
+          <a:r>
+            <a:rPr lang="en-MY" sz="1000" kern="1200" dirty="0"/>
+            <a:t>Info-gathering Test </a:t>
+          </a:r>
+        </a:p>
+      </dsp:txBody>
+      <dsp:txXfrm rot="-5400000">
+        <a:off x="1" y="434631"/>
+        <a:ext cx="866446" cy="371335"/>
+      </dsp:txXfrm>
+    </dsp:sp>
+    <dsp:sp modelId="{9678A81A-87B0-4ADB-AACC-0F43C41A73D8}">
+      <dsp:nvSpPr>
+        <dsp:cNvPr id="0" name=""/>
+        <dsp:cNvSpPr/>
+      </dsp:nvSpPr>
+      <dsp:spPr>
+        <a:xfrm rot="5400000">
+          <a:off x="4748994" y="-3881138"/>
+          <a:ext cx="804557" cy="8569653"/>
+        </a:xfrm>
+        <a:prstGeom prst="round2SameRect">
+          <a:avLst/>
+        </a:prstGeom>
+        <a:solidFill>
+          <a:schemeClr val="lt1">
+            <a:alpha val="90000"/>
+            <a:hueOff val="0"/>
+            <a:satOff val="0"/>
+            <a:lumOff val="0"/>
+            <a:alphaOff val="0"/>
+          </a:schemeClr>
+        </a:solidFill>
+        <a:ln w="12700" cap="flat" cmpd="sng" algn="ctr">
+          <a:solidFill>
+            <a:schemeClr val="accent1">
+              <a:hueOff val="0"/>
+              <a:satOff val="0"/>
+              <a:lumOff val="0"/>
+              <a:alphaOff val="0"/>
+            </a:schemeClr>
+          </a:solidFill>
+          <a:prstDash val="solid"/>
+          <a:miter lim="800000"/>
+        </a:ln>
+        <a:effectLst/>
+      </dsp:spPr>
+      <dsp:style>
+        <a:lnRef idx="2">
+          <a:scrgbClr r="0" g="0" b="0"/>
+        </a:lnRef>
+        <a:fillRef idx="1">
+          <a:scrgbClr r="0" g="0" b="0"/>
+        </a:fillRef>
+        <a:effectRef idx="0">
+          <a:scrgbClr r="0" g="0" b="0"/>
+        </a:effectRef>
+        <a:fontRef idx="minor"/>
+      </dsp:style>
+      <dsp:txBody>
+        <a:bodyPr spcFirstLastPara="0" vert="horz" wrap="square" lIns="78232" tIns="6985" rIns="6985" bIns="6985" numCol="1" spcCol="1270" anchor="ctr" anchorCtr="0">
+          <a:noAutofit/>
+        </a:bodyPr>
+        <a:lstStyle/>
+        <a:p>
+          <a:pPr marL="57150" lvl="1" indent="-57150" algn="l" defTabSz="488950">
+            <a:lnSpc>
+              <a:spcPct val="90000"/>
+            </a:lnSpc>
+            <a:spcBef>
+              <a:spcPct val="0"/>
+            </a:spcBef>
+            <a:spcAft>
+              <a:spcPct val="15000"/>
+            </a:spcAft>
+            <a:buChar char="•"/>
+          </a:pPr>
+          <a:r>
+            <a:rPr kumimoji="0" lang="en-US" sz="1100" b="0" i="0" u="none" strike="noStrike" kern="1200" cap="none" spc="0" normalizeH="0" baseline="0" noProof="0" dirty="0">
+              <a:ln>
+                <a:noFill/>
+              </a:ln>
+              <a:solidFill>
+                <a:prstClr val="black"/>
+              </a:solidFill>
+              <a:effectLst/>
+              <a:uLnTx/>
+              <a:uFillTx/>
+              <a:latin typeface="Calibri"/>
+              <a:ea typeface="+mn-ea"/>
+              <a:cs typeface="+mn-cs"/>
+            </a:rPr>
+            <a:t>Gather information that published by Virus Total and other software security website within the latest 24 hours. </a:t>
+          </a:r>
+          <a:endParaRPr lang="en-MY" sz="1100" kern="1200" dirty="0"/>
+        </a:p>
+        <a:p>
+          <a:pPr marL="57150" lvl="1" indent="-57150" algn="l" defTabSz="488950">
+            <a:lnSpc>
+              <a:spcPct val="90000"/>
+            </a:lnSpc>
+            <a:spcBef>
+              <a:spcPct val="0"/>
+            </a:spcBef>
+            <a:spcAft>
+              <a:spcPct val="15000"/>
+            </a:spcAft>
+            <a:buChar char="•"/>
+          </a:pPr>
+          <a:r>
+            <a:rPr lang="en-MY" sz="1100" kern="1200" dirty="0"/>
+            <a:t>Complete in 30 seconds.</a:t>
+          </a:r>
+        </a:p>
+      </dsp:txBody>
+      <dsp:txXfrm rot="-5400000">
+        <a:off x="866447" y="40684"/>
+        <a:ext cx="8530378" cy="726007"/>
+      </dsp:txXfrm>
+    </dsp:sp>
+    <dsp:sp modelId="{F9CAE16E-096A-410F-92E3-0AB785393FDF}">
+      <dsp:nvSpPr>
+        <dsp:cNvPr id="0" name=""/>
+        <dsp:cNvSpPr/>
+      </dsp:nvSpPr>
+      <dsp:spPr>
+        <a:xfrm rot="5400000">
+          <a:off x="-185667" y="1309116"/>
+          <a:ext cx="1237781" cy="866446"/>
+        </a:xfrm>
+        <a:prstGeom prst="chevron">
+          <a:avLst/>
+        </a:prstGeom>
+        <a:solidFill>
+          <a:schemeClr val="accent1">
+            <a:hueOff val="0"/>
+            <a:satOff val="0"/>
+            <a:lumOff val="0"/>
+            <a:alphaOff val="0"/>
+          </a:schemeClr>
+        </a:solidFill>
+        <a:ln w="12700" cap="flat" cmpd="sng" algn="ctr">
+          <a:solidFill>
+            <a:schemeClr val="accent1">
+              <a:hueOff val="0"/>
+              <a:satOff val="0"/>
+              <a:lumOff val="0"/>
+              <a:alphaOff val="0"/>
+            </a:schemeClr>
+          </a:solidFill>
+          <a:prstDash val="solid"/>
+          <a:miter lim="800000"/>
+        </a:ln>
+        <a:effectLst/>
+      </dsp:spPr>
+      <dsp:style>
+        <a:lnRef idx="2">
+          <a:scrgbClr r="0" g="0" b="0"/>
+        </a:lnRef>
+        <a:fillRef idx="1">
+          <a:scrgbClr r="0" g="0" b="0"/>
+        </a:fillRef>
+        <a:effectRef idx="0">
+          <a:scrgbClr r="0" g="0" b="0"/>
+        </a:effectRef>
+        <a:fontRef idx="minor">
+          <a:schemeClr val="lt1"/>
+        </a:fontRef>
+      </dsp:style>
+      <dsp:txBody>
+        <a:bodyPr spcFirstLastPara="0" vert="horz" wrap="square" lIns="6350" tIns="6350" rIns="6350" bIns="6350" numCol="1" spcCol="1270" anchor="ctr" anchorCtr="0">
+          <a:noAutofit/>
+        </a:bodyPr>
+        <a:lstStyle/>
+        <a:p>
+          <a:pPr marL="0" lvl="0" indent="0" algn="ctr" defTabSz="444500">
+            <a:lnSpc>
+              <a:spcPct val="90000"/>
+            </a:lnSpc>
+            <a:spcBef>
+              <a:spcPct val="0"/>
+            </a:spcBef>
+            <a:spcAft>
+              <a:spcPct val="35000"/>
+            </a:spcAft>
+            <a:buNone/>
+          </a:pPr>
+          <a:r>
+            <a:rPr lang="en-MY" sz="1000" kern="1200" dirty="0"/>
+            <a:t>Hash/signature  Extraction Test</a:t>
+          </a:r>
+        </a:p>
+      </dsp:txBody>
+      <dsp:txXfrm rot="-5400000">
+        <a:off x="1" y="1556671"/>
+        <a:ext cx="866446" cy="371335"/>
+      </dsp:txXfrm>
+    </dsp:sp>
+    <dsp:sp modelId="{1DA01B55-7583-4BDC-A845-7A8F6DB647F8}">
+      <dsp:nvSpPr>
+        <dsp:cNvPr id="0" name=""/>
+        <dsp:cNvSpPr/>
+      </dsp:nvSpPr>
+      <dsp:spPr>
+        <a:xfrm rot="5400000">
+          <a:off x="4748994" y="-2759098"/>
+          <a:ext cx="804557" cy="8569653"/>
+        </a:xfrm>
+        <a:prstGeom prst="round2SameRect">
+          <a:avLst/>
+        </a:prstGeom>
+        <a:solidFill>
+          <a:schemeClr val="lt1">
+            <a:alpha val="90000"/>
+            <a:hueOff val="0"/>
+            <a:satOff val="0"/>
+            <a:lumOff val="0"/>
+            <a:alphaOff val="0"/>
+          </a:schemeClr>
+        </a:solidFill>
+        <a:ln w="12700" cap="flat" cmpd="sng" algn="ctr">
+          <a:solidFill>
+            <a:schemeClr val="accent1">
+              <a:hueOff val="0"/>
+              <a:satOff val="0"/>
+              <a:lumOff val="0"/>
+              <a:alphaOff val="0"/>
+            </a:schemeClr>
+          </a:solidFill>
+          <a:prstDash val="solid"/>
+          <a:miter lim="800000"/>
+        </a:ln>
+        <a:effectLst/>
+      </dsp:spPr>
+      <dsp:style>
+        <a:lnRef idx="2">
+          <a:scrgbClr r="0" g="0" b="0"/>
+        </a:lnRef>
+        <a:fillRef idx="1">
+          <a:scrgbClr r="0" g="0" b="0"/>
+        </a:fillRef>
+        <a:effectRef idx="0">
+          <a:scrgbClr r="0" g="0" b="0"/>
+        </a:effectRef>
+        <a:fontRef idx="minor"/>
+      </dsp:style>
+      <dsp:txBody>
+        <a:bodyPr spcFirstLastPara="0" vert="horz" wrap="square" lIns="78232" tIns="6985" rIns="6985" bIns="6985" numCol="1" spcCol="1270" anchor="ctr" anchorCtr="0">
+          <a:noAutofit/>
+        </a:bodyPr>
+        <a:lstStyle/>
+        <a:p>
+          <a:pPr marL="57150" lvl="1" indent="-57150" algn="l" defTabSz="488950">
+            <a:lnSpc>
+              <a:spcPct val="90000"/>
+            </a:lnSpc>
+            <a:spcBef>
+              <a:spcPct val="0"/>
+            </a:spcBef>
+            <a:spcAft>
+              <a:spcPct val="15000"/>
+            </a:spcAft>
+            <a:buChar char="•"/>
+          </a:pPr>
+          <a:r>
+            <a:rPr lang="en-MY" sz="1100" kern="1200" dirty="0"/>
+            <a:t>Remove redundant information and extract necessary hash/signature</a:t>
+          </a:r>
+        </a:p>
+        <a:p>
+          <a:pPr marL="57150" lvl="1" indent="-57150" algn="l" defTabSz="488950">
+            <a:lnSpc>
+              <a:spcPct val="90000"/>
+            </a:lnSpc>
+            <a:spcBef>
+              <a:spcPct val="0"/>
+            </a:spcBef>
+            <a:spcAft>
+              <a:spcPct val="15000"/>
+            </a:spcAft>
+            <a:buChar char="•"/>
+          </a:pPr>
+          <a:r>
+            <a:rPr lang="en-MY" sz="1100" kern="1200" dirty="0"/>
+            <a:t>Complete within 3 minutes</a:t>
+          </a:r>
+        </a:p>
+      </dsp:txBody>
+      <dsp:txXfrm rot="-5400000">
+        <a:off x="866447" y="1162724"/>
+        <a:ext cx="8530378" cy="726007"/>
+      </dsp:txXfrm>
+    </dsp:sp>
+    <dsp:sp modelId="{E8EF1F52-AD82-42E9-A4E0-B23648BC058E}">
+      <dsp:nvSpPr>
+        <dsp:cNvPr id="0" name=""/>
+        <dsp:cNvSpPr/>
+      </dsp:nvSpPr>
+      <dsp:spPr>
+        <a:xfrm rot="5400000">
+          <a:off x="-185667" y="2431156"/>
+          <a:ext cx="1237781" cy="866446"/>
+        </a:xfrm>
+        <a:prstGeom prst="chevron">
+          <a:avLst/>
+        </a:prstGeom>
+        <a:solidFill>
+          <a:schemeClr val="accent1">
+            <a:hueOff val="0"/>
+            <a:satOff val="0"/>
+            <a:lumOff val="0"/>
+            <a:alphaOff val="0"/>
+          </a:schemeClr>
+        </a:solidFill>
+        <a:ln w="12700" cap="flat" cmpd="sng" algn="ctr">
+          <a:solidFill>
+            <a:schemeClr val="accent1">
+              <a:hueOff val="0"/>
+              <a:satOff val="0"/>
+              <a:lumOff val="0"/>
+              <a:alphaOff val="0"/>
+            </a:schemeClr>
+          </a:solidFill>
+          <a:prstDash val="solid"/>
+          <a:miter lim="800000"/>
+        </a:ln>
+        <a:effectLst/>
+      </dsp:spPr>
+      <dsp:style>
+        <a:lnRef idx="2">
+          <a:scrgbClr r="0" g="0" b="0"/>
+        </a:lnRef>
+        <a:fillRef idx="1">
+          <a:scrgbClr r="0" g="0" b="0"/>
+        </a:fillRef>
+        <a:effectRef idx="0">
+          <a:scrgbClr r="0" g="0" b="0"/>
+        </a:effectRef>
+        <a:fontRef idx="minor">
+          <a:schemeClr val="lt1"/>
+        </a:fontRef>
+      </dsp:style>
+      <dsp:txBody>
+        <a:bodyPr spcFirstLastPara="0" vert="horz" wrap="square" lIns="6350" tIns="6350" rIns="6350" bIns="6350" numCol="1" spcCol="1270" anchor="ctr" anchorCtr="0">
+          <a:noAutofit/>
+        </a:bodyPr>
+        <a:lstStyle/>
+        <a:p>
+          <a:pPr marL="0" lvl="0" indent="0" algn="ctr" defTabSz="444500">
+            <a:lnSpc>
+              <a:spcPct val="90000"/>
+            </a:lnSpc>
+            <a:spcBef>
+              <a:spcPct val="0"/>
+            </a:spcBef>
+            <a:spcAft>
+              <a:spcPct val="35000"/>
+            </a:spcAft>
+            <a:buNone/>
+          </a:pPr>
+          <a:r>
+            <a:rPr lang="en-MY" sz="1000" kern="1200" dirty="0"/>
+            <a:t>Virus Scanning Test</a:t>
+          </a:r>
+        </a:p>
+      </dsp:txBody>
+      <dsp:txXfrm rot="-5400000">
+        <a:off x="1" y="2678711"/>
+        <a:ext cx="866446" cy="371335"/>
+      </dsp:txXfrm>
+    </dsp:sp>
+    <dsp:sp modelId="{A6126571-9D54-4EB2-821B-B2B1E3CF4CD5}">
+      <dsp:nvSpPr>
+        <dsp:cNvPr id="0" name=""/>
+        <dsp:cNvSpPr/>
+      </dsp:nvSpPr>
+      <dsp:spPr>
+        <a:xfrm rot="5400000">
+          <a:off x="4748994" y="-1637058"/>
+          <a:ext cx="804557" cy="8569653"/>
+        </a:xfrm>
+        <a:prstGeom prst="round2SameRect">
+          <a:avLst/>
+        </a:prstGeom>
+        <a:solidFill>
+          <a:schemeClr val="lt1">
+            <a:alpha val="90000"/>
+            <a:hueOff val="0"/>
+            <a:satOff val="0"/>
+            <a:lumOff val="0"/>
+            <a:alphaOff val="0"/>
+          </a:schemeClr>
+        </a:solidFill>
+        <a:ln w="12700" cap="flat" cmpd="sng" algn="ctr">
+          <a:solidFill>
+            <a:schemeClr val="accent1">
+              <a:hueOff val="0"/>
+              <a:satOff val="0"/>
+              <a:lumOff val="0"/>
+              <a:alphaOff val="0"/>
+            </a:schemeClr>
+          </a:solidFill>
+          <a:prstDash val="solid"/>
+          <a:miter lim="800000"/>
+        </a:ln>
+        <a:effectLst/>
+      </dsp:spPr>
+      <dsp:style>
+        <a:lnRef idx="2">
+          <a:scrgbClr r="0" g="0" b="0"/>
+        </a:lnRef>
+        <a:fillRef idx="1">
+          <a:scrgbClr r="0" g="0" b="0"/>
+        </a:fillRef>
+        <a:effectRef idx="0">
+          <a:scrgbClr r="0" g="0" b="0"/>
+        </a:effectRef>
+        <a:fontRef idx="minor"/>
+      </dsp:style>
+      <dsp:txBody>
+        <a:bodyPr spcFirstLastPara="0" vert="horz" wrap="square" lIns="78232" tIns="6985" rIns="6985" bIns="6985" numCol="1" spcCol="1270" anchor="ctr" anchorCtr="0">
+          <a:noAutofit/>
+        </a:bodyPr>
+        <a:lstStyle/>
+        <a:p>
+          <a:pPr marL="57150" lvl="1" indent="-57150" algn="l" defTabSz="488950">
+            <a:lnSpc>
+              <a:spcPct val="90000"/>
+            </a:lnSpc>
+            <a:spcBef>
+              <a:spcPct val="0"/>
+            </a:spcBef>
+            <a:spcAft>
+              <a:spcPct val="15000"/>
+            </a:spcAft>
+            <a:buChar char="•"/>
+          </a:pPr>
+          <a:r>
+            <a:rPr lang="en-MY" sz="1100" kern="1200" dirty="0"/>
+            <a:t>Scan </a:t>
+          </a:r>
+          <a:r>
+            <a:rPr kumimoji="0" lang="en-US" sz="1100" b="0" i="0" u="none" strike="noStrike" kern="1200" cap="none" spc="0" normalizeH="0" baseline="0" noProof="0" dirty="0">
+              <a:ln>
+                <a:noFill/>
+              </a:ln>
+              <a:solidFill>
+                <a:prstClr val="black"/>
+              </a:solidFill>
+              <a:effectLst/>
+              <a:uLnTx/>
+              <a:uFillTx/>
+              <a:latin typeface="Calibri"/>
+              <a:ea typeface="+mn-ea"/>
+              <a:cs typeface="+mn-cs"/>
+            </a:rPr>
+            <a:t>100 known phishing email collected within the latest 12 hours</a:t>
+          </a:r>
+          <a:r>
+            <a:rPr lang="en-MY" sz="1100" kern="1200" dirty="0"/>
+            <a:t> </a:t>
+          </a:r>
+        </a:p>
+        <a:p>
+          <a:pPr marL="57150" lvl="1" indent="-57150" algn="l" defTabSz="488950">
+            <a:lnSpc>
+              <a:spcPct val="90000"/>
+            </a:lnSpc>
+            <a:spcBef>
+              <a:spcPct val="0"/>
+            </a:spcBef>
+            <a:spcAft>
+              <a:spcPct val="15000"/>
+            </a:spcAft>
+            <a:buChar char="•"/>
+          </a:pPr>
+          <a:r>
+            <a:rPr lang="en-MY" sz="1100" kern="1200" dirty="0"/>
+            <a:t>Complete within 1 minute</a:t>
+          </a:r>
+        </a:p>
+      </dsp:txBody>
+      <dsp:txXfrm rot="-5400000">
+        <a:off x="866447" y="2284764"/>
+        <a:ext cx="8530378" cy="726007"/>
+      </dsp:txXfrm>
+    </dsp:sp>
+    <dsp:sp modelId="{2D30A8F1-BBCD-4E9D-AB56-FEFE746D0A9E}">
+      <dsp:nvSpPr>
+        <dsp:cNvPr id="0" name=""/>
+        <dsp:cNvSpPr/>
+      </dsp:nvSpPr>
+      <dsp:spPr>
+        <a:xfrm rot="5400000">
+          <a:off x="-185667" y="3553195"/>
+          <a:ext cx="1237781" cy="866446"/>
+        </a:xfrm>
+        <a:prstGeom prst="chevron">
+          <a:avLst/>
+        </a:prstGeom>
+        <a:solidFill>
+          <a:schemeClr val="accent1">
+            <a:hueOff val="0"/>
+            <a:satOff val="0"/>
+            <a:lumOff val="0"/>
+            <a:alphaOff val="0"/>
+          </a:schemeClr>
+        </a:solidFill>
+        <a:ln w="12700" cap="flat" cmpd="sng" algn="ctr">
+          <a:solidFill>
+            <a:schemeClr val="accent1">
+              <a:hueOff val="0"/>
+              <a:satOff val="0"/>
+              <a:lumOff val="0"/>
+              <a:alphaOff val="0"/>
+            </a:schemeClr>
+          </a:solidFill>
+          <a:prstDash val="solid"/>
+          <a:miter lim="800000"/>
+        </a:ln>
+        <a:effectLst/>
+      </dsp:spPr>
+      <dsp:style>
+        <a:lnRef idx="2">
+          <a:scrgbClr r="0" g="0" b="0"/>
+        </a:lnRef>
+        <a:fillRef idx="1">
+          <a:scrgbClr r="0" g="0" b="0"/>
+        </a:fillRef>
+        <a:effectRef idx="0">
+          <a:scrgbClr r="0" g="0" b="0"/>
+        </a:effectRef>
+        <a:fontRef idx="minor">
+          <a:schemeClr val="lt1"/>
+        </a:fontRef>
+      </dsp:style>
+      <dsp:txBody>
+        <a:bodyPr spcFirstLastPara="0" vert="horz" wrap="square" lIns="6350" tIns="6350" rIns="6350" bIns="6350" numCol="1" spcCol="1270" anchor="ctr" anchorCtr="0">
+          <a:noAutofit/>
+        </a:bodyPr>
+        <a:lstStyle/>
+        <a:p>
+          <a:pPr marL="0" lvl="0" indent="0" algn="ctr" defTabSz="444500">
+            <a:lnSpc>
+              <a:spcPct val="90000"/>
+            </a:lnSpc>
+            <a:spcBef>
+              <a:spcPct val="0"/>
+            </a:spcBef>
+            <a:spcAft>
+              <a:spcPct val="35000"/>
+            </a:spcAft>
+            <a:buNone/>
+          </a:pPr>
+          <a:r>
+            <a:rPr lang="en-MY" sz="1000" kern="1200" dirty="0"/>
+            <a:t>Machine Learning Test</a:t>
+          </a:r>
+        </a:p>
+      </dsp:txBody>
+      <dsp:txXfrm rot="-5400000">
+        <a:off x="1" y="3800750"/>
+        <a:ext cx="866446" cy="371335"/>
+      </dsp:txXfrm>
+    </dsp:sp>
+    <dsp:sp modelId="{910E639D-3F30-47BB-9096-0D77B51C52EB}">
+      <dsp:nvSpPr>
+        <dsp:cNvPr id="0" name=""/>
+        <dsp:cNvSpPr/>
+      </dsp:nvSpPr>
+      <dsp:spPr>
+        <a:xfrm rot="5400000">
+          <a:off x="4748994" y="-515019"/>
+          <a:ext cx="804557" cy="8569653"/>
+        </a:xfrm>
+        <a:prstGeom prst="round2SameRect">
+          <a:avLst/>
+        </a:prstGeom>
+        <a:solidFill>
+          <a:schemeClr val="lt1">
+            <a:alpha val="90000"/>
+            <a:hueOff val="0"/>
+            <a:satOff val="0"/>
+            <a:lumOff val="0"/>
+            <a:alphaOff val="0"/>
+          </a:schemeClr>
+        </a:solidFill>
+        <a:ln w="12700" cap="flat" cmpd="sng" algn="ctr">
+          <a:solidFill>
+            <a:schemeClr val="accent1">
+              <a:hueOff val="0"/>
+              <a:satOff val="0"/>
+              <a:lumOff val="0"/>
+              <a:alphaOff val="0"/>
+            </a:schemeClr>
+          </a:solidFill>
+          <a:prstDash val="solid"/>
+          <a:miter lim="800000"/>
+        </a:ln>
+        <a:effectLst/>
+      </dsp:spPr>
+      <dsp:style>
+        <a:lnRef idx="2">
+          <a:scrgbClr r="0" g="0" b="0"/>
+        </a:lnRef>
+        <a:fillRef idx="1">
+          <a:scrgbClr r="0" g="0" b="0"/>
+        </a:fillRef>
+        <a:effectRef idx="0">
+          <a:scrgbClr r="0" g="0" b="0"/>
+        </a:effectRef>
+        <a:fontRef idx="minor"/>
+      </dsp:style>
+      <dsp:txBody>
+        <a:bodyPr spcFirstLastPara="0" vert="horz" wrap="square" lIns="78232" tIns="6985" rIns="6985" bIns="6985" numCol="1" spcCol="1270" anchor="ctr" anchorCtr="0">
+          <a:noAutofit/>
+        </a:bodyPr>
+        <a:lstStyle/>
+        <a:p>
+          <a:pPr marL="57150" lvl="1" indent="-57150" algn="l" defTabSz="488950">
+            <a:lnSpc>
+              <a:spcPct val="90000"/>
+            </a:lnSpc>
+            <a:spcBef>
+              <a:spcPct val="0"/>
+            </a:spcBef>
+            <a:spcAft>
+              <a:spcPct val="15000"/>
+            </a:spcAft>
+            <a:buChar char="•"/>
+          </a:pPr>
+          <a:endParaRPr lang="en-MY" sz="1100" kern="1200" dirty="0"/>
+        </a:p>
+        <a:p>
+          <a:pPr marL="57150" lvl="1" indent="-57150" algn="l" defTabSz="488950">
+            <a:lnSpc>
+              <a:spcPct val="90000"/>
+            </a:lnSpc>
+            <a:spcBef>
+              <a:spcPct val="0"/>
+            </a:spcBef>
+            <a:spcAft>
+              <a:spcPct val="15000"/>
+            </a:spcAft>
+            <a:buChar char="•"/>
+          </a:pPr>
+          <a:r>
+            <a:rPr kumimoji="0" lang="en-US" sz="1100" b="0" i="0" u="none" strike="noStrike" kern="1200" cap="none" spc="0" normalizeH="0" baseline="0" noProof="0" dirty="0">
+              <a:ln>
+                <a:noFill/>
+              </a:ln>
+              <a:solidFill>
+                <a:prstClr val="black"/>
+              </a:solidFill>
+              <a:effectLst/>
+              <a:uLnTx/>
+              <a:uFillTx/>
+              <a:latin typeface="Calibri"/>
+              <a:ea typeface="+mn-ea"/>
+              <a:cs typeface="+mn-cs"/>
+            </a:rPr>
+            <a:t>8000 known phishing email collected in the past 1 week are used for training machine learning model. </a:t>
+          </a:r>
+          <a:endParaRPr lang="en-MY" sz="1100" kern="1200" dirty="0"/>
+        </a:p>
+        <a:p>
+          <a:pPr marL="57150" lvl="1" indent="-57150" algn="l" defTabSz="488950">
+            <a:lnSpc>
+              <a:spcPct val="90000"/>
+            </a:lnSpc>
+            <a:spcBef>
+              <a:spcPct val="0"/>
+            </a:spcBef>
+            <a:spcAft>
+              <a:spcPct val="15000"/>
+            </a:spcAft>
+            <a:buChar char="•"/>
+          </a:pPr>
+          <a:r>
+            <a:rPr lang="en-MY" sz="1100" kern="1200" dirty="0"/>
+            <a:t>Training complete in 6 hours. Accuracy must reach 99.8%</a:t>
+          </a:r>
+        </a:p>
+        <a:p>
+          <a:pPr marL="57150" lvl="1" indent="-57150" algn="l" defTabSz="488950">
+            <a:lnSpc>
+              <a:spcPct val="90000"/>
+            </a:lnSpc>
+            <a:spcBef>
+              <a:spcPct val="0"/>
+            </a:spcBef>
+            <a:spcAft>
+              <a:spcPct val="15000"/>
+            </a:spcAft>
+            <a:buChar char="•"/>
+          </a:pPr>
+          <a:endParaRPr lang="en-MY" sz="1100" kern="1200" dirty="0"/>
+        </a:p>
+      </dsp:txBody>
+      <dsp:txXfrm rot="-5400000">
+        <a:off x="866447" y="3406803"/>
+        <a:ext cx="8530378" cy="726007"/>
+      </dsp:txXfrm>
+    </dsp:sp>
+    <dsp:sp modelId="{F36EBE82-03ED-4C49-8030-EAFDE88A47E8}">
+      <dsp:nvSpPr>
+        <dsp:cNvPr id="0" name=""/>
+        <dsp:cNvSpPr/>
+      </dsp:nvSpPr>
+      <dsp:spPr>
+        <a:xfrm rot="5400000">
+          <a:off x="-185667" y="4675235"/>
+          <a:ext cx="1237781" cy="866446"/>
+        </a:xfrm>
+        <a:prstGeom prst="chevron">
+          <a:avLst/>
+        </a:prstGeom>
+        <a:solidFill>
+          <a:schemeClr val="accent1">
+            <a:hueOff val="0"/>
+            <a:satOff val="0"/>
+            <a:lumOff val="0"/>
+            <a:alphaOff val="0"/>
+          </a:schemeClr>
+        </a:solidFill>
+        <a:ln w="12700" cap="flat" cmpd="sng" algn="ctr">
+          <a:solidFill>
+            <a:schemeClr val="accent1">
+              <a:hueOff val="0"/>
+              <a:satOff val="0"/>
+              <a:lumOff val="0"/>
+              <a:alphaOff val="0"/>
+            </a:schemeClr>
+          </a:solidFill>
+          <a:prstDash val="solid"/>
+          <a:miter lim="800000"/>
+        </a:ln>
+        <a:effectLst/>
+      </dsp:spPr>
+      <dsp:style>
+        <a:lnRef idx="2">
+          <a:scrgbClr r="0" g="0" b="0"/>
+        </a:lnRef>
+        <a:fillRef idx="1">
+          <a:scrgbClr r="0" g="0" b="0"/>
+        </a:fillRef>
+        <a:effectRef idx="0">
+          <a:scrgbClr r="0" g="0" b="0"/>
+        </a:effectRef>
+        <a:fontRef idx="minor">
+          <a:schemeClr val="lt1"/>
+        </a:fontRef>
+      </dsp:style>
+      <dsp:txBody>
+        <a:bodyPr spcFirstLastPara="0" vert="horz" wrap="square" lIns="6350" tIns="6350" rIns="6350" bIns="6350" numCol="1" spcCol="1270" anchor="ctr" anchorCtr="0">
+          <a:noAutofit/>
+        </a:bodyPr>
+        <a:lstStyle/>
+        <a:p>
+          <a:pPr marL="0" lvl="0" indent="0" algn="ctr" defTabSz="444500">
+            <a:lnSpc>
+              <a:spcPct val="90000"/>
+            </a:lnSpc>
+            <a:spcBef>
+              <a:spcPct val="0"/>
+            </a:spcBef>
+            <a:spcAft>
+              <a:spcPct val="35000"/>
+            </a:spcAft>
+            <a:buNone/>
+          </a:pPr>
+          <a:r>
+            <a:rPr lang="en-MY" sz="1000" kern="1200" dirty="0"/>
+            <a:t>Email Account Test</a:t>
+          </a:r>
+        </a:p>
+      </dsp:txBody>
+      <dsp:txXfrm rot="-5400000">
+        <a:off x="1" y="4922790"/>
+        <a:ext cx="866446" cy="371335"/>
+      </dsp:txXfrm>
+    </dsp:sp>
+    <dsp:sp modelId="{02F445BE-D6C2-42D5-BBB4-3F96402D8037}">
+      <dsp:nvSpPr>
+        <dsp:cNvPr id="0" name=""/>
+        <dsp:cNvSpPr/>
+      </dsp:nvSpPr>
+      <dsp:spPr>
+        <a:xfrm rot="5400000">
+          <a:off x="4748994" y="607020"/>
+          <a:ext cx="804557" cy="8569653"/>
+        </a:xfrm>
+        <a:prstGeom prst="round2SameRect">
+          <a:avLst/>
+        </a:prstGeom>
+        <a:solidFill>
+          <a:schemeClr val="lt1">
+            <a:alpha val="90000"/>
+            <a:hueOff val="0"/>
+            <a:satOff val="0"/>
+            <a:lumOff val="0"/>
+            <a:alphaOff val="0"/>
+          </a:schemeClr>
+        </a:solidFill>
+        <a:ln w="12700" cap="flat" cmpd="sng" algn="ctr">
+          <a:solidFill>
+            <a:schemeClr val="accent1">
+              <a:hueOff val="0"/>
+              <a:satOff val="0"/>
+              <a:lumOff val="0"/>
+              <a:alphaOff val="0"/>
+            </a:schemeClr>
+          </a:solidFill>
+          <a:prstDash val="solid"/>
+          <a:miter lim="800000"/>
+        </a:ln>
+        <a:effectLst/>
+      </dsp:spPr>
+      <dsp:style>
+        <a:lnRef idx="2">
+          <a:scrgbClr r="0" g="0" b="0"/>
+        </a:lnRef>
+        <a:fillRef idx="1">
+          <a:scrgbClr r="0" g="0" b="0"/>
+        </a:fillRef>
+        <a:effectRef idx="0">
+          <a:scrgbClr r="0" g="0" b="0"/>
+        </a:effectRef>
+        <a:fontRef idx="minor"/>
+      </dsp:style>
+      <dsp:txBody>
+        <a:bodyPr spcFirstLastPara="0" vert="horz" wrap="square" lIns="78232" tIns="6985" rIns="6985" bIns="6985" numCol="1" spcCol="1270" anchor="ctr" anchorCtr="0">
+          <a:noAutofit/>
+        </a:bodyPr>
+        <a:lstStyle/>
+        <a:p>
+          <a:pPr marL="57150" lvl="1" indent="-57150" algn="l" defTabSz="488950">
+            <a:lnSpc>
+              <a:spcPct val="90000"/>
+            </a:lnSpc>
+            <a:spcBef>
+              <a:spcPct val="0"/>
+            </a:spcBef>
+            <a:spcAft>
+              <a:spcPct val="15000"/>
+            </a:spcAft>
+            <a:buChar char="•"/>
+          </a:pPr>
+          <a:r>
+            <a:rPr kumimoji="0" lang="en-US" sz="1100" b="0" i="0" u="none" strike="noStrike" kern="1200" cap="none" spc="0" normalizeH="0" baseline="0" noProof="0" dirty="0">
+              <a:ln>
+                <a:noFill/>
+              </a:ln>
+              <a:solidFill>
+                <a:prstClr val="black"/>
+              </a:solidFill>
+              <a:effectLst/>
+              <a:uLnTx/>
+              <a:uFillTx/>
+              <a:latin typeface="Calibri"/>
+              <a:ea typeface="+mn-ea"/>
+              <a:cs typeface="+mn-cs"/>
+            </a:rPr>
+            <a:t>2000 known phishing emails and 8000 non-phishing emails are sent to a demo user email account in random order in past 7 days.</a:t>
+          </a:r>
+          <a:endParaRPr lang="en-MY" sz="1100" kern="1200" dirty="0"/>
+        </a:p>
+        <a:p>
+          <a:pPr marL="57150" lvl="1" indent="-57150" algn="l" defTabSz="488950">
+            <a:lnSpc>
+              <a:spcPct val="90000"/>
+            </a:lnSpc>
+            <a:spcBef>
+              <a:spcPct val="0"/>
+            </a:spcBef>
+            <a:spcAft>
+              <a:spcPct val="15000"/>
+            </a:spcAft>
+            <a:buChar char="•"/>
+          </a:pPr>
+          <a:r>
+            <a:rPr kumimoji="0" lang="en-US" sz="1100" b="0" i="0" u="none" strike="noStrike" kern="1200" cap="none" spc="0" normalizeH="0" baseline="0" noProof="0" dirty="0">
+              <a:ln>
+                <a:noFill/>
+              </a:ln>
+              <a:solidFill>
+                <a:prstClr val="black"/>
+              </a:solidFill>
+              <a:effectLst/>
+              <a:uLnTx/>
+              <a:uFillTx/>
+              <a:latin typeface="Calibri"/>
+              <a:ea typeface="+mn-ea"/>
+              <a:cs typeface="+mn-cs"/>
+            </a:rPr>
+            <a:t>The agent must scan through the emails within 5 minutes with 99% accuracy. </a:t>
+          </a:r>
+          <a:endParaRPr lang="en-MY" sz="1100" kern="1200" dirty="0"/>
+        </a:p>
+      </dsp:txBody>
+      <dsp:txXfrm rot="-5400000">
+        <a:off x="866447" y="4528843"/>
+        <a:ext cx="8530378" cy="726007"/>
+      </dsp:txXfrm>
+    </dsp:sp>
+  </dsp:spTree>
+</dsp:drawing>
+</file>
+
+<file path=ppt/diagrams/layout1.xml><?xml version="1.0" encoding="utf-8"?>
+<dgm:layoutDef xmlns:dgm="http://schemas.openxmlformats.org/drawingml/2006/diagram" xmlns:a="http://schemas.openxmlformats.org/drawingml/2006/main" uniqueId="urn:microsoft.com/office/officeart/2005/8/layout/process2">
+  <dgm:title val=""/>
+  <dgm:desc val=""/>
+  <dgm:catLst>
+    <dgm:cat type="process" pri="13000"/>
+  </dgm:catLst>
+  <dgm:sampData useDef="1">
+    <dgm:dataModel>
+      <dgm:ptLst/>
+      <dgm:bg/>
+      <dgm:whole/>
+    </dgm:dataModel>
+  </dgm:sampData>
+  <dgm:styleData>
+    <dgm:dataModel>
+      <dgm:ptLst>
+        <dgm:pt modelId="0" type="doc"/>
+        <dgm:pt modelId="1"/>
+        <dgm:pt modelId="2"/>
+      </dgm:ptLst>
+      <dgm:cxnLst>
+        <dgm:cxn modelId="3" srcId="0" destId="1" srcOrd="0" destOrd="0"/>
+        <dgm:cxn modelId="4" srcId="0" destId="2" srcOrd="1" destOrd="0"/>
+      </dgm:cxnLst>
+      <dgm:bg/>
+      <dgm:whole/>
+    </dgm:dataModel>
+  </dgm:styleData>
+  <dgm:clrData>
+    <dgm:dataModel>
+      <dgm:ptLst>
+        <dgm:pt modelId="0" type="doc"/>
+        <dgm:pt modelId="1"/>
+        <dgm:pt modelId="2"/>
+        <dgm:pt modelId="3"/>
+        <dgm:pt modelId="4"/>
+      </dgm:ptLst>
+      <dgm:cxnLst>
+        <dgm:cxn modelId="5" srcId="0" destId="1" srcOrd="0" destOrd="0"/>
+        <dgm:cxn modelId="6" srcId="0" destId="2" srcOrd="1" destOrd="0"/>
+        <dgm:cxn modelId="7" srcId="0" destId="3" srcOrd="2" destOrd="0"/>
+        <dgm:cxn modelId="8" srcId="0" destId="4" srcOrd="3" destOrd="0"/>
+      </dgm:cxnLst>
+      <dgm:bg/>
+      <dgm:whole/>
+    </dgm:dataModel>
+  </dgm:clrData>
+  <dgm:layoutNode name="linearFlow">
+    <dgm:varLst>
+      <dgm:resizeHandles val="exact"/>
+    </dgm:varLst>
+    <dgm:alg type="lin">
+      <dgm:param type="linDir" val="fromT"/>
+    </dgm:alg>
+    <dgm:shape xmlns:r="http://schemas.openxmlformats.org/officeDocument/2006/relationships" r:blip="">
+      <dgm:adjLst/>
+    </dgm:shape>
+    <dgm:presOf/>
+    <dgm:constrLst>
+      <dgm:constr type="h" for="ch" ptType="node" refType="h"/>
+      <dgm:constr type="h" for="ch" ptType="sibTrans" refType="h" refFor="ch" refPtType="node" fact="0.5"/>
+      <dgm:constr type="w" for="ch" ptType="node" op="equ"/>
+      <dgm:constr type="primFontSz" for="ch" ptType="node" op="equ" val="65"/>
+      <dgm:constr type="primFontSz" for="des" forName="connectorText" op="equ" val="55"/>
+      <dgm:constr type="primFontSz" for="des" forName="connectorText" refType="primFontSz" refFor="ch" refPtType="node" op="lte" fact="0.8"/>
+    </dgm:constrLst>
+    <dgm:ruleLst/>
+    <dgm:forEach name="nodesForEach" axis="ch" ptType="node">
+      <dgm:layoutNode name="node">
+        <dgm:varLst>
+          <dgm:bulletEnabled val="1"/>
+        </dgm:varLst>
+        <dgm:choose name="Name0">
+          <dgm:if name="Name1" axis="root des" ptType="all node" func="maxDepth" op="gt" val="1">
+            <dgm:alg type="tx">
+              <dgm:param type="parTxLTRAlign" val="l"/>
+              <dgm:param type="parTxRTLAlign" val="r"/>
+              <dgm:param type="txAnchorVertCh" val="mid"/>
+            </dgm:alg>
+          </dgm:if>
+          <dgm:else name="Name2">
+            <dgm:alg type="tx"/>
+          </dgm:else>
+        </dgm:choose>
+        <dgm:shape xmlns:r="http://schemas.openxmlformats.org/officeDocument/2006/relationships" type="roundRect" r:blip="">
+          <dgm:adjLst>
+            <dgm:adj idx="1" val="0.1"/>
+          </dgm:adjLst>
+        </dgm:shape>
+        <dgm:presOf axis="desOrSelf" ptType="node"/>
+        <dgm:constrLst>
+          <dgm:constr type="w" refType="h" fact="1.8"/>
+          <dgm:constr type="tMarg" refType="primFontSz" fact="0.3"/>
+          <dgm:constr type="bMarg" refType="primFontSz" fact="0.3"/>
+          <dgm:constr type="lMarg" refType="primFontSz" fact="0.3"/>
+          <dgm:constr type="rMarg" refType="primFontSz" fact="0.3"/>
+        </dgm:constrLst>
+        <dgm:ruleLst>
+          <dgm:rule type="primFontSz" val="18" fact="NaN" max="NaN"/>
+          <dgm:rule type="w" val="NaN" fact="4" max="NaN"/>
+          <dgm:rule type="primFontSz" val="5" fact="NaN" max="NaN"/>
+        </dgm:ruleLst>
+      </dgm:layoutNode>
+      <dgm:forEach name="sibTransForEach" axis="followSib" ptType="sibTrans" cnt="1">
+        <dgm:layoutNode name="sibTrans">
+          <dgm:alg type="conn">
+            <dgm:param type="begPts" val="auto"/>
+            <dgm:param type="endPts" val="auto"/>
+          </dgm:alg>
+          <dgm:shape xmlns:r="http://schemas.openxmlformats.org/officeDocument/2006/relationships" type="conn" r:blip="">
+            <dgm:adjLst/>
+          </dgm:shape>
+          <dgm:presOf axis="self"/>
+          <dgm:constrLst>
+            <dgm:constr type="w" refType="h" fact="0.9"/>
+            <dgm:constr type="connDist"/>
+            <dgm:constr type="wArH" refType="w" fact="0.5"/>
+            <dgm:constr type="hArH" refType="w"/>
+            <dgm:constr type="stemThick" refType="w" fact="0.6"/>
+            <dgm:constr type="begPad" refType="connDist" fact="0.125"/>
+            <dgm:constr type="endPad" refType="connDist" fact="0.125"/>
+          </dgm:constrLst>
+          <dgm:ruleLst/>
+          <dgm:layoutNode name="connectorText">
+            <dgm:alg type="tx">
+              <dgm:param type="autoTxRot" val="upr"/>
+            </dgm:alg>
+            <dgm:shape xmlns:r="http://schemas.openxmlformats.org/officeDocument/2006/relationships" type="conn" r:blip="" hideGeom="1">
+              <dgm:adjLst/>
+            </dgm:shape>
+            <dgm:presOf axis="self"/>
+            <dgm:constrLst>
+              <dgm:constr type="lMarg"/>
+              <dgm:constr type="rMarg"/>
+              <dgm:constr type="tMarg"/>
+              <dgm:constr type="bMarg"/>
+            </dgm:constrLst>
+            <dgm:ruleLst>
+              <dgm:rule type="primFontSz" val="5" fact="NaN" max="NaN"/>
+            </dgm:ruleLst>
+          </dgm:layoutNode>
+        </dgm:layoutNode>
+      </dgm:forEach>
+    </dgm:forEach>
+  </dgm:layoutNode>
+</dgm:layoutDef>
+</file>
+
+<file path=ppt/diagrams/layout2.xml><?xml version="1.0" encoding="utf-8"?>
+<dgm:layoutDef xmlns:dgm="http://schemas.openxmlformats.org/drawingml/2006/diagram" xmlns:a="http://schemas.openxmlformats.org/drawingml/2006/main" uniqueId="urn:microsoft.com/office/officeart/2005/8/layout/chevron2">
+  <dgm:title val=""/>
+  <dgm:desc val=""/>
+  <dgm:catLst>
+    <dgm:cat type="process" pri="12000"/>
+    <dgm:cat type="list" pri="16000"/>
+    <dgm:cat type="convert" pri="11000"/>
+  </dgm:catLst>
+  <dgm:sampData>
+    <dgm:dataModel>
+      <dgm:ptLst>
+        <dgm:pt modelId="0" type="doc"/>
+        <dgm:pt modelId="1">
+          <dgm:prSet phldr="1"/>
+        </dgm:pt>
+        <dgm:pt modelId="11">
+          <dgm:prSet phldr="1"/>
+        </dgm:pt>
+        <dgm:pt modelId="12">
+          <dgm:prSet phldr="1"/>
+        </dgm:pt>
+        <dgm:pt modelId="2">
+          <dgm:prSet phldr="1"/>
+        </dgm:pt>
+        <dgm:pt modelId="21">
+          <dgm:prSet phldr="1"/>
+        </dgm:pt>
+        <dgm:pt modelId="22">
+          <dgm:prSet phldr="1"/>
+        </dgm:pt>
+        <dgm:pt modelId="3">
+          <dgm:prSet phldr="1"/>
+        </dgm:pt>
+        <dgm:pt modelId="31">
+          <dgm:prSet phldr="1"/>
+        </dgm:pt>
+        <dgm:pt modelId="32">
+          <dgm:prSet phldr="1"/>
+        </dgm:pt>
+      </dgm:ptLst>
+      <dgm:cxnLst>
+        <dgm:cxn modelId="4" srcId="0" destId="1" srcOrd="0" destOrd="0"/>
+        <dgm:cxn modelId="5" srcId="0" destId="2" srcOrd="1" destOrd="0"/>
+        <dgm:cxn modelId="6" srcId="0" destId="3" srcOrd="2" destOrd="0"/>
+        <dgm:cxn modelId="13" srcId="1" destId="11" srcOrd="0" destOrd="0"/>
+        <dgm:cxn modelId="14" srcId="1" destId="12" srcOrd="1" destOrd="0"/>
+        <dgm:cxn modelId="23" srcId="2" destId="21" srcOrd="0" destOrd="0"/>
+        <dgm:cxn modelId="24" srcId="2" destId="22" srcOrd="1" destOrd="0"/>
+        <dgm:cxn modelId="33" srcId="3" destId="31" srcOrd="0" destOrd="0"/>
+        <dgm:cxn modelId="34" srcId="3" destId="32" srcOrd="1" destOrd="0"/>
+      </dgm:cxnLst>
+      <dgm:bg/>
+      <dgm:whole/>
+    </dgm:dataModel>
+  </dgm:sampData>
+  <dgm:styleData>
+    <dgm:dataModel>
+      <dgm:ptLst>
+        <dgm:pt modelId="0" type="doc"/>
+        <dgm:pt modelId="1"/>
+      </dgm:ptLst>
+      <dgm:cxnLst>
+        <dgm:cxn modelId="4" srcId="0" destId="1" srcOrd="0" destOrd="0"/>
+      </dgm:cxnLst>
+      <dgm:bg/>
+      <dgm:whole/>
+    </dgm:dataModel>
+  </dgm:styleData>
+  <dgm:clrData>
+    <dgm:dataModel>
+      <dgm:ptLst>
+        <dgm:pt modelId="0" type="doc"/>
+        <dgm:pt modelId="1"/>
+        <dgm:pt modelId="11"/>
+        <dgm:pt modelId="2"/>
+        <dgm:pt modelId="21"/>
+        <dgm:pt modelId="3"/>
+        <dgm:pt modelId="31"/>
+        <dgm:pt modelId="4"/>
+        <dgm:pt modelId="41"/>
+      </dgm:ptLst>
+      <dgm:cxnLst>
+        <dgm:cxn modelId="5" srcId="0" destId="1" srcOrd="0" destOrd="0"/>
+        <dgm:cxn modelId="6" srcId="0" destId="2" srcOrd="1" destOrd="0"/>
+        <dgm:cxn modelId="7" srcId="0" destId="3" srcOrd="2" destOrd="0"/>
+        <dgm:cxn modelId="8" srcId="0" destId="4" srcOrd="3" destOrd="0"/>
+        <dgm:cxn modelId="13" srcId="1" destId="11" srcOrd="0" destOrd="0"/>
+        <dgm:cxn modelId="23" srcId="2" destId="21" srcOrd="0" destOrd="0"/>
+        <dgm:cxn modelId="33" srcId="3" destId="31" srcOrd="0" destOrd="0"/>
+        <dgm:cxn modelId="43" srcId="4" destId="41" srcOrd="0" destOrd="0"/>
+      </dgm:cxnLst>
+      <dgm:bg/>
+      <dgm:whole/>
+    </dgm:dataModel>
+  </dgm:clrData>
+  <dgm:layoutNode name="linearFlow">
+    <dgm:varLst>
+      <dgm:dir/>
+      <dgm:animLvl val="lvl"/>
+      <dgm:resizeHandles val="exact"/>
+    </dgm:varLst>
+    <dgm:alg type="lin">
+      <dgm:param type="linDir" val="fromT"/>
+      <dgm:param type="nodeHorzAlign" val="l"/>
+    </dgm:alg>
+    <dgm:shape xmlns:r="http://schemas.openxmlformats.org/officeDocument/2006/relationships" r:blip="">
+      <dgm:adjLst/>
+    </dgm:shape>
+    <dgm:presOf/>
+    <dgm:constrLst>
+      <dgm:constr type="h" for="ch" forName="composite" refType="h"/>
+      <dgm:constr type="w" for="ch" forName="composite" refType="w"/>
+      <dgm:constr type="h" for="des" forName="parentText" op="equ"/>
+      <dgm:constr type="h" for="ch" forName="sp" val="-14.88"/>
+      <dgm:constr type="h" for="ch" forName="sp" refType="w" refFor="des" refForName="parentText" op="gte" fact="-0.3"/>
+      <dgm:constr type="primFontSz" for="des" forName="parentText" op="equ" val="65"/>
+      <dgm:constr type="primFontSz" for="des" forName="descendantText" op="equ" val="65"/>
+    </dgm:constrLst>
+    <dgm:ruleLst/>
+    <dgm:forEach name="Name0" axis="ch" ptType="node">
+      <dgm:layoutNode name="composite">
+        <dgm:alg type="composite"/>
+        <dgm:shape xmlns:r="http://schemas.openxmlformats.org/officeDocument/2006/relationships" r:blip="">
+          <dgm:adjLst/>
+        </dgm:shape>
+        <dgm:presOf/>
+        <dgm:choose name="Name1">
+          <dgm:if name="Name2" func="var" arg="dir" op="equ" val="norm">
+            <dgm:constrLst>
+              <dgm:constr type="t" for="ch" forName="parentText"/>
+              <dgm:constr type="l" for="ch" forName="parentText"/>
+              <dgm:constr type="w" for="ch" forName="parentText" refType="w" fact="0.4"/>
+              <dgm:constr type="h" for="ch" forName="parentText" refType="h"/>
+              <dgm:constr type="w" for="ch" forName="parentText" refType="w" op="lte" fact="0.5"/>
+              <dgm:constr type="w" for="ch" forName="parentText" refType="h" refFor="ch" refForName="parentText" op="lte" fact="0.7"/>
+              <dgm:constr type="h" for="ch" forName="parentText" refType="w" refFor="ch" refForName="parentText" op="lte" fact="3"/>
+              <dgm:constr type="l" for="ch" forName="descendantText" refType="w" refFor="ch" refForName="parentText"/>
+              <dgm:constr type="w" for="ch" forName="descendantText" refType="w"/>
+              <dgm:constr type="wOff" for="ch" forName="descendantText" refType="w" refFor="ch" refForName="parentText" fact="-1"/>
+              <dgm:constr type="t" for="ch" forName="descendantText"/>
+              <dgm:constr type="b" for="ch" forName="descendantText" refType="h" refFor="ch" refForName="parentText"/>
+              <dgm:constr type="bOff" for="ch" forName="descendantText" refType="w" refFor="ch" refForName="parentText" fact="-0.5"/>
+            </dgm:constrLst>
+          </dgm:if>
+          <dgm:else name="Name3">
+            <dgm:constrLst>
+              <dgm:constr type="t" for="ch" forName="parentText"/>
+              <dgm:constr type="r" for="ch" forName="parentText" refType="w"/>
+              <dgm:constr type="w" for="ch" forName="parentText" refType="w" fact="0.4"/>
+              <dgm:constr type="h" for="ch" forName="parentText" refType="h"/>
+              <dgm:constr type="w" for="ch" forName="parentText" refType="w" op="lte" fact="0.5"/>
+              <dgm:constr type="w" for="ch" forName="parentText" refType="h" refFor="ch" refForName="parentText" op="lte" fact="0.7"/>
+              <dgm:constr type="h" for="ch" forName="parentText" refType="w" refFor="ch" refForName="parentText" op="lte" fact="3"/>
+              <dgm:constr type="l" for="ch" forName="descendantText"/>
+              <dgm:constr type="w" for="ch" forName="descendantText" refType="w"/>
+              <dgm:constr type="wOff" for="ch" forName="descendantText" refType="w" refFor="ch" refForName="parentText" fact="-1"/>
+              <dgm:constr type="t" for="ch" forName="descendantText"/>
+              <dgm:constr type="b" for="ch" forName="descendantText" refType="h" refFor="ch" refForName="parentText"/>
+              <dgm:constr type="bOff" for="ch" forName="descendantText" refType="w" refFor="ch" refForName="parentText" fact="-0.5"/>
+            </dgm:constrLst>
+          </dgm:else>
+        </dgm:choose>
+        <dgm:ruleLst/>
+        <dgm:layoutNode name="parentText" styleLbl="alignNode1">
+          <dgm:varLst>
+            <dgm:chMax val="1"/>
+            <dgm:bulletEnabled val="1"/>
+          </dgm:varLst>
+          <dgm:alg type="tx"/>
+          <dgm:shape xmlns:r="http://schemas.openxmlformats.org/officeDocument/2006/relationships" rot="90" type="chevron" r:blip="">
+            <dgm:adjLst/>
+          </dgm:shape>
+          <dgm:presOf axis="self" ptType="node"/>
+          <dgm:constrLst>
+            <dgm:constr type="lMarg" refType="primFontSz" fact="0.05"/>
+            <dgm:constr type="rMarg" refType="primFontSz" fact="0.05"/>
+            <dgm:constr type="tMarg" refType="primFontSz" fact="0.05"/>
+            <dgm:constr type="bMarg" refType="primFontSz" fact="0.05"/>
+          </dgm:constrLst>
+          <dgm:ruleLst>
+            <dgm:rule type="h" val="100" fact="NaN" max="NaN"/>
+            <dgm:rule type="primFontSz" val="24" fact="NaN" max="NaN"/>
+            <dgm:rule type="h" val="110" fact="NaN" max="NaN"/>
+            <dgm:rule type="primFontSz" val="18" fact="NaN" max="NaN"/>
+            <dgm:rule type="h" val="INF" fact="NaN" max="NaN"/>
+            <dgm:rule type="primFontSz" val="5" fact="NaN" max="NaN"/>
+          </dgm:ruleLst>
+        </dgm:layoutNode>
+        <dgm:layoutNode name="descendantText" styleLbl="alignAcc1">
+          <dgm:varLst>
+            <dgm:bulletEnabled val="1"/>
+          </dgm:varLst>
+          <dgm:choose name="Name4">
+            <dgm:if name="Name5" func="var" arg="dir" op="equ" val="norm">
+              <dgm:alg type="tx">
+                <dgm:param type="stBulletLvl" val="1"/>
+                <dgm:param type="txAnchorVertCh" val="mid"/>
+              </dgm:alg>
+              <dgm:shape xmlns:r="http://schemas.openxmlformats.org/officeDocument/2006/relationships" rot="90" type="round2SameRect" r:blip="">
+                <dgm:adjLst/>
+              </dgm:shape>
+            </dgm:if>
+            <dgm:else name="Name6">
+              <dgm:alg type="tx">
+                <dgm:param type="stBulletLvl" val="1"/>
+                <dgm:param type="txAnchorVertCh" val="mid"/>
+              </dgm:alg>
+              <dgm:shape xmlns:r="http://schemas.openxmlformats.org/officeDocument/2006/relationships" rot="-90" type="round2SameRect" r:blip="">
+                <dgm:adjLst/>
+              </dgm:shape>
+            </dgm:else>
+          </dgm:choose>
+          <dgm:presOf axis="des" ptType="node"/>
+          <dgm:choose name="Name7">
+            <dgm:if name="Name8" func="var" arg="dir" op="equ" val="norm">
+              <dgm:constrLst>
+                <dgm:constr type="secFontSz" refType="primFontSz"/>
+                <dgm:constr type="tMarg" refType="primFontSz" fact="0.05"/>
+                <dgm:constr type="bMarg" refType="primFontSz" fact="0.05"/>
+                <dgm:constr type="rMarg" refType="primFontSz" fact="0.05"/>
+              </dgm:constrLst>
+            </dgm:if>
+            <dgm:else name="Name9">
+              <dgm:constrLst>
+                <dgm:constr type="secFontSz" refType="primFontSz"/>
+                <dgm:constr type="tMarg" refType="primFontSz" fact="0.05"/>
+                <dgm:constr type="bMarg" refType="primFontSz" fact="0.05"/>
+                <dgm:constr type="lMarg" refType="primFontSz" fact="0.05"/>
+              </dgm:constrLst>
+            </dgm:else>
+          </dgm:choose>
+          <dgm:ruleLst>
+            <dgm:rule type="primFontSz" val="5" fact="NaN" max="NaN"/>
+          </dgm:ruleLst>
+        </dgm:layoutNode>
+      </dgm:layoutNode>
+      <dgm:forEach name="Name10" axis="followSib" ptType="sibTrans" cnt="1">
+        <dgm:layoutNode name="sp">
+          <dgm:alg type="sp"/>
+          <dgm:shape xmlns:r="http://schemas.openxmlformats.org/officeDocument/2006/relationships" r:blip="">
+            <dgm:adjLst/>
+          </dgm:shape>
+          <dgm:presOf axis="self"/>
+          <dgm:constrLst>
+            <dgm:constr type="w" val="1"/>
+            <dgm:constr type="h" val="37.5"/>
+          </dgm:constrLst>
+          <dgm:ruleLst/>
+        </dgm:layoutNode>
+      </dgm:forEach>
+    </dgm:forEach>
+  </dgm:layoutNode>
+</dgm:layoutDef>
+</file>
+
+<file path=ppt/diagrams/quickStyle1.xml><?xml version="1.0" encoding="utf-8"?>
+<dgm:styleDef xmlns:dgm="http://schemas.openxmlformats.org/drawingml/2006/diagram" xmlns:a="http://schemas.openxmlformats.org/drawingml/2006/main" uniqueId="urn:microsoft.com/office/officeart/2005/8/quickstyle/simple1">
+  <dgm:title val=""/>
+  <dgm:desc val=""/>
+  <dgm:catLst>
+    <dgm:cat type="simple" pri="10100"/>
+  </dgm:catLst>
+  <dgm:scene3d>
+    <a:camera prst="orthographicFront"/>
+    <a:lightRig rig="threePt" dir="t"/>
+  </dgm:scene3d>
+  <dgm:styleLbl name="node0">
+    <dgm:scene3d>
+      <a:camera prst="orthographicFront"/>
+      <a:lightRig rig="threePt" dir="t"/>
+    </dgm:scene3d>
+    <dgm:sp3d/>
+    <dgm:txPr/>
+    <dgm:style>
+      <a:lnRef idx="2">
+        <a:scrgbClr r="0" g="0" b="0"/>
+      </a:lnRef>
+      <a:fillRef idx="1">
+        <a:scrgbClr r="0" g="0" b="0"/>
+      </a:fillRef>
+      <a:effectRef idx="0">
+        <a:scrgbClr r="0" g="0" b="0"/>
+      </a:effectRef>
+      <a:fontRef idx="minor">
+        <a:schemeClr val="lt1"/>
+      </a:fontRef>
+    </dgm:style>
+  </dgm:styleLbl>
+  <dgm:styleLbl name="lnNode1">
+    <dgm:scene3d>
+      <a:camera prst="orthographicFront"/>
+      <a:lightRig rig="threePt" dir="t"/>
+    </dgm:scene3d>
+    <dgm:sp3d/>
+    <dgm:txPr/>
+    <dgm:style>
+      <a:lnRef idx="2">
+        <a:scrgbClr r="0" g="0" b="0"/>
+      </a:lnRef>
+      <a:fillRef idx="1">
+        <a:scrgbClr r="0" g="0" b="0"/>
+      </a:fillRef>
+      <a:effectRef idx="0">
+        <a:scrgbClr r="0" g="0" b="0"/>
+      </a:effectRef>
+      <a:fontRef idx="minor">
+        <a:schemeClr val="lt1"/>
+      </a:fontRef>
+    </dgm:style>
+  </dgm:styleLbl>
+  <dgm:styleLbl name="vennNode1">
+    <dgm:scene3d>
+      <a:camera prst="orthographicFront"/>
+      <a:lightRig rig="threePt" dir="t"/>
+    </dgm:scene3d>
+    <dgm:sp3d/>
+    <dgm:txPr/>
+    <dgm:style>
+      <a:lnRef idx="2">
+        <a:scrgbClr r="0" g="0" b="0"/>
+      </a:lnRef>
+      <a:fillRef idx="1">
+        <a:scrgbClr r="0" g="0" b="0"/>
+      </a:fillRef>
+      <a:effectRef idx="0">
+        <a:scrgbClr r="0" g="0" b="0"/>
+      </a:effectRef>
+      <a:fontRef idx="minor">
+        <a:schemeClr val="tx1"/>
+      </a:fontRef>
+    </dgm:style>
+  </dgm:styleLbl>
+  <dgm:styleLbl name="alignNode1">
+    <dgm:scene3d>
+      <a:camera prst="orthographicFront"/>
+      <a:lightRig rig="threePt" dir="t"/>
+    </dgm:scene3d>
+    <dgm:sp3d/>
+    <dgm:txPr/>
+    <dgm:style>
+      <a:lnRef idx="2">
+        <a:scrgbClr r="0" g="0" b="0"/>
+      </a:lnRef>
+      <a:fillRef idx="1">
+        <a:scrgbClr r="0" g="0" b="0"/>
+      </a:fillRef>
+      <a:effectRef idx="0">
+        <a:scrgbClr r="0" g="0" b="0"/>
+      </a:effectRef>
+      <a:fontRef idx="minor">
+        <a:schemeClr val="lt1"/>
+      </a:fontRef>
+    </dgm:style>
+  </dgm:styleLbl>
+  <dgm:styleLbl name="node1">
+    <dgm:scene3d>
+      <a:camera prst="orthographicFront"/>
+      <a:lightRig rig="threePt" dir="t"/>
+    </dgm:scene3d>
+    <dgm:sp3d/>
+    <dgm:txPr/>
+    <dgm:style>
+      <a:lnRef idx="2">
+        <a:scrgbClr r="0" g="0" b="0"/>
+      </a:lnRef>
+      <a:fillRef idx="1">
+        <a:scrgbClr r="0" g="0" b="0"/>
+      </a:fillRef>
+      <a:effectRef idx="0">
+        <a:scrgbClr r="0" g="0" b="0"/>
+      </a:effectRef>
+      <a:fontRef idx="minor">
+        <a:schemeClr val="lt1"/>
+      </a:fontRef>
+    </dgm:style>
+  </dgm:styleLbl>
+  <dgm:styleLbl name="node2">
+    <dgm:scene3d>
+      <a:camera prst="orthographicFront"/>
+      <a:lightRig rig="threePt" dir="t"/>
+    </dgm:scene3d>
+    <dgm:sp3d/>
+    <dgm:txPr/>
+    <dgm:style>
+      <a:lnRef idx="2">
+        <a:scrgbClr r="0" g="0" b="0"/>
+      </a:lnRef>
+      <a:fillRef idx="1">
+        <a:scrgbClr r="0" g="0" b="0"/>
+      </a:fillRef>
+      <a:effectRef idx="0">
+        <a:scrgbClr r="0" g="0" b="0"/>
+      </a:effectRef>
+      <a:fontRef idx="minor">
+        <a:schemeClr val="lt1"/>
+      </a:fontRef>
+    </dgm:style>
+  </dgm:styleLbl>
+  <dgm:styleLbl name="node3">
+    <dgm:scene3d>
+      <a:camera prst="orthographicFront"/>
+      <a:lightRig rig="threePt" dir="t"/>
+    </dgm:scene3d>
+    <dgm:sp3d/>
+    <dgm:txPr/>
+    <dgm:style>
+      <a:lnRef idx="2">
+        <a:scrgbClr r="0" g="0" b="0"/>
+      </a:lnRef>
+      <a:fillRef idx="1">
+        <a:scrgbClr r="0" g="0" b="0"/>
+      </a:fillRef>
+      <a:effectRef idx="0">
+        <a:scrgbClr r="0" g="0" b="0"/>
+      </a:effectRef>
+      <a:fontRef idx="minor">
+        <a:schemeClr val="lt1"/>
+      </a:fontRef>
+    </dgm:style>
+  </dgm:styleLbl>
+  <dgm:styleLbl name="node4">
+    <dgm:scene3d>
+      <a:camera prst="orthographicFront"/>
+      <a:lightRig rig="threePt" dir="t"/>
+    </dgm:scene3d>
+    <dgm:sp3d/>
+    <dgm:txPr/>
+    <dgm:style>
+      <a:lnRef idx="2">
+        <a:scrgbClr r="0" g="0" b="0"/>
+      </a:lnRef>
+      <a:fillRef idx="1">
+        <a:scrgbClr r="0" g="0" b="0"/>
+      </a:fillRef>
+      <a:effectRef idx="0">
+        <a:scrgbClr r="0" g="0" b="0"/>
+      </a:effectRef>
+      <a:fontRef idx="minor">
+        <a:schemeClr val="lt1"/>
+      </a:fontRef>
+    </dgm:style>
+  </dgm:styleLbl>
+  <dgm:styleLbl name="fgImgPlace1">
+    <dgm:scene3d>
+      <a:camera prst="orthographicFront"/>
+      <a:lightRig rig="threePt" dir="t"/>
+    </dgm:scene3d>
+    <dgm:sp3d/>
+    <dgm:txPr/>
+    <dgm:style>
+      <a:lnRef idx="2">
+        <a:scrgbClr r="0" g="0" b="0"/>
+      </a:lnRef>
+      <a:fillRef idx="1">
+        <a:scrgbClr r="0" g="0" b="0"/>
+      </a:fillRef>
+      <a:effectRef idx="0">
+        <a:scrgbClr r="0" g="0" b="0"/>
+      </a:effectRef>
+      <a:fontRef idx="minor"/>
+    </dgm:style>
+  </dgm:styleLbl>
+  <dgm:styleLbl name="alignImgPlace1">
+    <dgm:scene3d>
+      <a:camera prst="orthographicFront"/>
+      <a:lightRig rig="threePt" dir="t"/>
+    </dgm:scene3d>
+    <dgm:sp3d/>
+    <dgm:txPr/>
+    <dgm:style>
+      <a:lnRef idx="2">
+        <a:scrgbClr r="0" g="0" b="0"/>
+      </a:lnRef>
+      <a:fillRef idx="1">
+        <a:scrgbClr r="0" g="0" b="0"/>
+      </a:fillRef>
+      <a:effectRef idx="0">
+        <a:scrgbClr r="0" g="0" b="0"/>
+      </a:effectRef>
+      <a:fontRef idx="minor"/>
+    </dgm:style>
+  </dgm:styleLbl>
+  <dgm:styleLbl name="bgImgPlace1">
+    <dgm:scene3d>
+      <a:camera prst="orthographicFront"/>
+      <a:lightRig rig="threePt" dir="t"/>
+    </dgm:scene3d>
+    <dgm:sp3d/>
+    <dgm:txPr/>
+    <dgm:style>
+      <a:lnRef idx="2">
+        <a:scrgbClr r="0" g="0" b="0"/>
+      </a:lnRef>
+      <a:fillRef idx="1">
+        <a:scrgbClr r="0" g="0" b="0"/>
+      </a:fillRef>
+      <a:effectRef idx="0">
+        <a:scrgbClr r="0" g="0" b="0"/>
+      </a:effectRef>
+      <a:fontRef idx="minor"/>
+    </dgm:style>
+  </dgm:styleLbl>
+  <dgm:styleLbl name="sibTrans2D1">
+    <dgm:scene3d>
+      <a:camera prst="orthographicFront"/>
+      <a:lightRig rig="threePt" dir="t"/>
+    </dgm:scene3d>
+    <dgm:sp3d/>
+    <dgm:txPr/>
+    <dgm:style>
+      <a:lnRef idx="0">
+        <a:scrgbClr r="0" g="0" b="0"/>
+      </a:lnRef>
+      <a:fillRef idx="1">
+        <a:scrgbClr r="0" g="0" b="0"/>
+      </a:fillRef>
+      <a:effectRef idx="0">
+        <a:scrgbClr r="0" g="0" b="0"/>
+      </a:effectRef>
+      <a:fontRef idx="minor">
+        <a:schemeClr val="lt1"/>
+      </a:fontRef>
+    </dgm:style>
+  </dgm:styleLbl>
+  <dgm:styleLbl name="fgSibTrans2D1">
+    <dgm:scene3d>
+      <a:camera prst="orthographicFront"/>
+      <a:lightRig rig="threePt" dir="t"/>
+    </dgm:scene3d>
+    <dgm:sp3d/>
+    <dgm:txPr/>
+    <dgm:style>
+      <a:lnRef idx="0">
+        <a:scrgbClr r="0" g="0" b="0"/>
+      </a:lnRef>
+      <a:fillRef idx="1">
+        <a:scrgbClr r="0" g="0" b="0"/>
+      </a:fillRef>
+      <a:effectRef idx="0">
+        <a:scrgbClr r="0" g="0" b="0"/>
+      </a:effectRef>
+      <a:fontRef idx="minor">
+        <a:schemeClr val="lt1"/>
+      </a:fontRef>
+    </dgm:style>
+  </dgm:styleLbl>
+  <dgm:styleLbl name="bgSibTrans2D1">
+    <dgm:scene3d>
+      <a:camera prst="orthographicFront"/>
+      <a:lightRig rig="threePt" dir="t"/>
+    </dgm:scene3d>
+    <dgm:sp3d/>
+    <dgm:txPr/>
+    <dgm:style>
+      <a:lnRef idx="0">
+        <a:scrgbClr r="0" g="0" b="0"/>
+      </a:lnRef>
+      <a:fillRef idx="1">
+        <a:scrgbClr r="0" g="0" b="0"/>
+      </a:fillRef>
+      <a:effectRef idx="0">
+        <a:scrgbClr r="0" g="0" b="0"/>
+      </a:effectRef>
+      <a:fontRef idx="minor">
+        <a:schemeClr val="lt1"/>
+      </a:fontRef>
+    </dgm:style>
+  </dgm:styleLbl>
+  <dgm:styleLbl name="sibTrans1D1">
+    <dgm:scene3d>
+      <a:camera prst="orthographicFront"/>
+      <a:lightRig rig="threePt" dir="t"/>
+    </dgm:scene3d>
+    <dgm:sp3d/>
+    <dgm:txPr/>
+    <dgm:style>
+      <a:lnRef idx="1">
+        <a:scrgbClr r="0" g="0" b="0"/>
+      </a:lnRef>
+      <a:fillRef idx="0">
+        <a:scrgbClr r="0" g="0" b="0"/>
+      </a:fillRef>
+      <a:effectRef idx="0">
+        <a:scrgbClr r="0" g="0" b="0"/>
+      </a:effectRef>
+      <a:fontRef idx="minor"/>
+    </dgm:style>
+  </dgm:styleLbl>
+  <dgm:styleLbl name="callout">
+    <dgm:scene3d>
+      <a:camera prst="orthographicFront"/>
+      <a:lightRig rig="threePt" dir="t"/>
+    </dgm:scene3d>
+    <dgm:sp3d/>
+    <dgm:txPr/>
+    <dgm:style>
+      <a:lnRef idx="2">
+        <a:scrgbClr r="0" g="0" b="0"/>
+      </a:lnRef>
+      <a:fillRef idx="1">
+        <a:scrgbClr r="0" g="0" b="0"/>
+      </a:fillRef>
+      <a:effectRef idx="0">
+        <a:scrgbClr r="0" g="0" b="0"/>
+      </a:effectRef>
+      <a:fontRef idx="minor"/>
+    </dgm:style>
+  </dgm:styleLbl>
+  <dgm:styleLbl name="asst0">
+    <dgm:scene3d>
+      <a:camera prst="orthographicFront"/>
+      <a:lightRig rig="threePt" dir="t"/>
+    </dgm:scene3d>
+    <dgm:sp3d/>
+    <dgm:txPr/>
+    <dgm:style>
+      <a:lnRef idx="2">
+        <a:scrgbClr r="0" g="0" b="0"/>
+      </a:lnRef>
+      <a:fillRef idx="1">
+        <a:scrgbClr r="0" g="0" b="0"/>
+      </a:fillRef>
+      <a:effectRef idx="0">
+        <a:scrgbClr r="0" g="0" b="0"/>
+      </a:effectRef>
+      <a:fontRef idx="minor">
+        <a:schemeClr val="lt1"/>
+      </a:fontRef>
+    </dgm:style>
+  </dgm:styleLbl>
+  <dgm:styleLbl name="asst1">
+    <dgm:scene3d>
+      <a:camera prst="orthographicFront"/>
+      <a:lightRig rig="threePt" dir="t"/>
+    </dgm:scene3d>
+    <dgm:sp3d/>
+    <dgm:txPr/>
+    <dgm:style>
+      <a:lnRef idx="2">
+        <a:scrgbClr r="0" g="0" b="0"/>
+      </a:lnRef>
+      <a:fillRef idx="1">
+        <a:scrgbClr r="0" g="0" b="0"/>
+      </a:fillRef>
+      <a:effectRef idx="0">
+        <a:scrgbClr r="0" g="0" b="0"/>
+      </a:effectRef>
+      <a:fontRef idx="minor">
+        <a:schemeClr val="lt1"/>
+      </a:fontRef>
+    </dgm:style>
+  </dgm:styleLbl>
+  <dgm:styleLbl name="asst2">
+    <dgm:scene3d>
+      <a:camera prst="orthographicFront"/>
+      <a:lightRig rig="threePt" dir="t"/>
+    </dgm:scene3d>
+    <dgm:sp3d/>
+    <dgm:txPr/>
+    <dgm:style>
+      <a:lnRef idx="2">
+        <a:scrgbClr r="0" g="0" b="0"/>
+      </a:lnRef>
+      <a:fillRef idx="1">
+        <a:scrgbClr r="0" g="0" b="0"/>
+      </a:fillRef>
+      <a:effectRef idx="0">
+        <a:scrgbClr r="0" g="0" b="0"/>
+      </a:effectRef>
+      <a:fontRef idx="minor">
+        <a:schemeClr val="lt1"/>
+      </a:fontRef>
+    </dgm:style>
+  </dgm:styleLbl>
+  <dgm:styleLbl name="asst3">
+    <dgm:scene3d>
+      <a:camera prst="orthographicFront"/>
+      <a:lightRig rig="threePt" dir="t"/>
+    </dgm:scene3d>
+    <dgm:sp3d/>
+    <dgm:txPr/>
+    <dgm:style>
+      <a:lnRef idx="2">
+        <a:scrgbClr r="0" g="0" b="0"/>
+      </a:lnRef>
+      <a:fillRef idx="1">
+        <a:scrgbClr r="0" g="0" b="0"/>
+      </a:fillRef>
+      <a:effectRef idx="0">
+        <a:scrgbClr r="0" g="0" b="0"/>
+      </a:effectRef>
+      <a:fontRef idx="minor">
+        <a:schemeClr val="lt1"/>
+      </a:fontRef>
+    </dgm:style>
+  </dgm:styleLbl>
+  <dgm:styleLbl name="asst4">
+    <dgm:scene3d>
+      <a:camera prst="orthographicFront"/>
+      <a:lightRig rig="threePt" dir="t"/>
+    </dgm:scene3d>
+    <dgm:sp3d/>
+    <dgm:txPr/>
+    <dgm:style>
+      <a:lnRef idx="2">
+        <a:scrgbClr r="0" g="0" b="0"/>
+      </a:lnRef>
+      <a:fillRef idx="1">
+        <a:scrgbClr r="0" g="0" b="0"/>
+      </a:fillRef>
+      <a:effectRef idx="0">
+        <a:scrgbClr r="0" g="0" b="0"/>
+      </a:effectRef>
+      <a:fontRef idx="minor">
+        <a:schemeClr val="lt1"/>
+      </a:fontRef>
+    </dgm:style>
+  </dgm:styleLbl>
+  <dgm:styleLbl name="parChTrans2D1">
+    <dgm:scene3d>
+      <a:camera prst="orthographicFront"/>
+      <a:lightRig rig="threePt" dir="t"/>
+    </dgm:scene3d>
+    <dgm:sp3d/>
+    <dgm:txPr/>
+    <dgm:style>
+      <a:lnRef idx="2">
+        <a:scrgbClr r="0" g="0" b="0"/>
+      </a:lnRef>
+      <a:fillRef idx="1">
+        <a:scrgbClr r="0" g="0" b="0"/>
+      </a:fillRef>
+      <a:effectRef idx="0">
+        <a:scrgbClr r="0" g="0" b="0"/>
+      </a:effectRef>
+      <a:fontRef idx="minor">
+        <a:schemeClr val="lt1"/>
+      </a:fontRef>
+    </dgm:style>
+  </dgm:styleLbl>
+  <dgm:styleLbl name="parChTrans2D2">
+    <dgm:scene3d>
+      <a:camera prst="orthographicFront"/>
+      <a:lightRig rig="threePt" dir="t"/>
+    </dgm:scene3d>
+    <dgm:sp3d/>
+    <dgm:txPr/>
+    <dgm:style>
+      <a:lnRef idx="2">
+        <a:scrgbClr r="0" g="0" b="0"/>
+      </a:lnRef>
+      <a:fillRef idx="1">
+        <a:scrgbClr r="0" g="0" b="0"/>
+      </a:fillRef>
+      <a:effectRef idx="0">
+        <a:scrgbClr r="0" g="0" b="0"/>
+      </a:effectRef>
+      <a:fontRef idx="minor">
+        <a:schemeClr val="lt1"/>
+      </a:fontRef>
+    </dgm:style>
+  </dgm:styleLbl>
+  <dgm:styleLbl name="parChTrans2D3">
+    <dgm:scene3d>
+      <a:camera prst="orthographicFront"/>
+      <a:lightRig rig="threePt" dir="t"/>
+    </dgm:scene3d>
+    <dgm:sp3d/>
+    <dgm:txPr/>
+    <dgm:style>
+      <a:lnRef idx="2">
+        <a:scrgbClr r="0" g="0" b="0"/>
+      </a:lnRef>
+      <a:fillRef idx="1">
+        <a:scrgbClr r="0" g="0" b="0"/>
+      </a:fillRef>
+      <a:effectRef idx="0">
+        <a:scrgbClr r="0" g="0" b="0"/>
+      </a:effectRef>
+      <a:fontRef idx="minor">
+        <a:schemeClr val="lt1"/>
+      </a:fontRef>
+    </dgm:style>
+  </dgm:styleLbl>
+  <dgm:styleLbl name="parChTrans2D4">
+    <dgm:scene3d>
+      <a:camera prst="orthographicFront"/>
+      <a:lightRig rig="threePt" dir="t"/>
+    </dgm:scene3d>
+    <dgm:sp3d/>
+    <dgm:txPr/>
+    <dgm:style>
+      <a:lnRef idx="2">
+        <a:scrgbClr r="0" g="0" b="0"/>
+      </a:lnRef>
+      <a:fillRef idx="1">
+        <a:scrgbClr r="0" g="0" b="0"/>
+      </a:fillRef>
+      <a:effectRef idx="0">
+        <a:scrgbClr r="0" g="0" b="0"/>
+      </a:effectRef>
+      <a:fontRef idx="minor">
+        <a:schemeClr val="lt1"/>
+      </a:fontRef>
+    </dgm:style>
+  </dgm:styleLbl>
+  <dgm:styleLbl name="parChTrans1D1">
+    <dgm:scene3d>
+      <a:camera prst="orthographicFront"/>
+      <a:lightRig rig="threePt" dir="t"/>
+    </dgm:scene3d>
+    <dgm:sp3d/>
+    <dgm:txPr/>
+    <dgm:style>
+      <a:lnRef idx="2">
+        <a:scrgbClr r="0" g="0" b="0"/>
+      </a:lnRef>
+      <a:fillRef idx="0">
+        <a:scrgbClr r="0" g="0" b="0"/>
+      </a:fillRef>
+      <a:effectRef idx="0">
+        <a:scrgbClr r="0" g="0" b="0"/>
+      </a:effectRef>
+      <a:fontRef idx="minor"/>
+    </dgm:style>
+  </dgm:styleLbl>
+  <dgm:styleLbl name="parChTrans1D2">
+    <dgm:scene3d>
+      <a:camera prst="orthographicFront"/>
+      <a:lightRig rig="threePt" dir="t"/>
+    </dgm:scene3d>
+    <dgm:sp3d/>
+    <dgm:txPr/>
+    <dgm:style>
+      <a:lnRef idx="2">
+        <a:scrgbClr r="0" g="0" b="0"/>
+      </a:lnRef>
+      <a:fillRef idx="0">
+        <a:scrgbClr r="0" g="0" b="0"/>
+      </a:fillRef>
+      <a:effectRef idx="0">
+        <a:scrgbClr r="0" g="0" b="0"/>
+      </a:effectRef>
+      <a:fontRef idx="minor"/>
+    </dgm:style>
+  </dgm:styleLbl>
+  <dgm:styleLbl name="parChTrans1D3">
+    <dgm:scene3d>
+      <a:camera prst="orthographicFront"/>
+      <a:lightRig rig="threePt" dir="t"/>
+    </dgm:scene3d>
+    <dgm:sp3d/>
+    <dgm:txPr/>
+    <dgm:style>
+      <a:lnRef idx="2">
+        <a:scrgbClr r="0" g="0" b="0"/>
+      </a:lnRef>
+      <a:fillRef idx="0">
+        <a:scrgbClr r="0" g="0" b="0"/>
+      </a:fillRef>
+      <a:effectRef idx="0">
+        <a:scrgbClr r="0" g="0" b="0"/>
+      </a:effectRef>
+      <a:fontRef idx="minor"/>
+    </dgm:style>
+  </dgm:styleLbl>
+  <dgm:styleLbl name="parChTrans1D4">
+    <dgm:scene3d>
+      <a:camera prst="orthographicFront"/>
+      <a:lightRig rig="threePt" dir="t"/>
+    </dgm:scene3d>
+    <dgm:sp3d/>
+    <dgm:txPr/>
+    <dgm:style>
+      <a:lnRef idx="2">
+        <a:scrgbClr r="0" g="0" b="0"/>
+      </a:lnRef>
+      <a:fillRef idx="0">
+        <a:scrgbClr r="0" g="0" b="0"/>
+      </a:fillRef>
+      <a:effectRef idx="0">
+        <a:scrgbClr r="0" g="0" b="0"/>
+      </a:effectRef>
+      <a:fontRef idx="minor"/>
+    </dgm:style>
+  </dgm:styleLbl>
+  <dgm:styleLbl name="fgAcc1">
+    <dgm:scene3d>
+      <a:camera prst="orthographicFront"/>
+      <a:lightRig rig="threePt" dir="t"/>
+    </dgm:scene3d>
+    <dgm:sp3d/>
+    <dgm:txPr/>
+    <dgm:style>
+      <a:lnRef idx="2">
+        <a:scrgbClr r="0" g="0" b="0"/>
+      </a:lnRef>
+      <a:fillRef idx="1">
+        <a:scrgbClr r="0" g="0" b="0"/>
+      </a:fillRef>
+      <a:effectRef idx="0">
+        <a:scrgbClr r="0" g="0" b="0"/>
+      </a:effectRef>
+      <a:fontRef idx="minor"/>
+    </dgm:style>
+  </dgm:styleLbl>
+  <dgm:styleLbl name="conFgAcc1">
+    <dgm:scene3d>
+      <a:camera prst="orthographicFront"/>
+      <a:lightRig rig="threePt" dir="t"/>
+    </dgm:scene3d>
+    <dgm:sp3d/>
+    <dgm:txPr/>
+    <dgm:style>
+      <a:lnRef idx="2">
+        <a:scrgbClr r="0" g="0" b="0"/>
+      </a:lnRef>
+      <a:fillRef idx="1">
+        <a:scrgbClr r="0" g="0" b="0"/>
+      </a:fillRef>
+      <a:effectRef idx="0">
+        <a:scrgbClr r="0" g="0" b="0"/>
+      </a:effectRef>
+      <a:fontRef idx="minor"/>
+    </dgm:style>
+  </dgm:styleLbl>
+  <dgm:styleLbl name="alignAcc1">
+    <dgm:scene3d>
+      <a:camera prst="orthographicFront"/>
+      <a:lightRig rig="threePt" dir="t"/>
+    </dgm:scene3d>
+    <dgm:sp3d/>
+    <dgm:txPr/>
+    <dgm:style>
+      <a:lnRef idx="2">
+        <a:scrgbClr r="0" g="0" b="0"/>
+      </a:lnRef>
+      <a:fillRef idx="1">
+        <a:scrgbClr r="0" g="0" b="0"/>
+      </a:fillRef>
+      <a:effectRef idx="0">
+        <a:scrgbClr r="0" g="0" b="0"/>
+      </a:effectRef>
+      <a:fontRef idx="minor"/>
+    </dgm:style>
+  </dgm:styleLbl>
+  <dgm:styleLbl name="trAlignAcc1">
+    <dgm:scene3d>
+      <a:camera prst="orthographicFront"/>
+      <a:lightRig rig="threePt" dir="t"/>
+    </dgm:scene3d>
+    <dgm:sp3d/>
+    <dgm:txPr/>
+    <dgm:style>
+      <a:lnRef idx="1">
+        <a:scrgbClr r="0" g="0" b="0"/>
+      </a:lnRef>
+      <a:fillRef idx="1">
+        <a:scrgbClr r="0" g="0" b="0"/>
+      </a:fillRef>
+      <a:effectRef idx="0">
+        <a:scrgbClr r="0" g="0" b="0"/>
+      </a:effectRef>
+      <a:fontRef idx="minor"/>
+    </dgm:style>
+  </dgm:styleLbl>
+  <dgm:styleLbl name="bgAcc1">
+    <dgm:scene3d>
+      <a:camera prst="orthographicFront"/>
+      <a:lightRig rig="threePt" dir="t"/>
+    </dgm:scene3d>
+    <dgm:sp3d/>
+    <dgm:txPr/>
+    <dgm:style>
+      <a:lnRef idx="2">
+        <a:scrgbClr r="0" g="0" b="0"/>
+      </a:lnRef>
+      <a:fillRef idx="1">
+        <a:scrgbClr r="0" g="0" b="0"/>
+      </a:fillRef>
+      <a:effectRef idx="0">
+        <a:scrgbClr r="0" g="0" b="0"/>
+      </a:effectRef>
+      <a:fontRef idx="minor"/>
+    </dgm:style>
+  </dgm:styleLbl>
+  <dgm:styleLbl name="solidFgAcc1">
+    <dgm:scene3d>
+      <a:camera prst="orthographicFront"/>
+      <a:lightRig rig="threePt" dir="t"/>
+    </dgm:scene3d>
+    <dgm:sp3d/>
+    <dgm:txPr/>
+    <dgm:style>
+      <a:lnRef idx="2">
+        <a:scrgbClr r="0" g="0" b="0"/>
+      </a:lnRef>
+      <a:fillRef idx="1">
+        <a:scrgbClr r="0" g="0" b="0"/>
+      </a:fillRef>
+      <a:effectRef idx="0">
+        <a:scrgbClr r="0" g="0" b="0"/>
+      </a:effectRef>
+      <a:fontRef idx="minor"/>
+    </dgm:style>
+  </dgm:styleLbl>
+  <dgm:styleLbl name="solidAlignAcc1">
+    <dgm:scene3d>
+      <a:camera prst="orthographicFront"/>
+      <a:lightRig rig="threePt" dir="t"/>
+    </dgm:scene3d>
+    <dgm:sp3d/>
+    <dgm:txPr/>
+    <dgm:style>
+      <a:lnRef idx="2">
+        <a:scrgbClr r="0" g="0" b="0"/>
+      </a:lnRef>
+      <a:fillRef idx="1">
+        <a:scrgbClr r="0" g="0" b="0"/>
+      </a:fillRef>
+      <a:effectRef idx="0">
+        <a:scrgbClr r="0" g="0" b="0"/>
+      </a:effectRef>
+      <a:fontRef idx="minor"/>
+    </dgm:style>
+  </dgm:styleLbl>
+  <dgm:styleLbl name="solidBgAcc1">
+    <dgm:scene3d>
+      <a:camera prst="orthographicFront"/>
+      <a:lightRig rig="threePt" dir="t"/>
+    </dgm:scene3d>
+    <dgm:sp3d/>
+    <dgm:txPr/>
+    <dgm:style>
+      <a:lnRef idx="2">
+        <a:scrgbClr r="0" g="0" b="0"/>
+      </a:lnRef>
+      <a:fillRef idx="1">
+        <a:scrgbClr r="0" g="0" b="0"/>
+      </a:fillRef>
+      <a:effectRef idx="0">
+        <a:scrgbClr r="0" g="0" b="0"/>
+      </a:effectRef>
+      <a:fontRef idx="minor"/>
+    </dgm:style>
+  </dgm:styleLbl>
+  <dgm:styleLbl name="fgAccFollowNode1">
+    <dgm:scene3d>
+      <a:camera prst="orthographicFront"/>
+      <a:lightRig rig="threePt" dir="t"/>
+    </dgm:scene3d>
+    <dgm:sp3d/>
+    <dgm:txPr/>
+    <dgm:style>
+      <a:lnRef idx="2">
+        <a:scrgbClr r="0" g="0" b="0"/>
+      </a:lnRef>
+      <a:fillRef idx="1">
+        <a:scrgbClr r="0" g="0" b="0"/>
+      </a:fillRef>
+      <a:effectRef idx="0">
+        <a:scrgbClr r="0" g="0" b="0"/>
+      </a:effectRef>
+      <a:fontRef idx="minor"/>
+    </dgm:style>
+  </dgm:styleLbl>
+  <dgm:styleLbl name="alignAccFollowNode1">
+    <dgm:scene3d>
+      <a:camera prst="orthographicFront"/>
+      <a:lightRig rig="threePt" dir="t"/>
+    </dgm:scene3d>
+    <dgm:sp3d/>
+    <dgm:txPr/>
+    <dgm:style>
+      <a:lnRef idx="2">
+        <a:scrgbClr r="0" g="0" b="0"/>
+      </a:lnRef>
+      <a:fillRef idx="1">
+        <a:scrgbClr r="0" g="0" b="0"/>
+      </a:fillRef>
+      <a:effectRef idx="0">
+        <a:scrgbClr r="0" g="0" b="0"/>
+      </a:effectRef>
+      <a:fontRef idx="minor"/>
+    </dgm:style>
+  </dgm:styleLbl>
+  <dgm:styleLbl name="bgAccFollowNode1">
+    <dgm:scene3d>
+      <a:camera prst="orthographicFront"/>
+      <a:lightRig rig="threePt" dir="t"/>
+    </dgm:scene3d>
+    <dgm:sp3d/>
+    <dgm:txPr/>
+    <dgm:style>
+      <a:lnRef idx="2">
+        <a:scrgbClr r="0" g="0" b="0"/>
+      </a:lnRef>
+      <a:fillRef idx="1">
+        <a:scrgbClr r="0" g="0" b="0"/>
+      </a:fillRef>
+      <a:effectRef idx="0">
+        <a:scrgbClr r="0" g="0" b="0"/>
+      </a:effectRef>
+      <a:fontRef idx="minor"/>
+    </dgm:style>
+  </dgm:styleLbl>
+  <dgm:styleLbl name="fgAcc0">
+    <dgm:scene3d>
+      <a:camera prst="orthographicFront"/>
+      <a:lightRig rig="threePt" dir="t"/>
+    </dgm:scene3d>
+    <dgm:sp3d/>
+    <dgm:txPr/>
+    <dgm:style>
+      <a:lnRef idx="2">
+        <a:scrgbClr r="0" g="0" b="0"/>
+      </a:lnRef>
+      <a:fillRef idx="1">
+        <a:scrgbClr r="0" g="0" b="0"/>
+      </a:fillRef>
+      <a:effectRef idx="0">
+        <a:scrgbClr r="0" g="0" b="0"/>
+      </a:effectRef>
+      <a:fontRef idx="minor"/>
+    </dgm:style>
+  </dgm:styleLbl>
+  <dgm:styleLbl name="fgAcc2">
+    <dgm:scene3d>
+      <a:camera prst="orthographicFront"/>
+      <a:lightRig rig="threePt" dir="t"/>
+    </dgm:scene3d>
+    <dgm:sp3d/>
+    <dgm:txPr/>
+    <dgm:style>
+      <a:lnRef idx="2">
+        <a:scrgbClr r="0" g="0" b="0"/>
+      </a:lnRef>
+      <a:fillRef idx="1">
+        <a:scrgbClr r="0" g="0" b="0"/>
+      </a:fillRef>
+      <a:effectRef idx="0">
+        <a:scrgbClr r="0" g="0" b="0"/>
+      </a:effectRef>
+      <a:fontRef idx="minor"/>
+    </dgm:style>
+  </dgm:styleLbl>
+  <dgm:styleLbl name="fgAcc3">
+    <dgm:scene3d>
+      <a:camera prst="orthographicFront"/>
+      <a:lightRig rig="threePt" dir="t"/>
+    </dgm:scene3d>
+    <dgm:sp3d/>
+    <dgm:txPr/>
+    <dgm:style>
+      <a:lnRef idx="2">
+        <a:scrgbClr r="0" g="0" b="0"/>
+      </a:lnRef>
+      <a:fillRef idx="1">
+        <a:scrgbClr r="0" g="0" b="0"/>
+      </a:fillRef>
+      <a:effectRef idx="0">
+        <a:scrgbClr r="0" g="0" b="0"/>
+      </a:effectRef>
+      <a:fontRef idx="minor"/>
+    </dgm:style>
+  </dgm:styleLbl>
+  <dgm:styleLbl name="fgAcc4">
+    <dgm:scene3d>
+      <a:camera prst="orthographicFront"/>
+      <a:lightRig rig="threePt" dir="t"/>
+    </dgm:scene3d>
+    <dgm:sp3d/>
+    <dgm:txPr/>
+    <dgm:style>
+      <a:lnRef idx="2">
+        <a:scrgbClr r="0" g="0" b="0"/>
+      </a:lnRef>
+      <a:fillRef idx="1">
+        <a:scrgbClr r="0" g="0" b="0"/>
+      </a:fillRef>
+      <a:effectRef idx="0">
+        <a:scrgbClr r="0" g="0" b="0"/>
+      </a:effectRef>
+      <a:fontRef idx="minor"/>
+    </dgm:style>
+  </dgm:styleLbl>
+  <dgm:styleLbl name="bgShp">
+    <dgm:scene3d>
+      <a:camera prst="orthographicFront"/>
+      <a:lightRig rig="threePt" dir="t"/>
+    </dgm:scene3d>
+    <dgm:sp3d/>
+    <dgm:txPr/>
+    <dgm:style>
+      <a:lnRef idx="0">
+        <a:scrgbClr r="0" g="0" b="0"/>
+      </a:lnRef>
+      <a:fillRef idx="1">
+        <a:scrgbClr r="0" g="0" b="0"/>
+      </a:fillRef>
+      <a:effectRef idx="0">
+        <a:scrgbClr r="0" g="0" b="0"/>
+      </a:effectRef>
+      <a:fontRef idx="minor"/>
+    </dgm:style>
+  </dgm:styleLbl>
+  <dgm:styleLbl name="dkBgShp">
+    <dgm:scene3d>
+      <a:camera prst="orthographicFront"/>
+      <a:lightRig rig="threePt" dir="t"/>
+    </dgm:scene3d>
+    <dgm:sp3d/>
+    <dgm:txPr/>
+    <dgm:style>
+      <a:lnRef idx="0">
+        <a:scrgbClr r="0" g="0" b="0"/>
+      </a:lnRef>
+      <a:fillRef idx="1">
+        <a:scrgbClr r="0" g="0" b="0"/>
+      </a:fillRef>
+      <a:effectRef idx="0">
+        <a:scrgbClr r="0" g="0" b="0"/>
+      </a:effectRef>
+      <a:fontRef idx="minor"/>
+    </dgm:style>
+  </dgm:styleLbl>
+  <dgm:styleLbl name="trBgShp">
+    <dgm:scene3d>
+      <a:camera prst="orthographicFront"/>
+      <a:lightRig rig="threePt" dir="t"/>
+    </dgm:scene3d>
+    <dgm:sp3d/>
+    <dgm:txPr/>
+    <dgm:style>
+      <a:lnRef idx="0">
+        <a:scrgbClr r="0" g="0" b="0"/>
+      </a:lnRef>
+      <a:fillRef idx="1">
+        <a:scrgbClr r="0" g="0" b="0"/>
+      </a:fillRef>
+      <a:effectRef idx="0">
+        <a:scrgbClr r="0" g="0" b="0"/>
+      </a:effectRef>
+      <a:fontRef idx="minor"/>
+    </dgm:style>
+  </dgm:styleLbl>
+  <dgm:styleLbl name="fgShp">
+    <dgm:scene3d>
+      <a:camera prst="orthographicFront"/>
+      <a:lightRig rig="threePt" dir="t"/>
+    </dgm:scene3d>
+    <dgm:sp3d/>
+    <dgm:txPr/>
+    <dgm:style>
+      <a:lnRef idx="2">
+        <a:scrgbClr r="0" g="0" b="0"/>
+      </a:lnRef>
+      <a:fillRef idx="1">
+        <a:scrgbClr r="0" g="0" b="0"/>
+      </a:fillRef>
+      <a:effectRef idx="0">
+        <a:scrgbClr r="0" g="0" b="0"/>
+      </a:effectRef>
+      <a:fontRef idx="minor"/>
+    </dgm:style>
+  </dgm:styleLbl>
+  <dgm:styleLbl name="revTx">
+    <dgm:scene3d>
+      <a:camera prst="orthographicFront"/>
+      <a:lightRig rig="threePt" dir="t"/>
+    </dgm:scene3d>
+    <dgm:sp3d/>
+    <dgm:txPr/>
+    <dgm:style>
+      <a:lnRef idx="0">
+        <a:scrgbClr r="0" g="0" b="0"/>
+      </a:lnRef>
+      <a:fillRef idx="0">
+        <a:scrgbClr r="0" g="0" b="0"/>
+      </a:fillRef>
+      <a:effectRef idx="0">
+        <a:scrgbClr r="0" g="0" b="0"/>
+      </a:effectRef>
+      <a:fontRef idx="minor"/>
+    </dgm:style>
+  </dgm:styleLbl>
+</dgm:styleDef>
+</file>
+
+<file path=ppt/diagrams/quickStyle2.xml><?xml version="1.0" encoding="utf-8"?>
+<dgm:styleDef xmlns:dgm="http://schemas.openxmlformats.org/drawingml/2006/diagram" xmlns:a="http://schemas.openxmlformats.org/drawingml/2006/main" uniqueId="urn:microsoft.com/office/officeart/2005/8/quickstyle/simple1">
+  <dgm:title val=""/>
+  <dgm:desc val=""/>
+  <dgm:catLst>
+    <dgm:cat type="simple" pri="10100"/>
+  </dgm:catLst>
+  <dgm:scene3d>
+    <a:camera prst="orthographicFront"/>
+    <a:lightRig rig="threePt" dir="t"/>
+  </dgm:scene3d>
+  <dgm:styleLbl name="node0">
+    <dgm:scene3d>
+      <a:camera prst="orthographicFront"/>
+      <a:lightRig rig="threePt" dir="t"/>
+    </dgm:scene3d>
+    <dgm:sp3d/>
+    <dgm:txPr/>
+    <dgm:style>
+      <a:lnRef idx="2">
+        <a:scrgbClr r="0" g="0" b="0"/>
+      </a:lnRef>
+      <a:fillRef idx="1">
+        <a:scrgbClr r="0" g="0" b="0"/>
+      </a:fillRef>
+      <a:effectRef idx="0">
+        <a:scrgbClr r="0" g="0" b="0"/>
+      </a:effectRef>
+      <a:fontRef idx="minor">
+        <a:schemeClr val="lt1"/>
+      </a:fontRef>
+    </dgm:style>
+  </dgm:styleLbl>
+  <dgm:styleLbl name="lnNode1">
+    <dgm:scene3d>
+      <a:camera prst="orthographicFront"/>
+      <a:lightRig rig="threePt" dir="t"/>
+    </dgm:scene3d>
+    <dgm:sp3d/>
+    <dgm:txPr/>
+    <dgm:style>
+      <a:lnRef idx="2">
+        <a:scrgbClr r="0" g="0" b="0"/>
+      </a:lnRef>
+      <a:fillRef idx="1">
+        <a:scrgbClr r="0" g="0" b="0"/>
+      </a:fillRef>
+      <a:effectRef idx="0">
+        <a:scrgbClr r="0" g="0" b="0"/>
+      </a:effectRef>
+      <a:fontRef idx="minor">
+        <a:schemeClr val="lt1"/>
+      </a:fontRef>
+    </dgm:style>
+  </dgm:styleLbl>
+  <dgm:styleLbl name="vennNode1">
+    <dgm:scene3d>
+      <a:camera prst="orthographicFront"/>
+      <a:lightRig rig="threePt" dir="t"/>
+    </dgm:scene3d>
+    <dgm:sp3d/>
+    <dgm:txPr/>
+    <dgm:style>
+      <a:lnRef idx="2">
+        <a:scrgbClr r="0" g="0" b="0"/>
+      </a:lnRef>
+      <a:fillRef idx="1">
+        <a:scrgbClr r="0" g="0" b="0"/>
+      </a:fillRef>
+      <a:effectRef idx="0">
+        <a:scrgbClr r="0" g="0" b="0"/>
+      </a:effectRef>
+      <a:fontRef idx="minor">
+        <a:schemeClr val="tx1"/>
+      </a:fontRef>
+    </dgm:style>
+  </dgm:styleLbl>
+  <dgm:styleLbl name="alignNode1">
+    <dgm:scene3d>
+      <a:camera prst="orthographicFront"/>
+      <a:lightRig rig="threePt" dir="t"/>
+    </dgm:scene3d>
+    <dgm:sp3d/>
+    <dgm:txPr/>
+    <dgm:style>
+      <a:lnRef idx="2">
+        <a:scrgbClr r="0" g="0" b="0"/>
+      </a:lnRef>
+      <a:fillRef idx="1">
+        <a:scrgbClr r="0" g="0" b="0"/>
+      </a:fillRef>
+      <a:effectRef idx="0">
+        <a:scrgbClr r="0" g="0" b="0"/>
+      </a:effectRef>
+      <a:fontRef idx="minor">
+        <a:schemeClr val="lt1"/>
+      </a:fontRef>
+    </dgm:style>
+  </dgm:styleLbl>
+  <dgm:styleLbl name="node1">
+    <dgm:scene3d>
+      <a:camera prst="orthographicFront"/>
+      <a:lightRig rig="threePt" dir="t"/>
+    </dgm:scene3d>
+    <dgm:sp3d/>
+    <dgm:txPr/>
+    <dgm:style>
+      <a:lnRef idx="2">
+        <a:scrgbClr r="0" g="0" b="0"/>
+      </a:lnRef>
+      <a:fillRef idx="1">
+        <a:scrgbClr r="0" g="0" b="0"/>
+      </a:fillRef>
+      <a:effectRef idx="0">
+        <a:scrgbClr r="0" g="0" b="0"/>
+      </a:effectRef>
+      <a:fontRef idx="minor">
+        <a:schemeClr val="lt1"/>
+      </a:fontRef>
+    </dgm:style>
+  </dgm:styleLbl>
+  <dgm:styleLbl name="node2">
+    <dgm:scene3d>
+      <a:camera prst="orthographicFront"/>
+      <a:lightRig rig="threePt" dir="t"/>
+    </dgm:scene3d>
+    <dgm:sp3d/>
+    <dgm:txPr/>
+    <dgm:style>
+      <a:lnRef idx="2">
+        <a:scrgbClr r="0" g="0" b="0"/>
+      </a:lnRef>
+      <a:fillRef idx="1">
+        <a:scrgbClr r="0" g="0" b="0"/>
+      </a:fillRef>
+      <a:effectRef idx="0">
+        <a:scrgbClr r="0" g="0" b="0"/>
+      </a:effectRef>
+      <a:fontRef idx="minor">
+        <a:schemeClr val="lt1"/>
+      </a:fontRef>
+    </dgm:style>
+  </dgm:styleLbl>
+  <dgm:styleLbl name="node3">
+    <dgm:scene3d>
+      <a:camera prst="orthographicFront"/>
+      <a:lightRig rig="threePt" dir="t"/>
+    </dgm:scene3d>
+    <dgm:sp3d/>
+    <dgm:txPr/>
+    <dgm:style>
+      <a:lnRef idx="2">
+        <a:scrgbClr r="0" g="0" b="0"/>
+      </a:lnRef>
+      <a:fillRef idx="1">
+        <a:scrgbClr r="0" g="0" b="0"/>
+      </a:fillRef>
+      <a:effectRef idx="0">
+        <a:scrgbClr r="0" g="0" b="0"/>
+      </a:effectRef>
+      <a:fontRef idx="minor">
+        <a:schemeClr val="lt1"/>
+      </a:fontRef>
+    </dgm:style>
+  </dgm:styleLbl>
+  <dgm:styleLbl name="node4">
+    <dgm:scene3d>
+      <a:camera prst="orthographicFront"/>
+      <a:lightRig rig="threePt" dir="t"/>
+    </dgm:scene3d>
+    <dgm:sp3d/>
+    <dgm:txPr/>
+    <dgm:style>
+      <a:lnRef idx="2">
+        <a:scrgbClr r="0" g="0" b="0"/>
+      </a:lnRef>
+      <a:fillRef idx="1">
+        <a:scrgbClr r="0" g="0" b="0"/>
+      </a:fillRef>
+      <a:effectRef idx="0">
+        <a:scrgbClr r="0" g="0" b="0"/>
+      </a:effectRef>
+      <a:fontRef idx="minor">
+        <a:schemeClr val="lt1"/>
+      </a:fontRef>
+    </dgm:style>
+  </dgm:styleLbl>
+  <dgm:styleLbl name="fgImgPlace1">
+    <dgm:scene3d>
+      <a:camera prst="orthographicFront"/>
+      <a:lightRig rig="threePt" dir="t"/>
+    </dgm:scene3d>
+    <dgm:sp3d/>
+    <dgm:txPr/>
+    <dgm:style>
+      <a:lnRef idx="2">
+        <a:scrgbClr r="0" g="0" b="0"/>
+      </a:lnRef>
+      <a:fillRef idx="1">
+        <a:scrgbClr r="0" g="0" b="0"/>
+      </a:fillRef>
+      <a:effectRef idx="0">
+        <a:scrgbClr r="0" g="0" b="0"/>
+      </a:effectRef>
+      <a:fontRef idx="minor"/>
+    </dgm:style>
+  </dgm:styleLbl>
+  <dgm:styleLbl name="alignImgPlace1">
+    <dgm:scene3d>
+      <a:camera prst="orthographicFront"/>
+      <a:lightRig rig="threePt" dir="t"/>
+    </dgm:scene3d>
+    <dgm:sp3d/>
+    <dgm:txPr/>
+    <dgm:style>
+      <a:lnRef idx="2">
+        <a:scrgbClr r="0" g="0" b="0"/>
+      </a:lnRef>
+      <a:fillRef idx="1">
+        <a:scrgbClr r="0" g="0" b="0"/>
+      </a:fillRef>
+      <a:effectRef idx="0">
+        <a:scrgbClr r="0" g="0" b="0"/>
+      </a:effectRef>
+      <a:fontRef idx="minor"/>
+    </dgm:style>
+  </dgm:styleLbl>
+  <dgm:styleLbl name="bgImgPlace1">
+    <dgm:scene3d>
+      <a:camera prst="orthographicFront"/>
+      <a:lightRig rig="threePt" dir="t"/>
+    </dgm:scene3d>
+    <dgm:sp3d/>
+    <dgm:txPr/>
+    <dgm:style>
+      <a:lnRef idx="2">
+        <a:scrgbClr r="0" g="0" b="0"/>
+      </a:lnRef>
+      <a:fillRef idx="1">
+        <a:scrgbClr r="0" g="0" b="0"/>
+      </a:fillRef>
+      <a:effectRef idx="0">
+        <a:scrgbClr r="0" g="0" b="0"/>
+      </a:effectRef>
+      <a:fontRef idx="minor"/>
+    </dgm:style>
+  </dgm:styleLbl>
+  <dgm:styleLbl name="sibTrans2D1">
+    <dgm:scene3d>
+      <a:camera prst="orthographicFront"/>
+      <a:lightRig rig="threePt" dir="t"/>
+    </dgm:scene3d>
+    <dgm:sp3d/>
+    <dgm:txPr/>
+    <dgm:style>
+      <a:lnRef idx="0">
+        <a:scrgbClr r="0" g="0" b="0"/>
+      </a:lnRef>
+      <a:fillRef idx="1">
+        <a:scrgbClr r="0" g="0" b="0"/>
+      </a:fillRef>
+      <a:effectRef idx="0">
+        <a:scrgbClr r="0" g="0" b="0"/>
+      </a:effectRef>
+      <a:fontRef idx="minor">
+        <a:schemeClr val="lt1"/>
+      </a:fontRef>
+    </dgm:style>
+  </dgm:styleLbl>
+  <dgm:styleLbl name="fgSibTrans2D1">
+    <dgm:scene3d>
+      <a:camera prst="orthographicFront"/>
+      <a:lightRig rig="threePt" dir="t"/>
+    </dgm:scene3d>
+    <dgm:sp3d/>
+    <dgm:txPr/>
+    <dgm:style>
+      <a:lnRef idx="0">
+        <a:scrgbClr r="0" g="0" b="0"/>
+      </a:lnRef>
+      <a:fillRef idx="1">
+        <a:scrgbClr r="0" g="0" b="0"/>
+      </a:fillRef>
+      <a:effectRef idx="0">
+        <a:scrgbClr r="0" g="0" b="0"/>
+      </a:effectRef>
+      <a:fontRef idx="minor">
+        <a:schemeClr val="lt1"/>
+      </a:fontRef>
+    </dgm:style>
+  </dgm:styleLbl>
+  <dgm:styleLbl name="bgSibTrans2D1">
+    <dgm:scene3d>
+      <a:camera prst="orthographicFront"/>
+      <a:lightRig rig="threePt" dir="t"/>
+    </dgm:scene3d>
+    <dgm:sp3d/>
+    <dgm:txPr/>
+    <dgm:style>
+      <a:lnRef idx="0">
+        <a:scrgbClr r="0" g="0" b="0"/>
+      </a:lnRef>
+      <a:fillRef idx="1">
+        <a:scrgbClr r="0" g="0" b="0"/>
+      </a:fillRef>
+      <a:effectRef idx="0">
+        <a:scrgbClr r="0" g="0" b="0"/>
+      </a:effectRef>
+      <a:fontRef idx="minor">
+        <a:schemeClr val="lt1"/>
+      </a:fontRef>
+    </dgm:style>
+  </dgm:styleLbl>
+  <dgm:styleLbl name="sibTrans1D1">
+    <dgm:scene3d>
+      <a:camera prst="orthographicFront"/>
+      <a:lightRig rig="threePt" dir="t"/>
+    </dgm:scene3d>
+    <dgm:sp3d/>
+    <dgm:txPr/>
+    <dgm:style>
+      <a:lnRef idx="1">
+        <a:scrgbClr r="0" g="0" b="0"/>
+      </a:lnRef>
+      <a:fillRef idx="0">
+        <a:scrgbClr r="0" g="0" b="0"/>
+      </a:fillRef>
+      <a:effectRef idx="0">
+        <a:scrgbClr r="0" g="0" b="0"/>
+      </a:effectRef>
+      <a:fontRef idx="minor"/>
+    </dgm:style>
+  </dgm:styleLbl>
+  <dgm:styleLbl name="callout">
+    <dgm:scene3d>
+      <a:camera prst="orthographicFront"/>
+      <a:lightRig rig="threePt" dir="t"/>
+    </dgm:scene3d>
+    <dgm:sp3d/>
+    <dgm:txPr/>
+    <dgm:style>
+      <a:lnRef idx="2">
+        <a:scrgbClr r="0" g="0" b="0"/>
+      </a:lnRef>
+      <a:fillRef idx="1">
+        <a:scrgbClr r="0" g="0" b="0"/>
+      </a:fillRef>
+      <a:effectRef idx="0">
+        <a:scrgbClr r="0" g="0" b="0"/>
+      </a:effectRef>
+      <a:fontRef idx="minor"/>
+    </dgm:style>
+  </dgm:styleLbl>
+  <dgm:styleLbl name="asst0">
+    <dgm:scene3d>
+      <a:camera prst="orthographicFront"/>
+      <a:lightRig rig="threePt" dir="t"/>
+    </dgm:scene3d>
+    <dgm:sp3d/>
+    <dgm:txPr/>
+    <dgm:style>
+      <a:lnRef idx="2">
+        <a:scrgbClr r="0" g="0" b="0"/>
+      </a:lnRef>
+      <a:fillRef idx="1">
+        <a:scrgbClr r="0" g="0" b="0"/>
+      </a:fillRef>
+      <a:effectRef idx="0">
+        <a:scrgbClr r="0" g="0" b="0"/>
+      </a:effectRef>
+      <a:fontRef idx="minor">
+        <a:schemeClr val="lt1"/>
+      </a:fontRef>
+    </dgm:style>
+  </dgm:styleLbl>
+  <dgm:styleLbl name="asst1">
+    <dgm:scene3d>
+      <a:camera prst="orthographicFront"/>
+      <a:lightRig rig="threePt" dir="t"/>
+    </dgm:scene3d>
+    <dgm:sp3d/>
+    <dgm:txPr/>
+    <dgm:style>
+      <a:lnRef idx="2">
+        <a:scrgbClr r="0" g="0" b="0"/>
+      </a:lnRef>
+      <a:fillRef idx="1">
+        <a:scrgbClr r="0" g="0" b="0"/>
+      </a:fillRef>
+      <a:effectRef idx="0">
+        <a:scrgbClr r="0" g="0" b="0"/>
+      </a:effectRef>
+      <a:fontRef idx="minor">
+        <a:schemeClr val="lt1"/>
+      </a:fontRef>
+    </dgm:style>
+  </dgm:styleLbl>
+  <dgm:styleLbl name="asst2">
+    <dgm:scene3d>
+      <a:camera prst="orthographicFront"/>
+      <a:lightRig rig="threePt" dir="t"/>
+    </dgm:scene3d>
+    <dgm:sp3d/>
+    <dgm:txPr/>
+    <dgm:style>
+      <a:lnRef idx="2">
+        <a:scrgbClr r="0" g="0" b="0"/>
+      </a:lnRef>
+      <a:fillRef idx="1">
+        <a:scrgbClr r="0" g="0" b="0"/>
+      </a:fillRef>
+      <a:effectRef idx="0">
+        <a:scrgbClr r="0" g="0" b="0"/>
+      </a:effectRef>
+      <a:fontRef idx="minor">
+        <a:schemeClr val="lt1"/>
+      </a:fontRef>
+    </dgm:style>
+  </dgm:styleLbl>
+  <dgm:styleLbl name="asst3">
+    <dgm:scene3d>
+      <a:camera prst="orthographicFront"/>
+      <a:lightRig rig="threePt" dir="t"/>
+    </dgm:scene3d>
+    <dgm:sp3d/>
+    <dgm:txPr/>
+    <dgm:style>
+      <a:lnRef idx="2">
+        <a:scrgbClr r="0" g="0" b="0"/>
+      </a:lnRef>
+      <a:fillRef idx="1">
+        <a:scrgbClr r="0" g="0" b="0"/>
+      </a:fillRef>
+      <a:effectRef idx="0">
+        <a:scrgbClr r="0" g="0" b="0"/>
+      </a:effectRef>
+      <a:fontRef idx="minor">
+        <a:schemeClr val="lt1"/>
+      </a:fontRef>
+    </dgm:style>
+  </dgm:styleLbl>
+  <dgm:styleLbl name="asst4">
+    <dgm:scene3d>
+      <a:camera prst="orthographicFront"/>
+      <a:lightRig rig="threePt" dir="t"/>
+    </dgm:scene3d>
+    <dgm:sp3d/>
+    <dgm:txPr/>
+    <dgm:style>
+      <a:lnRef idx="2">
+        <a:scrgbClr r="0" g="0" b="0"/>
+      </a:lnRef>
+      <a:fillRef idx="1">
+        <a:scrgbClr r="0" g="0" b="0"/>
+      </a:fillRef>
+      <a:effectRef idx="0">
+        <a:scrgbClr r="0" g="0" b="0"/>
+      </a:effectRef>
+      <a:fontRef idx="minor">
+        <a:schemeClr val="lt1"/>
+      </a:fontRef>
+    </dgm:style>
+  </dgm:styleLbl>
+  <dgm:styleLbl name="parChTrans2D1">
+    <dgm:scene3d>
+      <a:camera prst="orthographicFront"/>
+      <a:lightRig rig="threePt" dir="t"/>
+    </dgm:scene3d>
+    <dgm:sp3d/>
+    <dgm:txPr/>
+    <dgm:style>
+      <a:lnRef idx="2">
+        <a:scrgbClr r="0" g="0" b="0"/>
+      </a:lnRef>
+      <a:fillRef idx="1">
+        <a:scrgbClr r="0" g="0" b="0"/>
+      </a:fillRef>
+      <a:effectRef idx="0">
+        <a:scrgbClr r="0" g="0" b="0"/>
+      </a:effectRef>
+      <a:fontRef idx="minor">
+        <a:schemeClr val="lt1"/>
+      </a:fontRef>
+    </dgm:style>
+  </dgm:styleLbl>
+  <dgm:styleLbl name="parChTrans2D2">
+    <dgm:scene3d>
+      <a:camera prst="orthographicFront"/>
+      <a:lightRig rig="threePt" dir="t"/>
+    </dgm:scene3d>
+    <dgm:sp3d/>
+    <dgm:txPr/>
+    <dgm:style>
+      <a:lnRef idx="2">
+        <a:scrgbClr r="0" g="0" b="0"/>
+      </a:lnRef>
+      <a:fillRef idx="1">
+        <a:scrgbClr r="0" g="0" b="0"/>
+      </a:fillRef>
+      <a:effectRef idx="0">
+        <a:scrgbClr r="0" g="0" b="0"/>
+      </a:effectRef>
+      <a:fontRef idx="minor">
+        <a:schemeClr val="lt1"/>
+      </a:fontRef>
+    </dgm:style>
+  </dgm:styleLbl>
+  <dgm:styleLbl name="parChTrans2D3">
+    <dgm:scene3d>
+      <a:camera prst="orthographicFront"/>
+      <a:lightRig rig="threePt" dir="t"/>
+    </dgm:scene3d>
+    <dgm:sp3d/>
+    <dgm:txPr/>
+    <dgm:style>
+      <a:lnRef idx="2">
+        <a:scrgbClr r="0" g="0" b="0"/>
+      </a:lnRef>
+      <a:fillRef idx="1">
+        <a:scrgbClr r="0" g="0" b="0"/>
+      </a:fillRef>
+      <a:effectRef idx="0">
+        <a:scrgbClr r="0" g="0" b="0"/>
+      </a:effectRef>
+      <a:fontRef idx="minor">
+        <a:schemeClr val="lt1"/>
+      </a:fontRef>
+    </dgm:style>
+  </dgm:styleLbl>
+  <dgm:styleLbl name="parChTrans2D4">
+    <dgm:scene3d>
+      <a:camera prst="orthographicFront"/>
+      <a:lightRig rig="threePt" dir="t"/>
+    </dgm:scene3d>
+    <dgm:sp3d/>
+    <dgm:txPr/>
+    <dgm:style>
+      <a:lnRef idx="2">
+        <a:scrgbClr r="0" g="0" b="0"/>
+      </a:lnRef>
+      <a:fillRef idx="1">
+        <a:scrgbClr r="0" g="0" b="0"/>
+      </a:fillRef>
+      <a:effectRef idx="0">
+        <a:scrgbClr r="0" g="0" b="0"/>
+      </a:effectRef>
+      <a:fontRef idx="minor">
+        <a:schemeClr val="lt1"/>
+      </a:fontRef>
+    </dgm:style>
+  </dgm:styleLbl>
+  <dgm:styleLbl name="parChTrans1D1">
+    <dgm:scene3d>
+      <a:camera prst="orthographicFront"/>
+      <a:lightRig rig="threePt" dir="t"/>
+    </dgm:scene3d>
+    <dgm:sp3d/>
+    <dgm:txPr/>
+    <dgm:style>
+      <a:lnRef idx="2">
+        <a:scrgbClr r="0" g="0" b="0"/>
+      </a:lnRef>
+      <a:fillRef idx="0">
+        <a:scrgbClr r="0" g="0" b="0"/>
+      </a:fillRef>
+      <a:effectRef idx="0">
+        <a:scrgbClr r="0" g="0" b="0"/>
+      </a:effectRef>
+      <a:fontRef idx="minor"/>
+    </dgm:style>
+  </dgm:styleLbl>
+  <dgm:styleLbl name="parChTrans1D2">
+    <dgm:scene3d>
+      <a:camera prst="orthographicFront"/>
+      <a:lightRig rig="threePt" dir="t"/>
+    </dgm:scene3d>
+    <dgm:sp3d/>
+    <dgm:txPr/>
+    <dgm:style>
+      <a:lnRef idx="2">
+        <a:scrgbClr r="0" g="0" b="0"/>
+      </a:lnRef>
+      <a:fillRef idx="0">
+        <a:scrgbClr r="0" g="0" b="0"/>
+      </a:fillRef>
+      <a:effectRef idx="0">
+        <a:scrgbClr r="0" g="0" b="0"/>
+      </a:effectRef>
+      <a:fontRef idx="minor"/>
+    </dgm:style>
+  </dgm:styleLbl>
+  <dgm:styleLbl name="parChTrans1D3">
+    <dgm:scene3d>
+      <a:camera prst="orthographicFront"/>
+      <a:lightRig rig="threePt" dir="t"/>
+    </dgm:scene3d>
+    <dgm:sp3d/>
+    <dgm:txPr/>
+    <dgm:style>
+      <a:lnRef idx="2">
+        <a:scrgbClr r="0" g="0" b="0"/>
+      </a:lnRef>
+      <a:fillRef idx="0">
+        <a:scrgbClr r="0" g="0" b="0"/>
+      </a:fillRef>
+      <a:effectRef idx="0">
+        <a:scrgbClr r="0" g="0" b="0"/>
+      </a:effectRef>
+      <a:fontRef idx="minor"/>
+    </dgm:style>
+  </dgm:styleLbl>
+  <dgm:styleLbl name="parChTrans1D4">
+    <dgm:scene3d>
+      <a:camera prst="orthographicFront"/>
+      <a:lightRig rig="threePt" dir="t"/>
+    </dgm:scene3d>
+    <dgm:sp3d/>
+    <dgm:txPr/>
+    <dgm:style>
+      <a:lnRef idx="2">
+        <a:scrgbClr r="0" g="0" b="0"/>
+      </a:lnRef>
+      <a:fillRef idx="0">
+        <a:scrgbClr r="0" g="0" b="0"/>
+      </a:fillRef>
+      <a:effectRef idx="0">
+        <a:scrgbClr r="0" g="0" b="0"/>
+      </a:effectRef>
+      <a:fontRef idx="minor"/>
+    </dgm:style>
+  </dgm:styleLbl>
+  <dgm:styleLbl name="fgAcc1">
+    <dgm:scene3d>
+      <a:camera prst="orthographicFront"/>
+      <a:lightRig rig="threePt" dir="t"/>
+    </dgm:scene3d>
+    <dgm:sp3d/>
+    <dgm:txPr/>
+    <dgm:style>
+      <a:lnRef idx="2">
+        <a:scrgbClr r="0" g="0" b="0"/>
+      </a:lnRef>
+      <a:fillRef idx="1">
+        <a:scrgbClr r="0" g="0" b="0"/>
+      </a:fillRef>
+      <a:effectRef idx="0">
+        <a:scrgbClr r="0" g="0" b="0"/>
+      </a:effectRef>
+      <a:fontRef idx="minor"/>
+    </dgm:style>
+  </dgm:styleLbl>
+  <dgm:styleLbl name="conFgAcc1">
+    <dgm:scene3d>
+      <a:camera prst="orthographicFront"/>
+      <a:lightRig rig="threePt" dir="t"/>
+    </dgm:scene3d>
+    <dgm:sp3d/>
+    <dgm:txPr/>
+    <dgm:style>
+      <a:lnRef idx="2">
+        <a:scrgbClr r="0" g="0" b="0"/>
+      </a:lnRef>
+      <a:fillRef idx="1">
+        <a:scrgbClr r="0" g="0" b="0"/>
+      </a:fillRef>
+      <a:effectRef idx="0">
+        <a:scrgbClr r="0" g="0" b="0"/>
+      </a:effectRef>
+      <a:fontRef idx="minor"/>
+    </dgm:style>
+  </dgm:styleLbl>
+  <dgm:styleLbl name="alignAcc1">
+    <dgm:scene3d>
+      <a:camera prst="orthographicFront"/>
+      <a:lightRig rig="threePt" dir="t"/>
+    </dgm:scene3d>
+    <dgm:sp3d/>
+    <dgm:txPr/>
+    <dgm:style>
+      <a:lnRef idx="2">
+        <a:scrgbClr r="0" g="0" b="0"/>
+      </a:lnRef>
+      <a:fillRef idx="1">
+        <a:scrgbClr r="0" g="0" b="0"/>
+      </a:fillRef>
+      <a:effectRef idx="0">
+        <a:scrgbClr r="0" g="0" b="0"/>
+      </a:effectRef>
+      <a:fontRef idx="minor"/>
+    </dgm:style>
+  </dgm:styleLbl>
+  <dgm:styleLbl name="trAlignAcc1">
+    <dgm:scene3d>
+      <a:camera prst="orthographicFront"/>
+      <a:lightRig rig="threePt" dir="t"/>
+    </dgm:scene3d>
+    <dgm:sp3d/>
+    <dgm:txPr/>
+    <dgm:style>
+      <a:lnRef idx="1">
+        <a:scrgbClr r="0" g="0" b="0"/>
+      </a:lnRef>
+      <a:fillRef idx="1">
+        <a:scrgbClr r="0" g="0" b="0"/>
+      </a:fillRef>
+      <a:effectRef idx="0">
+        <a:scrgbClr r="0" g="0" b="0"/>
+      </a:effectRef>
+      <a:fontRef idx="minor"/>
+    </dgm:style>
+  </dgm:styleLbl>
+  <dgm:styleLbl name="bgAcc1">
+    <dgm:scene3d>
+      <a:camera prst="orthographicFront"/>
+      <a:lightRig rig="threePt" dir="t"/>
+    </dgm:scene3d>
+    <dgm:sp3d/>
+    <dgm:txPr/>
+    <dgm:style>
+      <a:lnRef idx="2">
+        <a:scrgbClr r="0" g="0" b="0"/>
+      </a:lnRef>
+      <a:fillRef idx="1">
+        <a:scrgbClr r="0" g="0" b="0"/>
+      </a:fillRef>
+      <a:effectRef idx="0">
+        <a:scrgbClr r="0" g="0" b="0"/>
+      </a:effectRef>
+      <a:fontRef idx="minor"/>
+    </dgm:style>
+  </dgm:styleLbl>
+  <dgm:styleLbl name="solidFgAcc1">
+    <dgm:scene3d>
+      <a:camera prst="orthographicFront"/>
+      <a:lightRig rig="threePt" dir="t"/>
+    </dgm:scene3d>
+    <dgm:sp3d/>
+    <dgm:txPr/>
+    <dgm:style>
+      <a:lnRef idx="2">
+        <a:scrgbClr r="0" g="0" b="0"/>
+      </a:lnRef>
+      <a:fillRef idx="1">
+        <a:scrgbClr r="0" g="0" b="0"/>
+      </a:fillRef>
+      <a:effectRef idx="0">
+        <a:scrgbClr r="0" g="0" b="0"/>
+      </a:effectRef>
+      <a:fontRef idx="minor"/>
+    </dgm:style>
+  </dgm:styleLbl>
+  <dgm:styleLbl name="solidAlignAcc1">
+    <dgm:scene3d>
+      <a:camera prst="orthographicFront"/>
+      <a:lightRig rig="threePt" dir="t"/>
+    </dgm:scene3d>
+    <dgm:sp3d/>
+    <dgm:txPr/>
+    <dgm:style>
+      <a:lnRef idx="2">
+        <a:scrgbClr r="0" g="0" b="0"/>
+      </a:lnRef>
+      <a:fillRef idx="1">
+        <a:scrgbClr r="0" g="0" b="0"/>
+      </a:fillRef>
+      <a:effectRef idx="0">
+        <a:scrgbClr r="0" g="0" b="0"/>
+      </a:effectRef>
+      <a:fontRef idx="minor"/>
+    </dgm:style>
+  </dgm:styleLbl>
+  <dgm:styleLbl name="solidBgAcc1">
+    <dgm:scene3d>
+      <a:camera prst="orthographicFront"/>
+      <a:lightRig rig="threePt" dir="t"/>
+    </dgm:scene3d>
+    <dgm:sp3d/>
+    <dgm:txPr/>
+    <dgm:style>
+      <a:lnRef idx="2">
+        <a:scrgbClr r="0" g="0" b="0"/>
+      </a:lnRef>
+      <a:fillRef idx="1">
+        <a:scrgbClr r="0" g="0" b="0"/>
+      </a:fillRef>
+      <a:effectRef idx="0">
+        <a:scrgbClr r="0" g="0" b="0"/>
+      </a:effectRef>
+      <a:fontRef idx="minor"/>
+    </dgm:style>
+  </dgm:styleLbl>
+  <dgm:styleLbl name="fgAccFollowNode1">
+    <dgm:scene3d>
+      <a:camera prst="orthographicFront"/>
+      <a:lightRig rig="threePt" dir="t"/>
+    </dgm:scene3d>
+    <dgm:sp3d/>
+    <dgm:txPr/>
+    <dgm:style>
+      <a:lnRef idx="2">
+        <a:scrgbClr r="0" g="0" b="0"/>
+      </a:lnRef>
+      <a:fillRef idx="1">
+        <a:scrgbClr r="0" g="0" b="0"/>
+      </a:fillRef>
+      <a:effectRef idx="0">
+        <a:scrgbClr r="0" g="0" b="0"/>
+      </a:effectRef>
+      <a:fontRef idx="minor"/>
+    </dgm:style>
+  </dgm:styleLbl>
+  <dgm:styleLbl name="alignAccFollowNode1">
+    <dgm:scene3d>
+      <a:camera prst="orthographicFront"/>
+      <a:lightRig rig="threePt" dir="t"/>
+    </dgm:scene3d>
+    <dgm:sp3d/>
+    <dgm:txPr/>
+    <dgm:style>
+      <a:lnRef idx="2">
+        <a:scrgbClr r="0" g="0" b="0"/>
+      </a:lnRef>
+      <a:fillRef idx="1">
+        <a:scrgbClr r="0" g="0" b="0"/>
+      </a:fillRef>
+      <a:effectRef idx="0">
+        <a:scrgbClr r="0" g="0" b="0"/>
+      </a:effectRef>
+      <a:fontRef idx="minor"/>
+    </dgm:style>
+  </dgm:styleLbl>
+  <dgm:styleLbl name="bgAccFollowNode1">
+    <dgm:scene3d>
+      <a:camera prst="orthographicFront"/>
+      <a:lightRig rig="threePt" dir="t"/>
+    </dgm:scene3d>
+    <dgm:sp3d/>
+    <dgm:txPr/>
+    <dgm:style>
+      <a:lnRef idx="2">
+        <a:scrgbClr r="0" g="0" b="0"/>
+      </a:lnRef>
+      <a:fillRef idx="1">
+        <a:scrgbClr r="0" g="0" b="0"/>
+      </a:fillRef>
+      <a:effectRef idx="0">
+        <a:scrgbClr r="0" g="0" b="0"/>
+      </a:effectRef>
+      <a:fontRef idx="minor"/>
+    </dgm:style>
+  </dgm:styleLbl>
+  <dgm:styleLbl name="fgAcc0">
+    <dgm:scene3d>
+      <a:camera prst="orthographicFront"/>
+      <a:lightRig rig="threePt" dir="t"/>
+    </dgm:scene3d>
+    <dgm:sp3d/>
+    <dgm:txPr/>
+    <dgm:style>
+      <a:lnRef idx="2">
+        <a:scrgbClr r="0" g="0" b="0"/>
+      </a:lnRef>
+      <a:fillRef idx="1">
+        <a:scrgbClr r="0" g="0" b="0"/>
+      </a:fillRef>
+      <a:effectRef idx="0">
+        <a:scrgbClr r="0" g="0" b="0"/>
+      </a:effectRef>
+      <a:fontRef idx="minor"/>
+    </dgm:style>
+  </dgm:styleLbl>
+  <dgm:styleLbl name="fgAcc2">
+    <dgm:scene3d>
+      <a:camera prst="orthographicFront"/>
+      <a:lightRig rig="threePt" dir="t"/>
+    </dgm:scene3d>
+    <dgm:sp3d/>
+    <dgm:txPr/>
+    <dgm:style>
+      <a:lnRef idx="2">
+        <a:scrgbClr r="0" g="0" b="0"/>
+      </a:lnRef>
+      <a:fillRef idx="1">
+        <a:scrgbClr r="0" g="0" b="0"/>
+      </a:fillRef>
+      <a:effectRef idx="0">
+        <a:scrgbClr r="0" g="0" b="0"/>
+      </a:effectRef>
+      <a:fontRef idx="minor"/>
+    </dgm:style>
+  </dgm:styleLbl>
+  <dgm:styleLbl name="fgAcc3">
+    <dgm:scene3d>
+      <a:camera prst="orthographicFront"/>
+      <a:lightRig rig="threePt" dir="t"/>
+    </dgm:scene3d>
+    <dgm:sp3d/>
+    <dgm:txPr/>
+    <dgm:style>
+      <a:lnRef idx="2">
+        <a:scrgbClr r="0" g="0" b="0"/>
+      </a:lnRef>
+      <a:fillRef idx="1">
+        <a:scrgbClr r="0" g="0" b="0"/>
+      </a:fillRef>
+      <a:effectRef idx="0">
+        <a:scrgbClr r="0" g="0" b="0"/>
+      </a:effectRef>
+      <a:fontRef idx="minor"/>
+    </dgm:style>
+  </dgm:styleLbl>
+  <dgm:styleLbl name="fgAcc4">
+    <dgm:scene3d>
+      <a:camera prst="orthographicFront"/>
+      <a:lightRig rig="threePt" dir="t"/>
+    </dgm:scene3d>
+    <dgm:sp3d/>
+    <dgm:txPr/>
+    <dgm:style>
+      <a:lnRef idx="2">
+        <a:scrgbClr r="0" g="0" b="0"/>
+      </a:lnRef>
+      <a:fillRef idx="1">
+        <a:scrgbClr r="0" g="0" b="0"/>
+      </a:fillRef>
+      <a:effectRef idx="0">
+        <a:scrgbClr r="0" g="0" b="0"/>
+      </a:effectRef>
+      <a:fontRef idx="minor"/>
+    </dgm:style>
+  </dgm:styleLbl>
+  <dgm:styleLbl name="bgShp">
+    <dgm:scene3d>
+      <a:camera prst="orthographicFront"/>
+      <a:lightRig rig="threePt" dir="t"/>
+    </dgm:scene3d>
+    <dgm:sp3d/>
+    <dgm:txPr/>
+    <dgm:style>
+      <a:lnRef idx="0">
+        <a:scrgbClr r="0" g="0" b="0"/>
+      </a:lnRef>
+      <a:fillRef idx="1">
+        <a:scrgbClr r="0" g="0" b="0"/>
+      </a:fillRef>
+      <a:effectRef idx="0">
+        <a:scrgbClr r="0" g="0" b="0"/>
+      </a:effectRef>
+      <a:fontRef idx="minor"/>
+    </dgm:style>
+  </dgm:styleLbl>
+  <dgm:styleLbl name="dkBgShp">
+    <dgm:scene3d>
+      <a:camera prst="orthographicFront"/>
+      <a:lightRig rig="threePt" dir="t"/>
+    </dgm:scene3d>
+    <dgm:sp3d/>
+    <dgm:txPr/>
+    <dgm:style>
+      <a:lnRef idx="0">
+        <a:scrgbClr r="0" g="0" b="0"/>
+      </a:lnRef>
+      <a:fillRef idx="1">
+        <a:scrgbClr r="0" g="0" b="0"/>
+      </a:fillRef>
+      <a:effectRef idx="0">
+        <a:scrgbClr r="0" g="0" b="0"/>
+      </a:effectRef>
+      <a:fontRef idx="minor"/>
+    </dgm:style>
+  </dgm:styleLbl>
+  <dgm:styleLbl name="trBgShp">
+    <dgm:scene3d>
+      <a:camera prst="orthographicFront"/>
+      <a:lightRig rig="threePt" dir="t"/>
+    </dgm:scene3d>
+    <dgm:sp3d/>
+    <dgm:txPr/>
+    <dgm:style>
+      <a:lnRef idx="0">
+        <a:scrgbClr r="0" g="0" b="0"/>
+      </a:lnRef>
+      <a:fillRef idx="1">
+        <a:scrgbClr r="0" g="0" b="0"/>
+      </a:fillRef>
+      <a:effectRef idx="0">
+        <a:scrgbClr r="0" g="0" b="0"/>
+      </a:effectRef>
+      <a:fontRef idx="minor"/>
+    </dgm:style>
+  </dgm:styleLbl>
+  <dgm:styleLbl name="fgShp">
+    <dgm:scene3d>
+      <a:camera prst="orthographicFront"/>
+      <a:lightRig rig="threePt" dir="t"/>
+    </dgm:scene3d>
+    <dgm:sp3d/>
+    <dgm:txPr/>
+    <dgm:style>
+      <a:lnRef idx="2">
+        <a:scrgbClr r="0" g="0" b="0"/>
+      </a:lnRef>
+      <a:fillRef idx="1">
+        <a:scrgbClr r="0" g="0" b="0"/>
+      </a:fillRef>
+      <a:effectRef idx="0">
+        <a:scrgbClr r="0" g="0" b="0"/>
+      </a:effectRef>
+      <a:fontRef idx="minor"/>
+    </dgm:style>
+  </dgm:styleLbl>
+  <dgm:styleLbl name="revTx">
+    <dgm:scene3d>
+      <a:camera prst="orthographicFront"/>
+      <a:lightRig rig="threePt" dir="t"/>
+    </dgm:scene3d>
+    <dgm:sp3d/>
+    <dgm:txPr/>
+    <dgm:style>
+      <a:lnRef idx="0">
+        <a:scrgbClr r="0" g="0" b="0"/>
+      </a:lnRef>
+      <a:fillRef idx="0">
+        <a:scrgbClr r="0" g="0" b="0"/>
+      </a:fillRef>
+      <a:effectRef idx="0">
+        <a:scrgbClr r="0" g="0" b="0"/>
+      </a:effectRef>
+      <a:fontRef idx="minor"/>
+    </dgm:style>
+  </dgm:styleLbl>
+</dgm:styleDef>
+</file>
+
 <file path=ppt/notesMasters/notesMaster1.xml><?xml version="1.0" encoding="utf-8"?>
 <p:notesMaster xmlns:a="http://schemas.openxmlformats.org/drawingml/2006/main" xmlns:r="http://schemas.openxmlformats.org/officeDocument/2006/relationships" xmlns:p="http://schemas.openxmlformats.org/presentationml/2006/main">
   <p:cSld>
@@ -208,7 +7066,7 @@
           <a:p>
             <a:fld id="{5CFA0E6A-78AA-4BBF-B325-9EC7AB1300AC}" type="datetimeFigureOut">
               <a:rPr lang="en-US" smtClean="0"/>
-              <a:t>3/20/2020</a:t>
+              <a:t>3/21/2020</a:t>
             </a:fld>
             <a:endParaRPr lang="en-US"/>
           </a:p>
@@ -604,7 +7462,7 @@
           <a:p>
             <a:fld id="{96D53BED-67DF-4A90-9072-CB08E6ABC411}" type="datetimeFigureOut">
               <a:rPr lang="en-US" smtClean="0"/>
-              <a:t>3/20/2020</a:t>
+              <a:t>3/21/2020</a:t>
             </a:fld>
             <a:endParaRPr lang="en-US"/>
           </a:p>
@@ -772,7 +7630,7 @@
           <a:p>
             <a:fld id="{96D53BED-67DF-4A90-9072-CB08E6ABC411}" type="datetimeFigureOut">
               <a:rPr lang="en-US" smtClean="0"/>
-              <a:t>3/20/2020</a:t>
+              <a:t>3/21/2020</a:t>
             </a:fld>
             <a:endParaRPr lang="en-US"/>
           </a:p>
@@ -950,7 +7808,7 @@
           <a:p>
             <a:fld id="{96D53BED-67DF-4A90-9072-CB08E6ABC411}" type="datetimeFigureOut">
               <a:rPr lang="en-US" smtClean="0"/>
-              <a:t>3/20/2020</a:t>
+              <a:t>3/21/2020</a:t>
             </a:fld>
             <a:endParaRPr lang="en-US"/>
           </a:p>
@@ -1118,7 +7976,7 @@
           <a:p>
             <a:fld id="{96D53BED-67DF-4A90-9072-CB08E6ABC411}" type="datetimeFigureOut">
               <a:rPr lang="en-US" smtClean="0"/>
-              <a:t>3/20/2020</a:t>
+              <a:t>3/21/2020</a:t>
             </a:fld>
             <a:endParaRPr lang="en-US"/>
           </a:p>
@@ -1363,7 +8221,7 @@
           <a:p>
             <a:fld id="{96D53BED-67DF-4A90-9072-CB08E6ABC411}" type="datetimeFigureOut">
               <a:rPr lang="en-US" smtClean="0"/>
-              <a:t>3/20/2020</a:t>
+              <a:t>3/21/2020</a:t>
             </a:fld>
             <a:endParaRPr lang="en-US"/>
           </a:p>
@@ -1592,7 +8450,7 @@
           <a:p>
             <a:fld id="{96D53BED-67DF-4A90-9072-CB08E6ABC411}" type="datetimeFigureOut">
               <a:rPr lang="en-US" smtClean="0"/>
-              <a:t>3/20/2020</a:t>
+              <a:t>3/21/2020</a:t>
             </a:fld>
             <a:endParaRPr lang="en-US"/>
           </a:p>
@@ -1956,7 +8814,7 @@
           <a:p>
             <a:fld id="{96D53BED-67DF-4A90-9072-CB08E6ABC411}" type="datetimeFigureOut">
               <a:rPr lang="en-US" smtClean="0"/>
-              <a:t>3/20/2020</a:t>
+              <a:t>3/21/2020</a:t>
             </a:fld>
             <a:endParaRPr lang="en-US"/>
           </a:p>
@@ -2073,7 +8931,7 @@
           <a:p>
             <a:fld id="{96D53BED-67DF-4A90-9072-CB08E6ABC411}" type="datetimeFigureOut">
               <a:rPr lang="en-US" smtClean="0"/>
-              <a:t>3/20/2020</a:t>
+              <a:t>3/21/2020</a:t>
             </a:fld>
             <a:endParaRPr lang="en-US"/>
           </a:p>
@@ -2168,7 +9026,7 @@
           <a:p>
             <a:fld id="{96D53BED-67DF-4A90-9072-CB08E6ABC411}" type="datetimeFigureOut">
               <a:rPr lang="en-US" smtClean="0"/>
-              <a:t>3/20/2020</a:t>
+              <a:t>3/21/2020</a:t>
             </a:fld>
             <a:endParaRPr lang="en-US"/>
           </a:p>
@@ -2443,7 +9301,7 @@
           <a:p>
             <a:fld id="{96D53BED-67DF-4A90-9072-CB08E6ABC411}" type="datetimeFigureOut">
               <a:rPr lang="en-US" smtClean="0"/>
-              <a:t>3/20/2020</a:t>
+              <a:t>3/21/2020</a:t>
             </a:fld>
             <a:endParaRPr lang="en-US"/>
           </a:p>
@@ -2695,7 +9553,7 @@
           <a:p>
             <a:fld id="{96D53BED-67DF-4A90-9072-CB08E6ABC411}" type="datetimeFigureOut">
               <a:rPr lang="en-US" smtClean="0"/>
-              <a:t>3/20/2020</a:t>
+              <a:t>3/21/2020</a:t>
             </a:fld>
             <a:endParaRPr lang="en-US"/>
           </a:p>
@@ -2906,7 +9764,7 @@
           <a:p>
             <a:fld id="{96D53BED-67DF-4A90-9072-CB08E6ABC411}" type="datetimeFigureOut">
               <a:rPr lang="en-US" smtClean="0"/>
-              <a:t>3/20/2020</a:t>
+              <a:t>3/21/2020</a:t>
             </a:fld>
             <a:endParaRPr lang="en-US"/>
           </a:p>
@@ -3340,7 +10198,7 @@
         <p:spPr>
           <a:xfrm>
             <a:off x="664861" y="176979"/>
-            <a:ext cx="7185992" cy="369332"/>
+            <a:ext cx="7185992" cy="523220"/>
           </a:xfrm>
           <a:prstGeom prst="rect">
             <a:avLst/>
@@ -3371,7 +10229,7 @@
               <a:defRPr/>
             </a:pPr>
             <a:r>
-              <a:rPr kumimoji="0" lang="en-US" sz="1800" b="0" i="0" u="none" strike="noStrike" kern="1200" cap="none" spc="0" normalizeH="0" baseline="0" noProof="0" dirty="0">
+              <a:rPr kumimoji="0" lang="en-US" sz="2800" b="0" i="0" u="none" strike="noStrike" kern="1200" cap="none" spc="0" normalizeH="0" baseline="0" noProof="0" dirty="0">
                 <a:ln>
                   <a:noFill/>
                 </a:ln>
@@ -3390,16 +10248,94 @@
           </a:p>
         </p:txBody>
       </p:sp>
+      <p:graphicFrame>
+        <p:nvGraphicFramePr>
+          <p:cNvPr id="2" name="Diagram 1">
+            <a:extLst>
+              <a:ext uri="{FF2B5EF4-FFF2-40B4-BE49-F238E27FC236}">
+                <a16:creationId xmlns:a16="http://schemas.microsoft.com/office/drawing/2014/main" id="{54FCAA7C-AF32-42B4-9132-5DC45270A277}"/>
+              </a:ext>
+            </a:extLst>
+          </p:cNvPr>
+          <p:cNvGraphicFramePr/>
+          <p:nvPr>
+            <p:extLst>
+              <p:ext uri="{D42A27DB-BD31-4B8C-83A1-F6EECF244321}">
+                <p14:modId xmlns:p14="http://schemas.microsoft.com/office/powerpoint/2010/main" val="2100318529"/>
+              </p:ext>
+            </p:extLst>
+          </p:nvPr>
+        </p:nvGraphicFramePr>
+        <p:xfrm>
+          <a:off x="974725" y="843491"/>
+          <a:ext cx="9436100" cy="5728759"/>
+        </p:xfrm>
+        <a:graphic>
+          <a:graphicData uri="http://schemas.openxmlformats.org/drawingml/2006/diagram">
+            <dgm:relIds xmlns:dgm="http://schemas.openxmlformats.org/drawingml/2006/diagram" xmlns:r="http://schemas.openxmlformats.org/officeDocument/2006/relationships" r:dm="rId2" r:lo="rId3" r:qs="rId4" r:cs="rId5"/>
+          </a:graphicData>
+        </a:graphic>
+      </p:graphicFrame>
+    </p:spTree>
+    <p:extLst>
+      <p:ext uri="{BB962C8B-B14F-4D97-AF65-F5344CB8AC3E}">
+        <p14:creationId xmlns:p14="http://schemas.microsoft.com/office/powerpoint/2010/main" val="917461195"/>
+      </p:ext>
+    </p:extLst>
+  </p:cSld>
+  <p:clrMapOvr>
+    <a:masterClrMapping/>
+  </p:clrMapOvr>
+</p:sld>
+</file>
+
+<file path=ppt/slides/slide2.xml><?xml version="1.0" encoding="utf-8"?>
+<p:sld xmlns:a="http://schemas.openxmlformats.org/drawingml/2006/main" xmlns:r="http://schemas.openxmlformats.org/officeDocument/2006/relationships" xmlns:p="http://schemas.openxmlformats.org/presentationml/2006/main">
+  <p:cSld>
+    <p:bg>
+      <p:bgPr>
+        <a:gradFill flip="none" rotWithShape="1">
+          <a:gsLst>
+            <a:gs pos="0">
+              <a:schemeClr val="bg1"/>
+            </a:gs>
+            <a:gs pos="100000">
+              <a:schemeClr val="accent1">
+                <a:lumMod val="45000"/>
+                <a:lumOff val="55000"/>
+              </a:schemeClr>
+            </a:gs>
+          </a:gsLst>
+          <a:lin ang="10800000" scaled="1"/>
+          <a:tileRect/>
+        </a:gradFill>
+        <a:effectLst/>
+      </p:bgPr>
+    </p:bg>
+    <p:spTree>
+      <p:nvGrpSpPr>
+        <p:cNvPr id="1" name=""/>
+        <p:cNvGrpSpPr/>
+        <p:nvPr/>
+      </p:nvGrpSpPr>
+      <p:grpSpPr>
+        <a:xfrm>
+          <a:off x="0" y="0"/>
+          <a:ext cx="0" cy="0"/>
+          <a:chOff x="0" y="0"/>
+          <a:chExt cx="0" cy="0"/>
+        </a:xfrm>
+      </p:grpSpPr>
       <p:sp>
         <p:nvSpPr>
-          <p:cNvPr id="8" name="TextBox 7"/>
+          <p:cNvPr id="7" name="TextBox 6"/>
           <p:cNvSpPr txBox="1"/>
           <p:nvPr/>
         </p:nvSpPr>
         <p:spPr>
           <a:xfrm>
-            <a:off x="696431" y="602138"/>
-            <a:ext cx="9074426" cy="4247317"/>
+            <a:off x="664861" y="176979"/>
+            <a:ext cx="7185992" cy="523220"/>
           </a:xfrm>
           <a:prstGeom prst="rect">
             <a:avLst/>
@@ -3411,203 +10347,6 @@
             <a:spAutoFit/>
           </a:bodyPr>
           <a:lstStyle/>
-          <a:p>
-            <a:pPr marL="800100" marR="0" lvl="1" indent="-342900" algn="l" defTabSz="914400" rtl="0" eaLnBrk="1" fontAlgn="auto" latinLnBrk="0" hangingPunct="1">
-              <a:lnSpc>
-                <a:spcPct val="100000"/>
-              </a:lnSpc>
-              <a:spcBef>
-                <a:spcPts val="0"/>
-              </a:spcBef>
-              <a:spcAft>
-                <a:spcPts val="0"/>
-              </a:spcAft>
-              <a:buClrTx/>
-              <a:buSzTx/>
-              <a:buFont typeface="+mj-lt"/>
-              <a:buAutoNum type="arabicPeriod"/>
-              <a:tabLst/>
-              <a:defRPr/>
-            </a:pPr>
-            <a:r>
-              <a:rPr kumimoji="0" lang="en-US" sz="1800" b="0" i="0" u="none" strike="noStrike" kern="1200" cap="none" spc="0" normalizeH="0" baseline="0" noProof="0" dirty="0">
-                <a:ln>
-                  <a:noFill/>
-                </a:ln>
-                <a:effectLst/>
-                <a:uLnTx/>
-                <a:uFillTx/>
-                <a:latin typeface="Calibri"/>
-                <a:ea typeface="+mn-ea"/>
-                <a:cs typeface="+mn-cs"/>
-              </a:rPr>
-              <a:t>Agent is tested to gather all the information that published by Virus Total and other Software security website within the latest 24 hours. The agent must complete the task in 30s. </a:t>
-            </a:r>
-          </a:p>
-          <a:p>
-            <a:pPr marL="800100" marR="0" lvl="1" indent="-342900" algn="l" defTabSz="914400" rtl="0" eaLnBrk="1" fontAlgn="auto" latinLnBrk="0" hangingPunct="1">
-              <a:lnSpc>
-                <a:spcPct val="100000"/>
-              </a:lnSpc>
-              <a:spcBef>
-                <a:spcPts val="0"/>
-              </a:spcBef>
-              <a:spcAft>
-                <a:spcPts val="0"/>
-              </a:spcAft>
-              <a:buClrTx/>
-              <a:buSzTx/>
-              <a:buFont typeface="+mj-lt"/>
-              <a:buAutoNum type="arabicPeriod"/>
-              <a:tabLst/>
-              <a:defRPr/>
-            </a:pPr>
-            <a:r>
-              <a:rPr lang="en-US" dirty="0">
-                <a:latin typeface="Calibri"/>
-              </a:rPr>
-              <a:t>The agent must remove redundant information and extract all the hash/signature that are in the virus description or solution within 3 minutes.</a:t>
-            </a:r>
-            <a:endParaRPr kumimoji="0" lang="en-GB" sz="1800" b="0" i="0" u="none" strike="noStrike" kern="1200" cap="none" spc="0" normalizeH="0" baseline="0" noProof="0" dirty="0">
-              <a:ln>
-                <a:noFill/>
-              </a:ln>
-              <a:effectLst/>
-              <a:uLnTx/>
-              <a:uFillTx/>
-              <a:latin typeface="Calibri"/>
-            </a:endParaRPr>
-          </a:p>
-          <a:p>
-            <a:pPr marL="800100" lvl="1" indent="-342900">
-              <a:buFont typeface="+mj-lt"/>
-              <a:buAutoNum type="arabicPeriod"/>
-            </a:pPr>
-            <a:r>
-              <a:rPr kumimoji="0" lang="en-US" sz="1800" b="0" i="0" u="none" strike="noStrike" kern="1200" cap="none" spc="0" normalizeH="0" baseline="0" noProof="0" dirty="0">
-                <a:ln>
-                  <a:noFill/>
-                </a:ln>
-                <a:effectLst/>
-                <a:uLnTx/>
-                <a:uFillTx/>
-                <a:latin typeface="Calibri"/>
-                <a:ea typeface="+mn-ea"/>
-                <a:cs typeface="+mn-cs"/>
-              </a:rPr>
-              <a:t>100 known </a:t>
-            </a:r>
-            <a:r>
-              <a:rPr lang="en-US" dirty="0"/>
-              <a:t>phishing email collected within the latest 12 hours will be scanned by agent. Virus scanning must be completed in 1 minutes. </a:t>
-            </a:r>
-            <a:endParaRPr kumimoji="0" lang="en-GB" sz="1800" b="0" i="0" u="none" strike="noStrike" kern="1200" cap="none" spc="0" normalizeH="0" baseline="0" noProof="0" dirty="0">
-              <a:ln>
-                <a:noFill/>
-              </a:ln>
-              <a:effectLst/>
-              <a:uLnTx/>
-              <a:uFillTx/>
-              <a:latin typeface="Calibri"/>
-            </a:endParaRPr>
-          </a:p>
-          <a:p>
-            <a:pPr marL="800100" marR="0" lvl="1" indent="-342900" algn="l" defTabSz="914400" rtl="0" eaLnBrk="1" fontAlgn="auto" latinLnBrk="0" hangingPunct="1">
-              <a:lnSpc>
-                <a:spcPct val="100000"/>
-              </a:lnSpc>
-              <a:spcBef>
-                <a:spcPts val="0"/>
-              </a:spcBef>
-              <a:spcAft>
-                <a:spcPts val="0"/>
-              </a:spcAft>
-              <a:buClrTx/>
-              <a:buSzTx/>
-              <a:buFont typeface="+mj-lt"/>
-              <a:buAutoNum type="arabicPeriod"/>
-              <a:tabLst/>
-              <a:defRPr/>
-            </a:pPr>
-            <a:r>
-              <a:rPr kumimoji="0" lang="en-US" sz="1800" b="0" i="0" u="none" strike="noStrike" kern="1200" cap="none" spc="0" normalizeH="0" baseline="0" noProof="0" dirty="0">
-                <a:ln>
-                  <a:noFill/>
-                </a:ln>
-                <a:effectLst/>
-                <a:uLnTx/>
-                <a:uFillTx/>
-                <a:latin typeface="Calibri"/>
-                <a:ea typeface="+mn-ea"/>
-                <a:cs typeface="+mn-cs"/>
-              </a:rPr>
-              <a:t>8000 known phishing email collected in the past 1 week are used for training machine learning model. The training should be completed within 6 hours. 2000 known phishing email that are not trained earlier will be scanned thru the trained system. Accuracy of 99% is targeted within running time of 10 minutes.</a:t>
-            </a:r>
-            <a:endParaRPr kumimoji="0" lang="en-GB" sz="1800" b="0" i="0" u="none" strike="noStrike" kern="1200" cap="none" spc="0" normalizeH="0" baseline="0" noProof="0" dirty="0">
-              <a:ln>
-                <a:noFill/>
-              </a:ln>
-              <a:effectLst/>
-              <a:uLnTx/>
-              <a:uFillTx/>
-              <a:latin typeface="Calibri"/>
-              <a:ea typeface="+mn-ea"/>
-              <a:cs typeface="+mn-cs"/>
-            </a:endParaRPr>
-          </a:p>
-          <a:p>
-            <a:pPr marL="800100" lvl="1" indent="-342900">
-              <a:buFont typeface="+mj-lt"/>
-              <a:buAutoNum type="arabicPeriod"/>
-            </a:pPr>
-            <a:r>
-              <a:rPr kumimoji="0" lang="en-US" sz="1800" b="0" i="0" u="none" strike="noStrike" kern="1200" cap="none" spc="0" normalizeH="0" baseline="0" noProof="0" dirty="0">
-                <a:ln>
-                  <a:noFill/>
-                </a:ln>
-                <a:effectLst/>
-                <a:uLnTx/>
-                <a:uFillTx/>
-                <a:latin typeface="Calibri"/>
-                <a:ea typeface="+mn-ea"/>
-                <a:cs typeface="+mn-cs"/>
-              </a:rPr>
-              <a:t>2000 known phishing emails and </a:t>
-            </a:r>
-            <a:r>
-              <a:rPr lang="en-US" dirty="0"/>
-              <a:t>8000 non-phishing emails </a:t>
-            </a:r>
-            <a:r>
-              <a:rPr kumimoji="0" lang="en-US" sz="1800" b="0" i="0" u="none" strike="noStrike" kern="1200" cap="none" spc="0" normalizeH="0" baseline="0" noProof="0" dirty="0">
-                <a:ln>
-                  <a:noFill/>
-                </a:ln>
-                <a:effectLst/>
-                <a:uLnTx/>
-                <a:uFillTx/>
-                <a:latin typeface="Calibri"/>
-                <a:ea typeface="+mn-ea"/>
-                <a:cs typeface="+mn-cs"/>
-              </a:rPr>
-              <a:t>are sent to a demo user email account in random </a:t>
-            </a:r>
-            <a:r>
-              <a:rPr lang="en-US" dirty="0">
-                <a:latin typeface="Calibri"/>
-              </a:rPr>
-              <a:t>order in past 7 days. The agent must scan through the emails within 5 minutes with 99% accuracy.</a:t>
-            </a:r>
-            <a:endParaRPr kumimoji="0" lang="en-GB" sz="1800" b="0" i="0" u="none" strike="noStrike" kern="1200" cap="none" spc="0" normalizeH="0" baseline="0" noProof="0" dirty="0">
-              <a:ln>
-                <a:noFill/>
-              </a:ln>
-              <a:effectLst/>
-              <a:uLnTx/>
-              <a:uFillTx/>
-              <a:latin typeface="Calibri"/>
-            </a:endParaRPr>
-          </a:p>
           <a:p>
             <a:pPr marL="0" marR="0" lvl="0" indent="0" algn="l" defTabSz="914400" rtl="0" eaLnBrk="1" fontAlgn="auto" latinLnBrk="0" hangingPunct="1">
               <a:lnSpc>
@@ -3626,27 +10365,58 @@
               <a:tabLst/>
               <a:defRPr/>
             </a:pPr>
-            <a:endParaRPr kumimoji="0" lang="en-US" sz="1800" b="0" i="0" u="none" strike="noStrike" kern="1200" cap="none" spc="0" normalizeH="0" baseline="0" noProof="0" dirty="0">
-              <a:ln>
-                <a:noFill/>
-              </a:ln>
-              <a:solidFill>
-                <a:prstClr val="black"/>
-              </a:solidFill>
-              <a:effectLst/>
-              <a:uLnTx/>
-              <a:uFillTx/>
-              <a:latin typeface="Calibri"/>
-              <a:ea typeface="+mn-ea"/>
-              <a:cs typeface="+mn-cs"/>
-            </a:endParaRPr>
+            <a:r>
+              <a:rPr kumimoji="0" lang="en-US" sz="2800" b="0" i="0" u="none" strike="noStrike" kern="1200" cap="none" spc="0" normalizeH="0" baseline="0" noProof="0" dirty="0">
+                <a:ln>
+                  <a:noFill/>
+                </a:ln>
+                <a:solidFill>
+                  <a:prstClr val="black"/>
+                </a:solidFill>
+                <a:effectLst/>
+                <a:uLnTx/>
+                <a:uFillTx/>
+                <a:latin typeface="Calibri"/>
+                <a:ea typeface="+mn-ea"/>
+                <a:cs typeface="+mn-cs"/>
+              </a:rPr>
+              <a:t>Beta Testing Details</a:t>
+            </a:r>
           </a:p>
         </p:txBody>
       </p:sp>
+      <p:graphicFrame>
+        <p:nvGraphicFramePr>
+          <p:cNvPr id="2" name="Diagram 1">
+            <a:extLst>
+              <a:ext uri="{FF2B5EF4-FFF2-40B4-BE49-F238E27FC236}">
+                <a16:creationId xmlns:a16="http://schemas.microsoft.com/office/drawing/2014/main" id="{54FCAA7C-AF32-42B4-9132-5DC45270A277}"/>
+              </a:ext>
+            </a:extLst>
+          </p:cNvPr>
+          <p:cNvGraphicFramePr/>
+          <p:nvPr>
+            <p:extLst>
+              <p:ext uri="{D42A27DB-BD31-4B8C-83A1-F6EECF244321}">
+                <p14:modId xmlns:p14="http://schemas.microsoft.com/office/powerpoint/2010/main" val="2828201972"/>
+              </p:ext>
+            </p:extLst>
+          </p:nvPr>
+        </p:nvGraphicFramePr>
+        <p:xfrm>
+          <a:off x="974725" y="843491"/>
+          <a:ext cx="9436100" cy="5728759"/>
+        </p:xfrm>
+        <a:graphic>
+          <a:graphicData uri="http://schemas.openxmlformats.org/drawingml/2006/diagram">
+            <dgm:relIds xmlns:dgm="http://schemas.openxmlformats.org/drawingml/2006/diagram" xmlns:r="http://schemas.openxmlformats.org/officeDocument/2006/relationships" r:dm="rId2" r:lo="rId3" r:qs="rId4" r:cs="rId5"/>
+          </a:graphicData>
+        </a:graphic>
+      </p:graphicFrame>
     </p:spTree>
     <p:extLst>
       <p:ext uri="{BB962C8B-B14F-4D97-AF65-F5344CB8AC3E}">
-        <p14:creationId xmlns:p14="http://schemas.microsoft.com/office/powerpoint/2010/main" val="143503480"/>
+        <p14:creationId xmlns:p14="http://schemas.microsoft.com/office/powerpoint/2010/main" val="3594348897"/>
       </p:ext>
     </p:extLst>
   </p:cSld>

--- a/beta testing.pptx
+++ b/beta testing.pptx
@@ -5,11 +5,13 @@
     <p:sldMasterId id="2147483648" r:id="rId1"/>
   </p:sldMasterIdLst>
   <p:notesMasterIdLst>
-    <p:notesMasterId r:id="rId4"/>
+    <p:notesMasterId r:id="rId6"/>
   </p:notesMasterIdLst>
   <p:sldIdLst>
     <p:sldId id="277" r:id="rId2"/>
     <p:sldId id="278" r:id="rId3"/>
+    <p:sldId id="336" r:id="rId4"/>
+    <p:sldId id="337" r:id="rId5"/>
   </p:sldIdLst>
   <p:sldSz cx="12192000" cy="6858000"/>
   <p:notesSz cx="6858000" cy="9144000"/>
@@ -1621,6 +1623,1500 @@
 </dgm:colorsDef>
 </file>
 
+<file path=ppt/diagrams/colors3.xml><?xml version="1.0" encoding="utf-8"?>
+<dgm:colorsDef xmlns:dgm="http://schemas.openxmlformats.org/drawingml/2006/diagram" xmlns:a="http://schemas.openxmlformats.org/drawingml/2006/main" uniqueId="urn:microsoft.com/office/officeart/2005/8/colors/accent1_2">
+  <dgm:title val=""/>
+  <dgm:desc val=""/>
+  <dgm:catLst>
+    <dgm:cat type="accent1" pri="11200"/>
+  </dgm:catLst>
+  <dgm:styleLbl name="node0">
+    <dgm:fillClrLst meth="repeat">
+      <a:schemeClr val="accent1"/>
+    </dgm:fillClrLst>
+    <dgm:linClrLst meth="repeat">
+      <a:schemeClr val="lt1"/>
+    </dgm:linClrLst>
+    <dgm:effectClrLst/>
+    <dgm:txLinClrLst/>
+    <dgm:txFillClrLst/>
+    <dgm:txEffectClrLst/>
+  </dgm:styleLbl>
+  <dgm:styleLbl name="alignNode1">
+    <dgm:fillClrLst meth="repeat">
+      <a:schemeClr val="accent1"/>
+    </dgm:fillClrLst>
+    <dgm:linClrLst meth="repeat">
+      <a:schemeClr val="accent1"/>
+    </dgm:linClrLst>
+    <dgm:effectClrLst/>
+    <dgm:txLinClrLst/>
+    <dgm:txFillClrLst/>
+    <dgm:txEffectClrLst/>
+  </dgm:styleLbl>
+  <dgm:styleLbl name="node1">
+    <dgm:fillClrLst meth="repeat">
+      <a:schemeClr val="accent1"/>
+    </dgm:fillClrLst>
+    <dgm:linClrLst meth="repeat">
+      <a:schemeClr val="lt1"/>
+    </dgm:linClrLst>
+    <dgm:effectClrLst/>
+    <dgm:txLinClrLst/>
+    <dgm:txFillClrLst/>
+    <dgm:txEffectClrLst/>
+  </dgm:styleLbl>
+  <dgm:styleLbl name="lnNode1">
+    <dgm:fillClrLst meth="repeat">
+      <a:schemeClr val="accent1"/>
+    </dgm:fillClrLst>
+    <dgm:linClrLst meth="repeat">
+      <a:schemeClr val="lt1"/>
+    </dgm:linClrLst>
+    <dgm:effectClrLst/>
+    <dgm:txLinClrLst/>
+    <dgm:txFillClrLst/>
+    <dgm:txEffectClrLst/>
+  </dgm:styleLbl>
+  <dgm:styleLbl name="vennNode1">
+    <dgm:fillClrLst meth="repeat">
+      <a:schemeClr val="accent1">
+        <a:alpha val="50000"/>
+      </a:schemeClr>
+    </dgm:fillClrLst>
+    <dgm:linClrLst meth="repeat">
+      <a:schemeClr val="lt1"/>
+    </dgm:linClrLst>
+    <dgm:effectClrLst/>
+    <dgm:txLinClrLst/>
+    <dgm:txFillClrLst/>
+    <dgm:txEffectClrLst/>
+  </dgm:styleLbl>
+  <dgm:styleLbl name="node2">
+    <dgm:fillClrLst meth="repeat">
+      <a:schemeClr val="accent1"/>
+    </dgm:fillClrLst>
+    <dgm:linClrLst meth="repeat">
+      <a:schemeClr val="lt1"/>
+    </dgm:linClrLst>
+    <dgm:effectClrLst/>
+    <dgm:txLinClrLst/>
+    <dgm:txFillClrLst/>
+    <dgm:txEffectClrLst/>
+  </dgm:styleLbl>
+  <dgm:styleLbl name="node3">
+    <dgm:fillClrLst meth="repeat">
+      <a:schemeClr val="accent1"/>
+    </dgm:fillClrLst>
+    <dgm:linClrLst meth="repeat">
+      <a:schemeClr val="lt1"/>
+    </dgm:linClrLst>
+    <dgm:effectClrLst/>
+    <dgm:txLinClrLst/>
+    <dgm:txFillClrLst/>
+    <dgm:txEffectClrLst/>
+  </dgm:styleLbl>
+  <dgm:styleLbl name="node4">
+    <dgm:fillClrLst meth="repeat">
+      <a:schemeClr val="accent1"/>
+    </dgm:fillClrLst>
+    <dgm:linClrLst meth="repeat">
+      <a:schemeClr val="lt1"/>
+    </dgm:linClrLst>
+    <dgm:effectClrLst/>
+    <dgm:txLinClrLst/>
+    <dgm:txFillClrLst/>
+    <dgm:txEffectClrLst/>
+  </dgm:styleLbl>
+  <dgm:styleLbl name="fgImgPlace1">
+    <dgm:fillClrLst meth="repeat">
+      <a:schemeClr val="accent1">
+        <a:tint val="50000"/>
+      </a:schemeClr>
+    </dgm:fillClrLst>
+    <dgm:linClrLst meth="repeat">
+      <a:schemeClr val="lt1"/>
+    </dgm:linClrLst>
+    <dgm:effectClrLst/>
+    <dgm:txLinClrLst/>
+    <dgm:txFillClrLst meth="repeat">
+      <a:schemeClr val="lt1"/>
+    </dgm:txFillClrLst>
+    <dgm:txEffectClrLst/>
+  </dgm:styleLbl>
+  <dgm:styleLbl name="alignImgPlace1">
+    <dgm:fillClrLst meth="repeat">
+      <a:schemeClr val="accent1">
+        <a:tint val="50000"/>
+      </a:schemeClr>
+    </dgm:fillClrLst>
+    <dgm:linClrLst meth="repeat">
+      <a:schemeClr val="lt1"/>
+    </dgm:linClrLst>
+    <dgm:effectClrLst/>
+    <dgm:txLinClrLst/>
+    <dgm:txFillClrLst meth="repeat">
+      <a:schemeClr val="lt1"/>
+    </dgm:txFillClrLst>
+    <dgm:txEffectClrLst/>
+  </dgm:styleLbl>
+  <dgm:styleLbl name="bgImgPlace1">
+    <dgm:fillClrLst meth="repeat">
+      <a:schemeClr val="accent1">
+        <a:tint val="50000"/>
+      </a:schemeClr>
+    </dgm:fillClrLst>
+    <dgm:linClrLst meth="repeat">
+      <a:schemeClr val="lt1"/>
+    </dgm:linClrLst>
+    <dgm:effectClrLst/>
+    <dgm:txLinClrLst/>
+    <dgm:txFillClrLst meth="repeat">
+      <a:schemeClr val="lt1"/>
+    </dgm:txFillClrLst>
+    <dgm:txEffectClrLst/>
+  </dgm:styleLbl>
+  <dgm:styleLbl name="sibTrans2D1">
+    <dgm:fillClrLst meth="repeat">
+      <a:schemeClr val="accent1">
+        <a:tint val="60000"/>
+      </a:schemeClr>
+    </dgm:fillClrLst>
+    <dgm:linClrLst meth="repeat">
+      <a:schemeClr val="accent1">
+        <a:tint val="60000"/>
+      </a:schemeClr>
+    </dgm:linClrLst>
+    <dgm:effectClrLst/>
+    <dgm:txLinClrLst/>
+    <dgm:txFillClrLst/>
+    <dgm:txEffectClrLst/>
+  </dgm:styleLbl>
+  <dgm:styleLbl name="fgSibTrans2D1">
+    <dgm:fillClrLst meth="repeat">
+      <a:schemeClr val="accent1">
+        <a:tint val="60000"/>
+      </a:schemeClr>
+    </dgm:fillClrLst>
+    <dgm:linClrLst meth="repeat">
+      <a:schemeClr val="accent1">
+        <a:tint val="60000"/>
+      </a:schemeClr>
+    </dgm:linClrLst>
+    <dgm:effectClrLst/>
+    <dgm:txLinClrLst/>
+    <dgm:txFillClrLst/>
+    <dgm:txEffectClrLst/>
+  </dgm:styleLbl>
+  <dgm:styleLbl name="bgSibTrans2D1">
+    <dgm:fillClrLst meth="repeat">
+      <a:schemeClr val="accent1">
+        <a:tint val="60000"/>
+      </a:schemeClr>
+    </dgm:fillClrLst>
+    <dgm:linClrLst meth="repeat">
+      <a:schemeClr val="accent1">
+        <a:tint val="60000"/>
+      </a:schemeClr>
+    </dgm:linClrLst>
+    <dgm:effectClrLst/>
+    <dgm:txLinClrLst/>
+    <dgm:txFillClrLst/>
+    <dgm:txEffectClrLst/>
+  </dgm:styleLbl>
+  <dgm:styleLbl name="sibTrans1D1">
+    <dgm:fillClrLst meth="repeat">
+      <a:schemeClr val="accent1"/>
+    </dgm:fillClrLst>
+    <dgm:linClrLst meth="repeat">
+      <a:schemeClr val="accent1"/>
+    </dgm:linClrLst>
+    <dgm:effectClrLst/>
+    <dgm:txLinClrLst/>
+    <dgm:txFillClrLst meth="repeat">
+      <a:schemeClr val="tx1"/>
+    </dgm:txFillClrLst>
+    <dgm:txEffectClrLst/>
+  </dgm:styleLbl>
+  <dgm:styleLbl name="callout">
+    <dgm:fillClrLst meth="repeat">
+      <a:schemeClr val="accent1"/>
+    </dgm:fillClrLst>
+    <dgm:linClrLst meth="repeat">
+      <a:schemeClr val="accent1">
+        <a:tint val="50000"/>
+      </a:schemeClr>
+    </dgm:linClrLst>
+    <dgm:effectClrLst/>
+    <dgm:txLinClrLst/>
+    <dgm:txFillClrLst meth="repeat">
+      <a:schemeClr val="tx1"/>
+    </dgm:txFillClrLst>
+    <dgm:txEffectClrLst/>
+  </dgm:styleLbl>
+  <dgm:styleLbl name="asst0">
+    <dgm:fillClrLst meth="repeat">
+      <a:schemeClr val="accent1"/>
+    </dgm:fillClrLst>
+    <dgm:linClrLst meth="repeat">
+      <a:schemeClr val="lt1"/>
+    </dgm:linClrLst>
+    <dgm:effectClrLst/>
+    <dgm:txLinClrLst/>
+    <dgm:txFillClrLst/>
+    <dgm:txEffectClrLst/>
+  </dgm:styleLbl>
+  <dgm:styleLbl name="asst1">
+    <dgm:fillClrLst meth="repeat">
+      <a:schemeClr val="accent1"/>
+    </dgm:fillClrLst>
+    <dgm:linClrLst meth="repeat">
+      <a:schemeClr val="lt1"/>
+    </dgm:linClrLst>
+    <dgm:effectClrLst/>
+    <dgm:txLinClrLst/>
+    <dgm:txFillClrLst/>
+    <dgm:txEffectClrLst/>
+  </dgm:styleLbl>
+  <dgm:styleLbl name="asst2">
+    <dgm:fillClrLst meth="repeat">
+      <a:schemeClr val="accent1"/>
+    </dgm:fillClrLst>
+    <dgm:linClrLst meth="repeat">
+      <a:schemeClr val="lt1"/>
+    </dgm:linClrLst>
+    <dgm:effectClrLst/>
+    <dgm:txLinClrLst/>
+    <dgm:txFillClrLst/>
+    <dgm:txEffectClrLst/>
+  </dgm:styleLbl>
+  <dgm:styleLbl name="asst3">
+    <dgm:fillClrLst meth="repeat">
+      <a:schemeClr val="accent1"/>
+    </dgm:fillClrLst>
+    <dgm:linClrLst meth="repeat">
+      <a:schemeClr val="lt1"/>
+    </dgm:linClrLst>
+    <dgm:effectClrLst/>
+    <dgm:txLinClrLst/>
+    <dgm:txFillClrLst/>
+    <dgm:txEffectClrLst/>
+  </dgm:styleLbl>
+  <dgm:styleLbl name="asst4">
+    <dgm:fillClrLst meth="repeat">
+      <a:schemeClr val="accent1"/>
+    </dgm:fillClrLst>
+    <dgm:linClrLst meth="repeat">
+      <a:schemeClr val="lt1"/>
+    </dgm:linClrLst>
+    <dgm:effectClrLst/>
+    <dgm:txLinClrLst/>
+    <dgm:txFillClrLst/>
+    <dgm:txEffectClrLst/>
+  </dgm:styleLbl>
+  <dgm:styleLbl name="parChTrans2D1">
+    <dgm:fillClrLst meth="repeat">
+      <a:schemeClr val="accent1">
+        <a:tint val="60000"/>
+      </a:schemeClr>
+    </dgm:fillClrLst>
+    <dgm:linClrLst meth="repeat">
+      <a:schemeClr val="accent1">
+        <a:tint val="60000"/>
+      </a:schemeClr>
+    </dgm:linClrLst>
+    <dgm:effectClrLst/>
+    <dgm:txLinClrLst/>
+    <dgm:txFillClrLst meth="repeat">
+      <a:schemeClr val="lt1"/>
+    </dgm:txFillClrLst>
+    <dgm:txEffectClrLst/>
+  </dgm:styleLbl>
+  <dgm:styleLbl name="parChTrans2D2">
+    <dgm:fillClrLst meth="repeat">
+      <a:schemeClr val="accent1"/>
+    </dgm:fillClrLst>
+    <dgm:linClrLst meth="repeat">
+      <a:schemeClr val="accent1"/>
+    </dgm:linClrLst>
+    <dgm:effectClrLst/>
+    <dgm:txLinClrLst/>
+    <dgm:txFillClrLst meth="repeat">
+      <a:schemeClr val="lt1"/>
+    </dgm:txFillClrLst>
+    <dgm:txEffectClrLst/>
+  </dgm:styleLbl>
+  <dgm:styleLbl name="parChTrans2D3">
+    <dgm:fillClrLst meth="repeat">
+      <a:schemeClr val="accent1"/>
+    </dgm:fillClrLst>
+    <dgm:linClrLst meth="repeat">
+      <a:schemeClr val="accent1"/>
+    </dgm:linClrLst>
+    <dgm:effectClrLst/>
+    <dgm:txLinClrLst/>
+    <dgm:txFillClrLst meth="repeat">
+      <a:schemeClr val="lt1"/>
+    </dgm:txFillClrLst>
+    <dgm:txEffectClrLst/>
+  </dgm:styleLbl>
+  <dgm:styleLbl name="parChTrans2D4">
+    <dgm:fillClrLst meth="repeat">
+      <a:schemeClr val="accent1"/>
+    </dgm:fillClrLst>
+    <dgm:linClrLst meth="repeat">
+      <a:schemeClr val="accent1"/>
+    </dgm:linClrLst>
+    <dgm:effectClrLst/>
+    <dgm:txLinClrLst/>
+    <dgm:txFillClrLst meth="repeat">
+      <a:schemeClr val="lt1"/>
+    </dgm:txFillClrLst>
+    <dgm:txEffectClrLst/>
+  </dgm:styleLbl>
+  <dgm:styleLbl name="parChTrans1D1">
+    <dgm:fillClrLst meth="repeat">
+      <a:schemeClr val="accent1"/>
+    </dgm:fillClrLst>
+    <dgm:linClrLst meth="repeat">
+      <a:schemeClr val="accent1">
+        <a:shade val="60000"/>
+      </a:schemeClr>
+    </dgm:linClrLst>
+    <dgm:effectClrLst/>
+    <dgm:txLinClrLst/>
+    <dgm:txFillClrLst meth="repeat">
+      <a:schemeClr val="tx1"/>
+    </dgm:txFillClrLst>
+    <dgm:txEffectClrLst/>
+  </dgm:styleLbl>
+  <dgm:styleLbl name="parChTrans1D2">
+    <dgm:fillClrLst meth="repeat">
+      <a:schemeClr val="accent1"/>
+    </dgm:fillClrLst>
+    <dgm:linClrLst meth="repeat">
+      <a:schemeClr val="accent1">
+        <a:shade val="60000"/>
+      </a:schemeClr>
+    </dgm:linClrLst>
+    <dgm:effectClrLst/>
+    <dgm:txLinClrLst/>
+    <dgm:txFillClrLst meth="repeat">
+      <a:schemeClr val="tx1"/>
+    </dgm:txFillClrLst>
+    <dgm:txEffectClrLst/>
+  </dgm:styleLbl>
+  <dgm:styleLbl name="parChTrans1D3">
+    <dgm:fillClrLst meth="repeat">
+      <a:schemeClr val="accent1"/>
+    </dgm:fillClrLst>
+    <dgm:linClrLst meth="repeat">
+      <a:schemeClr val="accent1">
+        <a:shade val="80000"/>
+      </a:schemeClr>
+    </dgm:linClrLst>
+    <dgm:effectClrLst/>
+    <dgm:txLinClrLst/>
+    <dgm:txFillClrLst meth="repeat">
+      <a:schemeClr val="tx1"/>
+    </dgm:txFillClrLst>
+    <dgm:txEffectClrLst/>
+  </dgm:styleLbl>
+  <dgm:styleLbl name="parChTrans1D4">
+    <dgm:fillClrLst meth="repeat">
+      <a:schemeClr val="accent1"/>
+    </dgm:fillClrLst>
+    <dgm:linClrLst meth="repeat">
+      <a:schemeClr val="accent1">
+        <a:shade val="80000"/>
+      </a:schemeClr>
+    </dgm:linClrLst>
+    <dgm:effectClrLst/>
+    <dgm:txLinClrLst/>
+    <dgm:txFillClrLst meth="repeat">
+      <a:schemeClr val="tx1"/>
+    </dgm:txFillClrLst>
+    <dgm:txEffectClrLst/>
+  </dgm:styleLbl>
+  <dgm:styleLbl name="fgAcc1">
+    <dgm:fillClrLst meth="repeat">
+      <a:schemeClr val="lt1">
+        <a:alpha val="90000"/>
+      </a:schemeClr>
+    </dgm:fillClrLst>
+    <dgm:linClrLst meth="repeat">
+      <a:schemeClr val="accent1"/>
+    </dgm:linClrLst>
+    <dgm:effectClrLst/>
+    <dgm:txLinClrLst/>
+    <dgm:txFillClrLst meth="repeat">
+      <a:schemeClr val="dk1"/>
+    </dgm:txFillClrLst>
+    <dgm:txEffectClrLst/>
+  </dgm:styleLbl>
+  <dgm:styleLbl name="conFgAcc1">
+    <dgm:fillClrLst meth="repeat">
+      <a:schemeClr val="lt1">
+        <a:alpha val="90000"/>
+      </a:schemeClr>
+    </dgm:fillClrLst>
+    <dgm:linClrLst meth="repeat">
+      <a:schemeClr val="accent1"/>
+    </dgm:linClrLst>
+    <dgm:effectClrLst/>
+    <dgm:txLinClrLst/>
+    <dgm:txFillClrLst meth="repeat">
+      <a:schemeClr val="dk1"/>
+    </dgm:txFillClrLst>
+    <dgm:txEffectClrLst/>
+  </dgm:styleLbl>
+  <dgm:styleLbl name="alignAcc1">
+    <dgm:fillClrLst meth="repeat">
+      <a:schemeClr val="lt1">
+        <a:alpha val="90000"/>
+      </a:schemeClr>
+    </dgm:fillClrLst>
+    <dgm:linClrLst meth="repeat">
+      <a:schemeClr val="accent1"/>
+    </dgm:linClrLst>
+    <dgm:effectClrLst/>
+    <dgm:txLinClrLst/>
+    <dgm:txFillClrLst meth="repeat">
+      <a:schemeClr val="dk1"/>
+    </dgm:txFillClrLst>
+    <dgm:txEffectClrLst/>
+  </dgm:styleLbl>
+  <dgm:styleLbl name="trAlignAcc1">
+    <dgm:fillClrLst meth="repeat">
+      <a:schemeClr val="lt1">
+        <a:alpha val="40000"/>
+      </a:schemeClr>
+    </dgm:fillClrLst>
+    <dgm:linClrLst meth="repeat">
+      <a:schemeClr val="accent1"/>
+    </dgm:linClrLst>
+    <dgm:effectClrLst/>
+    <dgm:txLinClrLst/>
+    <dgm:txFillClrLst meth="repeat">
+      <a:schemeClr val="dk1"/>
+    </dgm:txFillClrLst>
+    <dgm:txEffectClrLst/>
+  </dgm:styleLbl>
+  <dgm:styleLbl name="bgAcc1">
+    <dgm:fillClrLst meth="repeat">
+      <a:schemeClr val="lt1">
+        <a:alpha val="90000"/>
+      </a:schemeClr>
+    </dgm:fillClrLst>
+    <dgm:linClrLst meth="repeat">
+      <a:schemeClr val="accent1"/>
+    </dgm:linClrLst>
+    <dgm:effectClrLst/>
+    <dgm:txLinClrLst/>
+    <dgm:txFillClrLst meth="repeat">
+      <a:schemeClr val="dk1"/>
+    </dgm:txFillClrLst>
+    <dgm:txEffectClrLst/>
+  </dgm:styleLbl>
+  <dgm:styleLbl name="solidFgAcc1">
+    <dgm:fillClrLst meth="repeat">
+      <a:schemeClr val="lt1"/>
+    </dgm:fillClrLst>
+    <dgm:linClrLst meth="repeat">
+      <a:schemeClr val="accent1"/>
+    </dgm:linClrLst>
+    <dgm:effectClrLst/>
+    <dgm:txLinClrLst/>
+    <dgm:txFillClrLst meth="repeat">
+      <a:schemeClr val="dk1"/>
+    </dgm:txFillClrLst>
+    <dgm:txEffectClrLst/>
+  </dgm:styleLbl>
+  <dgm:styleLbl name="solidAlignAcc1">
+    <dgm:fillClrLst meth="repeat">
+      <a:schemeClr val="lt1"/>
+    </dgm:fillClrLst>
+    <dgm:linClrLst meth="repeat">
+      <a:schemeClr val="accent1"/>
+    </dgm:linClrLst>
+    <dgm:effectClrLst/>
+    <dgm:txLinClrLst/>
+    <dgm:txFillClrLst meth="repeat">
+      <a:schemeClr val="dk1"/>
+    </dgm:txFillClrLst>
+    <dgm:txEffectClrLst/>
+  </dgm:styleLbl>
+  <dgm:styleLbl name="solidBgAcc1">
+    <dgm:fillClrLst meth="repeat">
+      <a:schemeClr val="lt1"/>
+    </dgm:fillClrLst>
+    <dgm:linClrLst meth="repeat">
+      <a:schemeClr val="accent1"/>
+    </dgm:linClrLst>
+    <dgm:effectClrLst/>
+    <dgm:txLinClrLst/>
+    <dgm:txFillClrLst meth="repeat">
+      <a:schemeClr val="dk1"/>
+    </dgm:txFillClrLst>
+    <dgm:txEffectClrLst/>
+  </dgm:styleLbl>
+  <dgm:styleLbl name="fgAccFollowNode1">
+    <dgm:fillClrLst meth="repeat">
+      <a:schemeClr val="accent1">
+        <a:alpha val="90000"/>
+        <a:tint val="40000"/>
+      </a:schemeClr>
+    </dgm:fillClrLst>
+    <dgm:linClrLst meth="repeat">
+      <a:schemeClr val="accent1">
+        <a:alpha val="90000"/>
+        <a:tint val="40000"/>
+      </a:schemeClr>
+    </dgm:linClrLst>
+    <dgm:effectClrLst/>
+    <dgm:txLinClrLst/>
+    <dgm:txFillClrLst meth="repeat">
+      <a:schemeClr val="dk1"/>
+    </dgm:txFillClrLst>
+    <dgm:txEffectClrLst/>
+  </dgm:styleLbl>
+  <dgm:styleLbl name="alignAccFollowNode1">
+    <dgm:fillClrLst meth="repeat">
+      <a:schemeClr val="accent1">
+        <a:alpha val="90000"/>
+        <a:tint val="40000"/>
+      </a:schemeClr>
+    </dgm:fillClrLst>
+    <dgm:linClrLst meth="repeat">
+      <a:schemeClr val="accent1">
+        <a:alpha val="90000"/>
+        <a:tint val="40000"/>
+      </a:schemeClr>
+    </dgm:linClrLst>
+    <dgm:effectClrLst/>
+    <dgm:txLinClrLst/>
+    <dgm:txFillClrLst meth="repeat">
+      <a:schemeClr val="dk1"/>
+    </dgm:txFillClrLst>
+    <dgm:txEffectClrLst/>
+  </dgm:styleLbl>
+  <dgm:styleLbl name="bgAccFollowNode1">
+    <dgm:fillClrLst meth="repeat">
+      <a:schemeClr val="accent1">
+        <a:alpha val="90000"/>
+        <a:tint val="40000"/>
+      </a:schemeClr>
+    </dgm:fillClrLst>
+    <dgm:linClrLst meth="repeat">
+      <a:schemeClr val="accent1">
+        <a:alpha val="90000"/>
+        <a:tint val="40000"/>
+      </a:schemeClr>
+    </dgm:linClrLst>
+    <dgm:effectClrLst/>
+    <dgm:txLinClrLst/>
+    <dgm:txFillClrLst meth="repeat">
+      <a:schemeClr val="dk1"/>
+    </dgm:txFillClrLst>
+    <dgm:txEffectClrLst/>
+  </dgm:styleLbl>
+  <dgm:styleLbl name="fgAcc0">
+    <dgm:fillClrLst meth="repeat">
+      <a:schemeClr val="lt1">
+        <a:alpha val="90000"/>
+      </a:schemeClr>
+    </dgm:fillClrLst>
+    <dgm:linClrLst meth="repeat">
+      <a:schemeClr val="accent1"/>
+    </dgm:linClrLst>
+    <dgm:effectClrLst/>
+    <dgm:txLinClrLst/>
+    <dgm:txFillClrLst meth="repeat">
+      <a:schemeClr val="dk1"/>
+    </dgm:txFillClrLst>
+    <dgm:txEffectClrLst/>
+  </dgm:styleLbl>
+  <dgm:styleLbl name="fgAcc2">
+    <dgm:fillClrLst meth="repeat">
+      <a:schemeClr val="lt1">
+        <a:alpha val="90000"/>
+      </a:schemeClr>
+    </dgm:fillClrLst>
+    <dgm:linClrLst meth="repeat">
+      <a:schemeClr val="accent1"/>
+    </dgm:linClrLst>
+    <dgm:effectClrLst/>
+    <dgm:txLinClrLst/>
+    <dgm:txFillClrLst meth="repeat">
+      <a:schemeClr val="dk1"/>
+    </dgm:txFillClrLst>
+    <dgm:txEffectClrLst/>
+  </dgm:styleLbl>
+  <dgm:styleLbl name="fgAcc3">
+    <dgm:fillClrLst meth="repeat">
+      <a:schemeClr val="lt1">
+        <a:alpha val="90000"/>
+      </a:schemeClr>
+    </dgm:fillClrLst>
+    <dgm:linClrLst meth="repeat">
+      <a:schemeClr val="accent1"/>
+    </dgm:linClrLst>
+    <dgm:effectClrLst/>
+    <dgm:txLinClrLst/>
+    <dgm:txFillClrLst meth="repeat">
+      <a:schemeClr val="dk1"/>
+    </dgm:txFillClrLst>
+    <dgm:txEffectClrLst/>
+  </dgm:styleLbl>
+  <dgm:styleLbl name="fgAcc4">
+    <dgm:fillClrLst meth="repeat">
+      <a:schemeClr val="lt1">
+        <a:alpha val="90000"/>
+      </a:schemeClr>
+    </dgm:fillClrLst>
+    <dgm:linClrLst meth="repeat">
+      <a:schemeClr val="accent1"/>
+    </dgm:linClrLst>
+    <dgm:effectClrLst/>
+    <dgm:txLinClrLst/>
+    <dgm:txFillClrLst meth="repeat">
+      <a:schemeClr val="dk1"/>
+    </dgm:txFillClrLst>
+    <dgm:txEffectClrLst/>
+  </dgm:styleLbl>
+  <dgm:styleLbl name="bgShp">
+    <dgm:fillClrLst meth="repeat">
+      <a:schemeClr val="accent1">
+        <a:tint val="40000"/>
+      </a:schemeClr>
+    </dgm:fillClrLst>
+    <dgm:linClrLst meth="repeat">
+      <a:schemeClr val="accent1"/>
+    </dgm:linClrLst>
+    <dgm:effectClrLst/>
+    <dgm:txLinClrLst/>
+    <dgm:txFillClrLst meth="repeat">
+      <a:schemeClr val="dk1"/>
+    </dgm:txFillClrLst>
+    <dgm:txEffectClrLst/>
+  </dgm:styleLbl>
+  <dgm:styleLbl name="dkBgShp">
+    <dgm:fillClrLst meth="repeat">
+      <a:schemeClr val="accent1">
+        <a:shade val="80000"/>
+      </a:schemeClr>
+    </dgm:fillClrLst>
+    <dgm:linClrLst meth="repeat">
+      <a:schemeClr val="accent1"/>
+    </dgm:linClrLst>
+    <dgm:effectClrLst/>
+    <dgm:txLinClrLst/>
+    <dgm:txFillClrLst meth="repeat">
+      <a:schemeClr val="lt1"/>
+    </dgm:txFillClrLst>
+    <dgm:txEffectClrLst/>
+  </dgm:styleLbl>
+  <dgm:styleLbl name="trBgShp">
+    <dgm:fillClrLst meth="repeat">
+      <a:schemeClr val="accent1">
+        <a:tint val="50000"/>
+        <a:alpha val="40000"/>
+      </a:schemeClr>
+    </dgm:fillClrLst>
+    <dgm:linClrLst meth="repeat">
+      <a:schemeClr val="accent1"/>
+    </dgm:linClrLst>
+    <dgm:effectClrLst/>
+    <dgm:txLinClrLst/>
+    <dgm:txFillClrLst meth="repeat">
+      <a:schemeClr val="lt1"/>
+    </dgm:txFillClrLst>
+    <dgm:txEffectClrLst/>
+  </dgm:styleLbl>
+  <dgm:styleLbl name="fgShp">
+    <dgm:fillClrLst meth="repeat">
+      <a:schemeClr val="accent1">
+        <a:tint val="60000"/>
+      </a:schemeClr>
+    </dgm:fillClrLst>
+    <dgm:linClrLst meth="repeat">
+      <a:schemeClr val="lt1"/>
+    </dgm:linClrLst>
+    <dgm:effectClrLst/>
+    <dgm:txLinClrLst/>
+    <dgm:txFillClrLst meth="repeat">
+      <a:schemeClr val="dk1"/>
+    </dgm:txFillClrLst>
+    <dgm:txEffectClrLst/>
+  </dgm:styleLbl>
+  <dgm:styleLbl name="revTx">
+    <dgm:fillClrLst meth="repeat">
+      <a:schemeClr val="lt1">
+        <a:alpha val="0"/>
+      </a:schemeClr>
+    </dgm:fillClrLst>
+    <dgm:linClrLst meth="repeat">
+      <a:schemeClr val="dk1">
+        <a:alpha val="0"/>
+      </a:schemeClr>
+    </dgm:linClrLst>
+    <dgm:effectClrLst/>
+    <dgm:txLinClrLst/>
+    <dgm:txFillClrLst meth="repeat">
+      <a:schemeClr val="tx1"/>
+    </dgm:txFillClrLst>
+    <dgm:txEffectClrLst/>
+  </dgm:styleLbl>
+</dgm:colorsDef>
+</file>
+
+<file path=ppt/diagrams/colors4.xml><?xml version="1.0" encoding="utf-8"?>
+<dgm:colorsDef xmlns:dgm="http://schemas.openxmlformats.org/drawingml/2006/diagram" xmlns:a="http://schemas.openxmlformats.org/drawingml/2006/main" uniqueId="urn:microsoft.com/office/officeart/2005/8/colors/accent1_2">
+  <dgm:title val=""/>
+  <dgm:desc val=""/>
+  <dgm:catLst>
+    <dgm:cat type="accent1" pri="11200"/>
+  </dgm:catLst>
+  <dgm:styleLbl name="node0">
+    <dgm:fillClrLst meth="repeat">
+      <a:schemeClr val="accent1"/>
+    </dgm:fillClrLst>
+    <dgm:linClrLst meth="repeat">
+      <a:schemeClr val="lt1"/>
+    </dgm:linClrLst>
+    <dgm:effectClrLst/>
+    <dgm:txLinClrLst/>
+    <dgm:txFillClrLst/>
+    <dgm:txEffectClrLst/>
+  </dgm:styleLbl>
+  <dgm:styleLbl name="alignNode1">
+    <dgm:fillClrLst meth="repeat">
+      <a:schemeClr val="accent1"/>
+    </dgm:fillClrLst>
+    <dgm:linClrLst meth="repeat">
+      <a:schemeClr val="accent1"/>
+    </dgm:linClrLst>
+    <dgm:effectClrLst/>
+    <dgm:txLinClrLst/>
+    <dgm:txFillClrLst/>
+    <dgm:txEffectClrLst/>
+  </dgm:styleLbl>
+  <dgm:styleLbl name="node1">
+    <dgm:fillClrLst meth="repeat">
+      <a:schemeClr val="accent1"/>
+    </dgm:fillClrLst>
+    <dgm:linClrLst meth="repeat">
+      <a:schemeClr val="lt1"/>
+    </dgm:linClrLst>
+    <dgm:effectClrLst/>
+    <dgm:txLinClrLst/>
+    <dgm:txFillClrLst/>
+    <dgm:txEffectClrLst/>
+  </dgm:styleLbl>
+  <dgm:styleLbl name="lnNode1">
+    <dgm:fillClrLst meth="repeat">
+      <a:schemeClr val="accent1"/>
+    </dgm:fillClrLst>
+    <dgm:linClrLst meth="repeat">
+      <a:schemeClr val="lt1"/>
+    </dgm:linClrLst>
+    <dgm:effectClrLst/>
+    <dgm:txLinClrLst/>
+    <dgm:txFillClrLst/>
+    <dgm:txEffectClrLst/>
+  </dgm:styleLbl>
+  <dgm:styleLbl name="vennNode1">
+    <dgm:fillClrLst meth="repeat">
+      <a:schemeClr val="accent1">
+        <a:alpha val="50000"/>
+      </a:schemeClr>
+    </dgm:fillClrLst>
+    <dgm:linClrLst meth="repeat">
+      <a:schemeClr val="lt1"/>
+    </dgm:linClrLst>
+    <dgm:effectClrLst/>
+    <dgm:txLinClrLst/>
+    <dgm:txFillClrLst/>
+    <dgm:txEffectClrLst/>
+  </dgm:styleLbl>
+  <dgm:styleLbl name="node2">
+    <dgm:fillClrLst meth="repeat">
+      <a:schemeClr val="accent1"/>
+    </dgm:fillClrLst>
+    <dgm:linClrLst meth="repeat">
+      <a:schemeClr val="lt1"/>
+    </dgm:linClrLst>
+    <dgm:effectClrLst/>
+    <dgm:txLinClrLst/>
+    <dgm:txFillClrLst/>
+    <dgm:txEffectClrLst/>
+  </dgm:styleLbl>
+  <dgm:styleLbl name="node3">
+    <dgm:fillClrLst meth="repeat">
+      <a:schemeClr val="accent1"/>
+    </dgm:fillClrLst>
+    <dgm:linClrLst meth="repeat">
+      <a:schemeClr val="lt1"/>
+    </dgm:linClrLst>
+    <dgm:effectClrLst/>
+    <dgm:txLinClrLst/>
+    <dgm:txFillClrLst/>
+    <dgm:txEffectClrLst/>
+  </dgm:styleLbl>
+  <dgm:styleLbl name="node4">
+    <dgm:fillClrLst meth="repeat">
+      <a:schemeClr val="accent1"/>
+    </dgm:fillClrLst>
+    <dgm:linClrLst meth="repeat">
+      <a:schemeClr val="lt1"/>
+    </dgm:linClrLst>
+    <dgm:effectClrLst/>
+    <dgm:txLinClrLst/>
+    <dgm:txFillClrLst/>
+    <dgm:txEffectClrLst/>
+  </dgm:styleLbl>
+  <dgm:styleLbl name="fgImgPlace1">
+    <dgm:fillClrLst meth="repeat">
+      <a:schemeClr val="accent1">
+        <a:tint val="50000"/>
+      </a:schemeClr>
+    </dgm:fillClrLst>
+    <dgm:linClrLst meth="repeat">
+      <a:schemeClr val="lt1"/>
+    </dgm:linClrLst>
+    <dgm:effectClrLst/>
+    <dgm:txLinClrLst/>
+    <dgm:txFillClrLst meth="repeat">
+      <a:schemeClr val="lt1"/>
+    </dgm:txFillClrLst>
+    <dgm:txEffectClrLst/>
+  </dgm:styleLbl>
+  <dgm:styleLbl name="alignImgPlace1">
+    <dgm:fillClrLst meth="repeat">
+      <a:schemeClr val="accent1">
+        <a:tint val="50000"/>
+      </a:schemeClr>
+    </dgm:fillClrLst>
+    <dgm:linClrLst meth="repeat">
+      <a:schemeClr val="lt1"/>
+    </dgm:linClrLst>
+    <dgm:effectClrLst/>
+    <dgm:txLinClrLst/>
+    <dgm:txFillClrLst meth="repeat">
+      <a:schemeClr val="lt1"/>
+    </dgm:txFillClrLst>
+    <dgm:txEffectClrLst/>
+  </dgm:styleLbl>
+  <dgm:styleLbl name="bgImgPlace1">
+    <dgm:fillClrLst meth="repeat">
+      <a:schemeClr val="accent1">
+        <a:tint val="50000"/>
+      </a:schemeClr>
+    </dgm:fillClrLst>
+    <dgm:linClrLst meth="repeat">
+      <a:schemeClr val="lt1"/>
+    </dgm:linClrLst>
+    <dgm:effectClrLst/>
+    <dgm:txLinClrLst/>
+    <dgm:txFillClrLst meth="repeat">
+      <a:schemeClr val="lt1"/>
+    </dgm:txFillClrLst>
+    <dgm:txEffectClrLst/>
+  </dgm:styleLbl>
+  <dgm:styleLbl name="sibTrans2D1">
+    <dgm:fillClrLst meth="repeat">
+      <a:schemeClr val="accent1">
+        <a:tint val="60000"/>
+      </a:schemeClr>
+    </dgm:fillClrLst>
+    <dgm:linClrLst meth="repeat">
+      <a:schemeClr val="accent1">
+        <a:tint val="60000"/>
+      </a:schemeClr>
+    </dgm:linClrLst>
+    <dgm:effectClrLst/>
+    <dgm:txLinClrLst/>
+    <dgm:txFillClrLst/>
+    <dgm:txEffectClrLst/>
+  </dgm:styleLbl>
+  <dgm:styleLbl name="fgSibTrans2D1">
+    <dgm:fillClrLst meth="repeat">
+      <a:schemeClr val="accent1">
+        <a:tint val="60000"/>
+      </a:schemeClr>
+    </dgm:fillClrLst>
+    <dgm:linClrLst meth="repeat">
+      <a:schemeClr val="accent1">
+        <a:tint val="60000"/>
+      </a:schemeClr>
+    </dgm:linClrLst>
+    <dgm:effectClrLst/>
+    <dgm:txLinClrLst/>
+    <dgm:txFillClrLst/>
+    <dgm:txEffectClrLst/>
+  </dgm:styleLbl>
+  <dgm:styleLbl name="bgSibTrans2D1">
+    <dgm:fillClrLst meth="repeat">
+      <a:schemeClr val="accent1">
+        <a:tint val="60000"/>
+      </a:schemeClr>
+    </dgm:fillClrLst>
+    <dgm:linClrLst meth="repeat">
+      <a:schemeClr val="accent1">
+        <a:tint val="60000"/>
+      </a:schemeClr>
+    </dgm:linClrLst>
+    <dgm:effectClrLst/>
+    <dgm:txLinClrLst/>
+    <dgm:txFillClrLst/>
+    <dgm:txEffectClrLst/>
+  </dgm:styleLbl>
+  <dgm:styleLbl name="sibTrans1D1">
+    <dgm:fillClrLst meth="repeat">
+      <a:schemeClr val="accent1"/>
+    </dgm:fillClrLst>
+    <dgm:linClrLst meth="repeat">
+      <a:schemeClr val="accent1"/>
+    </dgm:linClrLst>
+    <dgm:effectClrLst/>
+    <dgm:txLinClrLst/>
+    <dgm:txFillClrLst meth="repeat">
+      <a:schemeClr val="tx1"/>
+    </dgm:txFillClrLst>
+    <dgm:txEffectClrLst/>
+  </dgm:styleLbl>
+  <dgm:styleLbl name="callout">
+    <dgm:fillClrLst meth="repeat">
+      <a:schemeClr val="accent1"/>
+    </dgm:fillClrLst>
+    <dgm:linClrLst meth="repeat">
+      <a:schemeClr val="accent1">
+        <a:tint val="50000"/>
+      </a:schemeClr>
+    </dgm:linClrLst>
+    <dgm:effectClrLst/>
+    <dgm:txLinClrLst/>
+    <dgm:txFillClrLst meth="repeat">
+      <a:schemeClr val="tx1"/>
+    </dgm:txFillClrLst>
+    <dgm:txEffectClrLst/>
+  </dgm:styleLbl>
+  <dgm:styleLbl name="asst0">
+    <dgm:fillClrLst meth="repeat">
+      <a:schemeClr val="accent1"/>
+    </dgm:fillClrLst>
+    <dgm:linClrLst meth="repeat">
+      <a:schemeClr val="lt1"/>
+    </dgm:linClrLst>
+    <dgm:effectClrLst/>
+    <dgm:txLinClrLst/>
+    <dgm:txFillClrLst/>
+    <dgm:txEffectClrLst/>
+  </dgm:styleLbl>
+  <dgm:styleLbl name="asst1">
+    <dgm:fillClrLst meth="repeat">
+      <a:schemeClr val="accent1"/>
+    </dgm:fillClrLst>
+    <dgm:linClrLst meth="repeat">
+      <a:schemeClr val="lt1"/>
+    </dgm:linClrLst>
+    <dgm:effectClrLst/>
+    <dgm:txLinClrLst/>
+    <dgm:txFillClrLst/>
+    <dgm:txEffectClrLst/>
+  </dgm:styleLbl>
+  <dgm:styleLbl name="asst2">
+    <dgm:fillClrLst meth="repeat">
+      <a:schemeClr val="accent1"/>
+    </dgm:fillClrLst>
+    <dgm:linClrLst meth="repeat">
+      <a:schemeClr val="lt1"/>
+    </dgm:linClrLst>
+    <dgm:effectClrLst/>
+    <dgm:txLinClrLst/>
+    <dgm:txFillClrLst/>
+    <dgm:txEffectClrLst/>
+  </dgm:styleLbl>
+  <dgm:styleLbl name="asst3">
+    <dgm:fillClrLst meth="repeat">
+      <a:schemeClr val="accent1"/>
+    </dgm:fillClrLst>
+    <dgm:linClrLst meth="repeat">
+      <a:schemeClr val="lt1"/>
+    </dgm:linClrLst>
+    <dgm:effectClrLst/>
+    <dgm:txLinClrLst/>
+    <dgm:txFillClrLst/>
+    <dgm:txEffectClrLst/>
+  </dgm:styleLbl>
+  <dgm:styleLbl name="asst4">
+    <dgm:fillClrLst meth="repeat">
+      <a:schemeClr val="accent1"/>
+    </dgm:fillClrLst>
+    <dgm:linClrLst meth="repeat">
+      <a:schemeClr val="lt1"/>
+    </dgm:linClrLst>
+    <dgm:effectClrLst/>
+    <dgm:txLinClrLst/>
+    <dgm:txFillClrLst/>
+    <dgm:txEffectClrLst/>
+  </dgm:styleLbl>
+  <dgm:styleLbl name="parChTrans2D1">
+    <dgm:fillClrLst meth="repeat">
+      <a:schemeClr val="accent1">
+        <a:tint val="60000"/>
+      </a:schemeClr>
+    </dgm:fillClrLst>
+    <dgm:linClrLst meth="repeat">
+      <a:schemeClr val="accent1">
+        <a:tint val="60000"/>
+      </a:schemeClr>
+    </dgm:linClrLst>
+    <dgm:effectClrLst/>
+    <dgm:txLinClrLst/>
+    <dgm:txFillClrLst meth="repeat">
+      <a:schemeClr val="lt1"/>
+    </dgm:txFillClrLst>
+    <dgm:txEffectClrLst/>
+  </dgm:styleLbl>
+  <dgm:styleLbl name="parChTrans2D2">
+    <dgm:fillClrLst meth="repeat">
+      <a:schemeClr val="accent1"/>
+    </dgm:fillClrLst>
+    <dgm:linClrLst meth="repeat">
+      <a:schemeClr val="accent1"/>
+    </dgm:linClrLst>
+    <dgm:effectClrLst/>
+    <dgm:txLinClrLst/>
+    <dgm:txFillClrLst meth="repeat">
+      <a:schemeClr val="lt1"/>
+    </dgm:txFillClrLst>
+    <dgm:txEffectClrLst/>
+  </dgm:styleLbl>
+  <dgm:styleLbl name="parChTrans2D3">
+    <dgm:fillClrLst meth="repeat">
+      <a:schemeClr val="accent1"/>
+    </dgm:fillClrLst>
+    <dgm:linClrLst meth="repeat">
+      <a:schemeClr val="accent1"/>
+    </dgm:linClrLst>
+    <dgm:effectClrLst/>
+    <dgm:txLinClrLst/>
+    <dgm:txFillClrLst meth="repeat">
+      <a:schemeClr val="lt1"/>
+    </dgm:txFillClrLst>
+    <dgm:txEffectClrLst/>
+  </dgm:styleLbl>
+  <dgm:styleLbl name="parChTrans2D4">
+    <dgm:fillClrLst meth="repeat">
+      <a:schemeClr val="accent1"/>
+    </dgm:fillClrLst>
+    <dgm:linClrLst meth="repeat">
+      <a:schemeClr val="accent1"/>
+    </dgm:linClrLst>
+    <dgm:effectClrLst/>
+    <dgm:txLinClrLst/>
+    <dgm:txFillClrLst meth="repeat">
+      <a:schemeClr val="lt1"/>
+    </dgm:txFillClrLst>
+    <dgm:txEffectClrLst/>
+  </dgm:styleLbl>
+  <dgm:styleLbl name="parChTrans1D1">
+    <dgm:fillClrLst meth="repeat">
+      <a:schemeClr val="accent1"/>
+    </dgm:fillClrLst>
+    <dgm:linClrLst meth="repeat">
+      <a:schemeClr val="accent1">
+        <a:shade val="60000"/>
+      </a:schemeClr>
+    </dgm:linClrLst>
+    <dgm:effectClrLst/>
+    <dgm:txLinClrLst/>
+    <dgm:txFillClrLst meth="repeat">
+      <a:schemeClr val="tx1"/>
+    </dgm:txFillClrLst>
+    <dgm:txEffectClrLst/>
+  </dgm:styleLbl>
+  <dgm:styleLbl name="parChTrans1D2">
+    <dgm:fillClrLst meth="repeat">
+      <a:schemeClr val="accent1"/>
+    </dgm:fillClrLst>
+    <dgm:linClrLst meth="repeat">
+      <a:schemeClr val="accent1">
+        <a:shade val="60000"/>
+      </a:schemeClr>
+    </dgm:linClrLst>
+    <dgm:effectClrLst/>
+    <dgm:txLinClrLst/>
+    <dgm:txFillClrLst meth="repeat">
+      <a:schemeClr val="tx1"/>
+    </dgm:txFillClrLst>
+    <dgm:txEffectClrLst/>
+  </dgm:styleLbl>
+  <dgm:styleLbl name="parChTrans1D3">
+    <dgm:fillClrLst meth="repeat">
+      <a:schemeClr val="accent1"/>
+    </dgm:fillClrLst>
+    <dgm:linClrLst meth="repeat">
+      <a:schemeClr val="accent1">
+        <a:shade val="80000"/>
+      </a:schemeClr>
+    </dgm:linClrLst>
+    <dgm:effectClrLst/>
+    <dgm:txLinClrLst/>
+    <dgm:txFillClrLst meth="repeat">
+      <a:schemeClr val="tx1"/>
+    </dgm:txFillClrLst>
+    <dgm:txEffectClrLst/>
+  </dgm:styleLbl>
+  <dgm:styleLbl name="parChTrans1D4">
+    <dgm:fillClrLst meth="repeat">
+      <a:schemeClr val="accent1"/>
+    </dgm:fillClrLst>
+    <dgm:linClrLst meth="repeat">
+      <a:schemeClr val="accent1">
+        <a:shade val="80000"/>
+      </a:schemeClr>
+    </dgm:linClrLst>
+    <dgm:effectClrLst/>
+    <dgm:txLinClrLst/>
+    <dgm:txFillClrLst meth="repeat">
+      <a:schemeClr val="tx1"/>
+    </dgm:txFillClrLst>
+    <dgm:txEffectClrLst/>
+  </dgm:styleLbl>
+  <dgm:styleLbl name="fgAcc1">
+    <dgm:fillClrLst meth="repeat">
+      <a:schemeClr val="lt1">
+        <a:alpha val="90000"/>
+      </a:schemeClr>
+    </dgm:fillClrLst>
+    <dgm:linClrLst meth="repeat">
+      <a:schemeClr val="accent1"/>
+    </dgm:linClrLst>
+    <dgm:effectClrLst/>
+    <dgm:txLinClrLst/>
+    <dgm:txFillClrLst meth="repeat">
+      <a:schemeClr val="dk1"/>
+    </dgm:txFillClrLst>
+    <dgm:txEffectClrLst/>
+  </dgm:styleLbl>
+  <dgm:styleLbl name="conFgAcc1">
+    <dgm:fillClrLst meth="repeat">
+      <a:schemeClr val="lt1">
+        <a:alpha val="90000"/>
+      </a:schemeClr>
+    </dgm:fillClrLst>
+    <dgm:linClrLst meth="repeat">
+      <a:schemeClr val="accent1"/>
+    </dgm:linClrLst>
+    <dgm:effectClrLst/>
+    <dgm:txLinClrLst/>
+    <dgm:txFillClrLst meth="repeat">
+      <a:schemeClr val="dk1"/>
+    </dgm:txFillClrLst>
+    <dgm:txEffectClrLst/>
+  </dgm:styleLbl>
+  <dgm:styleLbl name="alignAcc1">
+    <dgm:fillClrLst meth="repeat">
+      <a:schemeClr val="lt1">
+        <a:alpha val="90000"/>
+      </a:schemeClr>
+    </dgm:fillClrLst>
+    <dgm:linClrLst meth="repeat">
+      <a:schemeClr val="accent1"/>
+    </dgm:linClrLst>
+    <dgm:effectClrLst/>
+    <dgm:txLinClrLst/>
+    <dgm:txFillClrLst meth="repeat">
+      <a:schemeClr val="dk1"/>
+    </dgm:txFillClrLst>
+    <dgm:txEffectClrLst/>
+  </dgm:styleLbl>
+  <dgm:styleLbl name="trAlignAcc1">
+    <dgm:fillClrLst meth="repeat">
+      <a:schemeClr val="lt1">
+        <a:alpha val="40000"/>
+      </a:schemeClr>
+    </dgm:fillClrLst>
+    <dgm:linClrLst meth="repeat">
+      <a:schemeClr val="accent1"/>
+    </dgm:linClrLst>
+    <dgm:effectClrLst/>
+    <dgm:txLinClrLst/>
+    <dgm:txFillClrLst meth="repeat">
+      <a:schemeClr val="dk1"/>
+    </dgm:txFillClrLst>
+    <dgm:txEffectClrLst/>
+  </dgm:styleLbl>
+  <dgm:styleLbl name="bgAcc1">
+    <dgm:fillClrLst meth="repeat">
+      <a:schemeClr val="lt1">
+        <a:alpha val="90000"/>
+      </a:schemeClr>
+    </dgm:fillClrLst>
+    <dgm:linClrLst meth="repeat">
+      <a:schemeClr val="accent1"/>
+    </dgm:linClrLst>
+    <dgm:effectClrLst/>
+    <dgm:txLinClrLst/>
+    <dgm:txFillClrLst meth="repeat">
+      <a:schemeClr val="dk1"/>
+    </dgm:txFillClrLst>
+    <dgm:txEffectClrLst/>
+  </dgm:styleLbl>
+  <dgm:styleLbl name="solidFgAcc1">
+    <dgm:fillClrLst meth="repeat">
+      <a:schemeClr val="lt1"/>
+    </dgm:fillClrLst>
+    <dgm:linClrLst meth="repeat">
+      <a:schemeClr val="accent1"/>
+    </dgm:linClrLst>
+    <dgm:effectClrLst/>
+    <dgm:txLinClrLst/>
+    <dgm:txFillClrLst meth="repeat">
+      <a:schemeClr val="dk1"/>
+    </dgm:txFillClrLst>
+    <dgm:txEffectClrLst/>
+  </dgm:styleLbl>
+  <dgm:styleLbl name="solidAlignAcc1">
+    <dgm:fillClrLst meth="repeat">
+      <a:schemeClr val="lt1"/>
+    </dgm:fillClrLst>
+    <dgm:linClrLst meth="repeat">
+      <a:schemeClr val="accent1"/>
+    </dgm:linClrLst>
+    <dgm:effectClrLst/>
+    <dgm:txLinClrLst/>
+    <dgm:txFillClrLst meth="repeat">
+      <a:schemeClr val="dk1"/>
+    </dgm:txFillClrLst>
+    <dgm:txEffectClrLst/>
+  </dgm:styleLbl>
+  <dgm:styleLbl name="solidBgAcc1">
+    <dgm:fillClrLst meth="repeat">
+      <a:schemeClr val="lt1"/>
+    </dgm:fillClrLst>
+    <dgm:linClrLst meth="repeat">
+      <a:schemeClr val="accent1"/>
+    </dgm:linClrLst>
+    <dgm:effectClrLst/>
+    <dgm:txLinClrLst/>
+    <dgm:txFillClrLst meth="repeat">
+      <a:schemeClr val="dk1"/>
+    </dgm:txFillClrLst>
+    <dgm:txEffectClrLst/>
+  </dgm:styleLbl>
+  <dgm:styleLbl name="fgAccFollowNode1">
+    <dgm:fillClrLst meth="repeat">
+      <a:schemeClr val="accent1">
+        <a:alpha val="90000"/>
+        <a:tint val="40000"/>
+      </a:schemeClr>
+    </dgm:fillClrLst>
+    <dgm:linClrLst meth="repeat">
+      <a:schemeClr val="accent1">
+        <a:alpha val="90000"/>
+        <a:tint val="40000"/>
+      </a:schemeClr>
+    </dgm:linClrLst>
+    <dgm:effectClrLst/>
+    <dgm:txLinClrLst/>
+    <dgm:txFillClrLst meth="repeat">
+      <a:schemeClr val="dk1"/>
+    </dgm:txFillClrLst>
+    <dgm:txEffectClrLst/>
+  </dgm:styleLbl>
+  <dgm:styleLbl name="alignAccFollowNode1">
+    <dgm:fillClrLst meth="repeat">
+      <a:schemeClr val="accent1">
+        <a:alpha val="90000"/>
+        <a:tint val="40000"/>
+      </a:schemeClr>
+    </dgm:fillClrLst>
+    <dgm:linClrLst meth="repeat">
+      <a:schemeClr val="accent1">
+        <a:alpha val="90000"/>
+        <a:tint val="40000"/>
+      </a:schemeClr>
+    </dgm:linClrLst>
+    <dgm:effectClrLst/>
+    <dgm:txLinClrLst/>
+    <dgm:txFillClrLst meth="repeat">
+      <a:schemeClr val="dk1"/>
+    </dgm:txFillClrLst>
+    <dgm:txEffectClrLst/>
+  </dgm:styleLbl>
+  <dgm:styleLbl name="bgAccFollowNode1">
+    <dgm:fillClrLst meth="repeat">
+      <a:schemeClr val="accent1">
+        <a:alpha val="90000"/>
+        <a:tint val="40000"/>
+      </a:schemeClr>
+    </dgm:fillClrLst>
+    <dgm:linClrLst meth="repeat">
+      <a:schemeClr val="accent1">
+        <a:alpha val="90000"/>
+        <a:tint val="40000"/>
+      </a:schemeClr>
+    </dgm:linClrLst>
+    <dgm:effectClrLst/>
+    <dgm:txLinClrLst/>
+    <dgm:txFillClrLst meth="repeat">
+      <a:schemeClr val="dk1"/>
+    </dgm:txFillClrLst>
+    <dgm:txEffectClrLst/>
+  </dgm:styleLbl>
+  <dgm:styleLbl name="fgAcc0">
+    <dgm:fillClrLst meth="repeat">
+      <a:schemeClr val="lt1">
+        <a:alpha val="90000"/>
+      </a:schemeClr>
+    </dgm:fillClrLst>
+    <dgm:linClrLst meth="repeat">
+      <a:schemeClr val="accent1"/>
+    </dgm:linClrLst>
+    <dgm:effectClrLst/>
+    <dgm:txLinClrLst/>
+    <dgm:txFillClrLst meth="repeat">
+      <a:schemeClr val="dk1"/>
+    </dgm:txFillClrLst>
+    <dgm:txEffectClrLst/>
+  </dgm:styleLbl>
+  <dgm:styleLbl name="fgAcc2">
+    <dgm:fillClrLst meth="repeat">
+      <a:schemeClr val="lt1">
+        <a:alpha val="90000"/>
+      </a:schemeClr>
+    </dgm:fillClrLst>
+    <dgm:linClrLst meth="repeat">
+      <a:schemeClr val="accent1"/>
+    </dgm:linClrLst>
+    <dgm:effectClrLst/>
+    <dgm:txLinClrLst/>
+    <dgm:txFillClrLst meth="repeat">
+      <a:schemeClr val="dk1"/>
+    </dgm:txFillClrLst>
+    <dgm:txEffectClrLst/>
+  </dgm:styleLbl>
+  <dgm:styleLbl name="fgAcc3">
+    <dgm:fillClrLst meth="repeat">
+      <a:schemeClr val="lt1">
+        <a:alpha val="90000"/>
+      </a:schemeClr>
+    </dgm:fillClrLst>
+    <dgm:linClrLst meth="repeat">
+      <a:schemeClr val="accent1"/>
+    </dgm:linClrLst>
+    <dgm:effectClrLst/>
+    <dgm:txLinClrLst/>
+    <dgm:txFillClrLst meth="repeat">
+      <a:schemeClr val="dk1"/>
+    </dgm:txFillClrLst>
+    <dgm:txEffectClrLst/>
+  </dgm:styleLbl>
+  <dgm:styleLbl name="fgAcc4">
+    <dgm:fillClrLst meth="repeat">
+      <a:schemeClr val="lt1">
+        <a:alpha val="90000"/>
+      </a:schemeClr>
+    </dgm:fillClrLst>
+    <dgm:linClrLst meth="repeat">
+      <a:schemeClr val="accent1"/>
+    </dgm:linClrLst>
+    <dgm:effectClrLst/>
+    <dgm:txLinClrLst/>
+    <dgm:txFillClrLst meth="repeat">
+      <a:schemeClr val="dk1"/>
+    </dgm:txFillClrLst>
+    <dgm:txEffectClrLst/>
+  </dgm:styleLbl>
+  <dgm:styleLbl name="bgShp">
+    <dgm:fillClrLst meth="repeat">
+      <a:schemeClr val="accent1">
+        <a:tint val="40000"/>
+      </a:schemeClr>
+    </dgm:fillClrLst>
+    <dgm:linClrLst meth="repeat">
+      <a:schemeClr val="accent1"/>
+    </dgm:linClrLst>
+    <dgm:effectClrLst/>
+    <dgm:txLinClrLst/>
+    <dgm:txFillClrLst meth="repeat">
+      <a:schemeClr val="dk1"/>
+    </dgm:txFillClrLst>
+    <dgm:txEffectClrLst/>
+  </dgm:styleLbl>
+  <dgm:styleLbl name="dkBgShp">
+    <dgm:fillClrLst meth="repeat">
+      <a:schemeClr val="accent1">
+        <a:shade val="80000"/>
+      </a:schemeClr>
+    </dgm:fillClrLst>
+    <dgm:linClrLst meth="repeat">
+      <a:schemeClr val="accent1"/>
+    </dgm:linClrLst>
+    <dgm:effectClrLst/>
+    <dgm:txLinClrLst/>
+    <dgm:txFillClrLst meth="repeat">
+      <a:schemeClr val="lt1"/>
+    </dgm:txFillClrLst>
+    <dgm:txEffectClrLst/>
+  </dgm:styleLbl>
+  <dgm:styleLbl name="trBgShp">
+    <dgm:fillClrLst meth="repeat">
+      <a:schemeClr val="accent1">
+        <a:tint val="50000"/>
+        <a:alpha val="40000"/>
+      </a:schemeClr>
+    </dgm:fillClrLst>
+    <dgm:linClrLst meth="repeat">
+      <a:schemeClr val="accent1"/>
+    </dgm:linClrLst>
+    <dgm:effectClrLst/>
+    <dgm:txLinClrLst/>
+    <dgm:txFillClrLst meth="repeat">
+      <a:schemeClr val="lt1"/>
+    </dgm:txFillClrLst>
+    <dgm:txEffectClrLst/>
+  </dgm:styleLbl>
+  <dgm:styleLbl name="fgShp">
+    <dgm:fillClrLst meth="repeat">
+      <a:schemeClr val="accent1">
+        <a:tint val="60000"/>
+      </a:schemeClr>
+    </dgm:fillClrLst>
+    <dgm:linClrLst meth="repeat">
+      <a:schemeClr val="lt1"/>
+    </dgm:linClrLst>
+    <dgm:effectClrLst/>
+    <dgm:txLinClrLst/>
+    <dgm:txFillClrLst meth="repeat">
+      <a:schemeClr val="dk1"/>
+    </dgm:txFillClrLst>
+    <dgm:txEffectClrLst/>
+  </dgm:styleLbl>
+  <dgm:styleLbl name="revTx">
+    <dgm:fillClrLst meth="repeat">
+      <a:schemeClr val="lt1">
+        <a:alpha val="0"/>
+      </a:schemeClr>
+    </dgm:fillClrLst>
+    <dgm:linClrLst meth="repeat">
+      <a:schemeClr val="dk1">
+        <a:alpha val="0"/>
+      </a:schemeClr>
+    </dgm:linClrLst>
+    <dgm:effectClrLst/>
+    <dgm:txLinClrLst/>
+    <dgm:txFillClrLst meth="repeat">
+      <a:schemeClr val="tx1"/>
+    </dgm:txFillClrLst>
+    <dgm:txEffectClrLst/>
+  </dgm:styleLbl>
+</dgm:colorsDef>
+</file>
+
 <file path=ppt/diagrams/data1.xml><?xml version="1.0" encoding="utf-8"?>
 <dgm:dataModel xmlns:dgm="http://schemas.openxmlformats.org/drawingml/2006/diagram" xmlns:a="http://schemas.openxmlformats.org/drawingml/2006/main">
   <dgm:ptLst>
@@ -1941,6 +3437,1220 @@
 </file>
 
 <file path=ppt/diagrams/data2.xml><?xml version="1.0" encoding="utf-8"?>
+<dgm:dataModel xmlns:dgm="http://schemas.openxmlformats.org/drawingml/2006/diagram" xmlns:a="http://schemas.openxmlformats.org/drawingml/2006/main">
+  <dgm:ptLst>
+    <dgm:pt modelId="{BA2FAB3D-81B6-4C82-BA38-D897035D7D3F}" type="doc">
+      <dgm:prSet loTypeId="urn:microsoft.com/office/officeart/2005/8/layout/chevron2" loCatId="process" qsTypeId="urn:microsoft.com/office/officeart/2005/8/quickstyle/simple1" qsCatId="simple" csTypeId="urn:microsoft.com/office/officeart/2005/8/colors/accent1_2" csCatId="accent1" phldr="1"/>
+      <dgm:spPr/>
+      <dgm:t>
+        <a:bodyPr/>
+        <a:lstStyle/>
+        <a:p>
+          <a:endParaRPr lang="en-MY"/>
+        </a:p>
+      </dgm:t>
+    </dgm:pt>
+    <dgm:pt modelId="{A5A83577-164B-4C8C-B5F2-52BFBA792537}">
+      <dgm:prSet phldrT="[Text]"/>
+      <dgm:spPr/>
+      <dgm:t>
+        <a:bodyPr/>
+        <a:lstStyle/>
+        <a:p>
+          <a:r>
+            <a:rPr lang="en-MY" dirty="0"/>
+            <a:t>Info-gathering Test </a:t>
+          </a:r>
+        </a:p>
+      </dgm:t>
+    </dgm:pt>
+    <dgm:pt modelId="{AA16010F-7A5D-46F5-99CF-65810E36D089}" type="parTrans" cxnId="{0897F320-0956-4BF0-8105-D891C1E0154D}">
+      <dgm:prSet/>
+      <dgm:spPr/>
+      <dgm:t>
+        <a:bodyPr/>
+        <a:lstStyle/>
+        <a:p>
+          <a:endParaRPr lang="en-MY"/>
+        </a:p>
+      </dgm:t>
+    </dgm:pt>
+    <dgm:pt modelId="{48CA02E2-39E3-4E62-ADA3-E381C4B87116}" type="sibTrans" cxnId="{0897F320-0956-4BF0-8105-D891C1E0154D}">
+      <dgm:prSet/>
+      <dgm:spPr/>
+      <dgm:t>
+        <a:bodyPr/>
+        <a:lstStyle/>
+        <a:p>
+          <a:endParaRPr lang="en-MY"/>
+        </a:p>
+      </dgm:t>
+    </dgm:pt>
+    <dgm:pt modelId="{FF2C68A9-703E-4A55-AE17-2C3C41021AB2}">
+      <dgm:prSet phldrT="[Text]"/>
+      <dgm:spPr/>
+      <dgm:t>
+        <a:bodyPr/>
+        <a:lstStyle/>
+        <a:p>
+          <a:r>
+            <a:rPr kumimoji="0" lang="en-US" b="0" i="0" u="none" strike="noStrike" cap="none" spc="0" normalizeH="0" baseline="0" noProof="0" dirty="0">
+              <a:ln>
+                <a:noFill/>
+              </a:ln>
+              <a:solidFill>
+                <a:prstClr val="black"/>
+              </a:solidFill>
+              <a:effectLst/>
+              <a:uLnTx/>
+              <a:uFillTx/>
+              <a:latin typeface="Calibri"/>
+              <a:ea typeface="+mn-ea"/>
+              <a:cs typeface="+mn-cs"/>
+            </a:rPr>
+            <a:t>Gather information that published by Virus Total and other software security website within the latest 24 hours. </a:t>
+          </a:r>
+          <a:endParaRPr lang="en-MY" dirty="0"/>
+        </a:p>
+      </dgm:t>
+    </dgm:pt>
+    <dgm:pt modelId="{23BA73F8-9854-4726-A387-C2D9CA49586C}" type="parTrans" cxnId="{98419961-D83B-460A-8A0E-E3B0D4C2A601}">
+      <dgm:prSet/>
+      <dgm:spPr/>
+      <dgm:t>
+        <a:bodyPr/>
+        <a:lstStyle/>
+        <a:p>
+          <a:endParaRPr lang="en-MY"/>
+        </a:p>
+      </dgm:t>
+    </dgm:pt>
+    <dgm:pt modelId="{C78637D3-286A-46C9-8E66-5BFC532E08E4}" type="sibTrans" cxnId="{98419961-D83B-460A-8A0E-E3B0D4C2A601}">
+      <dgm:prSet/>
+      <dgm:spPr/>
+      <dgm:t>
+        <a:bodyPr/>
+        <a:lstStyle/>
+        <a:p>
+          <a:endParaRPr lang="en-MY"/>
+        </a:p>
+      </dgm:t>
+    </dgm:pt>
+    <dgm:pt modelId="{CFBF9D44-BE99-4C7A-9397-5CA4B3C96365}">
+      <dgm:prSet phldrT="[Text]"/>
+      <dgm:spPr/>
+      <dgm:t>
+        <a:bodyPr/>
+        <a:lstStyle/>
+        <a:p>
+          <a:r>
+            <a:rPr lang="en-MY" dirty="0"/>
+            <a:t>Complete in 30 seconds.</a:t>
+          </a:r>
+        </a:p>
+      </dgm:t>
+    </dgm:pt>
+    <dgm:pt modelId="{B07BAB91-DB8B-43E3-9F00-4E707FBAB4E0}" type="parTrans" cxnId="{D658CF27-597B-46D2-B619-F314E13BA3F5}">
+      <dgm:prSet/>
+      <dgm:spPr/>
+      <dgm:t>
+        <a:bodyPr/>
+        <a:lstStyle/>
+        <a:p>
+          <a:endParaRPr lang="en-MY"/>
+        </a:p>
+      </dgm:t>
+    </dgm:pt>
+    <dgm:pt modelId="{8F21E347-200E-41B5-BC88-B4740051DE8B}" type="sibTrans" cxnId="{D658CF27-597B-46D2-B619-F314E13BA3F5}">
+      <dgm:prSet/>
+      <dgm:spPr/>
+      <dgm:t>
+        <a:bodyPr/>
+        <a:lstStyle/>
+        <a:p>
+          <a:endParaRPr lang="en-MY"/>
+        </a:p>
+      </dgm:t>
+    </dgm:pt>
+    <dgm:pt modelId="{7D6EF572-5EC6-4C84-8563-FC1F82E66669}">
+      <dgm:prSet phldrT="[Text]"/>
+      <dgm:spPr/>
+      <dgm:t>
+        <a:bodyPr/>
+        <a:lstStyle/>
+        <a:p>
+          <a:r>
+            <a:rPr lang="en-MY" dirty="0"/>
+            <a:t>Hash/signature  Extraction Test</a:t>
+          </a:r>
+        </a:p>
+      </dgm:t>
+    </dgm:pt>
+    <dgm:pt modelId="{B8807F8D-F6A0-4D38-834D-4A9A462280D9}" type="parTrans" cxnId="{1295AE9F-699D-47C0-8965-EBE7367ADCED}">
+      <dgm:prSet/>
+      <dgm:spPr/>
+      <dgm:t>
+        <a:bodyPr/>
+        <a:lstStyle/>
+        <a:p>
+          <a:endParaRPr lang="en-MY"/>
+        </a:p>
+      </dgm:t>
+    </dgm:pt>
+    <dgm:pt modelId="{11281F99-E085-45A5-A926-EF70D4731C20}" type="sibTrans" cxnId="{1295AE9F-699D-47C0-8965-EBE7367ADCED}">
+      <dgm:prSet/>
+      <dgm:spPr/>
+      <dgm:t>
+        <a:bodyPr/>
+        <a:lstStyle/>
+        <a:p>
+          <a:endParaRPr lang="en-MY"/>
+        </a:p>
+      </dgm:t>
+    </dgm:pt>
+    <dgm:pt modelId="{39C0DCC4-14D7-40C8-8054-320FB6E822CB}">
+      <dgm:prSet phldrT="[Text]"/>
+      <dgm:spPr/>
+      <dgm:t>
+        <a:bodyPr/>
+        <a:lstStyle/>
+        <a:p>
+          <a:r>
+            <a:rPr lang="en-MY" dirty="0"/>
+            <a:t>Remove redundant information and extract necessary hash/signature</a:t>
+          </a:r>
+        </a:p>
+      </dgm:t>
+    </dgm:pt>
+    <dgm:pt modelId="{3ADC6B9F-2FEA-4F3E-860B-3B54AAC6CFD9}" type="parTrans" cxnId="{11221DB5-9749-4F6E-A26A-3086A3817FC7}">
+      <dgm:prSet/>
+      <dgm:spPr/>
+      <dgm:t>
+        <a:bodyPr/>
+        <a:lstStyle/>
+        <a:p>
+          <a:endParaRPr lang="en-MY"/>
+        </a:p>
+      </dgm:t>
+    </dgm:pt>
+    <dgm:pt modelId="{03AF96FB-89C5-4C4E-95F5-8B206B3F7B05}" type="sibTrans" cxnId="{11221DB5-9749-4F6E-A26A-3086A3817FC7}">
+      <dgm:prSet/>
+      <dgm:spPr/>
+      <dgm:t>
+        <a:bodyPr/>
+        <a:lstStyle/>
+        <a:p>
+          <a:endParaRPr lang="en-MY"/>
+        </a:p>
+      </dgm:t>
+    </dgm:pt>
+    <dgm:pt modelId="{48D1509A-E47B-43FF-B8A0-ED6CC8593F08}">
+      <dgm:prSet phldrT="[Text]"/>
+      <dgm:spPr/>
+      <dgm:t>
+        <a:bodyPr/>
+        <a:lstStyle/>
+        <a:p>
+          <a:r>
+            <a:rPr lang="en-MY" dirty="0"/>
+            <a:t>Complete within 3 minutes</a:t>
+          </a:r>
+        </a:p>
+      </dgm:t>
+    </dgm:pt>
+    <dgm:pt modelId="{39F8D2BA-1B81-4AB1-8F3C-FFC0EF36BB78}" type="parTrans" cxnId="{4A02DCB9-1E2D-4194-8675-168A8CCF4877}">
+      <dgm:prSet/>
+      <dgm:spPr/>
+      <dgm:t>
+        <a:bodyPr/>
+        <a:lstStyle/>
+        <a:p>
+          <a:endParaRPr lang="en-MY"/>
+        </a:p>
+      </dgm:t>
+    </dgm:pt>
+    <dgm:pt modelId="{87AE719F-5FD0-499A-91BA-ACDB246F13A5}" type="sibTrans" cxnId="{4A02DCB9-1E2D-4194-8675-168A8CCF4877}">
+      <dgm:prSet/>
+      <dgm:spPr/>
+      <dgm:t>
+        <a:bodyPr/>
+        <a:lstStyle/>
+        <a:p>
+          <a:endParaRPr lang="en-MY"/>
+        </a:p>
+      </dgm:t>
+    </dgm:pt>
+    <dgm:pt modelId="{4F0D7010-9C11-49AC-80EA-91A088459301}">
+      <dgm:prSet phldrT="[Text]"/>
+      <dgm:spPr/>
+      <dgm:t>
+        <a:bodyPr/>
+        <a:lstStyle/>
+        <a:p>
+          <a:r>
+            <a:rPr lang="en-MY" dirty="0"/>
+            <a:t>Virus Scanning Test</a:t>
+          </a:r>
+        </a:p>
+      </dgm:t>
+    </dgm:pt>
+    <dgm:pt modelId="{500C3AC0-F4BC-458E-AAAA-E132696450F2}" type="parTrans" cxnId="{CC702852-CAB3-450F-8A36-CFF74948FB24}">
+      <dgm:prSet/>
+      <dgm:spPr/>
+      <dgm:t>
+        <a:bodyPr/>
+        <a:lstStyle/>
+        <a:p>
+          <a:endParaRPr lang="en-MY"/>
+        </a:p>
+      </dgm:t>
+    </dgm:pt>
+    <dgm:pt modelId="{6463B5D0-D7E2-4BEB-BF48-94DFFF26B2FD}" type="sibTrans" cxnId="{CC702852-CAB3-450F-8A36-CFF74948FB24}">
+      <dgm:prSet/>
+      <dgm:spPr/>
+      <dgm:t>
+        <a:bodyPr/>
+        <a:lstStyle/>
+        <a:p>
+          <a:endParaRPr lang="en-MY"/>
+        </a:p>
+      </dgm:t>
+    </dgm:pt>
+    <dgm:pt modelId="{462D4D1D-1A1E-4CF3-92F0-91539A30D9D1}">
+      <dgm:prSet phldrT="[Text]"/>
+      <dgm:spPr/>
+      <dgm:t>
+        <a:bodyPr/>
+        <a:lstStyle/>
+        <a:p>
+          <a:r>
+            <a:rPr lang="en-MY" dirty="0"/>
+            <a:t>Scan </a:t>
+          </a:r>
+          <a:r>
+            <a:rPr kumimoji="0" lang="en-US" b="0" i="0" u="none" strike="noStrike" cap="none" spc="0" normalizeH="0" baseline="0" noProof="0" dirty="0">
+              <a:ln>
+                <a:noFill/>
+              </a:ln>
+              <a:solidFill>
+                <a:prstClr val="black"/>
+              </a:solidFill>
+              <a:effectLst/>
+              <a:uLnTx/>
+              <a:uFillTx/>
+              <a:latin typeface="Calibri"/>
+              <a:ea typeface="+mn-ea"/>
+              <a:cs typeface="+mn-cs"/>
+            </a:rPr>
+            <a:t>100 known phishing email collected within the latest 12 hours</a:t>
+          </a:r>
+          <a:r>
+            <a:rPr lang="en-MY" dirty="0"/>
+            <a:t> </a:t>
+          </a:r>
+        </a:p>
+      </dgm:t>
+    </dgm:pt>
+    <dgm:pt modelId="{9610E1B0-79A1-40E7-A84F-CE8E5B7EEC1E}" type="parTrans" cxnId="{76644E20-2DEF-4AD2-BB9D-66CE2423858E}">
+      <dgm:prSet/>
+      <dgm:spPr/>
+      <dgm:t>
+        <a:bodyPr/>
+        <a:lstStyle/>
+        <a:p>
+          <a:endParaRPr lang="en-MY"/>
+        </a:p>
+      </dgm:t>
+    </dgm:pt>
+    <dgm:pt modelId="{F01B60F1-C04C-406E-BFDF-6930DACA8F7C}" type="sibTrans" cxnId="{76644E20-2DEF-4AD2-BB9D-66CE2423858E}">
+      <dgm:prSet/>
+      <dgm:spPr/>
+      <dgm:t>
+        <a:bodyPr/>
+        <a:lstStyle/>
+        <a:p>
+          <a:endParaRPr lang="en-MY"/>
+        </a:p>
+      </dgm:t>
+    </dgm:pt>
+    <dgm:pt modelId="{D65D2250-A356-45D5-9AE4-CC3838667A88}">
+      <dgm:prSet phldrT="[Text]"/>
+      <dgm:spPr/>
+      <dgm:t>
+        <a:bodyPr/>
+        <a:lstStyle/>
+        <a:p>
+          <a:r>
+            <a:rPr lang="en-MY" dirty="0"/>
+            <a:t>Complete within 1 minute</a:t>
+          </a:r>
+        </a:p>
+      </dgm:t>
+    </dgm:pt>
+    <dgm:pt modelId="{D6B04488-6138-4E14-8176-F679115F1B6E}" type="parTrans" cxnId="{9A69FFCF-EF13-4C80-8F27-329820113CB3}">
+      <dgm:prSet/>
+      <dgm:spPr/>
+      <dgm:t>
+        <a:bodyPr/>
+        <a:lstStyle/>
+        <a:p>
+          <a:endParaRPr lang="en-MY"/>
+        </a:p>
+      </dgm:t>
+    </dgm:pt>
+    <dgm:pt modelId="{F73CC3B5-BDC6-4C88-814E-F750A3791796}" type="sibTrans" cxnId="{9A69FFCF-EF13-4C80-8F27-329820113CB3}">
+      <dgm:prSet/>
+      <dgm:spPr/>
+      <dgm:t>
+        <a:bodyPr/>
+        <a:lstStyle/>
+        <a:p>
+          <a:endParaRPr lang="en-MY"/>
+        </a:p>
+      </dgm:t>
+    </dgm:pt>
+    <dgm:pt modelId="{ACBF3CCF-F9B1-4F5A-BD32-B28072EE9D08}">
+      <dgm:prSet/>
+      <dgm:spPr/>
+      <dgm:t>
+        <a:bodyPr/>
+        <a:lstStyle/>
+        <a:p>
+          <a:r>
+            <a:rPr lang="en-MY" dirty="0"/>
+            <a:t>Machine Learning Test</a:t>
+          </a:r>
+        </a:p>
+      </dgm:t>
+    </dgm:pt>
+    <dgm:pt modelId="{0114FC3A-8326-43BF-A8A6-3136659D8097}" type="parTrans" cxnId="{00FB2418-9E5C-496D-8474-C9A4AA04F980}">
+      <dgm:prSet/>
+      <dgm:spPr/>
+      <dgm:t>
+        <a:bodyPr/>
+        <a:lstStyle/>
+        <a:p>
+          <a:endParaRPr lang="en-MY"/>
+        </a:p>
+      </dgm:t>
+    </dgm:pt>
+    <dgm:pt modelId="{30BDC718-B89D-47C6-8ACB-F8CF221E0F9B}" type="sibTrans" cxnId="{00FB2418-9E5C-496D-8474-C9A4AA04F980}">
+      <dgm:prSet/>
+      <dgm:spPr/>
+      <dgm:t>
+        <a:bodyPr/>
+        <a:lstStyle/>
+        <a:p>
+          <a:endParaRPr lang="en-MY"/>
+        </a:p>
+      </dgm:t>
+    </dgm:pt>
+    <dgm:pt modelId="{9677E242-DC52-44FB-8718-7A8C245F9165}">
+      <dgm:prSet/>
+      <dgm:spPr/>
+      <dgm:t>
+        <a:bodyPr/>
+        <a:lstStyle/>
+        <a:p>
+          <a:r>
+            <a:rPr lang="en-MY" dirty="0"/>
+            <a:t>Email Account Test</a:t>
+          </a:r>
+        </a:p>
+      </dgm:t>
+    </dgm:pt>
+    <dgm:pt modelId="{561D92B7-7D30-4F0B-9122-4CFEBCCC15DA}" type="parTrans" cxnId="{2F3F1893-4156-4DF9-94BF-1E21F333100A}">
+      <dgm:prSet/>
+      <dgm:spPr/>
+      <dgm:t>
+        <a:bodyPr/>
+        <a:lstStyle/>
+        <a:p>
+          <a:endParaRPr lang="en-MY"/>
+        </a:p>
+      </dgm:t>
+    </dgm:pt>
+    <dgm:pt modelId="{2C3B6347-FFDD-41A5-B162-5FCA431A8A85}" type="sibTrans" cxnId="{2F3F1893-4156-4DF9-94BF-1E21F333100A}">
+      <dgm:prSet/>
+      <dgm:spPr/>
+      <dgm:t>
+        <a:bodyPr/>
+        <a:lstStyle/>
+        <a:p>
+          <a:endParaRPr lang="en-MY"/>
+        </a:p>
+      </dgm:t>
+    </dgm:pt>
+    <dgm:pt modelId="{B4AF978A-D1B4-43EF-A63B-922A3B3EA7CB}">
+      <dgm:prSet/>
+      <dgm:spPr/>
+      <dgm:t>
+        <a:bodyPr/>
+        <a:lstStyle/>
+        <a:p>
+          <a:endParaRPr lang="en-MY" dirty="0"/>
+        </a:p>
+      </dgm:t>
+    </dgm:pt>
+    <dgm:pt modelId="{27B56B41-94CE-4326-A9FB-D11E716AF522}" type="parTrans" cxnId="{361D9357-E0B9-4644-AFA2-EAEB4D83BF2C}">
+      <dgm:prSet/>
+      <dgm:spPr/>
+      <dgm:t>
+        <a:bodyPr/>
+        <a:lstStyle/>
+        <a:p>
+          <a:endParaRPr lang="en-MY"/>
+        </a:p>
+      </dgm:t>
+    </dgm:pt>
+    <dgm:pt modelId="{FFBF3F86-30F7-427C-A70D-9CCAFFEADD3E}" type="sibTrans" cxnId="{361D9357-E0B9-4644-AFA2-EAEB4D83BF2C}">
+      <dgm:prSet/>
+      <dgm:spPr/>
+      <dgm:t>
+        <a:bodyPr/>
+        <a:lstStyle/>
+        <a:p>
+          <a:endParaRPr lang="en-MY"/>
+        </a:p>
+      </dgm:t>
+    </dgm:pt>
+    <dgm:pt modelId="{C529BBDF-0E76-455C-979D-9A5529645497}">
+      <dgm:prSet/>
+      <dgm:spPr/>
+      <dgm:t>
+        <a:bodyPr/>
+        <a:lstStyle/>
+        <a:p>
+          <a:endParaRPr lang="en-MY" dirty="0"/>
+        </a:p>
+      </dgm:t>
+    </dgm:pt>
+    <dgm:pt modelId="{4A5C7827-9E4D-4BE7-ABDF-4D95D454C9C2}" type="parTrans" cxnId="{35D2F31E-43EA-4648-AE26-6AA3FAF85895}">
+      <dgm:prSet/>
+      <dgm:spPr/>
+      <dgm:t>
+        <a:bodyPr/>
+        <a:lstStyle/>
+        <a:p>
+          <a:endParaRPr lang="en-MY"/>
+        </a:p>
+      </dgm:t>
+    </dgm:pt>
+    <dgm:pt modelId="{B68B5A00-7C65-45C6-A19A-8BF3121C55E9}" type="sibTrans" cxnId="{35D2F31E-43EA-4648-AE26-6AA3FAF85895}">
+      <dgm:prSet/>
+      <dgm:spPr/>
+      <dgm:t>
+        <a:bodyPr/>
+        <a:lstStyle/>
+        <a:p>
+          <a:endParaRPr lang="en-MY"/>
+        </a:p>
+      </dgm:t>
+    </dgm:pt>
+    <dgm:pt modelId="{C12EADD9-07EF-42EA-B1BC-59D19F7FC107}">
+      <dgm:prSet/>
+      <dgm:spPr/>
+      <dgm:t>
+        <a:bodyPr/>
+        <a:lstStyle/>
+        <a:p>
+          <a:r>
+            <a:rPr kumimoji="0" lang="en-US" b="0" i="0" u="none" strike="noStrike" cap="none" spc="0" normalizeH="0" baseline="0" noProof="0" dirty="0">
+              <a:ln>
+                <a:noFill/>
+              </a:ln>
+              <a:solidFill>
+                <a:prstClr val="black"/>
+              </a:solidFill>
+              <a:effectLst/>
+              <a:uLnTx/>
+              <a:uFillTx/>
+              <a:latin typeface="Calibri"/>
+              <a:ea typeface="+mn-ea"/>
+              <a:cs typeface="+mn-cs"/>
+            </a:rPr>
+            <a:t>8000 known phishing email collected in the past 1 week are used for training machine learning model. </a:t>
+          </a:r>
+          <a:endParaRPr lang="en-MY" dirty="0"/>
+        </a:p>
+      </dgm:t>
+    </dgm:pt>
+    <dgm:pt modelId="{A725A5AB-3838-406D-A15D-5B538892C35C}" type="parTrans" cxnId="{E17AD399-DAA1-4C7F-ADEC-8CED3D7F74D3}">
+      <dgm:prSet/>
+      <dgm:spPr/>
+      <dgm:t>
+        <a:bodyPr/>
+        <a:lstStyle/>
+        <a:p>
+          <a:endParaRPr lang="en-MY"/>
+        </a:p>
+      </dgm:t>
+    </dgm:pt>
+    <dgm:pt modelId="{3BCE76C2-DE4F-4561-9E8C-157C3D853836}" type="sibTrans" cxnId="{E17AD399-DAA1-4C7F-ADEC-8CED3D7F74D3}">
+      <dgm:prSet/>
+      <dgm:spPr/>
+      <dgm:t>
+        <a:bodyPr/>
+        <a:lstStyle/>
+        <a:p>
+          <a:endParaRPr lang="en-MY"/>
+        </a:p>
+      </dgm:t>
+    </dgm:pt>
+    <dgm:pt modelId="{EC883152-774D-474D-A842-FA7AEEA7FD06}">
+      <dgm:prSet/>
+      <dgm:spPr/>
+      <dgm:t>
+        <a:bodyPr/>
+        <a:lstStyle/>
+        <a:p>
+          <a:r>
+            <a:rPr lang="en-MY" dirty="0"/>
+            <a:t>Training complete in 6 hours. Accuracy must reach 99.8%</a:t>
+          </a:r>
+        </a:p>
+      </dgm:t>
+    </dgm:pt>
+    <dgm:pt modelId="{1A911721-EE80-41AD-B38F-51CD947C2AB7}" type="parTrans" cxnId="{03946EE8-3D04-4372-8AE2-D1815905B5F4}">
+      <dgm:prSet/>
+      <dgm:spPr/>
+      <dgm:t>
+        <a:bodyPr/>
+        <a:lstStyle/>
+        <a:p>
+          <a:endParaRPr lang="en-MY"/>
+        </a:p>
+      </dgm:t>
+    </dgm:pt>
+    <dgm:pt modelId="{5454BA78-8BEF-48E2-8BAB-0A70871AF79A}" type="sibTrans" cxnId="{03946EE8-3D04-4372-8AE2-D1815905B5F4}">
+      <dgm:prSet/>
+      <dgm:spPr/>
+      <dgm:t>
+        <a:bodyPr/>
+        <a:lstStyle/>
+        <a:p>
+          <a:endParaRPr lang="en-MY"/>
+        </a:p>
+      </dgm:t>
+    </dgm:pt>
+    <dgm:pt modelId="{A617A291-CE2F-4D50-9F39-E6690C416BAE}">
+      <dgm:prSet/>
+      <dgm:spPr/>
+      <dgm:t>
+        <a:bodyPr/>
+        <a:lstStyle/>
+        <a:p>
+          <a:r>
+            <a:rPr kumimoji="0" lang="en-US" b="0" i="0" u="none" strike="noStrike" cap="none" spc="0" normalizeH="0" baseline="0" noProof="0" dirty="0">
+              <a:ln>
+                <a:noFill/>
+              </a:ln>
+              <a:solidFill>
+                <a:prstClr val="black"/>
+              </a:solidFill>
+              <a:effectLst/>
+              <a:uLnTx/>
+              <a:uFillTx/>
+              <a:latin typeface="Calibri"/>
+              <a:ea typeface="+mn-ea"/>
+              <a:cs typeface="+mn-cs"/>
+            </a:rPr>
+            <a:t>2000 known phishing emails and 8000 non-phishing emails are sent to a demo user email account in random order in past 7 days.</a:t>
+          </a:r>
+          <a:endParaRPr lang="en-MY" dirty="0"/>
+        </a:p>
+      </dgm:t>
+    </dgm:pt>
+    <dgm:pt modelId="{183DF3FA-9549-4C67-8808-4FA5328A609D}" type="parTrans" cxnId="{03466D5D-3920-4172-AB6F-E9230588098B}">
+      <dgm:prSet/>
+      <dgm:spPr/>
+      <dgm:t>
+        <a:bodyPr/>
+        <a:lstStyle/>
+        <a:p>
+          <a:endParaRPr lang="en-MY"/>
+        </a:p>
+      </dgm:t>
+    </dgm:pt>
+    <dgm:pt modelId="{AC7A9E9B-4252-4A83-B529-BBF2B56F8815}" type="sibTrans" cxnId="{03466D5D-3920-4172-AB6F-E9230588098B}">
+      <dgm:prSet/>
+      <dgm:spPr/>
+      <dgm:t>
+        <a:bodyPr/>
+        <a:lstStyle/>
+        <a:p>
+          <a:endParaRPr lang="en-MY"/>
+        </a:p>
+      </dgm:t>
+    </dgm:pt>
+    <dgm:pt modelId="{AA026BD7-495E-47FD-BE62-196ECAA0712D}">
+      <dgm:prSet/>
+      <dgm:spPr/>
+      <dgm:t>
+        <a:bodyPr/>
+        <a:lstStyle/>
+        <a:p>
+          <a:r>
+            <a:rPr kumimoji="0" lang="en-US" b="0" i="0" u="none" strike="noStrike" cap="none" spc="0" normalizeH="0" baseline="0" noProof="0" dirty="0">
+              <a:ln>
+                <a:noFill/>
+              </a:ln>
+              <a:solidFill>
+                <a:prstClr val="black"/>
+              </a:solidFill>
+              <a:effectLst/>
+              <a:uLnTx/>
+              <a:uFillTx/>
+              <a:latin typeface="Calibri"/>
+              <a:ea typeface="+mn-ea"/>
+              <a:cs typeface="+mn-cs"/>
+            </a:rPr>
+            <a:t>The agent must scan through the emails within 5 minutes with 99% accuracy. </a:t>
+          </a:r>
+          <a:endParaRPr lang="en-MY" dirty="0"/>
+        </a:p>
+      </dgm:t>
+    </dgm:pt>
+    <dgm:pt modelId="{4BCBCF9F-42A6-49EA-A6E6-9FFC99C12C73}" type="parTrans" cxnId="{34E1C97F-89C5-4F48-93DC-04934EF1F5DB}">
+      <dgm:prSet/>
+      <dgm:spPr/>
+      <dgm:t>
+        <a:bodyPr/>
+        <a:lstStyle/>
+        <a:p>
+          <a:endParaRPr lang="en-MY"/>
+        </a:p>
+      </dgm:t>
+    </dgm:pt>
+    <dgm:pt modelId="{5572B634-4BDB-41E2-9128-379275D26A92}" type="sibTrans" cxnId="{34E1C97F-89C5-4F48-93DC-04934EF1F5DB}">
+      <dgm:prSet/>
+      <dgm:spPr/>
+      <dgm:t>
+        <a:bodyPr/>
+        <a:lstStyle/>
+        <a:p>
+          <a:endParaRPr lang="en-MY"/>
+        </a:p>
+      </dgm:t>
+    </dgm:pt>
+    <dgm:pt modelId="{73DD52FD-8A85-4780-B89F-9627D4DCADC5}" type="pres">
+      <dgm:prSet presAssocID="{BA2FAB3D-81B6-4C82-BA38-D897035D7D3F}" presName="linearFlow" presStyleCnt="0">
+        <dgm:presLayoutVars>
+          <dgm:dir/>
+          <dgm:animLvl val="lvl"/>
+          <dgm:resizeHandles val="exact"/>
+        </dgm:presLayoutVars>
+      </dgm:prSet>
+      <dgm:spPr/>
+    </dgm:pt>
+    <dgm:pt modelId="{2B8F50BF-77B5-4F8F-9D0A-35B621392E3A}" type="pres">
+      <dgm:prSet presAssocID="{A5A83577-164B-4C8C-B5F2-52BFBA792537}" presName="composite" presStyleCnt="0"/>
+      <dgm:spPr/>
+    </dgm:pt>
+    <dgm:pt modelId="{6454DAB9-67C4-48D0-B02D-2E89EED07D60}" type="pres">
+      <dgm:prSet presAssocID="{A5A83577-164B-4C8C-B5F2-52BFBA792537}" presName="parentText" presStyleLbl="alignNode1" presStyleIdx="0" presStyleCnt="5">
+        <dgm:presLayoutVars>
+          <dgm:chMax val="1"/>
+          <dgm:bulletEnabled val="1"/>
+        </dgm:presLayoutVars>
+      </dgm:prSet>
+      <dgm:spPr/>
+    </dgm:pt>
+    <dgm:pt modelId="{9678A81A-87B0-4ADB-AACC-0F43C41A73D8}" type="pres">
+      <dgm:prSet presAssocID="{A5A83577-164B-4C8C-B5F2-52BFBA792537}" presName="descendantText" presStyleLbl="alignAcc1" presStyleIdx="0" presStyleCnt="5">
+        <dgm:presLayoutVars>
+          <dgm:bulletEnabled val="1"/>
+        </dgm:presLayoutVars>
+      </dgm:prSet>
+      <dgm:spPr/>
+    </dgm:pt>
+    <dgm:pt modelId="{C34CC1F1-4E6F-4A8F-A1E0-2BFB2A5A9847}" type="pres">
+      <dgm:prSet presAssocID="{48CA02E2-39E3-4E62-ADA3-E381C4B87116}" presName="sp" presStyleCnt="0"/>
+      <dgm:spPr/>
+    </dgm:pt>
+    <dgm:pt modelId="{561123BE-13F5-49D1-9F9D-37FCB913FC07}" type="pres">
+      <dgm:prSet presAssocID="{7D6EF572-5EC6-4C84-8563-FC1F82E66669}" presName="composite" presStyleCnt="0"/>
+      <dgm:spPr/>
+    </dgm:pt>
+    <dgm:pt modelId="{F9CAE16E-096A-410F-92E3-0AB785393FDF}" type="pres">
+      <dgm:prSet presAssocID="{7D6EF572-5EC6-4C84-8563-FC1F82E66669}" presName="parentText" presStyleLbl="alignNode1" presStyleIdx="1" presStyleCnt="5" custLinFactNeighborY="0">
+        <dgm:presLayoutVars>
+          <dgm:chMax val="1"/>
+          <dgm:bulletEnabled val="1"/>
+        </dgm:presLayoutVars>
+      </dgm:prSet>
+      <dgm:spPr/>
+    </dgm:pt>
+    <dgm:pt modelId="{1DA01B55-7583-4BDC-A845-7A8F6DB647F8}" type="pres">
+      <dgm:prSet presAssocID="{7D6EF572-5EC6-4C84-8563-FC1F82E66669}" presName="descendantText" presStyleLbl="alignAcc1" presStyleIdx="1" presStyleCnt="5">
+        <dgm:presLayoutVars>
+          <dgm:bulletEnabled val="1"/>
+        </dgm:presLayoutVars>
+      </dgm:prSet>
+      <dgm:spPr/>
+    </dgm:pt>
+    <dgm:pt modelId="{183D9126-CDFC-4D26-A3E9-96A21C3CD386}" type="pres">
+      <dgm:prSet presAssocID="{11281F99-E085-45A5-A926-EF70D4731C20}" presName="sp" presStyleCnt="0"/>
+      <dgm:spPr/>
+    </dgm:pt>
+    <dgm:pt modelId="{3E353C56-CFFB-4CDD-997C-18A7CCDA0E80}" type="pres">
+      <dgm:prSet presAssocID="{4F0D7010-9C11-49AC-80EA-91A088459301}" presName="composite" presStyleCnt="0"/>
+      <dgm:spPr/>
+    </dgm:pt>
+    <dgm:pt modelId="{E8EF1F52-AD82-42E9-A4E0-B23648BC058E}" type="pres">
+      <dgm:prSet presAssocID="{4F0D7010-9C11-49AC-80EA-91A088459301}" presName="parentText" presStyleLbl="alignNode1" presStyleIdx="2" presStyleCnt="5">
+        <dgm:presLayoutVars>
+          <dgm:chMax val="1"/>
+          <dgm:bulletEnabled val="1"/>
+        </dgm:presLayoutVars>
+      </dgm:prSet>
+      <dgm:spPr/>
+    </dgm:pt>
+    <dgm:pt modelId="{A6126571-9D54-4EB2-821B-B2B1E3CF4CD5}" type="pres">
+      <dgm:prSet presAssocID="{4F0D7010-9C11-49AC-80EA-91A088459301}" presName="descendantText" presStyleLbl="alignAcc1" presStyleIdx="2" presStyleCnt="5">
+        <dgm:presLayoutVars>
+          <dgm:bulletEnabled val="1"/>
+        </dgm:presLayoutVars>
+      </dgm:prSet>
+      <dgm:spPr/>
+    </dgm:pt>
+    <dgm:pt modelId="{650C9D8C-FC55-4CFB-9F40-DCCE4B677447}" type="pres">
+      <dgm:prSet presAssocID="{6463B5D0-D7E2-4BEB-BF48-94DFFF26B2FD}" presName="sp" presStyleCnt="0"/>
+      <dgm:spPr/>
+    </dgm:pt>
+    <dgm:pt modelId="{20B3934E-1844-46E4-9E61-4516E02FA8F7}" type="pres">
+      <dgm:prSet presAssocID="{ACBF3CCF-F9B1-4F5A-BD32-B28072EE9D08}" presName="composite" presStyleCnt="0"/>
+      <dgm:spPr/>
+    </dgm:pt>
+    <dgm:pt modelId="{2D30A8F1-BBCD-4E9D-AB56-FEFE746D0A9E}" type="pres">
+      <dgm:prSet presAssocID="{ACBF3CCF-F9B1-4F5A-BD32-B28072EE9D08}" presName="parentText" presStyleLbl="alignNode1" presStyleIdx="3" presStyleCnt="5">
+        <dgm:presLayoutVars>
+          <dgm:chMax val="1"/>
+          <dgm:bulletEnabled val="1"/>
+        </dgm:presLayoutVars>
+      </dgm:prSet>
+      <dgm:spPr/>
+    </dgm:pt>
+    <dgm:pt modelId="{910E639D-3F30-47BB-9096-0D77B51C52EB}" type="pres">
+      <dgm:prSet presAssocID="{ACBF3CCF-F9B1-4F5A-BD32-B28072EE9D08}" presName="descendantText" presStyleLbl="alignAcc1" presStyleIdx="3" presStyleCnt="5">
+        <dgm:presLayoutVars>
+          <dgm:bulletEnabled val="1"/>
+        </dgm:presLayoutVars>
+      </dgm:prSet>
+      <dgm:spPr/>
+    </dgm:pt>
+    <dgm:pt modelId="{8C764D94-DDBF-491E-AB5F-42041FD44C2E}" type="pres">
+      <dgm:prSet presAssocID="{30BDC718-B89D-47C6-8ACB-F8CF221E0F9B}" presName="sp" presStyleCnt="0"/>
+      <dgm:spPr/>
+    </dgm:pt>
+    <dgm:pt modelId="{84053BF9-0A06-4D4F-A1D7-0457E89DDA24}" type="pres">
+      <dgm:prSet presAssocID="{9677E242-DC52-44FB-8718-7A8C245F9165}" presName="composite" presStyleCnt="0"/>
+      <dgm:spPr/>
+    </dgm:pt>
+    <dgm:pt modelId="{F36EBE82-03ED-4C49-8030-EAFDE88A47E8}" type="pres">
+      <dgm:prSet presAssocID="{9677E242-DC52-44FB-8718-7A8C245F9165}" presName="parentText" presStyleLbl="alignNode1" presStyleIdx="4" presStyleCnt="5">
+        <dgm:presLayoutVars>
+          <dgm:chMax val="1"/>
+          <dgm:bulletEnabled val="1"/>
+        </dgm:presLayoutVars>
+      </dgm:prSet>
+      <dgm:spPr/>
+    </dgm:pt>
+    <dgm:pt modelId="{02F445BE-D6C2-42D5-BBB4-3F96402D8037}" type="pres">
+      <dgm:prSet presAssocID="{9677E242-DC52-44FB-8718-7A8C245F9165}" presName="descendantText" presStyleLbl="alignAcc1" presStyleIdx="4" presStyleCnt="5">
+        <dgm:presLayoutVars>
+          <dgm:bulletEnabled val="1"/>
+        </dgm:presLayoutVars>
+      </dgm:prSet>
+      <dgm:spPr/>
+    </dgm:pt>
+  </dgm:ptLst>
+  <dgm:cxnLst>
+    <dgm:cxn modelId="{03996711-5947-411B-AC68-E300139C8FE4}" type="presOf" srcId="{FF2C68A9-703E-4A55-AE17-2C3C41021AB2}" destId="{9678A81A-87B0-4ADB-AACC-0F43C41A73D8}" srcOrd="0" destOrd="0" presId="urn:microsoft.com/office/officeart/2005/8/layout/chevron2"/>
+    <dgm:cxn modelId="{C430A617-0D24-467E-AD74-0E9EBE9068B2}" type="presOf" srcId="{4F0D7010-9C11-49AC-80EA-91A088459301}" destId="{E8EF1F52-AD82-42E9-A4E0-B23648BC058E}" srcOrd="0" destOrd="0" presId="urn:microsoft.com/office/officeart/2005/8/layout/chevron2"/>
+    <dgm:cxn modelId="{00FB2418-9E5C-496D-8474-C9A4AA04F980}" srcId="{BA2FAB3D-81B6-4C82-BA38-D897035D7D3F}" destId="{ACBF3CCF-F9B1-4F5A-BD32-B28072EE9D08}" srcOrd="3" destOrd="0" parTransId="{0114FC3A-8326-43BF-A8A6-3136659D8097}" sibTransId="{30BDC718-B89D-47C6-8ACB-F8CF221E0F9B}"/>
+    <dgm:cxn modelId="{FB439B1B-C186-4F60-B1A7-45DC02F8A335}" type="presOf" srcId="{48D1509A-E47B-43FF-B8A0-ED6CC8593F08}" destId="{1DA01B55-7583-4BDC-A845-7A8F6DB647F8}" srcOrd="0" destOrd="1" presId="urn:microsoft.com/office/officeart/2005/8/layout/chevron2"/>
+    <dgm:cxn modelId="{35D2F31E-43EA-4648-AE26-6AA3FAF85895}" srcId="{ACBF3CCF-F9B1-4F5A-BD32-B28072EE9D08}" destId="{C529BBDF-0E76-455C-979D-9A5529645497}" srcOrd="3" destOrd="0" parTransId="{4A5C7827-9E4D-4BE7-ABDF-4D95D454C9C2}" sibTransId="{B68B5A00-7C65-45C6-A19A-8BF3121C55E9}"/>
+    <dgm:cxn modelId="{76644E20-2DEF-4AD2-BB9D-66CE2423858E}" srcId="{4F0D7010-9C11-49AC-80EA-91A088459301}" destId="{462D4D1D-1A1E-4CF3-92F0-91539A30D9D1}" srcOrd="0" destOrd="0" parTransId="{9610E1B0-79A1-40E7-A84F-CE8E5B7EEC1E}" sibTransId="{F01B60F1-C04C-406E-BFDF-6930DACA8F7C}"/>
+    <dgm:cxn modelId="{0897F320-0956-4BF0-8105-D891C1E0154D}" srcId="{BA2FAB3D-81B6-4C82-BA38-D897035D7D3F}" destId="{A5A83577-164B-4C8C-B5F2-52BFBA792537}" srcOrd="0" destOrd="0" parTransId="{AA16010F-7A5D-46F5-99CF-65810E36D089}" sibTransId="{48CA02E2-39E3-4E62-ADA3-E381C4B87116}"/>
+    <dgm:cxn modelId="{62C27524-BE9B-40FA-8B0B-28FE0D033973}" type="presOf" srcId="{EC883152-774D-474D-A842-FA7AEEA7FD06}" destId="{910E639D-3F30-47BB-9096-0D77B51C52EB}" srcOrd="0" destOrd="2" presId="urn:microsoft.com/office/officeart/2005/8/layout/chevron2"/>
+    <dgm:cxn modelId="{D658CF27-597B-46D2-B619-F314E13BA3F5}" srcId="{A5A83577-164B-4C8C-B5F2-52BFBA792537}" destId="{CFBF9D44-BE99-4C7A-9397-5CA4B3C96365}" srcOrd="1" destOrd="0" parTransId="{B07BAB91-DB8B-43E3-9F00-4E707FBAB4E0}" sibTransId="{8F21E347-200E-41B5-BC88-B4740051DE8B}"/>
+    <dgm:cxn modelId="{03466D5D-3920-4172-AB6F-E9230588098B}" srcId="{9677E242-DC52-44FB-8718-7A8C245F9165}" destId="{A617A291-CE2F-4D50-9F39-E6690C416BAE}" srcOrd="0" destOrd="0" parTransId="{183DF3FA-9549-4C67-8808-4FA5328A609D}" sibTransId="{AC7A9E9B-4252-4A83-B529-BBF2B56F8815}"/>
+    <dgm:cxn modelId="{98419961-D83B-460A-8A0E-E3B0D4C2A601}" srcId="{A5A83577-164B-4C8C-B5F2-52BFBA792537}" destId="{FF2C68A9-703E-4A55-AE17-2C3C41021AB2}" srcOrd="0" destOrd="0" parTransId="{23BA73F8-9854-4726-A387-C2D9CA49586C}" sibTransId="{C78637D3-286A-46C9-8E66-5BFC532E08E4}"/>
+    <dgm:cxn modelId="{21635D63-2500-4211-9565-46DC035F8EE9}" type="presOf" srcId="{A617A291-CE2F-4D50-9F39-E6690C416BAE}" destId="{02F445BE-D6C2-42D5-BBB4-3F96402D8037}" srcOrd="0" destOrd="0" presId="urn:microsoft.com/office/officeart/2005/8/layout/chevron2"/>
+    <dgm:cxn modelId="{1BC00E4A-21D7-468C-BEB6-111447FA2F10}" type="presOf" srcId="{BA2FAB3D-81B6-4C82-BA38-D897035D7D3F}" destId="{73DD52FD-8A85-4780-B89F-9627D4DCADC5}" srcOrd="0" destOrd="0" presId="urn:microsoft.com/office/officeart/2005/8/layout/chevron2"/>
+    <dgm:cxn modelId="{32AC1B4E-56BF-4934-8CEB-73D272DD815F}" type="presOf" srcId="{7D6EF572-5EC6-4C84-8563-FC1F82E66669}" destId="{F9CAE16E-096A-410F-92E3-0AB785393FDF}" srcOrd="0" destOrd="0" presId="urn:microsoft.com/office/officeart/2005/8/layout/chevron2"/>
+    <dgm:cxn modelId="{CC702852-CAB3-450F-8A36-CFF74948FB24}" srcId="{BA2FAB3D-81B6-4C82-BA38-D897035D7D3F}" destId="{4F0D7010-9C11-49AC-80EA-91A088459301}" srcOrd="2" destOrd="0" parTransId="{500C3AC0-F4BC-458E-AAAA-E132696450F2}" sibTransId="{6463B5D0-D7E2-4BEB-BF48-94DFFF26B2FD}"/>
+    <dgm:cxn modelId="{361D9357-E0B9-4644-AFA2-EAEB4D83BF2C}" srcId="{ACBF3CCF-F9B1-4F5A-BD32-B28072EE9D08}" destId="{B4AF978A-D1B4-43EF-A63B-922A3B3EA7CB}" srcOrd="0" destOrd="0" parTransId="{27B56B41-94CE-4326-A9FB-D11E716AF522}" sibTransId="{FFBF3F86-30F7-427C-A70D-9CCAFFEADD3E}"/>
+    <dgm:cxn modelId="{34E1C97F-89C5-4F48-93DC-04934EF1F5DB}" srcId="{9677E242-DC52-44FB-8718-7A8C245F9165}" destId="{AA026BD7-495E-47FD-BE62-196ECAA0712D}" srcOrd="1" destOrd="0" parTransId="{4BCBCF9F-42A6-49EA-A6E6-9FFC99C12C73}" sibTransId="{5572B634-4BDB-41E2-9128-379275D26A92}"/>
+    <dgm:cxn modelId="{2F3F1893-4156-4DF9-94BF-1E21F333100A}" srcId="{BA2FAB3D-81B6-4C82-BA38-D897035D7D3F}" destId="{9677E242-DC52-44FB-8718-7A8C245F9165}" srcOrd="4" destOrd="0" parTransId="{561D92B7-7D30-4F0B-9122-4CFEBCCC15DA}" sibTransId="{2C3B6347-FFDD-41A5-B162-5FCA431A8A85}"/>
+    <dgm:cxn modelId="{80FE6D93-03F6-4250-A031-C52C9EEAC6E9}" type="presOf" srcId="{462D4D1D-1A1E-4CF3-92F0-91539A30D9D1}" destId="{A6126571-9D54-4EB2-821B-B2B1E3CF4CD5}" srcOrd="0" destOrd="0" presId="urn:microsoft.com/office/officeart/2005/8/layout/chevron2"/>
+    <dgm:cxn modelId="{A551CF93-DB0A-410F-88D5-FC02970E900A}" type="presOf" srcId="{AA026BD7-495E-47FD-BE62-196ECAA0712D}" destId="{02F445BE-D6C2-42D5-BBB4-3F96402D8037}" srcOrd="0" destOrd="1" presId="urn:microsoft.com/office/officeart/2005/8/layout/chevron2"/>
+    <dgm:cxn modelId="{E17AD399-DAA1-4C7F-ADEC-8CED3D7F74D3}" srcId="{ACBF3CCF-F9B1-4F5A-BD32-B28072EE9D08}" destId="{C12EADD9-07EF-42EA-B1BC-59D19F7FC107}" srcOrd="1" destOrd="0" parTransId="{A725A5AB-3838-406D-A15D-5B538892C35C}" sibTransId="{3BCE76C2-DE4F-4561-9E8C-157C3D853836}"/>
+    <dgm:cxn modelId="{8D9E5B9A-828E-4152-B1F8-00BD07B2AC9E}" type="presOf" srcId="{A5A83577-164B-4C8C-B5F2-52BFBA792537}" destId="{6454DAB9-67C4-48D0-B02D-2E89EED07D60}" srcOrd="0" destOrd="0" presId="urn:microsoft.com/office/officeart/2005/8/layout/chevron2"/>
+    <dgm:cxn modelId="{1295AE9F-699D-47C0-8965-EBE7367ADCED}" srcId="{BA2FAB3D-81B6-4C82-BA38-D897035D7D3F}" destId="{7D6EF572-5EC6-4C84-8563-FC1F82E66669}" srcOrd="1" destOrd="0" parTransId="{B8807F8D-F6A0-4D38-834D-4A9A462280D9}" sibTransId="{11281F99-E085-45A5-A926-EF70D4731C20}"/>
+    <dgm:cxn modelId="{3DB983A3-DA50-42CB-92A8-FAF2711EEC79}" type="presOf" srcId="{D65D2250-A356-45D5-9AE4-CC3838667A88}" destId="{A6126571-9D54-4EB2-821B-B2B1E3CF4CD5}" srcOrd="0" destOrd="1" presId="urn:microsoft.com/office/officeart/2005/8/layout/chevron2"/>
+    <dgm:cxn modelId="{A07474B0-91B9-4CED-9E18-AEC87D1BEE58}" type="presOf" srcId="{CFBF9D44-BE99-4C7A-9397-5CA4B3C96365}" destId="{9678A81A-87B0-4ADB-AACC-0F43C41A73D8}" srcOrd="0" destOrd="1" presId="urn:microsoft.com/office/officeart/2005/8/layout/chevron2"/>
+    <dgm:cxn modelId="{11221DB5-9749-4F6E-A26A-3086A3817FC7}" srcId="{7D6EF572-5EC6-4C84-8563-FC1F82E66669}" destId="{39C0DCC4-14D7-40C8-8054-320FB6E822CB}" srcOrd="0" destOrd="0" parTransId="{3ADC6B9F-2FEA-4F3E-860B-3B54AAC6CFD9}" sibTransId="{03AF96FB-89C5-4C4E-95F5-8B206B3F7B05}"/>
+    <dgm:cxn modelId="{0AE822B6-12D4-4489-9C0A-53DF3DE6662F}" type="presOf" srcId="{39C0DCC4-14D7-40C8-8054-320FB6E822CB}" destId="{1DA01B55-7583-4BDC-A845-7A8F6DB647F8}" srcOrd="0" destOrd="0" presId="urn:microsoft.com/office/officeart/2005/8/layout/chevron2"/>
+    <dgm:cxn modelId="{4A02DCB9-1E2D-4194-8675-168A8CCF4877}" srcId="{7D6EF572-5EC6-4C84-8563-FC1F82E66669}" destId="{48D1509A-E47B-43FF-B8A0-ED6CC8593F08}" srcOrd="1" destOrd="0" parTransId="{39F8D2BA-1B81-4AB1-8F3C-FFC0EF36BB78}" sibTransId="{87AE719F-5FD0-499A-91BA-ACDB246F13A5}"/>
+    <dgm:cxn modelId="{9A69FFCF-EF13-4C80-8F27-329820113CB3}" srcId="{4F0D7010-9C11-49AC-80EA-91A088459301}" destId="{D65D2250-A356-45D5-9AE4-CC3838667A88}" srcOrd="1" destOrd="0" parTransId="{D6B04488-6138-4E14-8176-F679115F1B6E}" sibTransId="{F73CC3B5-BDC6-4C88-814E-F750A3791796}"/>
+    <dgm:cxn modelId="{DC69F8D2-F930-48C2-A7B9-E6A2C68703FD}" type="presOf" srcId="{C12EADD9-07EF-42EA-B1BC-59D19F7FC107}" destId="{910E639D-3F30-47BB-9096-0D77B51C52EB}" srcOrd="0" destOrd="1" presId="urn:microsoft.com/office/officeart/2005/8/layout/chevron2"/>
+    <dgm:cxn modelId="{92E7F5DF-EEF4-42FA-8F85-65D364F7ED66}" type="presOf" srcId="{B4AF978A-D1B4-43EF-A63B-922A3B3EA7CB}" destId="{910E639D-3F30-47BB-9096-0D77B51C52EB}" srcOrd="0" destOrd="0" presId="urn:microsoft.com/office/officeart/2005/8/layout/chevron2"/>
+    <dgm:cxn modelId="{03946EE8-3D04-4372-8AE2-D1815905B5F4}" srcId="{ACBF3CCF-F9B1-4F5A-BD32-B28072EE9D08}" destId="{EC883152-774D-474D-A842-FA7AEEA7FD06}" srcOrd="2" destOrd="0" parTransId="{1A911721-EE80-41AD-B38F-51CD947C2AB7}" sibTransId="{5454BA78-8BEF-48E2-8BAB-0A70871AF79A}"/>
+    <dgm:cxn modelId="{A8364CEB-A2A7-49B3-8444-901953314BFF}" type="presOf" srcId="{9677E242-DC52-44FB-8718-7A8C245F9165}" destId="{F36EBE82-03ED-4C49-8030-EAFDE88A47E8}" srcOrd="0" destOrd="0" presId="urn:microsoft.com/office/officeart/2005/8/layout/chevron2"/>
+    <dgm:cxn modelId="{E2562FEE-CA3C-4BF7-A22D-50C534B7D6CD}" type="presOf" srcId="{ACBF3CCF-F9B1-4F5A-BD32-B28072EE9D08}" destId="{2D30A8F1-BBCD-4E9D-AB56-FEFE746D0A9E}" srcOrd="0" destOrd="0" presId="urn:microsoft.com/office/officeart/2005/8/layout/chevron2"/>
+    <dgm:cxn modelId="{5BDB62FA-4E41-4899-923C-3CBE0986B85F}" type="presOf" srcId="{C529BBDF-0E76-455C-979D-9A5529645497}" destId="{910E639D-3F30-47BB-9096-0D77B51C52EB}" srcOrd="0" destOrd="3" presId="urn:microsoft.com/office/officeart/2005/8/layout/chevron2"/>
+    <dgm:cxn modelId="{24CCC587-14BA-445B-9879-9C83C18CD00C}" type="presParOf" srcId="{73DD52FD-8A85-4780-B89F-9627D4DCADC5}" destId="{2B8F50BF-77B5-4F8F-9D0A-35B621392E3A}" srcOrd="0" destOrd="0" presId="urn:microsoft.com/office/officeart/2005/8/layout/chevron2"/>
+    <dgm:cxn modelId="{57A579BD-4F4A-4164-A8CF-D33660B3C094}" type="presParOf" srcId="{2B8F50BF-77B5-4F8F-9D0A-35B621392E3A}" destId="{6454DAB9-67C4-48D0-B02D-2E89EED07D60}" srcOrd="0" destOrd="0" presId="urn:microsoft.com/office/officeart/2005/8/layout/chevron2"/>
+    <dgm:cxn modelId="{9E3BA788-FFD0-4866-9531-57B297982B2B}" type="presParOf" srcId="{2B8F50BF-77B5-4F8F-9D0A-35B621392E3A}" destId="{9678A81A-87B0-4ADB-AACC-0F43C41A73D8}" srcOrd="1" destOrd="0" presId="urn:microsoft.com/office/officeart/2005/8/layout/chevron2"/>
+    <dgm:cxn modelId="{B6C9CA5F-B4A7-4AE0-9570-A7451C0EEBEA}" type="presParOf" srcId="{73DD52FD-8A85-4780-B89F-9627D4DCADC5}" destId="{C34CC1F1-4E6F-4A8F-A1E0-2BFB2A5A9847}" srcOrd="1" destOrd="0" presId="urn:microsoft.com/office/officeart/2005/8/layout/chevron2"/>
+    <dgm:cxn modelId="{92D53FD8-E68A-4537-8F59-3469F8382033}" type="presParOf" srcId="{73DD52FD-8A85-4780-B89F-9627D4DCADC5}" destId="{561123BE-13F5-49D1-9F9D-37FCB913FC07}" srcOrd="2" destOrd="0" presId="urn:microsoft.com/office/officeart/2005/8/layout/chevron2"/>
+    <dgm:cxn modelId="{65772E2C-83E0-4161-9526-6A712743FCBD}" type="presParOf" srcId="{561123BE-13F5-49D1-9F9D-37FCB913FC07}" destId="{F9CAE16E-096A-410F-92E3-0AB785393FDF}" srcOrd="0" destOrd="0" presId="urn:microsoft.com/office/officeart/2005/8/layout/chevron2"/>
+    <dgm:cxn modelId="{CC4951E9-1475-443F-8CF9-99A8BAAABE11}" type="presParOf" srcId="{561123BE-13F5-49D1-9F9D-37FCB913FC07}" destId="{1DA01B55-7583-4BDC-A845-7A8F6DB647F8}" srcOrd="1" destOrd="0" presId="urn:microsoft.com/office/officeart/2005/8/layout/chevron2"/>
+    <dgm:cxn modelId="{7BEF35B7-E2C5-48B4-A823-80360ECECEE6}" type="presParOf" srcId="{73DD52FD-8A85-4780-B89F-9627D4DCADC5}" destId="{183D9126-CDFC-4D26-A3E9-96A21C3CD386}" srcOrd="3" destOrd="0" presId="urn:microsoft.com/office/officeart/2005/8/layout/chevron2"/>
+    <dgm:cxn modelId="{D5721C19-DF1B-4FFF-B740-A5266DFECAC4}" type="presParOf" srcId="{73DD52FD-8A85-4780-B89F-9627D4DCADC5}" destId="{3E353C56-CFFB-4CDD-997C-18A7CCDA0E80}" srcOrd="4" destOrd="0" presId="urn:microsoft.com/office/officeart/2005/8/layout/chevron2"/>
+    <dgm:cxn modelId="{041EEE9B-9771-4C74-BD78-1704EBFB74D7}" type="presParOf" srcId="{3E353C56-CFFB-4CDD-997C-18A7CCDA0E80}" destId="{E8EF1F52-AD82-42E9-A4E0-B23648BC058E}" srcOrd="0" destOrd="0" presId="urn:microsoft.com/office/officeart/2005/8/layout/chevron2"/>
+    <dgm:cxn modelId="{DA6FBD14-9156-4940-A5C5-89BD12A97DB0}" type="presParOf" srcId="{3E353C56-CFFB-4CDD-997C-18A7CCDA0E80}" destId="{A6126571-9D54-4EB2-821B-B2B1E3CF4CD5}" srcOrd="1" destOrd="0" presId="urn:microsoft.com/office/officeart/2005/8/layout/chevron2"/>
+    <dgm:cxn modelId="{B8C74340-47FD-48AF-976D-0017C31503AA}" type="presParOf" srcId="{73DD52FD-8A85-4780-B89F-9627D4DCADC5}" destId="{650C9D8C-FC55-4CFB-9F40-DCCE4B677447}" srcOrd="5" destOrd="0" presId="urn:microsoft.com/office/officeart/2005/8/layout/chevron2"/>
+    <dgm:cxn modelId="{18348488-9785-44A1-948D-51FA2D862C0E}" type="presParOf" srcId="{73DD52FD-8A85-4780-B89F-9627D4DCADC5}" destId="{20B3934E-1844-46E4-9E61-4516E02FA8F7}" srcOrd="6" destOrd="0" presId="urn:microsoft.com/office/officeart/2005/8/layout/chevron2"/>
+    <dgm:cxn modelId="{C4997182-1FB9-4BA4-8A41-54FA667C372B}" type="presParOf" srcId="{20B3934E-1844-46E4-9E61-4516E02FA8F7}" destId="{2D30A8F1-BBCD-4E9D-AB56-FEFE746D0A9E}" srcOrd="0" destOrd="0" presId="urn:microsoft.com/office/officeart/2005/8/layout/chevron2"/>
+    <dgm:cxn modelId="{5E23AC2A-87D2-4E83-977A-27008560CDF8}" type="presParOf" srcId="{20B3934E-1844-46E4-9E61-4516E02FA8F7}" destId="{910E639D-3F30-47BB-9096-0D77B51C52EB}" srcOrd="1" destOrd="0" presId="urn:microsoft.com/office/officeart/2005/8/layout/chevron2"/>
+    <dgm:cxn modelId="{2B0782B1-F642-449B-954F-2A8FCF5BFECB}" type="presParOf" srcId="{73DD52FD-8A85-4780-B89F-9627D4DCADC5}" destId="{8C764D94-DDBF-491E-AB5F-42041FD44C2E}" srcOrd="7" destOrd="0" presId="urn:microsoft.com/office/officeart/2005/8/layout/chevron2"/>
+    <dgm:cxn modelId="{B7CF3A72-E96E-4D0E-999E-351D28ABF6A9}" type="presParOf" srcId="{73DD52FD-8A85-4780-B89F-9627D4DCADC5}" destId="{84053BF9-0A06-4D4F-A1D7-0457E89DDA24}" srcOrd="8" destOrd="0" presId="urn:microsoft.com/office/officeart/2005/8/layout/chevron2"/>
+    <dgm:cxn modelId="{97A38195-EE9B-47BB-AF92-2CF15355FED4}" type="presParOf" srcId="{84053BF9-0A06-4D4F-A1D7-0457E89DDA24}" destId="{F36EBE82-03ED-4C49-8030-EAFDE88A47E8}" srcOrd="0" destOrd="0" presId="urn:microsoft.com/office/officeart/2005/8/layout/chevron2"/>
+    <dgm:cxn modelId="{46805E0D-4BF2-4A38-95CA-39E5D104F596}" type="presParOf" srcId="{84053BF9-0A06-4D4F-A1D7-0457E89DDA24}" destId="{02F445BE-D6C2-42D5-BBB4-3F96402D8037}" srcOrd="1" destOrd="0" presId="urn:microsoft.com/office/officeart/2005/8/layout/chevron2"/>
+  </dgm:cxnLst>
+  <dgm:bg/>
+  <dgm:whole/>
+  <dgm:extLst>
+    <a:ext uri="http://schemas.microsoft.com/office/drawing/2008/diagram">
+      <dsp:dataModelExt xmlns:dsp="http://schemas.microsoft.com/office/drawing/2008/diagram" relId="rId6" minVer="http://schemas.openxmlformats.org/drawingml/2006/diagram"/>
+    </a:ext>
+  </dgm:extLst>
+</dgm:dataModel>
+</file>
+
+<file path=ppt/diagrams/data3.xml><?xml version="1.0" encoding="utf-8"?>
+<dgm:dataModel xmlns:dgm="http://schemas.openxmlformats.org/drawingml/2006/diagram" xmlns:a="http://schemas.openxmlformats.org/drawingml/2006/main">
+  <dgm:ptLst>
+    <dgm:pt modelId="{BA2FAB3D-81B6-4C82-BA38-D897035D7D3F}" type="doc">
+      <dgm:prSet loTypeId="urn:microsoft.com/office/officeart/2005/8/layout/process2" loCatId="process" qsTypeId="urn:microsoft.com/office/officeart/2005/8/quickstyle/simple1" qsCatId="simple" csTypeId="urn:microsoft.com/office/officeart/2005/8/colors/accent1_2" csCatId="accent1" phldr="1"/>
+      <dgm:spPr/>
+      <dgm:t>
+        <a:bodyPr/>
+        <a:lstStyle/>
+        <a:p>
+          <a:endParaRPr lang="en-MY"/>
+        </a:p>
+      </dgm:t>
+    </dgm:pt>
+    <dgm:pt modelId="{A5A83577-164B-4C8C-B5F2-52BFBA792537}">
+      <dgm:prSet phldrT="[Text]"/>
+      <dgm:spPr/>
+      <dgm:t>
+        <a:bodyPr/>
+        <a:lstStyle/>
+        <a:p>
+          <a:r>
+            <a:rPr lang="en-MY" dirty="0"/>
+            <a:t>Info-gathering Test </a:t>
+          </a:r>
+        </a:p>
+      </dgm:t>
+    </dgm:pt>
+    <dgm:pt modelId="{AA16010F-7A5D-46F5-99CF-65810E36D089}" type="parTrans" cxnId="{0897F320-0956-4BF0-8105-D891C1E0154D}">
+      <dgm:prSet/>
+      <dgm:spPr/>
+      <dgm:t>
+        <a:bodyPr/>
+        <a:lstStyle/>
+        <a:p>
+          <a:endParaRPr lang="en-MY"/>
+        </a:p>
+      </dgm:t>
+    </dgm:pt>
+    <dgm:pt modelId="{48CA02E2-39E3-4E62-ADA3-E381C4B87116}" type="sibTrans" cxnId="{0897F320-0956-4BF0-8105-D891C1E0154D}">
+      <dgm:prSet/>
+      <dgm:spPr/>
+      <dgm:t>
+        <a:bodyPr/>
+        <a:lstStyle/>
+        <a:p>
+          <a:endParaRPr lang="en-MY"/>
+        </a:p>
+      </dgm:t>
+    </dgm:pt>
+    <dgm:pt modelId="{7D6EF572-5EC6-4C84-8563-FC1F82E66669}">
+      <dgm:prSet phldrT="[Text]"/>
+      <dgm:spPr/>
+      <dgm:t>
+        <a:bodyPr/>
+        <a:lstStyle/>
+        <a:p>
+          <a:r>
+            <a:rPr lang="en-MY" dirty="0"/>
+            <a:t>Hash/signature  Extraction Test</a:t>
+          </a:r>
+        </a:p>
+      </dgm:t>
+    </dgm:pt>
+    <dgm:pt modelId="{B8807F8D-F6A0-4D38-834D-4A9A462280D9}" type="parTrans" cxnId="{1295AE9F-699D-47C0-8965-EBE7367ADCED}">
+      <dgm:prSet/>
+      <dgm:spPr/>
+      <dgm:t>
+        <a:bodyPr/>
+        <a:lstStyle/>
+        <a:p>
+          <a:endParaRPr lang="en-MY"/>
+        </a:p>
+      </dgm:t>
+    </dgm:pt>
+    <dgm:pt modelId="{11281F99-E085-45A5-A926-EF70D4731C20}" type="sibTrans" cxnId="{1295AE9F-699D-47C0-8965-EBE7367ADCED}">
+      <dgm:prSet/>
+      <dgm:spPr/>
+      <dgm:t>
+        <a:bodyPr/>
+        <a:lstStyle/>
+        <a:p>
+          <a:endParaRPr lang="en-MY"/>
+        </a:p>
+      </dgm:t>
+    </dgm:pt>
+    <dgm:pt modelId="{4F0D7010-9C11-49AC-80EA-91A088459301}">
+      <dgm:prSet phldrT="[Text]"/>
+      <dgm:spPr/>
+      <dgm:t>
+        <a:bodyPr/>
+        <a:lstStyle/>
+        <a:p>
+          <a:r>
+            <a:rPr lang="en-MY" dirty="0"/>
+            <a:t>Virus Scanning Test</a:t>
+          </a:r>
+        </a:p>
+      </dgm:t>
+    </dgm:pt>
+    <dgm:pt modelId="{500C3AC0-F4BC-458E-AAAA-E132696450F2}" type="parTrans" cxnId="{CC702852-CAB3-450F-8A36-CFF74948FB24}">
+      <dgm:prSet/>
+      <dgm:spPr/>
+      <dgm:t>
+        <a:bodyPr/>
+        <a:lstStyle/>
+        <a:p>
+          <a:endParaRPr lang="en-MY"/>
+        </a:p>
+      </dgm:t>
+    </dgm:pt>
+    <dgm:pt modelId="{6463B5D0-D7E2-4BEB-BF48-94DFFF26B2FD}" type="sibTrans" cxnId="{CC702852-CAB3-450F-8A36-CFF74948FB24}">
+      <dgm:prSet/>
+      <dgm:spPr/>
+      <dgm:t>
+        <a:bodyPr/>
+        <a:lstStyle/>
+        <a:p>
+          <a:endParaRPr lang="en-MY"/>
+        </a:p>
+      </dgm:t>
+    </dgm:pt>
+    <dgm:pt modelId="{ACBF3CCF-F9B1-4F5A-BD32-B28072EE9D08}">
+      <dgm:prSet/>
+      <dgm:spPr/>
+      <dgm:t>
+        <a:bodyPr/>
+        <a:lstStyle/>
+        <a:p>
+          <a:r>
+            <a:rPr lang="en-MY" dirty="0"/>
+            <a:t>Machine Learning Test</a:t>
+          </a:r>
+        </a:p>
+      </dgm:t>
+    </dgm:pt>
+    <dgm:pt modelId="{0114FC3A-8326-43BF-A8A6-3136659D8097}" type="parTrans" cxnId="{00FB2418-9E5C-496D-8474-C9A4AA04F980}">
+      <dgm:prSet/>
+      <dgm:spPr/>
+      <dgm:t>
+        <a:bodyPr/>
+        <a:lstStyle/>
+        <a:p>
+          <a:endParaRPr lang="en-MY"/>
+        </a:p>
+      </dgm:t>
+    </dgm:pt>
+    <dgm:pt modelId="{30BDC718-B89D-47C6-8ACB-F8CF221E0F9B}" type="sibTrans" cxnId="{00FB2418-9E5C-496D-8474-C9A4AA04F980}">
+      <dgm:prSet/>
+      <dgm:spPr/>
+      <dgm:t>
+        <a:bodyPr/>
+        <a:lstStyle/>
+        <a:p>
+          <a:endParaRPr lang="en-MY"/>
+        </a:p>
+      </dgm:t>
+    </dgm:pt>
+    <dgm:pt modelId="{9677E242-DC52-44FB-8718-7A8C245F9165}">
+      <dgm:prSet/>
+      <dgm:spPr/>
+      <dgm:t>
+        <a:bodyPr/>
+        <a:lstStyle/>
+        <a:p>
+          <a:r>
+            <a:rPr lang="en-MY" dirty="0"/>
+            <a:t>Email Account Test</a:t>
+          </a:r>
+        </a:p>
+      </dgm:t>
+    </dgm:pt>
+    <dgm:pt modelId="{561D92B7-7D30-4F0B-9122-4CFEBCCC15DA}" type="parTrans" cxnId="{2F3F1893-4156-4DF9-94BF-1E21F333100A}">
+      <dgm:prSet/>
+      <dgm:spPr/>
+      <dgm:t>
+        <a:bodyPr/>
+        <a:lstStyle/>
+        <a:p>
+          <a:endParaRPr lang="en-MY"/>
+        </a:p>
+      </dgm:t>
+    </dgm:pt>
+    <dgm:pt modelId="{2C3B6347-FFDD-41A5-B162-5FCA431A8A85}" type="sibTrans" cxnId="{2F3F1893-4156-4DF9-94BF-1E21F333100A}">
+      <dgm:prSet/>
+      <dgm:spPr/>
+      <dgm:t>
+        <a:bodyPr/>
+        <a:lstStyle/>
+        <a:p>
+          <a:endParaRPr lang="en-MY"/>
+        </a:p>
+      </dgm:t>
+    </dgm:pt>
+    <dgm:pt modelId="{70A98C39-207A-4D66-A44E-D3FFC8F0B103}" type="pres">
+      <dgm:prSet presAssocID="{BA2FAB3D-81B6-4C82-BA38-D897035D7D3F}" presName="linearFlow" presStyleCnt="0">
+        <dgm:presLayoutVars>
+          <dgm:resizeHandles val="exact"/>
+        </dgm:presLayoutVars>
+      </dgm:prSet>
+      <dgm:spPr/>
+    </dgm:pt>
+    <dgm:pt modelId="{AA1B8B86-8B56-4E89-980E-CA968091E7C8}" type="pres">
+      <dgm:prSet presAssocID="{A5A83577-164B-4C8C-B5F2-52BFBA792537}" presName="node" presStyleLbl="node1" presStyleIdx="0" presStyleCnt="5" custScaleX="161051" custScaleY="161051">
+        <dgm:presLayoutVars>
+          <dgm:bulletEnabled val="1"/>
+        </dgm:presLayoutVars>
+      </dgm:prSet>
+      <dgm:spPr/>
+    </dgm:pt>
+    <dgm:pt modelId="{7785C724-787D-42CF-B411-8CD847C2037A}" type="pres">
+      <dgm:prSet presAssocID="{48CA02E2-39E3-4E62-ADA3-E381C4B87116}" presName="sibTrans" presStyleLbl="sibTrans2D1" presStyleIdx="0" presStyleCnt="4"/>
+      <dgm:spPr/>
+    </dgm:pt>
+    <dgm:pt modelId="{73B19602-D826-4A97-9457-713EE40B5E14}" type="pres">
+      <dgm:prSet presAssocID="{48CA02E2-39E3-4E62-ADA3-E381C4B87116}" presName="connectorText" presStyleLbl="sibTrans2D1" presStyleIdx="0" presStyleCnt="4"/>
+      <dgm:spPr/>
+    </dgm:pt>
+    <dgm:pt modelId="{6B7DA0C4-AA6C-4EF0-9CDE-27CA27EF6988}" type="pres">
+      <dgm:prSet presAssocID="{7D6EF572-5EC6-4C84-8563-FC1F82E66669}" presName="node" presStyleLbl="node1" presStyleIdx="1" presStyleCnt="5" custScaleX="161051" custScaleY="161051">
+        <dgm:presLayoutVars>
+          <dgm:bulletEnabled val="1"/>
+        </dgm:presLayoutVars>
+      </dgm:prSet>
+      <dgm:spPr/>
+    </dgm:pt>
+    <dgm:pt modelId="{1958CE3A-EB89-4DE5-8FC3-EC97EAA589FD}" type="pres">
+      <dgm:prSet presAssocID="{11281F99-E085-45A5-A926-EF70D4731C20}" presName="sibTrans" presStyleLbl="sibTrans2D1" presStyleIdx="1" presStyleCnt="4"/>
+      <dgm:spPr/>
+    </dgm:pt>
+    <dgm:pt modelId="{5F51D1EE-6664-4E63-A164-439A36C688F5}" type="pres">
+      <dgm:prSet presAssocID="{11281F99-E085-45A5-A926-EF70D4731C20}" presName="connectorText" presStyleLbl="sibTrans2D1" presStyleIdx="1" presStyleCnt="4"/>
+      <dgm:spPr/>
+    </dgm:pt>
+    <dgm:pt modelId="{8D0403A4-B176-494F-8914-0D5A80E359FC}" type="pres">
+      <dgm:prSet presAssocID="{4F0D7010-9C11-49AC-80EA-91A088459301}" presName="node" presStyleLbl="node1" presStyleIdx="2" presStyleCnt="5" custScaleX="161051" custScaleY="161051">
+        <dgm:presLayoutVars>
+          <dgm:bulletEnabled val="1"/>
+        </dgm:presLayoutVars>
+      </dgm:prSet>
+      <dgm:spPr/>
+    </dgm:pt>
+    <dgm:pt modelId="{27A5FF5C-9215-49BD-81AC-BD44B52B4BE1}" type="pres">
+      <dgm:prSet presAssocID="{6463B5D0-D7E2-4BEB-BF48-94DFFF26B2FD}" presName="sibTrans" presStyleLbl="sibTrans2D1" presStyleIdx="2" presStyleCnt="4"/>
+      <dgm:spPr/>
+    </dgm:pt>
+    <dgm:pt modelId="{7D16C6B0-BE47-4AC7-A2D7-B8E4D0DA1A75}" type="pres">
+      <dgm:prSet presAssocID="{6463B5D0-D7E2-4BEB-BF48-94DFFF26B2FD}" presName="connectorText" presStyleLbl="sibTrans2D1" presStyleIdx="2" presStyleCnt="4"/>
+      <dgm:spPr/>
+    </dgm:pt>
+    <dgm:pt modelId="{CAB34779-88A7-4319-9547-47319AA4C9EC}" type="pres">
+      <dgm:prSet presAssocID="{ACBF3CCF-F9B1-4F5A-BD32-B28072EE9D08}" presName="node" presStyleLbl="node1" presStyleIdx="3" presStyleCnt="5" custScaleX="161051" custScaleY="161051">
+        <dgm:presLayoutVars>
+          <dgm:bulletEnabled val="1"/>
+        </dgm:presLayoutVars>
+      </dgm:prSet>
+      <dgm:spPr/>
+    </dgm:pt>
+    <dgm:pt modelId="{BA41D488-D785-4AC2-8DDD-A2B14A127CB3}" type="pres">
+      <dgm:prSet presAssocID="{30BDC718-B89D-47C6-8ACB-F8CF221E0F9B}" presName="sibTrans" presStyleLbl="sibTrans2D1" presStyleIdx="3" presStyleCnt="4"/>
+      <dgm:spPr/>
+    </dgm:pt>
+    <dgm:pt modelId="{90929F40-4088-4AF6-B551-8E7F3139EDBB}" type="pres">
+      <dgm:prSet presAssocID="{30BDC718-B89D-47C6-8ACB-F8CF221E0F9B}" presName="connectorText" presStyleLbl="sibTrans2D1" presStyleIdx="3" presStyleCnt="4"/>
+      <dgm:spPr/>
+    </dgm:pt>
+    <dgm:pt modelId="{EB042DCD-54E9-48BF-B93E-149A92833F11}" type="pres">
+      <dgm:prSet presAssocID="{9677E242-DC52-44FB-8718-7A8C245F9165}" presName="node" presStyleLbl="node1" presStyleIdx="4" presStyleCnt="5" custScaleX="161051" custScaleY="161051">
+        <dgm:presLayoutVars>
+          <dgm:bulletEnabled val="1"/>
+        </dgm:presLayoutVars>
+      </dgm:prSet>
+      <dgm:spPr/>
+    </dgm:pt>
+  </dgm:ptLst>
+  <dgm:cxnLst>
+    <dgm:cxn modelId="{00FB2418-9E5C-496D-8474-C9A4AA04F980}" srcId="{BA2FAB3D-81B6-4C82-BA38-D897035D7D3F}" destId="{ACBF3CCF-F9B1-4F5A-BD32-B28072EE9D08}" srcOrd="3" destOrd="0" parTransId="{0114FC3A-8326-43BF-A8A6-3136659D8097}" sibTransId="{30BDC718-B89D-47C6-8ACB-F8CF221E0F9B}"/>
+    <dgm:cxn modelId="{0897F320-0956-4BF0-8105-D891C1E0154D}" srcId="{BA2FAB3D-81B6-4C82-BA38-D897035D7D3F}" destId="{A5A83577-164B-4C8C-B5F2-52BFBA792537}" srcOrd="0" destOrd="0" parTransId="{AA16010F-7A5D-46F5-99CF-65810E36D089}" sibTransId="{48CA02E2-39E3-4E62-ADA3-E381C4B87116}"/>
+    <dgm:cxn modelId="{48433D23-2960-480B-8BEA-53712A60AED8}" type="presOf" srcId="{48CA02E2-39E3-4E62-ADA3-E381C4B87116}" destId="{7785C724-787D-42CF-B411-8CD847C2037A}" srcOrd="0" destOrd="0" presId="urn:microsoft.com/office/officeart/2005/8/layout/process2"/>
+    <dgm:cxn modelId="{A5FA2430-9180-473A-B162-3919607121B8}" type="presOf" srcId="{7D6EF572-5EC6-4C84-8563-FC1F82E66669}" destId="{6B7DA0C4-AA6C-4EF0-9CDE-27CA27EF6988}" srcOrd="0" destOrd="0" presId="urn:microsoft.com/office/officeart/2005/8/layout/process2"/>
+    <dgm:cxn modelId="{D4AE8237-A1E9-44DA-8E8B-626A340E8BD6}" type="presOf" srcId="{30BDC718-B89D-47C6-8ACB-F8CF221E0F9B}" destId="{90929F40-4088-4AF6-B551-8E7F3139EDBB}" srcOrd="1" destOrd="0" presId="urn:microsoft.com/office/officeart/2005/8/layout/process2"/>
+    <dgm:cxn modelId="{B8B1593B-410C-4D5F-B99A-C009270CB220}" type="presOf" srcId="{9677E242-DC52-44FB-8718-7A8C245F9165}" destId="{EB042DCD-54E9-48BF-B93E-149A92833F11}" srcOrd="0" destOrd="0" presId="urn:microsoft.com/office/officeart/2005/8/layout/process2"/>
+    <dgm:cxn modelId="{830B893C-36D7-450F-B6A8-79B5D1B3B79D}" type="presOf" srcId="{48CA02E2-39E3-4E62-ADA3-E381C4B87116}" destId="{73B19602-D826-4A97-9457-713EE40B5E14}" srcOrd="1" destOrd="0" presId="urn:microsoft.com/office/officeart/2005/8/layout/process2"/>
+    <dgm:cxn modelId="{EA30753D-195C-45B6-97CC-532CFEC3D5E9}" type="presOf" srcId="{11281F99-E085-45A5-A926-EF70D4731C20}" destId="{5F51D1EE-6664-4E63-A164-439A36C688F5}" srcOrd="1" destOrd="0" presId="urn:microsoft.com/office/officeart/2005/8/layout/process2"/>
+    <dgm:cxn modelId="{33E87A5E-B9FC-44BA-B11B-EEDE937BFCE1}" type="presOf" srcId="{BA2FAB3D-81B6-4C82-BA38-D897035D7D3F}" destId="{70A98C39-207A-4D66-A44E-D3FFC8F0B103}" srcOrd="0" destOrd="0" presId="urn:microsoft.com/office/officeart/2005/8/layout/process2"/>
+    <dgm:cxn modelId="{3540B142-3E8B-4FFA-A464-77FED76C7618}" type="presOf" srcId="{ACBF3CCF-F9B1-4F5A-BD32-B28072EE9D08}" destId="{CAB34779-88A7-4319-9547-47319AA4C9EC}" srcOrd="0" destOrd="0" presId="urn:microsoft.com/office/officeart/2005/8/layout/process2"/>
+    <dgm:cxn modelId="{D6D4C248-A223-4AF3-BCF0-E9D614142BCC}" type="presOf" srcId="{6463B5D0-D7E2-4BEB-BF48-94DFFF26B2FD}" destId="{27A5FF5C-9215-49BD-81AC-BD44B52B4BE1}" srcOrd="0" destOrd="0" presId="urn:microsoft.com/office/officeart/2005/8/layout/process2"/>
+    <dgm:cxn modelId="{CC702852-CAB3-450F-8A36-CFF74948FB24}" srcId="{BA2FAB3D-81B6-4C82-BA38-D897035D7D3F}" destId="{4F0D7010-9C11-49AC-80EA-91A088459301}" srcOrd="2" destOrd="0" parTransId="{500C3AC0-F4BC-458E-AAAA-E132696450F2}" sibTransId="{6463B5D0-D7E2-4BEB-BF48-94DFFF26B2FD}"/>
+    <dgm:cxn modelId="{848AEC57-0022-4433-B818-8750ECE0CD1E}" type="presOf" srcId="{4F0D7010-9C11-49AC-80EA-91A088459301}" destId="{8D0403A4-B176-494F-8914-0D5A80E359FC}" srcOrd="0" destOrd="0" presId="urn:microsoft.com/office/officeart/2005/8/layout/process2"/>
+    <dgm:cxn modelId="{B4D1EC58-E5BA-4925-BF38-7EF054FF8535}" type="presOf" srcId="{A5A83577-164B-4C8C-B5F2-52BFBA792537}" destId="{AA1B8B86-8B56-4E89-980E-CA968091E7C8}" srcOrd="0" destOrd="0" presId="urn:microsoft.com/office/officeart/2005/8/layout/process2"/>
+    <dgm:cxn modelId="{D34AC87F-C01E-4482-9C7F-300B170B06F5}" type="presOf" srcId="{30BDC718-B89D-47C6-8ACB-F8CF221E0F9B}" destId="{BA41D488-D785-4AC2-8DDD-A2B14A127CB3}" srcOrd="0" destOrd="0" presId="urn:microsoft.com/office/officeart/2005/8/layout/process2"/>
+    <dgm:cxn modelId="{1020B282-ABE5-4C0A-8671-5D541C78808C}" type="presOf" srcId="{6463B5D0-D7E2-4BEB-BF48-94DFFF26B2FD}" destId="{7D16C6B0-BE47-4AC7-A2D7-B8E4D0DA1A75}" srcOrd="1" destOrd="0" presId="urn:microsoft.com/office/officeart/2005/8/layout/process2"/>
+    <dgm:cxn modelId="{2F3F1893-4156-4DF9-94BF-1E21F333100A}" srcId="{BA2FAB3D-81B6-4C82-BA38-D897035D7D3F}" destId="{9677E242-DC52-44FB-8718-7A8C245F9165}" srcOrd="4" destOrd="0" parTransId="{561D92B7-7D30-4F0B-9122-4CFEBCCC15DA}" sibTransId="{2C3B6347-FFDD-41A5-B162-5FCA431A8A85}"/>
+    <dgm:cxn modelId="{1295AE9F-699D-47C0-8965-EBE7367ADCED}" srcId="{BA2FAB3D-81B6-4C82-BA38-D897035D7D3F}" destId="{7D6EF572-5EC6-4C84-8563-FC1F82E66669}" srcOrd="1" destOrd="0" parTransId="{B8807F8D-F6A0-4D38-834D-4A9A462280D9}" sibTransId="{11281F99-E085-45A5-A926-EF70D4731C20}"/>
+    <dgm:cxn modelId="{08874EE6-41C8-456F-96EB-B97F382B8370}" type="presOf" srcId="{11281F99-E085-45A5-A926-EF70D4731C20}" destId="{1958CE3A-EB89-4DE5-8FC3-EC97EAA589FD}" srcOrd="0" destOrd="0" presId="urn:microsoft.com/office/officeart/2005/8/layout/process2"/>
+    <dgm:cxn modelId="{B3EA2C81-7171-4467-90AC-2D8B8889BED0}" type="presParOf" srcId="{70A98C39-207A-4D66-A44E-D3FFC8F0B103}" destId="{AA1B8B86-8B56-4E89-980E-CA968091E7C8}" srcOrd="0" destOrd="0" presId="urn:microsoft.com/office/officeart/2005/8/layout/process2"/>
+    <dgm:cxn modelId="{AA20AB55-C579-40B9-8450-E6B9CE180D72}" type="presParOf" srcId="{70A98C39-207A-4D66-A44E-D3FFC8F0B103}" destId="{7785C724-787D-42CF-B411-8CD847C2037A}" srcOrd="1" destOrd="0" presId="urn:microsoft.com/office/officeart/2005/8/layout/process2"/>
+    <dgm:cxn modelId="{FCA8A258-FFF2-41D1-AD6C-071D53694644}" type="presParOf" srcId="{7785C724-787D-42CF-B411-8CD847C2037A}" destId="{73B19602-D826-4A97-9457-713EE40B5E14}" srcOrd="0" destOrd="0" presId="urn:microsoft.com/office/officeart/2005/8/layout/process2"/>
+    <dgm:cxn modelId="{59343F43-66FE-4D0D-A96C-34829C8B0849}" type="presParOf" srcId="{70A98C39-207A-4D66-A44E-D3FFC8F0B103}" destId="{6B7DA0C4-AA6C-4EF0-9CDE-27CA27EF6988}" srcOrd="2" destOrd="0" presId="urn:microsoft.com/office/officeart/2005/8/layout/process2"/>
+    <dgm:cxn modelId="{D07B2230-706D-40B5-912B-17B1AE78583A}" type="presParOf" srcId="{70A98C39-207A-4D66-A44E-D3FFC8F0B103}" destId="{1958CE3A-EB89-4DE5-8FC3-EC97EAA589FD}" srcOrd="3" destOrd="0" presId="urn:microsoft.com/office/officeart/2005/8/layout/process2"/>
+    <dgm:cxn modelId="{B9A64BB4-1C23-4DD7-BC60-BC121032B00A}" type="presParOf" srcId="{1958CE3A-EB89-4DE5-8FC3-EC97EAA589FD}" destId="{5F51D1EE-6664-4E63-A164-439A36C688F5}" srcOrd="0" destOrd="0" presId="urn:microsoft.com/office/officeart/2005/8/layout/process2"/>
+    <dgm:cxn modelId="{AF86D6E5-2B02-4631-96A3-9E2A35851082}" type="presParOf" srcId="{70A98C39-207A-4D66-A44E-D3FFC8F0B103}" destId="{8D0403A4-B176-494F-8914-0D5A80E359FC}" srcOrd="4" destOrd="0" presId="urn:microsoft.com/office/officeart/2005/8/layout/process2"/>
+    <dgm:cxn modelId="{0CAEF495-146F-45EF-9969-68265B19A7E2}" type="presParOf" srcId="{70A98C39-207A-4D66-A44E-D3FFC8F0B103}" destId="{27A5FF5C-9215-49BD-81AC-BD44B52B4BE1}" srcOrd="5" destOrd="0" presId="urn:microsoft.com/office/officeart/2005/8/layout/process2"/>
+    <dgm:cxn modelId="{C93D6EFF-74F9-4C57-A2D7-F4D3FF0D0FA2}" type="presParOf" srcId="{27A5FF5C-9215-49BD-81AC-BD44B52B4BE1}" destId="{7D16C6B0-BE47-4AC7-A2D7-B8E4D0DA1A75}" srcOrd="0" destOrd="0" presId="urn:microsoft.com/office/officeart/2005/8/layout/process2"/>
+    <dgm:cxn modelId="{DD26D0E0-52D3-4805-A198-5217ACCDDED1}" type="presParOf" srcId="{70A98C39-207A-4D66-A44E-D3FFC8F0B103}" destId="{CAB34779-88A7-4319-9547-47319AA4C9EC}" srcOrd="6" destOrd="0" presId="urn:microsoft.com/office/officeart/2005/8/layout/process2"/>
+    <dgm:cxn modelId="{61ADB17B-FB76-44C8-A290-C3855063ED59}" type="presParOf" srcId="{70A98C39-207A-4D66-A44E-D3FFC8F0B103}" destId="{BA41D488-D785-4AC2-8DDD-A2B14A127CB3}" srcOrd="7" destOrd="0" presId="urn:microsoft.com/office/officeart/2005/8/layout/process2"/>
+    <dgm:cxn modelId="{D1500619-3F81-4FCE-875B-4B6467ABB29B}" type="presParOf" srcId="{BA41D488-D785-4AC2-8DDD-A2B14A127CB3}" destId="{90929F40-4088-4AF6-B551-8E7F3139EDBB}" srcOrd="0" destOrd="0" presId="urn:microsoft.com/office/officeart/2005/8/layout/process2"/>
+    <dgm:cxn modelId="{74E03123-1E73-492D-B676-69A276D50EB3}" type="presParOf" srcId="{70A98C39-207A-4D66-A44E-D3FFC8F0B103}" destId="{EB042DCD-54E9-48BF-B93E-149A92833F11}" srcOrd="8" destOrd="0" presId="urn:microsoft.com/office/officeart/2005/8/layout/process2"/>
+  </dgm:cxnLst>
+  <dgm:bg/>
+  <dgm:whole/>
+  <dgm:extLst>
+    <a:ext uri="http://schemas.microsoft.com/office/drawing/2008/diagram">
+      <dsp:dataModelExt xmlns:dsp="http://schemas.microsoft.com/office/drawing/2008/diagram" relId="rId6" minVer="http://schemas.openxmlformats.org/drawingml/2006/diagram"/>
+    </a:ext>
+  </dgm:extLst>
+</dgm:dataModel>
+</file>
+
+<file path=ppt/diagrams/data4.xml><?xml version="1.0" encoding="utf-8"?>
 <dgm:dataModel xmlns:dgm="http://schemas.openxmlformats.org/drawingml/2006/diagram" xmlns:a="http://schemas.openxmlformats.org/drawingml/2006/main">
   <dgm:ptLst>
     <dgm:pt modelId="{BA2FAB3D-81B6-4C82-BA38-D897035D7D3F}" type="doc">
@@ -3528,6 +6238,1682 @@
 </file>
 
 <file path=ppt/diagrams/drawing2.xml><?xml version="1.0" encoding="utf-8"?>
+<dsp:drawing xmlns:dgm="http://schemas.openxmlformats.org/drawingml/2006/diagram" xmlns:dsp="http://schemas.microsoft.com/office/drawing/2008/diagram" xmlns:a="http://schemas.openxmlformats.org/drawingml/2006/main">
+  <dsp:spTree>
+    <dsp:nvGrpSpPr>
+      <dsp:cNvPr id="0" name=""/>
+      <dsp:cNvGrpSpPr/>
+    </dsp:nvGrpSpPr>
+    <dsp:grpSpPr/>
+    <dsp:sp modelId="{6454DAB9-67C4-48D0-B02D-2E89EED07D60}">
+      <dsp:nvSpPr>
+        <dsp:cNvPr id="0" name=""/>
+        <dsp:cNvSpPr/>
+      </dsp:nvSpPr>
+      <dsp:spPr>
+        <a:xfrm rot="5400000">
+          <a:off x="-185667" y="187076"/>
+          <a:ext cx="1237781" cy="866446"/>
+        </a:xfrm>
+        <a:prstGeom prst="chevron">
+          <a:avLst/>
+        </a:prstGeom>
+        <a:solidFill>
+          <a:schemeClr val="accent1">
+            <a:hueOff val="0"/>
+            <a:satOff val="0"/>
+            <a:lumOff val="0"/>
+            <a:alphaOff val="0"/>
+          </a:schemeClr>
+        </a:solidFill>
+        <a:ln w="12700" cap="flat" cmpd="sng" algn="ctr">
+          <a:solidFill>
+            <a:schemeClr val="accent1">
+              <a:hueOff val="0"/>
+              <a:satOff val="0"/>
+              <a:lumOff val="0"/>
+              <a:alphaOff val="0"/>
+            </a:schemeClr>
+          </a:solidFill>
+          <a:prstDash val="solid"/>
+          <a:miter lim="800000"/>
+        </a:ln>
+        <a:effectLst/>
+      </dsp:spPr>
+      <dsp:style>
+        <a:lnRef idx="2">
+          <a:scrgbClr r="0" g="0" b="0"/>
+        </a:lnRef>
+        <a:fillRef idx="1">
+          <a:scrgbClr r="0" g="0" b="0"/>
+        </a:fillRef>
+        <a:effectRef idx="0">
+          <a:scrgbClr r="0" g="0" b="0"/>
+        </a:effectRef>
+        <a:fontRef idx="minor">
+          <a:schemeClr val="lt1"/>
+        </a:fontRef>
+      </dsp:style>
+      <dsp:txBody>
+        <a:bodyPr spcFirstLastPara="0" vert="horz" wrap="square" lIns="6350" tIns="6350" rIns="6350" bIns="6350" numCol="1" spcCol="1270" anchor="ctr" anchorCtr="0">
+          <a:noAutofit/>
+        </a:bodyPr>
+        <a:lstStyle/>
+        <a:p>
+          <a:pPr marL="0" lvl="0" indent="0" algn="ctr" defTabSz="444500">
+            <a:lnSpc>
+              <a:spcPct val="90000"/>
+            </a:lnSpc>
+            <a:spcBef>
+              <a:spcPct val="0"/>
+            </a:spcBef>
+            <a:spcAft>
+              <a:spcPct val="35000"/>
+            </a:spcAft>
+            <a:buNone/>
+          </a:pPr>
+          <a:r>
+            <a:rPr lang="en-MY" sz="1000" kern="1200" dirty="0"/>
+            <a:t>Info-gathering Test </a:t>
+          </a:r>
+        </a:p>
+      </dsp:txBody>
+      <dsp:txXfrm rot="-5400000">
+        <a:off x="1" y="434631"/>
+        <a:ext cx="866446" cy="371335"/>
+      </dsp:txXfrm>
+    </dsp:sp>
+    <dsp:sp modelId="{9678A81A-87B0-4ADB-AACC-0F43C41A73D8}">
+      <dsp:nvSpPr>
+        <dsp:cNvPr id="0" name=""/>
+        <dsp:cNvSpPr/>
+      </dsp:nvSpPr>
+      <dsp:spPr>
+        <a:xfrm rot="5400000">
+          <a:off x="4748994" y="-3881138"/>
+          <a:ext cx="804557" cy="8569653"/>
+        </a:xfrm>
+        <a:prstGeom prst="round2SameRect">
+          <a:avLst/>
+        </a:prstGeom>
+        <a:solidFill>
+          <a:schemeClr val="lt1">
+            <a:alpha val="90000"/>
+            <a:hueOff val="0"/>
+            <a:satOff val="0"/>
+            <a:lumOff val="0"/>
+            <a:alphaOff val="0"/>
+          </a:schemeClr>
+        </a:solidFill>
+        <a:ln w="12700" cap="flat" cmpd="sng" algn="ctr">
+          <a:solidFill>
+            <a:schemeClr val="accent1">
+              <a:hueOff val="0"/>
+              <a:satOff val="0"/>
+              <a:lumOff val="0"/>
+              <a:alphaOff val="0"/>
+            </a:schemeClr>
+          </a:solidFill>
+          <a:prstDash val="solid"/>
+          <a:miter lim="800000"/>
+        </a:ln>
+        <a:effectLst/>
+      </dsp:spPr>
+      <dsp:style>
+        <a:lnRef idx="2">
+          <a:scrgbClr r="0" g="0" b="0"/>
+        </a:lnRef>
+        <a:fillRef idx="1">
+          <a:scrgbClr r="0" g="0" b="0"/>
+        </a:fillRef>
+        <a:effectRef idx="0">
+          <a:scrgbClr r="0" g="0" b="0"/>
+        </a:effectRef>
+        <a:fontRef idx="minor"/>
+      </dsp:style>
+      <dsp:txBody>
+        <a:bodyPr spcFirstLastPara="0" vert="horz" wrap="square" lIns="78232" tIns="6985" rIns="6985" bIns="6985" numCol="1" spcCol="1270" anchor="ctr" anchorCtr="0">
+          <a:noAutofit/>
+        </a:bodyPr>
+        <a:lstStyle/>
+        <a:p>
+          <a:pPr marL="57150" lvl="1" indent="-57150" algn="l" defTabSz="488950">
+            <a:lnSpc>
+              <a:spcPct val="90000"/>
+            </a:lnSpc>
+            <a:spcBef>
+              <a:spcPct val="0"/>
+            </a:spcBef>
+            <a:spcAft>
+              <a:spcPct val="15000"/>
+            </a:spcAft>
+            <a:buChar char="•"/>
+          </a:pPr>
+          <a:r>
+            <a:rPr kumimoji="0" lang="en-US" sz="1100" b="0" i="0" u="none" strike="noStrike" kern="1200" cap="none" spc="0" normalizeH="0" baseline="0" noProof="0" dirty="0">
+              <a:ln>
+                <a:noFill/>
+              </a:ln>
+              <a:solidFill>
+                <a:prstClr val="black"/>
+              </a:solidFill>
+              <a:effectLst/>
+              <a:uLnTx/>
+              <a:uFillTx/>
+              <a:latin typeface="Calibri"/>
+              <a:ea typeface="+mn-ea"/>
+              <a:cs typeface="+mn-cs"/>
+            </a:rPr>
+            <a:t>Gather information that published by Virus Total and other software security website within the latest 24 hours. </a:t>
+          </a:r>
+          <a:endParaRPr lang="en-MY" sz="1100" kern="1200" dirty="0"/>
+        </a:p>
+        <a:p>
+          <a:pPr marL="57150" lvl="1" indent="-57150" algn="l" defTabSz="488950">
+            <a:lnSpc>
+              <a:spcPct val="90000"/>
+            </a:lnSpc>
+            <a:spcBef>
+              <a:spcPct val="0"/>
+            </a:spcBef>
+            <a:spcAft>
+              <a:spcPct val="15000"/>
+            </a:spcAft>
+            <a:buChar char="•"/>
+          </a:pPr>
+          <a:r>
+            <a:rPr lang="en-MY" sz="1100" kern="1200" dirty="0"/>
+            <a:t>Complete in 30 seconds.</a:t>
+          </a:r>
+        </a:p>
+      </dsp:txBody>
+      <dsp:txXfrm rot="-5400000">
+        <a:off x="866447" y="40684"/>
+        <a:ext cx="8530378" cy="726007"/>
+      </dsp:txXfrm>
+    </dsp:sp>
+    <dsp:sp modelId="{F9CAE16E-096A-410F-92E3-0AB785393FDF}">
+      <dsp:nvSpPr>
+        <dsp:cNvPr id="0" name=""/>
+        <dsp:cNvSpPr/>
+      </dsp:nvSpPr>
+      <dsp:spPr>
+        <a:xfrm rot="5400000">
+          <a:off x="-185667" y="1309116"/>
+          <a:ext cx="1237781" cy="866446"/>
+        </a:xfrm>
+        <a:prstGeom prst="chevron">
+          <a:avLst/>
+        </a:prstGeom>
+        <a:solidFill>
+          <a:schemeClr val="accent1">
+            <a:hueOff val="0"/>
+            <a:satOff val="0"/>
+            <a:lumOff val="0"/>
+            <a:alphaOff val="0"/>
+          </a:schemeClr>
+        </a:solidFill>
+        <a:ln w="12700" cap="flat" cmpd="sng" algn="ctr">
+          <a:solidFill>
+            <a:schemeClr val="accent1">
+              <a:hueOff val="0"/>
+              <a:satOff val="0"/>
+              <a:lumOff val="0"/>
+              <a:alphaOff val="0"/>
+            </a:schemeClr>
+          </a:solidFill>
+          <a:prstDash val="solid"/>
+          <a:miter lim="800000"/>
+        </a:ln>
+        <a:effectLst/>
+      </dsp:spPr>
+      <dsp:style>
+        <a:lnRef idx="2">
+          <a:scrgbClr r="0" g="0" b="0"/>
+        </a:lnRef>
+        <a:fillRef idx="1">
+          <a:scrgbClr r="0" g="0" b="0"/>
+        </a:fillRef>
+        <a:effectRef idx="0">
+          <a:scrgbClr r="0" g="0" b="0"/>
+        </a:effectRef>
+        <a:fontRef idx="minor">
+          <a:schemeClr val="lt1"/>
+        </a:fontRef>
+      </dsp:style>
+      <dsp:txBody>
+        <a:bodyPr spcFirstLastPara="0" vert="horz" wrap="square" lIns="6350" tIns="6350" rIns="6350" bIns="6350" numCol="1" spcCol="1270" anchor="ctr" anchorCtr="0">
+          <a:noAutofit/>
+        </a:bodyPr>
+        <a:lstStyle/>
+        <a:p>
+          <a:pPr marL="0" lvl="0" indent="0" algn="ctr" defTabSz="444500">
+            <a:lnSpc>
+              <a:spcPct val="90000"/>
+            </a:lnSpc>
+            <a:spcBef>
+              <a:spcPct val="0"/>
+            </a:spcBef>
+            <a:spcAft>
+              <a:spcPct val="35000"/>
+            </a:spcAft>
+            <a:buNone/>
+          </a:pPr>
+          <a:r>
+            <a:rPr lang="en-MY" sz="1000" kern="1200" dirty="0"/>
+            <a:t>Hash/signature  Extraction Test</a:t>
+          </a:r>
+        </a:p>
+      </dsp:txBody>
+      <dsp:txXfrm rot="-5400000">
+        <a:off x="1" y="1556671"/>
+        <a:ext cx="866446" cy="371335"/>
+      </dsp:txXfrm>
+    </dsp:sp>
+    <dsp:sp modelId="{1DA01B55-7583-4BDC-A845-7A8F6DB647F8}">
+      <dsp:nvSpPr>
+        <dsp:cNvPr id="0" name=""/>
+        <dsp:cNvSpPr/>
+      </dsp:nvSpPr>
+      <dsp:spPr>
+        <a:xfrm rot="5400000">
+          <a:off x="4748994" y="-2759098"/>
+          <a:ext cx="804557" cy="8569653"/>
+        </a:xfrm>
+        <a:prstGeom prst="round2SameRect">
+          <a:avLst/>
+        </a:prstGeom>
+        <a:solidFill>
+          <a:schemeClr val="lt1">
+            <a:alpha val="90000"/>
+            <a:hueOff val="0"/>
+            <a:satOff val="0"/>
+            <a:lumOff val="0"/>
+            <a:alphaOff val="0"/>
+          </a:schemeClr>
+        </a:solidFill>
+        <a:ln w="12700" cap="flat" cmpd="sng" algn="ctr">
+          <a:solidFill>
+            <a:schemeClr val="accent1">
+              <a:hueOff val="0"/>
+              <a:satOff val="0"/>
+              <a:lumOff val="0"/>
+              <a:alphaOff val="0"/>
+            </a:schemeClr>
+          </a:solidFill>
+          <a:prstDash val="solid"/>
+          <a:miter lim="800000"/>
+        </a:ln>
+        <a:effectLst/>
+      </dsp:spPr>
+      <dsp:style>
+        <a:lnRef idx="2">
+          <a:scrgbClr r="0" g="0" b="0"/>
+        </a:lnRef>
+        <a:fillRef idx="1">
+          <a:scrgbClr r="0" g="0" b="0"/>
+        </a:fillRef>
+        <a:effectRef idx="0">
+          <a:scrgbClr r="0" g="0" b="0"/>
+        </a:effectRef>
+        <a:fontRef idx="minor"/>
+      </dsp:style>
+      <dsp:txBody>
+        <a:bodyPr spcFirstLastPara="0" vert="horz" wrap="square" lIns="78232" tIns="6985" rIns="6985" bIns="6985" numCol="1" spcCol="1270" anchor="ctr" anchorCtr="0">
+          <a:noAutofit/>
+        </a:bodyPr>
+        <a:lstStyle/>
+        <a:p>
+          <a:pPr marL="57150" lvl="1" indent="-57150" algn="l" defTabSz="488950">
+            <a:lnSpc>
+              <a:spcPct val="90000"/>
+            </a:lnSpc>
+            <a:spcBef>
+              <a:spcPct val="0"/>
+            </a:spcBef>
+            <a:spcAft>
+              <a:spcPct val="15000"/>
+            </a:spcAft>
+            <a:buChar char="•"/>
+          </a:pPr>
+          <a:r>
+            <a:rPr lang="en-MY" sz="1100" kern="1200" dirty="0"/>
+            <a:t>Remove redundant information and extract necessary hash/signature</a:t>
+          </a:r>
+        </a:p>
+        <a:p>
+          <a:pPr marL="57150" lvl="1" indent="-57150" algn="l" defTabSz="488950">
+            <a:lnSpc>
+              <a:spcPct val="90000"/>
+            </a:lnSpc>
+            <a:spcBef>
+              <a:spcPct val="0"/>
+            </a:spcBef>
+            <a:spcAft>
+              <a:spcPct val="15000"/>
+            </a:spcAft>
+            <a:buChar char="•"/>
+          </a:pPr>
+          <a:r>
+            <a:rPr lang="en-MY" sz="1100" kern="1200" dirty="0"/>
+            <a:t>Complete within 3 minutes</a:t>
+          </a:r>
+        </a:p>
+      </dsp:txBody>
+      <dsp:txXfrm rot="-5400000">
+        <a:off x="866447" y="1162724"/>
+        <a:ext cx="8530378" cy="726007"/>
+      </dsp:txXfrm>
+    </dsp:sp>
+    <dsp:sp modelId="{E8EF1F52-AD82-42E9-A4E0-B23648BC058E}">
+      <dsp:nvSpPr>
+        <dsp:cNvPr id="0" name=""/>
+        <dsp:cNvSpPr/>
+      </dsp:nvSpPr>
+      <dsp:spPr>
+        <a:xfrm rot="5400000">
+          <a:off x="-185667" y="2431156"/>
+          <a:ext cx="1237781" cy="866446"/>
+        </a:xfrm>
+        <a:prstGeom prst="chevron">
+          <a:avLst/>
+        </a:prstGeom>
+        <a:solidFill>
+          <a:schemeClr val="accent1">
+            <a:hueOff val="0"/>
+            <a:satOff val="0"/>
+            <a:lumOff val="0"/>
+            <a:alphaOff val="0"/>
+          </a:schemeClr>
+        </a:solidFill>
+        <a:ln w="12700" cap="flat" cmpd="sng" algn="ctr">
+          <a:solidFill>
+            <a:schemeClr val="accent1">
+              <a:hueOff val="0"/>
+              <a:satOff val="0"/>
+              <a:lumOff val="0"/>
+              <a:alphaOff val="0"/>
+            </a:schemeClr>
+          </a:solidFill>
+          <a:prstDash val="solid"/>
+          <a:miter lim="800000"/>
+        </a:ln>
+        <a:effectLst/>
+      </dsp:spPr>
+      <dsp:style>
+        <a:lnRef idx="2">
+          <a:scrgbClr r="0" g="0" b="0"/>
+        </a:lnRef>
+        <a:fillRef idx="1">
+          <a:scrgbClr r="0" g="0" b="0"/>
+        </a:fillRef>
+        <a:effectRef idx="0">
+          <a:scrgbClr r="0" g="0" b="0"/>
+        </a:effectRef>
+        <a:fontRef idx="minor">
+          <a:schemeClr val="lt1"/>
+        </a:fontRef>
+      </dsp:style>
+      <dsp:txBody>
+        <a:bodyPr spcFirstLastPara="0" vert="horz" wrap="square" lIns="6350" tIns="6350" rIns="6350" bIns="6350" numCol="1" spcCol="1270" anchor="ctr" anchorCtr="0">
+          <a:noAutofit/>
+        </a:bodyPr>
+        <a:lstStyle/>
+        <a:p>
+          <a:pPr marL="0" lvl="0" indent="0" algn="ctr" defTabSz="444500">
+            <a:lnSpc>
+              <a:spcPct val="90000"/>
+            </a:lnSpc>
+            <a:spcBef>
+              <a:spcPct val="0"/>
+            </a:spcBef>
+            <a:spcAft>
+              <a:spcPct val="35000"/>
+            </a:spcAft>
+            <a:buNone/>
+          </a:pPr>
+          <a:r>
+            <a:rPr lang="en-MY" sz="1000" kern="1200" dirty="0"/>
+            <a:t>Virus Scanning Test</a:t>
+          </a:r>
+        </a:p>
+      </dsp:txBody>
+      <dsp:txXfrm rot="-5400000">
+        <a:off x="1" y="2678711"/>
+        <a:ext cx="866446" cy="371335"/>
+      </dsp:txXfrm>
+    </dsp:sp>
+    <dsp:sp modelId="{A6126571-9D54-4EB2-821B-B2B1E3CF4CD5}">
+      <dsp:nvSpPr>
+        <dsp:cNvPr id="0" name=""/>
+        <dsp:cNvSpPr/>
+      </dsp:nvSpPr>
+      <dsp:spPr>
+        <a:xfrm rot="5400000">
+          <a:off x="4748994" y="-1637058"/>
+          <a:ext cx="804557" cy="8569653"/>
+        </a:xfrm>
+        <a:prstGeom prst="round2SameRect">
+          <a:avLst/>
+        </a:prstGeom>
+        <a:solidFill>
+          <a:schemeClr val="lt1">
+            <a:alpha val="90000"/>
+            <a:hueOff val="0"/>
+            <a:satOff val="0"/>
+            <a:lumOff val="0"/>
+            <a:alphaOff val="0"/>
+          </a:schemeClr>
+        </a:solidFill>
+        <a:ln w="12700" cap="flat" cmpd="sng" algn="ctr">
+          <a:solidFill>
+            <a:schemeClr val="accent1">
+              <a:hueOff val="0"/>
+              <a:satOff val="0"/>
+              <a:lumOff val="0"/>
+              <a:alphaOff val="0"/>
+            </a:schemeClr>
+          </a:solidFill>
+          <a:prstDash val="solid"/>
+          <a:miter lim="800000"/>
+        </a:ln>
+        <a:effectLst/>
+      </dsp:spPr>
+      <dsp:style>
+        <a:lnRef idx="2">
+          <a:scrgbClr r="0" g="0" b="0"/>
+        </a:lnRef>
+        <a:fillRef idx="1">
+          <a:scrgbClr r="0" g="0" b="0"/>
+        </a:fillRef>
+        <a:effectRef idx="0">
+          <a:scrgbClr r="0" g="0" b="0"/>
+        </a:effectRef>
+        <a:fontRef idx="minor"/>
+      </dsp:style>
+      <dsp:txBody>
+        <a:bodyPr spcFirstLastPara="0" vert="horz" wrap="square" lIns="78232" tIns="6985" rIns="6985" bIns="6985" numCol="1" spcCol="1270" anchor="ctr" anchorCtr="0">
+          <a:noAutofit/>
+        </a:bodyPr>
+        <a:lstStyle/>
+        <a:p>
+          <a:pPr marL="57150" lvl="1" indent="-57150" algn="l" defTabSz="488950">
+            <a:lnSpc>
+              <a:spcPct val="90000"/>
+            </a:lnSpc>
+            <a:spcBef>
+              <a:spcPct val="0"/>
+            </a:spcBef>
+            <a:spcAft>
+              <a:spcPct val="15000"/>
+            </a:spcAft>
+            <a:buChar char="•"/>
+          </a:pPr>
+          <a:r>
+            <a:rPr lang="en-MY" sz="1100" kern="1200" dirty="0"/>
+            <a:t>Scan </a:t>
+          </a:r>
+          <a:r>
+            <a:rPr kumimoji="0" lang="en-US" sz="1100" b="0" i="0" u="none" strike="noStrike" kern="1200" cap="none" spc="0" normalizeH="0" baseline="0" noProof="0" dirty="0">
+              <a:ln>
+                <a:noFill/>
+              </a:ln>
+              <a:solidFill>
+                <a:prstClr val="black"/>
+              </a:solidFill>
+              <a:effectLst/>
+              <a:uLnTx/>
+              <a:uFillTx/>
+              <a:latin typeface="Calibri"/>
+              <a:ea typeface="+mn-ea"/>
+              <a:cs typeface="+mn-cs"/>
+            </a:rPr>
+            <a:t>100 known phishing email collected within the latest 12 hours</a:t>
+          </a:r>
+          <a:r>
+            <a:rPr lang="en-MY" sz="1100" kern="1200" dirty="0"/>
+            <a:t> </a:t>
+          </a:r>
+        </a:p>
+        <a:p>
+          <a:pPr marL="57150" lvl="1" indent="-57150" algn="l" defTabSz="488950">
+            <a:lnSpc>
+              <a:spcPct val="90000"/>
+            </a:lnSpc>
+            <a:spcBef>
+              <a:spcPct val="0"/>
+            </a:spcBef>
+            <a:spcAft>
+              <a:spcPct val="15000"/>
+            </a:spcAft>
+            <a:buChar char="•"/>
+          </a:pPr>
+          <a:r>
+            <a:rPr lang="en-MY" sz="1100" kern="1200" dirty="0"/>
+            <a:t>Complete within 1 minute</a:t>
+          </a:r>
+        </a:p>
+      </dsp:txBody>
+      <dsp:txXfrm rot="-5400000">
+        <a:off x="866447" y="2284764"/>
+        <a:ext cx="8530378" cy="726007"/>
+      </dsp:txXfrm>
+    </dsp:sp>
+    <dsp:sp modelId="{2D30A8F1-BBCD-4E9D-AB56-FEFE746D0A9E}">
+      <dsp:nvSpPr>
+        <dsp:cNvPr id="0" name=""/>
+        <dsp:cNvSpPr/>
+      </dsp:nvSpPr>
+      <dsp:spPr>
+        <a:xfrm rot="5400000">
+          <a:off x="-185667" y="3553195"/>
+          <a:ext cx="1237781" cy="866446"/>
+        </a:xfrm>
+        <a:prstGeom prst="chevron">
+          <a:avLst/>
+        </a:prstGeom>
+        <a:solidFill>
+          <a:schemeClr val="accent1">
+            <a:hueOff val="0"/>
+            <a:satOff val="0"/>
+            <a:lumOff val="0"/>
+            <a:alphaOff val="0"/>
+          </a:schemeClr>
+        </a:solidFill>
+        <a:ln w="12700" cap="flat" cmpd="sng" algn="ctr">
+          <a:solidFill>
+            <a:schemeClr val="accent1">
+              <a:hueOff val="0"/>
+              <a:satOff val="0"/>
+              <a:lumOff val="0"/>
+              <a:alphaOff val="0"/>
+            </a:schemeClr>
+          </a:solidFill>
+          <a:prstDash val="solid"/>
+          <a:miter lim="800000"/>
+        </a:ln>
+        <a:effectLst/>
+      </dsp:spPr>
+      <dsp:style>
+        <a:lnRef idx="2">
+          <a:scrgbClr r="0" g="0" b="0"/>
+        </a:lnRef>
+        <a:fillRef idx="1">
+          <a:scrgbClr r="0" g="0" b="0"/>
+        </a:fillRef>
+        <a:effectRef idx="0">
+          <a:scrgbClr r="0" g="0" b="0"/>
+        </a:effectRef>
+        <a:fontRef idx="minor">
+          <a:schemeClr val="lt1"/>
+        </a:fontRef>
+      </dsp:style>
+      <dsp:txBody>
+        <a:bodyPr spcFirstLastPara="0" vert="horz" wrap="square" lIns="6350" tIns="6350" rIns="6350" bIns="6350" numCol="1" spcCol="1270" anchor="ctr" anchorCtr="0">
+          <a:noAutofit/>
+        </a:bodyPr>
+        <a:lstStyle/>
+        <a:p>
+          <a:pPr marL="0" lvl="0" indent="0" algn="ctr" defTabSz="444500">
+            <a:lnSpc>
+              <a:spcPct val="90000"/>
+            </a:lnSpc>
+            <a:spcBef>
+              <a:spcPct val="0"/>
+            </a:spcBef>
+            <a:spcAft>
+              <a:spcPct val="35000"/>
+            </a:spcAft>
+            <a:buNone/>
+          </a:pPr>
+          <a:r>
+            <a:rPr lang="en-MY" sz="1000" kern="1200" dirty="0"/>
+            <a:t>Machine Learning Test</a:t>
+          </a:r>
+        </a:p>
+      </dsp:txBody>
+      <dsp:txXfrm rot="-5400000">
+        <a:off x="1" y="3800750"/>
+        <a:ext cx="866446" cy="371335"/>
+      </dsp:txXfrm>
+    </dsp:sp>
+    <dsp:sp modelId="{910E639D-3F30-47BB-9096-0D77B51C52EB}">
+      <dsp:nvSpPr>
+        <dsp:cNvPr id="0" name=""/>
+        <dsp:cNvSpPr/>
+      </dsp:nvSpPr>
+      <dsp:spPr>
+        <a:xfrm rot="5400000">
+          <a:off x="4748994" y="-515019"/>
+          <a:ext cx="804557" cy="8569653"/>
+        </a:xfrm>
+        <a:prstGeom prst="round2SameRect">
+          <a:avLst/>
+        </a:prstGeom>
+        <a:solidFill>
+          <a:schemeClr val="lt1">
+            <a:alpha val="90000"/>
+            <a:hueOff val="0"/>
+            <a:satOff val="0"/>
+            <a:lumOff val="0"/>
+            <a:alphaOff val="0"/>
+          </a:schemeClr>
+        </a:solidFill>
+        <a:ln w="12700" cap="flat" cmpd="sng" algn="ctr">
+          <a:solidFill>
+            <a:schemeClr val="accent1">
+              <a:hueOff val="0"/>
+              <a:satOff val="0"/>
+              <a:lumOff val="0"/>
+              <a:alphaOff val="0"/>
+            </a:schemeClr>
+          </a:solidFill>
+          <a:prstDash val="solid"/>
+          <a:miter lim="800000"/>
+        </a:ln>
+        <a:effectLst/>
+      </dsp:spPr>
+      <dsp:style>
+        <a:lnRef idx="2">
+          <a:scrgbClr r="0" g="0" b="0"/>
+        </a:lnRef>
+        <a:fillRef idx="1">
+          <a:scrgbClr r="0" g="0" b="0"/>
+        </a:fillRef>
+        <a:effectRef idx="0">
+          <a:scrgbClr r="0" g="0" b="0"/>
+        </a:effectRef>
+        <a:fontRef idx="minor"/>
+      </dsp:style>
+      <dsp:txBody>
+        <a:bodyPr spcFirstLastPara="0" vert="horz" wrap="square" lIns="78232" tIns="6985" rIns="6985" bIns="6985" numCol="1" spcCol="1270" anchor="ctr" anchorCtr="0">
+          <a:noAutofit/>
+        </a:bodyPr>
+        <a:lstStyle/>
+        <a:p>
+          <a:pPr marL="57150" lvl="1" indent="-57150" algn="l" defTabSz="488950">
+            <a:lnSpc>
+              <a:spcPct val="90000"/>
+            </a:lnSpc>
+            <a:spcBef>
+              <a:spcPct val="0"/>
+            </a:spcBef>
+            <a:spcAft>
+              <a:spcPct val="15000"/>
+            </a:spcAft>
+            <a:buChar char="•"/>
+          </a:pPr>
+          <a:endParaRPr lang="en-MY" sz="1100" kern="1200" dirty="0"/>
+        </a:p>
+        <a:p>
+          <a:pPr marL="57150" lvl="1" indent="-57150" algn="l" defTabSz="488950">
+            <a:lnSpc>
+              <a:spcPct val="90000"/>
+            </a:lnSpc>
+            <a:spcBef>
+              <a:spcPct val="0"/>
+            </a:spcBef>
+            <a:spcAft>
+              <a:spcPct val="15000"/>
+            </a:spcAft>
+            <a:buChar char="•"/>
+          </a:pPr>
+          <a:r>
+            <a:rPr kumimoji="0" lang="en-US" sz="1100" b="0" i="0" u="none" strike="noStrike" kern="1200" cap="none" spc="0" normalizeH="0" baseline="0" noProof="0" dirty="0">
+              <a:ln>
+                <a:noFill/>
+              </a:ln>
+              <a:solidFill>
+                <a:prstClr val="black"/>
+              </a:solidFill>
+              <a:effectLst/>
+              <a:uLnTx/>
+              <a:uFillTx/>
+              <a:latin typeface="Calibri"/>
+              <a:ea typeface="+mn-ea"/>
+              <a:cs typeface="+mn-cs"/>
+            </a:rPr>
+            <a:t>8000 known phishing email collected in the past 1 week are used for training machine learning model. </a:t>
+          </a:r>
+          <a:endParaRPr lang="en-MY" sz="1100" kern="1200" dirty="0"/>
+        </a:p>
+        <a:p>
+          <a:pPr marL="57150" lvl="1" indent="-57150" algn="l" defTabSz="488950">
+            <a:lnSpc>
+              <a:spcPct val="90000"/>
+            </a:lnSpc>
+            <a:spcBef>
+              <a:spcPct val="0"/>
+            </a:spcBef>
+            <a:spcAft>
+              <a:spcPct val="15000"/>
+            </a:spcAft>
+            <a:buChar char="•"/>
+          </a:pPr>
+          <a:r>
+            <a:rPr lang="en-MY" sz="1100" kern="1200" dirty="0"/>
+            <a:t>Training complete in 6 hours. Accuracy must reach 99.8%</a:t>
+          </a:r>
+        </a:p>
+        <a:p>
+          <a:pPr marL="57150" lvl="1" indent="-57150" algn="l" defTabSz="488950">
+            <a:lnSpc>
+              <a:spcPct val="90000"/>
+            </a:lnSpc>
+            <a:spcBef>
+              <a:spcPct val="0"/>
+            </a:spcBef>
+            <a:spcAft>
+              <a:spcPct val="15000"/>
+            </a:spcAft>
+            <a:buChar char="•"/>
+          </a:pPr>
+          <a:endParaRPr lang="en-MY" sz="1100" kern="1200" dirty="0"/>
+        </a:p>
+      </dsp:txBody>
+      <dsp:txXfrm rot="-5400000">
+        <a:off x="866447" y="3406803"/>
+        <a:ext cx="8530378" cy="726007"/>
+      </dsp:txXfrm>
+    </dsp:sp>
+    <dsp:sp modelId="{F36EBE82-03ED-4C49-8030-EAFDE88A47E8}">
+      <dsp:nvSpPr>
+        <dsp:cNvPr id="0" name=""/>
+        <dsp:cNvSpPr/>
+      </dsp:nvSpPr>
+      <dsp:spPr>
+        <a:xfrm rot="5400000">
+          <a:off x="-185667" y="4675235"/>
+          <a:ext cx="1237781" cy="866446"/>
+        </a:xfrm>
+        <a:prstGeom prst="chevron">
+          <a:avLst/>
+        </a:prstGeom>
+        <a:solidFill>
+          <a:schemeClr val="accent1">
+            <a:hueOff val="0"/>
+            <a:satOff val="0"/>
+            <a:lumOff val="0"/>
+            <a:alphaOff val="0"/>
+          </a:schemeClr>
+        </a:solidFill>
+        <a:ln w="12700" cap="flat" cmpd="sng" algn="ctr">
+          <a:solidFill>
+            <a:schemeClr val="accent1">
+              <a:hueOff val="0"/>
+              <a:satOff val="0"/>
+              <a:lumOff val="0"/>
+              <a:alphaOff val="0"/>
+            </a:schemeClr>
+          </a:solidFill>
+          <a:prstDash val="solid"/>
+          <a:miter lim="800000"/>
+        </a:ln>
+        <a:effectLst/>
+      </dsp:spPr>
+      <dsp:style>
+        <a:lnRef idx="2">
+          <a:scrgbClr r="0" g="0" b="0"/>
+        </a:lnRef>
+        <a:fillRef idx="1">
+          <a:scrgbClr r="0" g="0" b="0"/>
+        </a:fillRef>
+        <a:effectRef idx="0">
+          <a:scrgbClr r="0" g="0" b="0"/>
+        </a:effectRef>
+        <a:fontRef idx="minor">
+          <a:schemeClr val="lt1"/>
+        </a:fontRef>
+      </dsp:style>
+      <dsp:txBody>
+        <a:bodyPr spcFirstLastPara="0" vert="horz" wrap="square" lIns="6350" tIns="6350" rIns="6350" bIns="6350" numCol="1" spcCol="1270" anchor="ctr" anchorCtr="0">
+          <a:noAutofit/>
+        </a:bodyPr>
+        <a:lstStyle/>
+        <a:p>
+          <a:pPr marL="0" lvl="0" indent="0" algn="ctr" defTabSz="444500">
+            <a:lnSpc>
+              <a:spcPct val="90000"/>
+            </a:lnSpc>
+            <a:spcBef>
+              <a:spcPct val="0"/>
+            </a:spcBef>
+            <a:spcAft>
+              <a:spcPct val="35000"/>
+            </a:spcAft>
+            <a:buNone/>
+          </a:pPr>
+          <a:r>
+            <a:rPr lang="en-MY" sz="1000" kern="1200" dirty="0"/>
+            <a:t>Email Account Test</a:t>
+          </a:r>
+        </a:p>
+      </dsp:txBody>
+      <dsp:txXfrm rot="-5400000">
+        <a:off x="1" y="4922790"/>
+        <a:ext cx="866446" cy="371335"/>
+      </dsp:txXfrm>
+    </dsp:sp>
+    <dsp:sp modelId="{02F445BE-D6C2-42D5-BBB4-3F96402D8037}">
+      <dsp:nvSpPr>
+        <dsp:cNvPr id="0" name=""/>
+        <dsp:cNvSpPr/>
+      </dsp:nvSpPr>
+      <dsp:spPr>
+        <a:xfrm rot="5400000">
+          <a:off x="4748994" y="607020"/>
+          <a:ext cx="804557" cy="8569653"/>
+        </a:xfrm>
+        <a:prstGeom prst="round2SameRect">
+          <a:avLst/>
+        </a:prstGeom>
+        <a:solidFill>
+          <a:schemeClr val="lt1">
+            <a:alpha val="90000"/>
+            <a:hueOff val="0"/>
+            <a:satOff val="0"/>
+            <a:lumOff val="0"/>
+            <a:alphaOff val="0"/>
+          </a:schemeClr>
+        </a:solidFill>
+        <a:ln w="12700" cap="flat" cmpd="sng" algn="ctr">
+          <a:solidFill>
+            <a:schemeClr val="accent1">
+              <a:hueOff val="0"/>
+              <a:satOff val="0"/>
+              <a:lumOff val="0"/>
+              <a:alphaOff val="0"/>
+            </a:schemeClr>
+          </a:solidFill>
+          <a:prstDash val="solid"/>
+          <a:miter lim="800000"/>
+        </a:ln>
+        <a:effectLst/>
+      </dsp:spPr>
+      <dsp:style>
+        <a:lnRef idx="2">
+          <a:scrgbClr r="0" g="0" b="0"/>
+        </a:lnRef>
+        <a:fillRef idx="1">
+          <a:scrgbClr r="0" g="0" b="0"/>
+        </a:fillRef>
+        <a:effectRef idx="0">
+          <a:scrgbClr r="0" g="0" b="0"/>
+        </a:effectRef>
+        <a:fontRef idx="minor"/>
+      </dsp:style>
+      <dsp:txBody>
+        <a:bodyPr spcFirstLastPara="0" vert="horz" wrap="square" lIns="78232" tIns="6985" rIns="6985" bIns="6985" numCol="1" spcCol="1270" anchor="ctr" anchorCtr="0">
+          <a:noAutofit/>
+        </a:bodyPr>
+        <a:lstStyle/>
+        <a:p>
+          <a:pPr marL="57150" lvl="1" indent="-57150" algn="l" defTabSz="488950">
+            <a:lnSpc>
+              <a:spcPct val="90000"/>
+            </a:lnSpc>
+            <a:spcBef>
+              <a:spcPct val="0"/>
+            </a:spcBef>
+            <a:spcAft>
+              <a:spcPct val="15000"/>
+            </a:spcAft>
+            <a:buChar char="•"/>
+          </a:pPr>
+          <a:r>
+            <a:rPr kumimoji="0" lang="en-US" sz="1100" b="0" i="0" u="none" strike="noStrike" kern="1200" cap="none" spc="0" normalizeH="0" baseline="0" noProof="0" dirty="0">
+              <a:ln>
+                <a:noFill/>
+              </a:ln>
+              <a:solidFill>
+                <a:prstClr val="black"/>
+              </a:solidFill>
+              <a:effectLst/>
+              <a:uLnTx/>
+              <a:uFillTx/>
+              <a:latin typeface="Calibri"/>
+              <a:ea typeface="+mn-ea"/>
+              <a:cs typeface="+mn-cs"/>
+            </a:rPr>
+            <a:t>2000 known phishing emails and 8000 non-phishing emails are sent to a demo user email account in random order in past 7 days.</a:t>
+          </a:r>
+          <a:endParaRPr lang="en-MY" sz="1100" kern="1200" dirty="0"/>
+        </a:p>
+        <a:p>
+          <a:pPr marL="57150" lvl="1" indent="-57150" algn="l" defTabSz="488950">
+            <a:lnSpc>
+              <a:spcPct val="90000"/>
+            </a:lnSpc>
+            <a:spcBef>
+              <a:spcPct val="0"/>
+            </a:spcBef>
+            <a:spcAft>
+              <a:spcPct val="15000"/>
+            </a:spcAft>
+            <a:buChar char="•"/>
+          </a:pPr>
+          <a:r>
+            <a:rPr kumimoji="0" lang="en-US" sz="1100" b="0" i="0" u="none" strike="noStrike" kern="1200" cap="none" spc="0" normalizeH="0" baseline="0" noProof="0" dirty="0">
+              <a:ln>
+                <a:noFill/>
+              </a:ln>
+              <a:solidFill>
+                <a:prstClr val="black"/>
+              </a:solidFill>
+              <a:effectLst/>
+              <a:uLnTx/>
+              <a:uFillTx/>
+              <a:latin typeface="Calibri"/>
+              <a:ea typeface="+mn-ea"/>
+              <a:cs typeface="+mn-cs"/>
+            </a:rPr>
+            <a:t>The agent must scan through the emails within 5 minutes with 99% accuracy. </a:t>
+          </a:r>
+          <a:endParaRPr lang="en-MY" sz="1100" kern="1200" dirty="0"/>
+        </a:p>
+      </dsp:txBody>
+      <dsp:txXfrm rot="-5400000">
+        <a:off x="866447" y="4528843"/>
+        <a:ext cx="8530378" cy="726007"/>
+      </dsp:txXfrm>
+    </dsp:sp>
+  </dsp:spTree>
+</dsp:drawing>
+</file>
+
+<file path=ppt/diagrams/drawing3.xml><?xml version="1.0" encoding="utf-8"?>
+<dsp:drawing xmlns:dgm="http://schemas.openxmlformats.org/drawingml/2006/diagram" xmlns:dsp="http://schemas.microsoft.com/office/drawing/2008/diagram" xmlns:a="http://schemas.openxmlformats.org/drawingml/2006/main">
+  <dsp:spTree>
+    <dsp:nvGrpSpPr>
+      <dsp:cNvPr id="0" name=""/>
+      <dsp:cNvGrpSpPr/>
+    </dsp:nvGrpSpPr>
+    <dsp:grpSpPr/>
+    <dsp:sp modelId="{AA1B8B86-8B56-4E89-980E-CA968091E7C8}">
+      <dsp:nvSpPr>
+        <dsp:cNvPr id="0" name=""/>
+        <dsp:cNvSpPr/>
+      </dsp:nvSpPr>
+      <dsp:spPr>
+        <a:xfrm>
+          <a:off x="3892960" y="3225"/>
+          <a:ext cx="1650178" cy="916765"/>
+        </a:xfrm>
+        <a:prstGeom prst="roundRect">
+          <a:avLst>
+            <a:gd name="adj" fmla="val 10000"/>
+          </a:avLst>
+        </a:prstGeom>
+        <a:solidFill>
+          <a:schemeClr val="accent1">
+            <a:hueOff val="0"/>
+            <a:satOff val="0"/>
+            <a:lumOff val="0"/>
+            <a:alphaOff val="0"/>
+          </a:schemeClr>
+        </a:solidFill>
+        <a:ln w="12700" cap="flat" cmpd="sng" algn="ctr">
+          <a:solidFill>
+            <a:schemeClr val="lt1">
+              <a:hueOff val="0"/>
+              <a:satOff val="0"/>
+              <a:lumOff val="0"/>
+              <a:alphaOff val="0"/>
+            </a:schemeClr>
+          </a:solidFill>
+          <a:prstDash val="solid"/>
+          <a:miter lim="800000"/>
+        </a:ln>
+        <a:effectLst/>
+      </dsp:spPr>
+      <dsp:style>
+        <a:lnRef idx="2">
+          <a:scrgbClr r="0" g="0" b="0"/>
+        </a:lnRef>
+        <a:fillRef idx="1">
+          <a:scrgbClr r="0" g="0" b="0"/>
+        </a:fillRef>
+        <a:effectRef idx="0">
+          <a:scrgbClr r="0" g="0" b="0"/>
+        </a:effectRef>
+        <a:fontRef idx="minor">
+          <a:schemeClr val="lt1"/>
+        </a:fontRef>
+      </dsp:style>
+      <dsp:txBody>
+        <a:bodyPr spcFirstLastPara="0" vert="horz" wrap="square" lIns="64770" tIns="64770" rIns="64770" bIns="64770" numCol="1" spcCol="1270" anchor="ctr" anchorCtr="0">
+          <a:noAutofit/>
+        </a:bodyPr>
+        <a:lstStyle/>
+        <a:p>
+          <a:pPr marL="0" lvl="0" indent="0" algn="ctr" defTabSz="755650">
+            <a:lnSpc>
+              <a:spcPct val="90000"/>
+            </a:lnSpc>
+            <a:spcBef>
+              <a:spcPct val="0"/>
+            </a:spcBef>
+            <a:spcAft>
+              <a:spcPct val="35000"/>
+            </a:spcAft>
+            <a:buNone/>
+          </a:pPr>
+          <a:r>
+            <a:rPr lang="en-MY" sz="1700" kern="1200" dirty="0"/>
+            <a:t>Info-gathering Test </a:t>
+          </a:r>
+        </a:p>
+      </dsp:txBody>
+      <dsp:txXfrm>
+        <a:off x="3919811" y="30076"/>
+        <a:ext cx="1596476" cy="863063"/>
+      </dsp:txXfrm>
+    </dsp:sp>
+    <dsp:sp modelId="{7785C724-787D-42CF-B411-8CD847C2037A}">
+      <dsp:nvSpPr>
+        <dsp:cNvPr id="0" name=""/>
+        <dsp:cNvSpPr/>
+      </dsp:nvSpPr>
+      <dsp:spPr>
+        <a:xfrm rot="5400000">
+          <a:off x="4611317" y="934222"/>
+          <a:ext cx="213464" cy="256157"/>
+        </a:xfrm>
+        <a:prstGeom prst="rightArrow">
+          <a:avLst>
+            <a:gd name="adj1" fmla="val 60000"/>
+            <a:gd name="adj2" fmla="val 50000"/>
+          </a:avLst>
+        </a:prstGeom>
+        <a:solidFill>
+          <a:schemeClr val="accent1">
+            <a:tint val="60000"/>
+            <a:hueOff val="0"/>
+            <a:satOff val="0"/>
+            <a:lumOff val="0"/>
+            <a:alphaOff val="0"/>
+          </a:schemeClr>
+        </a:solidFill>
+        <a:ln>
+          <a:noFill/>
+        </a:ln>
+        <a:effectLst/>
+      </dsp:spPr>
+      <dsp:style>
+        <a:lnRef idx="0">
+          <a:scrgbClr r="0" g="0" b="0"/>
+        </a:lnRef>
+        <a:fillRef idx="1">
+          <a:scrgbClr r="0" g="0" b="0"/>
+        </a:fillRef>
+        <a:effectRef idx="0">
+          <a:scrgbClr r="0" g="0" b="0"/>
+        </a:effectRef>
+        <a:fontRef idx="minor">
+          <a:schemeClr val="lt1"/>
+        </a:fontRef>
+      </dsp:style>
+      <dsp:txBody>
+        <a:bodyPr spcFirstLastPara="0" vert="horz" wrap="square" lIns="0" tIns="0" rIns="0" bIns="0" numCol="1" spcCol="1270" anchor="ctr" anchorCtr="0">
+          <a:noAutofit/>
+        </a:bodyPr>
+        <a:lstStyle/>
+        <a:p>
+          <a:pPr marL="0" lvl="0" indent="0" algn="ctr" defTabSz="444500">
+            <a:lnSpc>
+              <a:spcPct val="90000"/>
+            </a:lnSpc>
+            <a:spcBef>
+              <a:spcPct val="0"/>
+            </a:spcBef>
+            <a:spcAft>
+              <a:spcPct val="35000"/>
+            </a:spcAft>
+            <a:buNone/>
+          </a:pPr>
+          <a:endParaRPr lang="en-MY" sz="1000" kern="1200"/>
+        </a:p>
+      </dsp:txBody>
+      <dsp:txXfrm rot="-5400000">
+        <a:off x="4641202" y="955569"/>
+        <a:ext cx="153695" cy="149425"/>
+      </dsp:txXfrm>
+    </dsp:sp>
+    <dsp:sp modelId="{6B7DA0C4-AA6C-4EF0-9CDE-27CA27EF6988}">
+      <dsp:nvSpPr>
+        <dsp:cNvPr id="0" name=""/>
+        <dsp:cNvSpPr/>
+      </dsp:nvSpPr>
+      <dsp:spPr>
+        <a:xfrm>
+          <a:off x="3892960" y="1204610"/>
+          <a:ext cx="1650178" cy="916765"/>
+        </a:xfrm>
+        <a:prstGeom prst="roundRect">
+          <a:avLst>
+            <a:gd name="adj" fmla="val 10000"/>
+          </a:avLst>
+        </a:prstGeom>
+        <a:solidFill>
+          <a:schemeClr val="accent1">
+            <a:hueOff val="0"/>
+            <a:satOff val="0"/>
+            <a:lumOff val="0"/>
+            <a:alphaOff val="0"/>
+          </a:schemeClr>
+        </a:solidFill>
+        <a:ln w="12700" cap="flat" cmpd="sng" algn="ctr">
+          <a:solidFill>
+            <a:schemeClr val="lt1">
+              <a:hueOff val="0"/>
+              <a:satOff val="0"/>
+              <a:lumOff val="0"/>
+              <a:alphaOff val="0"/>
+            </a:schemeClr>
+          </a:solidFill>
+          <a:prstDash val="solid"/>
+          <a:miter lim="800000"/>
+        </a:ln>
+        <a:effectLst/>
+      </dsp:spPr>
+      <dsp:style>
+        <a:lnRef idx="2">
+          <a:scrgbClr r="0" g="0" b="0"/>
+        </a:lnRef>
+        <a:fillRef idx="1">
+          <a:scrgbClr r="0" g="0" b="0"/>
+        </a:fillRef>
+        <a:effectRef idx="0">
+          <a:scrgbClr r="0" g="0" b="0"/>
+        </a:effectRef>
+        <a:fontRef idx="minor">
+          <a:schemeClr val="lt1"/>
+        </a:fontRef>
+      </dsp:style>
+      <dsp:txBody>
+        <a:bodyPr spcFirstLastPara="0" vert="horz" wrap="square" lIns="64770" tIns="64770" rIns="64770" bIns="64770" numCol="1" spcCol="1270" anchor="ctr" anchorCtr="0">
+          <a:noAutofit/>
+        </a:bodyPr>
+        <a:lstStyle/>
+        <a:p>
+          <a:pPr marL="0" lvl="0" indent="0" algn="ctr" defTabSz="755650">
+            <a:lnSpc>
+              <a:spcPct val="90000"/>
+            </a:lnSpc>
+            <a:spcBef>
+              <a:spcPct val="0"/>
+            </a:spcBef>
+            <a:spcAft>
+              <a:spcPct val="35000"/>
+            </a:spcAft>
+            <a:buNone/>
+          </a:pPr>
+          <a:r>
+            <a:rPr lang="en-MY" sz="1700" kern="1200" dirty="0"/>
+            <a:t>Hash/signature  Extraction Test</a:t>
+          </a:r>
+        </a:p>
+      </dsp:txBody>
+      <dsp:txXfrm>
+        <a:off x="3919811" y="1231461"/>
+        <a:ext cx="1596476" cy="863063"/>
+      </dsp:txXfrm>
+    </dsp:sp>
+    <dsp:sp modelId="{1958CE3A-EB89-4DE5-8FC3-EC97EAA589FD}">
+      <dsp:nvSpPr>
+        <dsp:cNvPr id="0" name=""/>
+        <dsp:cNvSpPr/>
+      </dsp:nvSpPr>
+      <dsp:spPr>
+        <a:xfrm rot="5400000">
+          <a:off x="4611317" y="2135607"/>
+          <a:ext cx="213464" cy="256157"/>
+        </a:xfrm>
+        <a:prstGeom prst="rightArrow">
+          <a:avLst>
+            <a:gd name="adj1" fmla="val 60000"/>
+            <a:gd name="adj2" fmla="val 50000"/>
+          </a:avLst>
+        </a:prstGeom>
+        <a:solidFill>
+          <a:schemeClr val="accent1">
+            <a:tint val="60000"/>
+            <a:hueOff val="0"/>
+            <a:satOff val="0"/>
+            <a:lumOff val="0"/>
+            <a:alphaOff val="0"/>
+          </a:schemeClr>
+        </a:solidFill>
+        <a:ln>
+          <a:noFill/>
+        </a:ln>
+        <a:effectLst/>
+      </dsp:spPr>
+      <dsp:style>
+        <a:lnRef idx="0">
+          <a:scrgbClr r="0" g="0" b="0"/>
+        </a:lnRef>
+        <a:fillRef idx="1">
+          <a:scrgbClr r="0" g="0" b="0"/>
+        </a:fillRef>
+        <a:effectRef idx="0">
+          <a:scrgbClr r="0" g="0" b="0"/>
+        </a:effectRef>
+        <a:fontRef idx="minor">
+          <a:schemeClr val="lt1"/>
+        </a:fontRef>
+      </dsp:style>
+      <dsp:txBody>
+        <a:bodyPr spcFirstLastPara="0" vert="horz" wrap="square" lIns="0" tIns="0" rIns="0" bIns="0" numCol="1" spcCol="1270" anchor="ctr" anchorCtr="0">
+          <a:noAutofit/>
+        </a:bodyPr>
+        <a:lstStyle/>
+        <a:p>
+          <a:pPr marL="0" lvl="0" indent="0" algn="ctr" defTabSz="444500">
+            <a:lnSpc>
+              <a:spcPct val="90000"/>
+            </a:lnSpc>
+            <a:spcBef>
+              <a:spcPct val="0"/>
+            </a:spcBef>
+            <a:spcAft>
+              <a:spcPct val="35000"/>
+            </a:spcAft>
+            <a:buNone/>
+          </a:pPr>
+          <a:endParaRPr lang="en-MY" sz="1000" kern="1200"/>
+        </a:p>
+      </dsp:txBody>
+      <dsp:txXfrm rot="-5400000">
+        <a:off x="4641202" y="2156954"/>
+        <a:ext cx="153695" cy="149425"/>
+      </dsp:txXfrm>
+    </dsp:sp>
+    <dsp:sp modelId="{8D0403A4-B176-494F-8914-0D5A80E359FC}">
+      <dsp:nvSpPr>
+        <dsp:cNvPr id="0" name=""/>
+        <dsp:cNvSpPr/>
+      </dsp:nvSpPr>
+      <dsp:spPr>
+        <a:xfrm>
+          <a:off x="3892960" y="2405996"/>
+          <a:ext cx="1650178" cy="916765"/>
+        </a:xfrm>
+        <a:prstGeom prst="roundRect">
+          <a:avLst>
+            <a:gd name="adj" fmla="val 10000"/>
+          </a:avLst>
+        </a:prstGeom>
+        <a:solidFill>
+          <a:schemeClr val="accent1">
+            <a:hueOff val="0"/>
+            <a:satOff val="0"/>
+            <a:lumOff val="0"/>
+            <a:alphaOff val="0"/>
+          </a:schemeClr>
+        </a:solidFill>
+        <a:ln w="12700" cap="flat" cmpd="sng" algn="ctr">
+          <a:solidFill>
+            <a:schemeClr val="lt1">
+              <a:hueOff val="0"/>
+              <a:satOff val="0"/>
+              <a:lumOff val="0"/>
+              <a:alphaOff val="0"/>
+            </a:schemeClr>
+          </a:solidFill>
+          <a:prstDash val="solid"/>
+          <a:miter lim="800000"/>
+        </a:ln>
+        <a:effectLst/>
+      </dsp:spPr>
+      <dsp:style>
+        <a:lnRef idx="2">
+          <a:scrgbClr r="0" g="0" b="0"/>
+        </a:lnRef>
+        <a:fillRef idx="1">
+          <a:scrgbClr r="0" g="0" b="0"/>
+        </a:fillRef>
+        <a:effectRef idx="0">
+          <a:scrgbClr r="0" g="0" b="0"/>
+        </a:effectRef>
+        <a:fontRef idx="minor">
+          <a:schemeClr val="lt1"/>
+        </a:fontRef>
+      </dsp:style>
+      <dsp:txBody>
+        <a:bodyPr spcFirstLastPara="0" vert="horz" wrap="square" lIns="64770" tIns="64770" rIns="64770" bIns="64770" numCol="1" spcCol="1270" anchor="ctr" anchorCtr="0">
+          <a:noAutofit/>
+        </a:bodyPr>
+        <a:lstStyle/>
+        <a:p>
+          <a:pPr marL="0" lvl="0" indent="0" algn="ctr" defTabSz="755650">
+            <a:lnSpc>
+              <a:spcPct val="90000"/>
+            </a:lnSpc>
+            <a:spcBef>
+              <a:spcPct val="0"/>
+            </a:spcBef>
+            <a:spcAft>
+              <a:spcPct val="35000"/>
+            </a:spcAft>
+            <a:buNone/>
+          </a:pPr>
+          <a:r>
+            <a:rPr lang="en-MY" sz="1700" kern="1200" dirty="0"/>
+            <a:t>Virus Scanning Test</a:t>
+          </a:r>
+        </a:p>
+      </dsp:txBody>
+      <dsp:txXfrm>
+        <a:off x="3919811" y="2432847"/>
+        <a:ext cx="1596476" cy="863063"/>
+      </dsp:txXfrm>
+    </dsp:sp>
+    <dsp:sp modelId="{27A5FF5C-9215-49BD-81AC-BD44B52B4BE1}">
+      <dsp:nvSpPr>
+        <dsp:cNvPr id="0" name=""/>
+        <dsp:cNvSpPr/>
+      </dsp:nvSpPr>
+      <dsp:spPr>
+        <a:xfrm rot="5400000">
+          <a:off x="4611317" y="3336993"/>
+          <a:ext cx="213464" cy="256157"/>
+        </a:xfrm>
+        <a:prstGeom prst="rightArrow">
+          <a:avLst>
+            <a:gd name="adj1" fmla="val 60000"/>
+            <a:gd name="adj2" fmla="val 50000"/>
+          </a:avLst>
+        </a:prstGeom>
+        <a:solidFill>
+          <a:schemeClr val="accent1">
+            <a:tint val="60000"/>
+            <a:hueOff val="0"/>
+            <a:satOff val="0"/>
+            <a:lumOff val="0"/>
+            <a:alphaOff val="0"/>
+          </a:schemeClr>
+        </a:solidFill>
+        <a:ln>
+          <a:noFill/>
+        </a:ln>
+        <a:effectLst/>
+      </dsp:spPr>
+      <dsp:style>
+        <a:lnRef idx="0">
+          <a:scrgbClr r="0" g="0" b="0"/>
+        </a:lnRef>
+        <a:fillRef idx="1">
+          <a:scrgbClr r="0" g="0" b="0"/>
+        </a:fillRef>
+        <a:effectRef idx="0">
+          <a:scrgbClr r="0" g="0" b="0"/>
+        </a:effectRef>
+        <a:fontRef idx="minor">
+          <a:schemeClr val="lt1"/>
+        </a:fontRef>
+      </dsp:style>
+      <dsp:txBody>
+        <a:bodyPr spcFirstLastPara="0" vert="horz" wrap="square" lIns="0" tIns="0" rIns="0" bIns="0" numCol="1" spcCol="1270" anchor="ctr" anchorCtr="0">
+          <a:noAutofit/>
+        </a:bodyPr>
+        <a:lstStyle/>
+        <a:p>
+          <a:pPr marL="0" lvl="0" indent="0" algn="ctr" defTabSz="444500">
+            <a:lnSpc>
+              <a:spcPct val="90000"/>
+            </a:lnSpc>
+            <a:spcBef>
+              <a:spcPct val="0"/>
+            </a:spcBef>
+            <a:spcAft>
+              <a:spcPct val="35000"/>
+            </a:spcAft>
+            <a:buNone/>
+          </a:pPr>
+          <a:endParaRPr lang="en-MY" sz="1000" kern="1200"/>
+        </a:p>
+      </dsp:txBody>
+      <dsp:txXfrm rot="-5400000">
+        <a:off x="4641202" y="3358340"/>
+        <a:ext cx="153695" cy="149425"/>
+      </dsp:txXfrm>
+    </dsp:sp>
+    <dsp:sp modelId="{CAB34779-88A7-4319-9547-47319AA4C9EC}">
+      <dsp:nvSpPr>
+        <dsp:cNvPr id="0" name=""/>
+        <dsp:cNvSpPr/>
+      </dsp:nvSpPr>
+      <dsp:spPr>
+        <a:xfrm>
+          <a:off x="3892960" y="3607382"/>
+          <a:ext cx="1650178" cy="916765"/>
+        </a:xfrm>
+        <a:prstGeom prst="roundRect">
+          <a:avLst>
+            <a:gd name="adj" fmla="val 10000"/>
+          </a:avLst>
+        </a:prstGeom>
+        <a:solidFill>
+          <a:schemeClr val="accent1">
+            <a:hueOff val="0"/>
+            <a:satOff val="0"/>
+            <a:lumOff val="0"/>
+            <a:alphaOff val="0"/>
+          </a:schemeClr>
+        </a:solidFill>
+        <a:ln w="12700" cap="flat" cmpd="sng" algn="ctr">
+          <a:solidFill>
+            <a:schemeClr val="lt1">
+              <a:hueOff val="0"/>
+              <a:satOff val="0"/>
+              <a:lumOff val="0"/>
+              <a:alphaOff val="0"/>
+            </a:schemeClr>
+          </a:solidFill>
+          <a:prstDash val="solid"/>
+          <a:miter lim="800000"/>
+        </a:ln>
+        <a:effectLst/>
+      </dsp:spPr>
+      <dsp:style>
+        <a:lnRef idx="2">
+          <a:scrgbClr r="0" g="0" b="0"/>
+        </a:lnRef>
+        <a:fillRef idx="1">
+          <a:scrgbClr r="0" g="0" b="0"/>
+        </a:fillRef>
+        <a:effectRef idx="0">
+          <a:scrgbClr r="0" g="0" b="0"/>
+        </a:effectRef>
+        <a:fontRef idx="minor">
+          <a:schemeClr val="lt1"/>
+        </a:fontRef>
+      </dsp:style>
+      <dsp:txBody>
+        <a:bodyPr spcFirstLastPara="0" vert="horz" wrap="square" lIns="64770" tIns="64770" rIns="64770" bIns="64770" numCol="1" spcCol="1270" anchor="ctr" anchorCtr="0">
+          <a:noAutofit/>
+        </a:bodyPr>
+        <a:lstStyle/>
+        <a:p>
+          <a:pPr marL="0" lvl="0" indent="0" algn="ctr" defTabSz="755650">
+            <a:lnSpc>
+              <a:spcPct val="90000"/>
+            </a:lnSpc>
+            <a:spcBef>
+              <a:spcPct val="0"/>
+            </a:spcBef>
+            <a:spcAft>
+              <a:spcPct val="35000"/>
+            </a:spcAft>
+            <a:buNone/>
+          </a:pPr>
+          <a:r>
+            <a:rPr lang="en-MY" sz="1700" kern="1200" dirty="0"/>
+            <a:t>Machine Learning Test</a:t>
+          </a:r>
+        </a:p>
+      </dsp:txBody>
+      <dsp:txXfrm>
+        <a:off x="3919811" y="3634233"/>
+        <a:ext cx="1596476" cy="863063"/>
+      </dsp:txXfrm>
+    </dsp:sp>
+    <dsp:sp modelId="{BA41D488-D785-4AC2-8DDD-A2B14A127CB3}">
+      <dsp:nvSpPr>
+        <dsp:cNvPr id="0" name=""/>
+        <dsp:cNvSpPr/>
+      </dsp:nvSpPr>
+      <dsp:spPr>
+        <a:xfrm rot="5400000">
+          <a:off x="4611317" y="4538379"/>
+          <a:ext cx="213464" cy="256157"/>
+        </a:xfrm>
+        <a:prstGeom prst="rightArrow">
+          <a:avLst>
+            <a:gd name="adj1" fmla="val 60000"/>
+            <a:gd name="adj2" fmla="val 50000"/>
+          </a:avLst>
+        </a:prstGeom>
+        <a:solidFill>
+          <a:schemeClr val="accent1">
+            <a:tint val="60000"/>
+            <a:hueOff val="0"/>
+            <a:satOff val="0"/>
+            <a:lumOff val="0"/>
+            <a:alphaOff val="0"/>
+          </a:schemeClr>
+        </a:solidFill>
+        <a:ln>
+          <a:noFill/>
+        </a:ln>
+        <a:effectLst/>
+      </dsp:spPr>
+      <dsp:style>
+        <a:lnRef idx="0">
+          <a:scrgbClr r="0" g="0" b="0"/>
+        </a:lnRef>
+        <a:fillRef idx="1">
+          <a:scrgbClr r="0" g="0" b="0"/>
+        </a:fillRef>
+        <a:effectRef idx="0">
+          <a:scrgbClr r="0" g="0" b="0"/>
+        </a:effectRef>
+        <a:fontRef idx="minor">
+          <a:schemeClr val="lt1"/>
+        </a:fontRef>
+      </dsp:style>
+      <dsp:txBody>
+        <a:bodyPr spcFirstLastPara="0" vert="horz" wrap="square" lIns="0" tIns="0" rIns="0" bIns="0" numCol="1" spcCol="1270" anchor="ctr" anchorCtr="0">
+          <a:noAutofit/>
+        </a:bodyPr>
+        <a:lstStyle/>
+        <a:p>
+          <a:pPr marL="0" lvl="0" indent="0" algn="ctr" defTabSz="444500">
+            <a:lnSpc>
+              <a:spcPct val="90000"/>
+            </a:lnSpc>
+            <a:spcBef>
+              <a:spcPct val="0"/>
+            </a:spcBef>
+            <a:spcAft>
+              <a:spcPct val="35000"/>
+            </a:spcAft>
+            <a:buNone/>
+          </a:pPr>
+          <a:endParaRPr lang="en-MY" sz="1000" kern="1200"/>
+        </a:p>
+      </dsp:txBody>
+      <dsp:txXfrm rot="-5400000">
+        <a:off x="4641202" y="4559726"/>
+        <a:ext cx="153695" cy="149425"/>
+      </dsp:txXfrm>
+    </dsp:sp>
+    <dsp:sp modelId="{EB042DCD-54E9-48BF-B93E-149A92833F11}">
+      <dsp:nvSpPr>
+        <dsp:cNvPr id="0" name=""/>
+        <dsp:cNvSpPr/>
+      </dsp:nvSpPr>
+      <dsp:spPr>
+        <a:xfrm>
+          <a:off x="3892960" y="4808767"/>
+          <a:ext cx="1650178" cy="916765"/>
+        </a:xfrm>
+        <a:prstGeom prst="roundRect">
+          <a:avLst>
+            <a:gd name="adj" fmla="val 10000"/>
+          </a:avLst>
+        </a:prstGeom>
+        <a:solidFill>
+          <a:schemeClr val="accent1">
+            <a:hueOff val="0"/>
+            <a:satOff val="0"/>
+            <a:lumOff val="0"/>
+            <a:alphaOff val="0"/>
+          </a:schemeClr>
+        </a:solidFill>
+        <a:ln w="12700" cap="flat" cmpd="sng" algn="ctr">
+          <a:solidFill>
+            <a:schemeClr val="lt1">
+              <a:hueOff val="0"/>
+              <a:satOff val="0"/>
+              <a:lumOff val="0"/>
+              <a:alphaOff val="0"/>
+            </a:schemeClr>
+          </a:solidFill>
+          <a:prstDash val="solid"/>
+          <a:miter lim="800000"/>
+        </a:ln>
+        <a:effectLst/>
+      </dsp:spPr>
+      <dsp:style>
+        <a:lnRef idx="2">
+          <a:scrgbClr r="0" g="0" b="0"/>
+        </a:lnRef>
+        <a:fillRef idx="1">
+          <a:scrgbClr r="0" g="0" b="0"/>
+        </a:fillRef>
+        <a:effectRef idx="0">
+          <a:scrgbClr r="0" g="0" b="0"/>
+        </a:effectRef>
+        <a:fontRef idx="minor">
+          <a:schemeClr val="lt1"/>
+        </a:fontRef>
+      </dsp:style>
+      <dsp:txBody>
+        <a:bodyPr spcFirstLastPara="0" vert="horz" wrap="square" lIns="64770" tIns="64770" rIns="64770" bIns="64770" numCol="1" spcCol="1270" anchor="ctr" anchorCtr="0">
+          <a:noAutofit/>
+        </a:bodyPr>
+        <a:lstStyle/>
+        <a:p>
+          <a:pPr marL="0" lvl="0" indent="0" algn="ctr" defTabSz="755650">
+            <a:lnSpc>
+              <a:spcPct val="90000"/>
+            </a:lnSpc>
+            <a:spcBef>
+              <a:spcPct val="0"/>
+            </a:spcBef>
+            <a:spcAft>
+              <a:spcPct val="35000"/>
+            </a:spcAft>
+            <a:buNone/>
+          </a:pPr>
+          <a:r>
+            <a:rPr lang="en-MY" sz="1700" kern="1200" dirty="0"/>
+            <a:t>Email Account Test</a:t>
+          </a:r>
+        </a:p>
+      </dsp:txBody>
+      <dsp:txXfrm>
+        <a:off x="3919811" y="4835618"/>
+        <a:ext cx="1596476" cy="863063"/>
+      </dsp:txXfrm>
+    </dsp:sp>
+  </dsp:spTree>
+</dsp:drawing>
+</file>
+
+<file path=ppt/diagrams/drawing4.xml><?xml version="1.0" encoding="utf-8"?>
 <dsp:drawing xmlns:dgm="http://schemas.openxmlformats.org/drawingml/2006/diagram" xmlns:dsp="http://schemas.microsoft.com/office/drawing/2008/diagram" xmlns:a="http://schemas.openxmlformats.org/drawingml/2006/main">
   <dsp:spTree>
     <dsp:nvGrpSpPr>
@@ -4916,6 +9302,411 @@
 </dgm:layoutDef>
 </file>
 
+<file path=ppt/diagrams/layout3.xml><?xml version="1.0" encoding="utf-8"?>
+<dgm:layoutDef xmlns:dgm="http://schemas.openxmlformats.org/drawingml/2006/diagram" xmlns:a="http://schemas.openxmlformats.org/drawingml/2006/main" uniqueId="urn:microsoft.com/office/officeart/2005/8/layout/process2">
+  <dgm:title val=""/>
+  <dgm:desc val=""/>
+  <dgm:catLst>
+    <dgm:cat type="process" pri="13000"/>
+  </dgm:catLst>
+  <dgm:sampData useDef="1">
+    <dgm:dataModel>
+      <dgm:ptLst/>
+      <dgm:bg/>
+      <dgm:whole/>
+    </dgm:dataModel>
+  </dgm:sampData>
+  <dgm:styleData>
+    <dgm:dataModel>
+      <dgm:ptLst>
+        <dgm:pt modelId="0" type="doc"/>
+        <dgm:pt modelId="1"/>
+        <dgm:pt modelId="2"/>
+      </dgm:ptLst>
+      <dgm:cxnLst>
+        <dgm:cxn modelId="3" srcId="0" destId="1" srcOrd="0" destOrd="0"/>
+        <dgm:cxn modelId="4" srcId="0" destId="2" srcOrd="1" destOrd="0"/>
+      </dgm:cxnLst>
+      <dgm:bg/>
+      <dgm:whole/>
+    </dgm:dataModel>
+  </dgm:styleData>
+  <dgm:clrData>
+    <dgm:dataModel>
+      <dgm:ptLst>
+        <dgm:pt modelId="0" type="doc"/>
+        <dgm:pt modelId="1"/>
+        <dgm:pt modelId="2"/>
+        <dgm:pt modelId="3"/>
+        <dgm:pt modelId="4"/>
+      </dgm:ptLst>
+      <dgm:cxnLst>
+        <dgm:cxn modelId="5" srcId="0" destId="1" srcOrd="0" destOrd="0"/>
+        <dgm:cxn modelId="6" srcId="0" destId="2" srcOrd="1" destOrd="0"/>
+        <dgm:cxn modelId="7" srcId="0" destId="3" srcOrd="2" destOrd="0"/>
+        <dgm:cxn modelId="8" srcId="0" destId="4" srcOrd="3" destOrd="0"/>
+      </dgm:cxnLst>
+      <dgm:bg/>
+      <dgm:whole/>
+    </dgm:dataModel>
+  </dgm:clrData>
+  <dgm:layoutNode name="linearFlow">
+    <dgm:varLst>
+      <dgm:resizeHandles val="exact"/>
+    </dgm:varLst>
+    <dgm:alg type="lin">
+      <dgm:param type="linDir" val="fromT"/>
+    </dgm:alg>
+    <dgm:shape xmlns:r="http://schemas.openxmlformats.org/officeDocument/2006/relationships" r:blip="">
+      <dgm:adjLst/>
+    </dgm:shape>
+    <dgm:presOf/>
+    <dgm:constrLst>
+      <dgm:constr type="h" for="ch" ptType="node" refType="h"/>
+      <dgm:constr type="h" for="ch" ptType="sibTrans" refType="h" refFor="ch" refPtType="node" fact="0.5"/>
+      <dgm:constr type="w" for="ch" ptType="node" op="equ"/>
+      <dgm:constr type="primFontSz" for="ch" ptType="node" op="equ" val="65"/>
+      <dgm:constr type="primFontSz" for="des" forName="connectorText" op="equ" val="55"/>
+      <dgm:constr type="primFontSz" for="des" forName="connectorText" refType="primFontSz" refFor="ch" refPtType="node" op="lte" fact="0.8"/>
+    </dgm:constrLst>
+    <dgm:ruleLst/>
+    <dgm:forEach name="nodesForEach" axis="ch" ptType="node">
+      <dgm:layoutNode name="node">
+        <dgm:varLst>
+          <dgm:bulletEnabled val="1"/>
+        </dgm:varLst>
+        <dgm:choose name="Name0">
+          <dgm:if name="Name1" axis="root des" ptType="all node" func="maxDepth" op="gt" val="1">
+            <dgm:alg type="tx">
+              <dgm:param type="parTxLTRAlign" val="l"/>
+              <dgm:param type="parTxRTLAlign" val="r"/>
+              <dgm:param type="txAnchorVertCh" val="mid"/>
+            </dgm:alg>
+          </dgm:if>
+          <dgm:else name="Name2">
+            <dgm:alg type="tx"/>
+          </dgm:else>
+        </dgm:choose>
+        <dgm:shape xmlns:r="http://schemas.openxmlformats.org/officeDocument/2006/relationships" type="roundRect" r:blip="">
+          <dgm:adjLst>
+            <dgm:adj idx="1" val="0.1"/>
+          </dgm:adjLst>
+        </dgm:shape>
+        <dgm:presOf axis="desOrSelf" ptType="node"/>
+        <dgm:constrLst>
+          <dgm:constr type="w" refType="h" fact="1.8"/>
+          <dgm:constr type="tMarg" refType="primFontSz" fact="0.3"/>
+          <dgm:constr type="bMarg" refType="primFontSz" fact="0.3"/>
+          <dgm:constr type="lMarg" refType="primFontSz" fact="0.3"/>
+          <dgm:constr type="rMarg" refType="primFontSz" fact="0.3"/>
+        </dgm:constrLst>
+        <dgm:ruleLst>
+          <dgm:rule type="primFontSz" val="18" fact="NaN" max="NaN"/>
+          <dgm:rule type="w" val="NaN" fact="4" max="NaN"/>
+          <dgm:rule type="primFontSz" val="5" fact="NaN" max="NaN"/>
+        </dgm:ruleLst>
+      </dgm:layoutNode>
+      <dgm:forEach name="sibTransForEach" axis="followSib" ptType="sibTrans" cnt="1">
+        <dgm:layoutNode name="sibTrans">
+          <dgm:alg type="conn">
+            <dgm:param type="begPts" val="auto"/>
+            <dgm:param type="endPts" val="auto"/>
+          </dgm:alg>
+          <dgm:shape xmlns:r="http://schemas.openxmlformats.org/officeDocument/2006/relationships" type="conn" r:blip="">
+            <dgm:adjLst/>
+          </dgm:shape>
+          <dgm:presOf axis="self"/>
+          <dgm:constrLst>
+            <dgm:constr type="w" refType="h" fact="0.9"/>
+            <dgm:constr type="connDist"/>
+            <dgm:constr type="wArH" refType="w" fact="0.5"/>
+            <dgm:constr type="hArH" refType="w"/>
+            <dgm:constr type="stemThick" refType="w" fact="0.6"/>
+            <dgm:constr type="begPad" refType="connDist" fact="0.125"/>
+            <dgm:constr type="endPad" refType="connDist" fact="0.125"/>
+          </dgm:constrLst>
+          <dgm:ruleLst/>
+          <dgm:layoutNode name="connectorText">
+            <dgm:alg type="tx">
+              <dgm:param type="autoTxRot" val="upr"/>
+            </dgm:alg>
+            <dgm:shape xmlns:r="http://schemas.openxmlformats.org/officeDocument/2006/relationships" type="conn" r:blip="" hideGeom="1">
+              <dgm:adjLst/>
+            </dgm:shape>
+            <dgm:presOf axis="self"/>
+            <dgm:constrLst>
+              <dgm:constr type="lMarg"/>
+              <dgm:constr type="rMarg"/>
+              <dgm:constr type="tMarg"/>
+              <dgm:constr type="bMarg"/>
+            </dgm:constrLst>
+            <dgm:ruleLst>
+              <dgm:rule type="primFontSz" val="5" fact="NaN" max="NaN"/>
+            </dgm:ruleLst>
+          </dgm:layoutNode>
+        </dgm:layoutNode>
+      </dgm:forEach>
+    </dgm:forEach>
+  </dgm:layoutNode>
+</dgm:layoutDef>
+</file>
+
+<file path=ppt/diagrams/layout4.xml><?xml version="1.0" encoding="utf-8"?>
+<dgm:layoutDef xmlns:dgm="http://schemas.openxmlformats.org/drawingml/2006/diagram" xmlns:a="http://schemas.openxmlformats.org/drawingml/2006/main" uniqueId="urn:microsoft.com/office/officeart/2005/8/layout/chevron2">
+  <dgm:title val=""/>
+  <dgm:desc val=""/>
+  <dgm:catLst>
+    <dgm:cat type="process" pri="12000"/>
+    <dgm:cat type="list" pri="16000"/>
+    <dgm:cat type="convert" pri="11000"/>
+  </dgm:catLst>
+  <dgm:sampData>
+    <dgm:dataModel>
+      <dgm:ptLst>
+        <dgm:pt modelId="0" type="doc"/>
+        <dgm:pt modelId="1">
+          <dgm:prSet phldr="1"/>
+        </dgm:pt>
+        <dgm:pt modelId="11">
+          <dgm:prSet phldr="1"/>
+        </dgm:pt>
+        <dgm:pt modelId="12">
+          <dgm:prSet phldr="1"/>
+        </dgm:pt>
+        <dgm:pt modelId="2">
+          <dgm:prSet phldr="1"/>
+        </dgm:pt>
+        <dgm:pt modelId="21">
+          <dgm:prSet phldr="1"/>
+        </dgm:pt>
+        <dgm:pt modelId="22">
+          <dgm:prSet phldr="1"/>
+        </dgm:pt>
+        <dgm:pt modelId="3">
+          <dgm:prSet phldr="1"/>
+        </dgm:pt>
+        <dgm:pt modelId="31">
+          <dgm:prSet phldr="1"/>
+        </dgm:pt>
+        <dgm:pt modelId="32">
+          <dgm:prSet phldr="1"/>
+        </dgm:pt>
+      </dgm:ptLst>
+      <dgm:cxnLst>
+        <dgm:cxn modelId="4" srcId="0" destId="1" srcOrd="0" destOrd="0"/>
+        <dgm:cxn modelId="5" srcId="0" destId="2" srcOrd="1" destOrd="0"/>
+        <dgm:cxn modelId="6" srcId="0" destId="3" srcOrd="2" destOrd="0"/>
+        <dgm:cxn modelId="13" srcId="1" destId="11" srcOrd="0" destOrd="0"/>
+        <dgm:cxn modelId="14" srcId="1" destId="12" srcOrd="1" destOrd="0"/>
+        <dgm:cxn modelId="23" srcId="2" destId="21" srcOrd="0" destOrd="0"/>
+        <dgm:cxn modelId="24" srcId="2" destId="22" srcOrd="1" destOrd="0"/>
+        <dgm:cxn modelId="33" srcId="3" destId="31" srcOrd="0" destOrd="0"/>
+        <dgm:cxn modelId="34" srcId="3" destId="32" srcOrd="1" destOrd="0"/>
+      </dgm:cxnLst>
+      <dgm:bg/>
+      <dgm:whole/>
+    </dgm:dataModel>
+  </dgm:sampData>
+  <dgm:styleData>
+    <dgm:dataModel>
+      <dgm:ptLst>
+        <dgm:pt modelId="0" type="doc"/>
+        <dgm:pt modelId="1"/>
+      </dgm:ptLst>
+      <dgm:cxnLst>
+        <dgm:cxn modelId="4" srcId="0" destId="1" srcOrd="0" destOrd="0"/>
+      </dgm:cxnLst>
+      <dgm:bg/>
+      <dgm:whole/>
+    </dgm:dataModel>
+  </dgm:styleData>
+  <dgm:clrData>
+    <dgm:dataModel>
+      <dgm:ptLst>
+        <dgm:pt modelId="0" type="doc"/>
+        <dgm:pt modelId="1"/>
+        <dgm:pt modelId="11"/>
+        <dgm:pt modelId="2"/>
+        <dgm:pt modelId="21"/>
+        <dgm:pt modelId="3"/>
+        <dgm:pt modelId="31"/>
+        <dgm:pt modelId="4"/>
+        <dgm:pt modelId="41"/>
+      </dgm:ptLst>
+      <dgm:cxnLst>
+        <dgm:cxn modelId="5" srcId="0" destId="1" srcOrd="0" destOrd="0"/>
+        <dgm:cxn modelId="6" srcId="0" destId="2" srcOrd="1" destOrd="0"/>
+        <dgm:cxn modelId="7" srcId="0" destId="3" srcOrd="2" destOrd="0"/>
+        <dgm:cxn modelId="8" srcId="0" destId="4" srcOrd="3" destOrd="0"/>
+        <dgm:cxn modelId="13" srcId="1" destId="11" srcOrd="0" destOrd="0"/>
+        <dgm:cxn modelId="23" srcId="2" destId="21" srcOrd="0" destOrd="0"/>
+        <dgm:cxn modelId="33" srcId="3" destId="31" srcOrd="0" destOrd="0"/>
+        <dgm:cxn modelId="43" srcId="4" destId="41" srcOrd="0" destOrd="0"/>
+      </dgm:cxnLst>
+      <dgm:bg/>
+      <dgm:whole/>
+    </dgm:dataModel>
+  </dgm:clrData>
+  <dgm:layoutNode name="linearFlow">
+    <dgm:varLst>
+      <dgm:dir/>
+      <dgm:animLvl val="lvl"/>
+      <dgm:resizeHandles val="exact"/>
+    </dgm:varLst>
+    <dgm:alg type="lin">
+      <dgm:param type="linDir" val="fromT"/>
+      <dgm:param type="nodeHorzAlign" val="l"/>
+    </dgm:alg>
+    <dgm:shape xmlns:r="http://schemas.openxmlformats.org/officeDocument/2006/relationships" r:blip="">
+      <dgm:adjLst/>
+    </dgm:shape>
+    <dgm:presOf/>
+    <dgm:constrLst>
+      <dgm:constr type="h" for="ch" forName="composite" refType="h"/>
+      <dgm:constr type="w" for="ch" forName="composite" refType="w"/>
+      <dgm:constr type="h" for="des" forName="parentText" op="equ"/>
+      <dgm:constr type="h" for="ch" forName="sp" val="-14.88"/>
+      <dgm:constr type="h" for="ch" forName="sp" refType="w" refFor="des" refForName="parentText" op="gte" fact="-0.3"/>
+      <dgm:constr type="primFontSz" for="des" forName="parentText" op="equ" val="65"/>
+      <dgm:constr type="primFontSz" for="des" forName="descendantText" op="equ" val="65"/>
+    </dgm:constrLst>
+    <dgm:ruleLst/>
+    <dgm:forEach name="Name0" axis="ch" ptType="node">
+      <dgm:layoutNode name="composite">
+        <dgm:alg type="composite"/>
+        <dgm:shape xmlns:r="http://schemas.openxmlformats.org/officeDocument/2006/relationships" r:blip="">
+          <dgm:adjLst/>
+        </dgm:shape>
+        <dgm:presOf/>
+        <dgm:choose name="Name1">
+          <dgm:if name="Name2" func="var" arg="dir" op="equ" val="norm">
+            <dgm:constrLst>
+              <dgm:constr type="t" for="ch" forName="parentText"/>
+              <dgm:constr type="l" for="ch" forName="parentText"/>
+              <dgm:constr type="w" for="ch" forName="parentText" refType="w" fact="0.4"/>
+              <dgm:constr type="h" for="ch" forName="parentText" refType="h"/>
+              <dgm:constr type="w" for="ch" forName="parentText" refType="w" op="lte" fact="0.5"/>
+              <dgm:constr type="w" for="ch" forName="parentText" refType="h" refFor="ch" refForName="parentText" op="lte" fact="0.7"/>
+              <dgm:constr type="h" for="ch" forName="parentText" refType="w" refFor="ch" refForName="parentText" op="lte" fact="3"/>
+              <dgm:constr type="l" for="ch" forName="descendantText" refType="w" refFor="ch" refForName="parentText"/>
+              <dgm:constr type="w" for="ch" forName="descendantText" refType="w"/>
+              <dgm:constr type="wOff" for="ch" forName="descendantText" refType="w" refFor="ch" refForName="parentText" fact="-1"/>
+              <dgm:constr type="t" for="ch" forName="descendantText"/>
+              <dgm:constr type="b" for="ch" forName="descendantText" refType="h" refFor="ch" refForName="parentText"/>
+              <dgm:constr type="bOff" for="ch" forName="descendantText" refType="w" refFor="ch" refForName="parentText" fact="-0.5"/>
+            </dgm:constrLst>
+          </dgm:if>
+          <dgm:else name="Name3">
+            <dgm:constrLst>
+              <dgm:constr type="t" for="ch" forName="parentText"/>
+              <dgm:constr type="r" for="ch" forName="parentText" refType="w"/>
+              <dgm:constr type="w" for="ch" forName="parentText" refType="w" fact="0.4"/>
+              <dgm:constr type="h" for="ch" forName="parentText" refType="h"/>
+              <dgm:constr type="w" for="ch" forName="parentText" refType="w" op="lte" fact="0.5"/>
+              <dgm:constr type="w" for="ch" forName="parentText" refType="h" refFor="ch" refForName="parentText" op="lte" fact="0.7"/>
+              <dgm:constr type="h" for="ch" forName="parentText" refType="w" refFor="ch" refForName="parentText" op="lte" fact="3"/>
+              <dgm:constr type="l" for="ch" forName="descendantText"/>
+              <dgm:constr type="w" for="ch" forName="descendantText" refType="w"/>
+              <dgm:constr type="wOff" for="ch" forName="descendantText" refType="w" refFor="ch" refForName="parentText" fact="-1"/>
+              <dgm:constr type="t" for="ch" forName="descendantText"/>
+              <dgm:constr type="b" for="ch" forName="descendantText" refType="h" refFor="ch" refForName="parentText"/>
+              <dgm:constr type="bOff" for="ch" forName="descendantText" refType="w" refFor="ch" refForName="parentText" fact="-0.5"/>
+            </dgm:constrLst>
+          </dgm:else>
+        </dgm:choose>
+        <dgm:ruleLst/>
+        <dgm:layoutNode name="parentText" styleLbl="alignNode1">
+          <dgm:varLst>
+            <dgm:chMax val="1"/>
+            <dgm:bulletEnabled val="1"/>
+          </dgm:varLst>
+          <dgm:alg type="tx"/>
+          <dgm:shape xmlns:r="http://schemas.openxmlformats.org/officeDocument/2006/relationships" rot="90" type="chevron" r:blip="">
+            <dgm:adjLst/>
+          </dgm:shape>
+          <dgm:presOf axis="self" ptType="node"/>
+          <dgm:constrLst>
+            <dgm:constr type="lMarg" refType="primFontSz" fact="0.05"/>
+            <dgm:constr type="rMarg" refType="primFontSz" fact="0.05"/>
+            <dgm:constr type="tMarg" refType="primFontSz" fact="0.05"/>
+            <dgm:constr type="bMarg" refType="primFontSz" fact="0.05"/>
+          </dgm:constrLst>
+          <dgm:ruleLst>
+            <dgm:rule type="h" val="100" fact="NaN" max="NaN"/>
+            <dgm:rule type="primFontSz" val="24" fact="NaN" max="NaN"/>
+            <dgm:rule type="h" val="110" fact="NaN" max="NaN"/>
+            <dgm:rule type="primFontSz" val="18" fact="NaN" max="NaN"/>
+            <dgm:rule type="h" val="INF" fact="NaN" max="NaN"/>
+            <dgm:rule type="primFontSz" val="5" fact="NaN" max="NaN"/>
+          </dgm:ruleLst>
+        </dgm:layoutNode>
+        <dgm:layoutNode name="descendantText" styleLbl="alignAcc1">
+          <dgm:varLst>
+            <dgm:bulletEnabled val="1"/>
+          </dgm:varLst>
+          <dgm:choose name="Name4">
+            <dgm:if name="Name5" func="var" arg="dir" op="equ" val="norm">
+              <dgm:alg type="tx">
+                <dgm:param type="stBulletLvl" val="1"/>
+                <dgm:param type="txAnchorVertCh" val="mid"/>
+              </dgm:alg>
+              <dgm:shape xmlns:r="http://schemas.openxmlformats.org/officeDocument/2006/relationships" rot="90" type="round2SameRect" r:blip="">
+                <dgm:adjLst/>
+              </dgm:shape>
+            </dgm:if>
+            <dgm:else name="Name6">
+              <dgm:alg type="tx">
+                <dgm:param type="stBulletLvl" val="1"/>
+                <dgm:param type="txAnchorVertCh" val="mid"/>
+              </dgm:alg>
+              <dgm:shape xmlns:r="http://schemas.openxmlformats.org/officeDocument/2006/relationships" rot="-90" type="round2SameRect" r:blip="">
+                <dgm:adjLst/>
+              </dgm:shape>
+            </dgm:else>
+          </dgm:choose>
+          <dgm:presOf axis="des" ptType="node"/>
+          <dgm:choose name="Name7">
+            <dgm:if name="Name8" func="var" arg="dir" op="equ" val="norm">
+              <dgm:constrLst>
+                <dgm:constr type="secFontSz" refType="primFontSz"/>
+                <dgm:constr type="tMarg" refType="primFontSz" fact="0.05"/>
+                <dgm:constr type="bMarg" refType="primFontSz" fact="0.05"/>
+                <dgm:constr type="rMarg" refType="primFontSz" fact="0.05"/>
+              </dgm:constrLst>
+            </dgm:if>
+            <dgm:else name="Name9">
+              <dgm:constrLst>
+                <dgm:constr type="secFontSz" refType="primFontSz"/>
+                <dgm:constr type="tMarg" refType="primFontSz" fact="0.05"/>
+                <dgm:constr type="bMarg" refType="primFontSz" fact="0.05"/>
+                <dgm:constr type="lMarg" refType="primFontSz" fact="0.05"/>
+              </dgm:constrLst>
+            </dgm:else>
+          </dgm:choose>
+          <dgm:ruleLst>
+            <dgm:rule type="primFontSz" val="5" fact="NaN" max="NaN"/>
+          </dgm:ruleLst>
+        </dgm:layoutNode>
+      </dgm:layoutNode>
+      <dgm:forEach name="Name10" axis="followSib" ptType="sibTrans" cnt="1">
+        <dgm:layoutNode name="sp">
+          <dgm:alg type="sp"/>
+          <dgm:shape xmlns:r="http://schemas.openxmlformats.org/officeDocument/2006/relationships" r:blip="">
+            <dgm:adjLst/>
+          </dgm:shape>
+          <dgm:presOf axis="self"/>
+          <dgm:constrLst>
+            <dgm:constr type="w" val="1"/>
+            <dgm:constr type="h" val="37.5"/>
+          </dgm:constrLst>
+          <dgm:ruleLst/>
+        </dgm:layoutNode>
+      </dgm:forEach>
+    </dgm:forEach>
+  </dgm:layoutNode>
+</dgm:layoutDef>
+</file>
+
 <file path=ppt/diagrams/quickStyle1.xml><?xml version="1.0" encoding="utf-8"?>
 <dgm:styleDef xmlns:dgm="http://schemas.openxmlformats.org/drawingml/2006/diagram" xmlns:a="http://schemas.openxmlformats.org/drawingml/2006/main" uniqueId="urn:microsoft.com/office/officeart/2005/8/quickstyle/simple1">
   <dgm:title val=""/>
@@ -5951,6 +10742,2074 @@
 </file>
 
 <file path=ppt/diagrams/quickStyle2.xml><?xml version="1.0" encoding="utf-8"?>
+<dgm:styleDef xmlns:dgm="http://schemas.openxmlformats.org/drawingml/2006/diagram" xmlns:a="http://schemas.openxmlformats.org/drawingml/2006/main" uniqueId="urn:microsoft.com/office/officeart/2005/8/quickstyle/simple1">
+  <dgm:title val=""/>
+  <dgm:desc val=""/>
+  <dgm:catLst>
+    <dgm:cat type="simple" pri="10100"/>
+  </dgm:catLst>
+  <dgm:scene3d>
+    <a:camera prst="orthographicFront"/>
+    <a:lightRig rig="threePt" dir="t"/>
+  </dgm:scene3d>
+  <dgm:styleLbl name="node0">
+    <dgm:scene3d>
+      <a:camera prst="orthographicFront"/>
+      <a:lightRig rig="threePt" dir="t"/>
+    </dgm:scene3d>
+    <dgm:sp3d/>
+    <dgm:txPr/>
+    <dgm:style>
+      <a:lnRef idx="2">
+        <a:scrgbClr r="0" g="0" b="0"/>
+      </a:lnRef>
+      <a:fillRef idx="1">
+        <a:scrgbClr r="0" g="0" b="0"/>
+      </a:fillRef>
+      <a:effectRef idx="0">
+        <a:scrgbClr r="0" g="0" b="0"/>
+      </a:effectRef>
+      <a:fontRef idx="minor">
+        <a:schemeClr val="lt1"/>
+      </a:fontRef>
+    </dgm:style>
+  </dgm:styleLbl>
+  <dgm:styleLbl name="lnNode1">
+    <dgm:scene3d>
+      <a:camera prst="orthographicFront"/>
+      <a:lightRig rig="threePt" dir="t"/>
+    </dgm:scene3d>
+    <dgm:sp3d/>
+    <dgm:txPr/>
+    <dgm:style>
+      <a:lnRef idx="2">
+        <a:scrgbClr r="0" g="0" b="0"/>
+      </a:lnRef>
+      <a:fillRef idx="1">
+        <a:scrgbClr r="0" g="0" b="0"/>
+      </a:fillRef>
+      <a:effectRef idx="0">
+        <a:scrgbClr r="0" g="0" b="0"/>
+      </a:effectRef>
+      <a:fontRef idx="minor">
+        <a:schemeClr val="lt1"/>
+      </a:fontRef>
+    </dgm:style>
+  </dgm:styleLbl>
+  <dgm:styleLbl name="vennNode1">
+    <dgm:scene3d>
+      <a:camera prst="orthographicFront"/>
+      <a:lightRig rig="threePt" dir="t"/>
+    </dgm:scene3d>
+    <dgm:sp3d/>
+    <dgm:txPr/>
+    <dgm:style>
+      <a:lnRef idx="2">
+        <a:scrgbClr r="0" g="0" b="0"/>
+      </a:lnRef>
+      <a:fillRef idx="1">
+        <a:scrgbClr r="0" g="0" b="0"/>
+      </a:fillRef>
+      <a:effectRef idx="0">
+        <a:scrgbClr r="0" g="0" b="0"/>
+      </a:effectRef>
+      <a:fontRef idx="minor">
+        <a:schemeClr val="tx1"/>
+      </a:fontRef>
+    </dgm:style>
+  </dgm:styleLbl>
+  <dgm:styleLbl name="alignNode1">
+    <dgm:scene3d>
+      <a:camera prst="orthographicFront"/>
+      <a:lightRig rig="threePt" dir="t"/>
+    </dgm:scene3d>
+    <dgm:sp3d/>
+    <dgm:txPr/>
+    <dgm:style>
+      <a:lnRef idx="2">
+        <a:scrgbClr r="0" g="0" b="0"/>
+      </a:lnRef>
+      <a:fillRef idx="1">
+        <a:scrgbClr r="0" g="0" b="0"/>
+      </a:fillRef>
+      <a:effectRef idx="0">
+        <a:scrgbClr r="0" g="0" b="0"/>
+      </a:effectRef>
+      <a:fontRef idx="minor">
+        <a:schemeClr val="lt1"/>
+      </a:fontRef>
+    </dgm:style>
+  </dgm:styleLbl>
+  <dgm:styleLbl name="node1">
+    <dgm:scene3d>
+      <a:camera prst="orthographicFront"/>
+      <a:lightRig rig="threePt" dir="t"/>
+    </dgm:scene3d>
+    <dgm:sp3d/>
+    <dgm:txPr/>
+    <dgm:style>
+      <a:lnRef idx="2">
+        <a:scrgbClr r="0" g="0" b="0"/>
+      </a:lnRef>
+      <a:fillRef idx="1">
+        <a:scrgbClr r="0" g="0" b="0"/>
+      </a:fillRef>
+      <a:effectRef idx="0">
+        <a:scrgbClr r="0" g="0" b="0"/>
+      </a:effectRef>
+      <a:fontRef idx="minor">
+        <a:schemeClr val="lt1"/>
+      </a:fontRef>
+    </dgm:style>
+  </dgm:styleLbl>
+  <dgm:styleLbl name="node2">
+    <dgm:scene3d>
+      <a:camera prst="orthographicFront"/>
+      <a:lightRig rig="threePt" dir="t"/>
+    </dgm:scene3d>
+    <dgm:sp3d/>
+    <dgm:txPr/>
+    <dgm:style>
+      <a:lnRef idx="2">
+        <a:scrgbClr r="0" g="0" b="0"/>
+      </a:lnRef>
+      <a:fillRef idx="1">
+        <a:scrgbClr r="0" g="0" b="0"/>
+      </a:fillRef>
+      <a:effectRef idx="0">
+        <a:scrgbClr r="0" g="0" b="0"/>
+      </a:effectRef>
+      <a:fontRef idx="minor">
+        <a:schemeClr val="lt1"/>
+      </a:fontRef>
+    </dgm:style>
+  </dgm:styleLbl>
+  <dgm:styleLbl name="node3">
+    <dgm:scene3d>
+      <a:camera prst="orthographicFront"/>
+      <a:lightRig rig="threePt" dir="t"/>
+    </dgm:scene3d>
+    <dgm:sp3d/>
+    <dgm:txPr/>
+    <dgm:style>
+      <a:lnRef idx="2">
+        <a:scrgbClr r="0" g="0" b="0"/>
+      </a:lnRef>
+      <a:fillRef idx="1">
+        <a:scrgbClr r="0" g="0" b="0"/>
+      </a:fillRef>
+      <a:effectRef idx="0">
+        <a:scrgbClr r="0" g="0" b="0"/>
+      </a:effectRef>
+      <a:fontRef idx="minor">
+        <a:schemeClr val="lt1"/>
+      </a:fontRef>
+    </dgm:style>
+  </dgm:styleLbl>
+  <dgm:styleLbl name="node4">
+    <dgm:scene3d>
+      <a:camera prst="orthographicFront"/>
+      <a:lightRig rig="threePt" dir="t"/>
+    </dgm:scene3d>
+    <dgm:sp3d/>
+    <dgm:txPr/>
+    <dgm:style>
+      <a:lnRef idx="2">
+        <a:scrgbClr r="0" g="0" b="0"/>
+      </a:lnRef>
+      <a:fillRef idx="1">
+        <a:scrgbClr r="0" g="0" b="0"/>
+      </a:fillRef>
+      <a:effectRef idx="0">
+        <a:scrgbClr r="0" g="0" b="0"/>
+      </a:effectRef>
+      <a:fontRef idx="minor">
+        <a:schemeClr val="lt1"/>
+      </a:fontRef>
+    </dgm:style>
+  </dgm:styleLbl>
+  <dgm:styleLbl name="fgImgPlace1">
+    <dgm:scene3d>
+      <a:camera prst="orthographicFront"/>
+      <a:lightRig rig="threePt" dir="t"/>
+    </dgm:scene3d>
+    <dgm:sp3d/>
+    <dgm:txPr/>
+    <dgm:style>
+      <a:lnRef idx="2">
+        <a:scrgbClr r="0" g="0" b="0"/>
+      </a:lnRef>
+      <a:fillRef idx="1">
+        <a:scrgbClr r="0" g="0" b="0"/>
+      </a:fillRef>
+      <a:effectRef idx="0">
+        <a:scrgbClr r="0" g="0" b="0"/>
+      </a:effectRef>
+      <a:fontRef idx="minor"/>
+    </dgm:style>
+  </dgm:styleLbl>
+  <dgm:styleLbl name="alignImgPlace1">
+    <dgm:scene3d>
+      <a:camera prst="orthographicFront"/>
+      <a:lightRig rig="threePt" dir="t"/>
+    </dgm:scene3d>
+    <dgm:sp3d/>
+    <dgm:txPr/>
+    <dgm:style>
+      <a:lnRef idx="2">
+        <a:scrgbClr r="0" g="0" b="0"/>
+      </a:lnRef>
+      <a:fillRef idx="1">
+        <a:scrgbClr r="0" g="0" b="0"/>
+      </a:fillRef>
+      <a:effectRef idx="0">
+        <a:scrgbClr r="0" g="0" b="0"/>
+      </a:effectRef>
+      <a:fontRef idx="minor"/>
+    </dgm:style>
+  </dgm:styleLbl>
+  <dgm:styleLbl name="bgImgPlace1">
+    <dgm:scene3d>
+      <a:camera prst="orthographicFront"/>
+      <a:lightRig rig="threePt" dir="t"/>
+    </dgm:scene3d>
+    <dgm:sp3d/>
+    <dgm:txPr/>
+    <dgm:style>
+      <a:lnRef idx="2">
+        <a:scrgbClr r="0" g="0" b="0"/>
+      </a:lnRef>
+      <a:fillRef idx="1">
+        <a:scrgbClr r="0" g="0" b="0"/>
+      </a:fillRef>
+      <a:effectRef idx="0">
+        <a:scrgbClr r="0" g="0" b="0"/>
+      </a:effectRef>
+      <a:fontRef idx="minor"/>
+    </dgm:style>
+  </dgm:styleLbl>
+  <dgm:styleLbl name="sibTrans2D1">
+    <dgm:scene3d>
+      <a:camera prst="orthographicFront"/>
+      <a:lightRig rig="threePt" dir="t"/>
+    </dgm:scene3d>
+    <dgm:sp3d/>
+    <dgm:txPr/>
+    <dgm:style>
+      <a:lnRef idx="0">
+        <a:scrgbClr r="0" g="0" b="0"/>
+      </a:lnRef>
+      <a:fillRef idx="1">
+        <a:scrgbClr r="0" g="0" b="0"/>
+      </a:fillRef>
+      <a:effectRef idx="0">
+        <a:scrgbClr r="0" g="0" b="0"/>
+      </a:effectRef>
+      <a:fontRef idx="minor">
+        <a:schemeClr val="lt1"/>
+      </a:fontRef>
+    </dgm:style>
+  </dgm:styleLbl>
+  <dgm:styleLbl name="fgSibTrans2D1">
+    <dgm:scene3d>
+      <a:camera prst="orthographicFront"/>
+      <a:lightRig rig="threePt" dir="t"/>
+    </dgm:scene3d>
+    <dgm:sp3d/>
+    <dgm:txPr/>
+    <dgm:style>
+      <a:lnRef idx="0">
+        <a:scrgbClr r="0" g="0" b="0"/>
+      </a:lnRef>
+      <a:fillRef idx="1">
+        <a:scrgbClr r="0" g="0" b="0"/>
+      </a:fillRef>
+      <a:effectRef idx="0">
+        <a:scrgbClr r="0" g="0" b="0"/>
+      </a:effectRef>
+      <a:fontRef idx="minor">
+        <a:schemeClr val="lt1"/>
+      </a:fontRef>
+    </dgm:style>
+  </dgm:styleLbl>
+  <dgm:styleLbl name="bgSibTrans2D1">
+    <dgm:scene3d>
+      <a:camera prst="orthographicFront"/>
+      <a:lightRig rig="threePt" dir="t"/>
+    </dgm:scene3d>
+    <dgm:sp3d/>
+    <dgm:txPr/>
+    <dgm:style>
+      <a:lnRef idx="0">
+        <a:scrgbClr r="0" g="0" b="0"/>
+      </a:lnRef>
+      <a:fillRef idx="1">
+        <a:scrgbClr r="0" g="0" b="0"/>
+      </a:fillRef>
+      <a:effectRef idx="0">
+        <a:scrgbClr r="0" g="0" b="0"/>
+      </a:effectRef>
+      <a:fontRef idx="minor">
+        <a:schemeClr val="lt1"/>
+      </a:fontRef>
+    </dgm:style>
+  </dgm:styleLbl>
+  <dgm:styleLbl name="sibTrans1D1">
+    <dgm:scene3d>
+      <a:camera prst="orthographicFront"/>
+      <a:lightRig rig="threePt" dir="t"/>
+    </dgm:scene3d>
+    <dgm:sp3d/>
+    <dgm:txPr/>
+    <dgm:style>
+      <a:lnRef idx="1">
+        <a:scrgbClr r="0" g="0" b="0"/>
+      </a:lnRef>
+      <a:fillRef idx="0">
+        <a:scrgbClr r="0" g="0" b="0"/>
+      </a:fillRef>
+      <a:effectRef idx="0">
+        <a:scrgbClr r="0" g="0" b="0"/>
+      </a:effectRef>
+      <a:fontRef idx="minor"/>
+    </dgm:style>
+  </dgm:styleLbl>
+  <dgm:styleLbl name="callout">
+    <dgm:scene3d>
+      <a:camera prst="orthographicFront"/>
+      <a:lightRig rig="threePt" dir="t"/>
+    </dgm:scene3d>
+    <dgm:sp3d/>
+    <dgm:txPr/>
+    <dgm:style>
+      <a:lnRef idx="2">
+        <a:scrgbClr r="0" g="0" b="0"/>
+      </a:lnRef>
+      <a:fillRef idx="1">
+        <a:scrgbClr r="0" g="0" b="0"/>
+      </a:fillRef>
+      <a:effectRef idx="0">
+        <a:scrgbClr r="0" g="0" b="0"/>
+      </a:effectRef>
+      <a:fontRef idx="minor"/>
+    </dgm:style>
+  </dgm:styleLbl>
+  <dgm:styleLbl name="asst0">
+    <dgm:scene3d>
+      <a:camera prst="orthographicFront"/>
+      <a:lightRig rig="threePt" dir="t"/>
+    </dgm:scene3d>
+    <dgm:sp3d/>
+    <dgm:txPr/>
+    <dgm:style>
+      <a:lnRef idx="2">
+        <a:scrgbClr r="0" g="0" b="0"/>
+      </a:lnRef>
+      <a:fillRef idx="1">
+        <a:scrgbClr r="0" g="0" b="0"/>
+      </a:fillRef>
+      <a:effectRef idx="0">
+        <a:scrgbClr r="0" g="0" b="0"/>
+      </a:effectRef>
+      <a:fontRef idx="minor">
+        <a:schemeClr val="lt1"/>
+      </a:fontRef>
+    </dgm:style>
+  </dgm:styleLbl>
+  <dgm:styleLbl name="asst1">
+    <dgm:scene3d>
+      <a:camera prst="orthographicFront"/>
+      <a:lightRig rig="threePt" dir="t"/>
+    </dgm:scene3d>
+    <dgm:sp3d/>
+    <dgm:txPr/>
+    <dgm:style>
+      <a:lnRef idx="2">
+        <a:scrgbClr r="0" g="0" b="0"/>
+      </a:lnRef>
+      <a:fillRef idx="1">
+        <a:scrgbClr r="0" g="0" b="0"/>
+      </a:fillRef>
+      <a:effectRef idx="0">
+        <a:scrgbClr r="0" g="0" b="0"/>
+      </a:effectRef>
+      <a:fontRef idx="minor">
+        <a:schemeClr val="lt1"/>
+      </a:fontRef>
+    </dgm:style>
+  </dgm:styleLbl>
+  <dgm:styleLbl name="asst2">
+    <dgm:scene3d>
+      <a:camera prst="orthographicFront"/>
+      <a:lightRig rig="threePt" dir="t"/>
+    </dgm:scene3d>
+    <dgm:sp3d/>
+    <dgm:txPr/>
+    <dgm:style>
+      <a:lnRef idx="2">
+        <a:scrgbClr r="0" g="0" b="0"/>
+      </a:lnRef>
+      <a:fillRef idx="1">
+        <a:scrgbClr r="0" g="0" b="0"/>
+      </a:fillRef>
+      <a:effectRef idx="0">
+        <a:scrgbClr r="0" g="0" b="0"/>
+      </a:effectRef>
+      <a:fontRef idx="minor">
+        <a:schemeClr val="lt1"/>
+      </a:fontRef>
+    </dgm:style>
+  </dgm:styleLbl>
+  <dgm:styleLbl name="asst3">
+    <dgm:scene3d>
+      <a:camera prst="orthographicFront"/>
+      <a:lightRig rig="threePt" dir="t"/>
+    </dgm:scene3d>
+    <dgm:sp3d/>
+    <dgm:txPr/>
+    <dgm:style>
+      <a:lnRef idx="2">
+        <a:scrgbClr r="0" g="0" b="0"/>
+      </a:lnRef>
+      <a:fillRef idx="1">
+        <a:scrgbClr r="0" g="0" b="0"/>
+      </a:fillRef>
+      <a:effectRef idx="0">
+        <a:scrgbClr r="0" g="0" b="0"/>
+      </a:effectRef>
+      <a:fontRef idx="minor">
+        <a:schemeClr val="lt1"/>
+      </a:fontRef>
+    </dgm:style>
+  </dgm:styleLbl>
+  <dgm:styleLbl name="asst4">
+    <dgm:scene3d>
+      <a:camera prst="orthographicFront"/>
+      <a:lightRig rig="threePt" dir="t"/>
+    </dgm:scene3d>
+    <dgm:sp3d/>
+    <dgm:txPr/>
+    <dgm:style>
+      <a:lnRef idx="2">
+        <a:scrgbClr r="0" g="0" b="0"/>
+      </a:lnRef>
+      <a:fillRef idx="1">
+        <a:scrgbClr r="0" g="0" b="0"/>
+      </a:fillRef>
+      <a:effectRef idx="0">
+        <a:scrgbClr r="0" g="0" b="0"/>
+      </a:effectRef>
+      <a:fontRef idx="minor">
+        <a:schemeClr val="lt1"/>
+      </a:fontRef>
+    </dgm:style>
+  </dgm:styleLbl>
+  <dgm:styleLbl name="parChTrans2D1">
+    <dgm:scene3d>
+      <a:camera prst="orthographicFront"/>
+      <a:lightRig rig="threePt" dir="t"/>
+    </dgm:scene3d>
+    <dgm:sp3d/>
+    <dgm:txPr/>
+    <dgm:style>
+      <a:lnRef idx="2">
+        <a:scrgbClr r="0" g="0" b="0"/>
+      </a:lnRef>
+      <a:fillRef idx="1">
+        <a:scrgbClr r="0" g="0" b="0"/>
+      </a:fillRef>
+      <a:effectRef idx="0">
+        <a:scrgbClr r="0" g="0" b="0"/>
+      </a:effectRef>
+      <a:fontRef idx="minor">
+        <a:schemeClr val="lt1"/>
+      </a:fontRef>
+    </dgm:style>
+  </dgm:styleLbl>
+  <dgm:styleLbl name="parChTrans2D2">
+    <dgm:scene3d>
+      <a:camera prst="orthographicFront"/>
+      <a:lightRig rig="threePt" dir="t"/>
+    </dgm:scene3d>
+    <dgm:sp3d/>
+    <dgm:txPr/>
+    <dgm:style>
+      <a:lnRef idx="2">
+        <a:scrgbClr r="0" g="0" b="0"/>
+      </a:lnRef>
+      <a:fillRef idx="1">
+        <a:scrgbClr r="0" g="0" b="0"/>
+      </a:fillRef>
+      <a:effectRef idx="0">
+        <a:scrgbClr r="0" g="0" b="0"/>
+      </a:effectRef>
+      <a:fontRef idx="minor">
+        <a:schemeClr val="lt1"/>
+      </a:fontRef>
+    </dgm:style>
+  </dgm:styleLbl>
+  <dgm:styleLbl name="parChTrans2D3">
+    <dgm:scene3d>
+      <a:camera prst="orthographicFront"/>
+      <a:lightRig rig="threePt" dir="t"/>
+    </dgm:scene3d>
+    <dgm:sp3d/>
+    <dgm:txPr/>
+    <dgm:style>
+      <a:lnRef idx="2">
+        <a:scrgbClr r="0" g="0" b="0"/>
+      </a:lnRef>
+      <a:fillRef idx="1">
+        <a:scrgbClr r="0" g="0" b="0"/>
+      </a:fillRef>
+      <a:effectRef idx="0">
+        <a:scrgbClr r="0" g="0" b="0"/>
+      </a:effectRef>
+      <a:fontRef idx="minor">
+        <a:schemeClr val="lt1"/>
+      </a:fontRef>
+    </dgm:style>
+  </dgm:styleLbl>
+  <dgm:styleLbl name="parChTrans2D4">
+    <dgm:scene3d>
+      <a:camera prst="orthographicFront"/>
+      <a:lightRig rig="threePt" dir="t"/>
+    </dgm:scene3d>
+    <dgm:sp3d/>
+    <dgm:txPr/>
+    <dgm:style>
+      <a:lnRef idx="2">
+        <a:scrgbClr r="0" g="0" b="0"/>
+      </a:lnRef>
+      <a:fillRef idx="1">
+        <a:scrgbClr r="0" g="0" b="0"/>
+      </a:fillRef>
+      <a:effectRef idx="0">
+        <a:scrgbClr r="0" g="0" b="0"/>
+      </a:effectRef>
+      <a:fontRef idx="minor">
+        <a:schemeClr val="lt1"/>
+      </a:fontRef>
+    </dgm:style>
+  </dgm:styleLbl>
+  <dgm:styleLbl name="parChTrans1D1">
+    <dgm:scene3d>
+      <a:camera prst="orthographicFront"/>
+      <a:lightRig rig="threePt" dir="t"/>
+    </dgm:scene3d>
+    <dgm:sp3d/>
+    <dgm:txPr/>
+    <dgm:style>
+      <a:lnRef idx="2">
+        <a:scrgbClr r="0" g="0" b="0"/>
+      </a:lnRef>
+      <a:fillRef idx="0">
+        <a:scrgbClr r="0" g="0" b="0"/>
+      </a:fillRef>
+      <a:effectRef idx="0">
+        <a:scrgbClr r="0" g="0" b="0"/>
+      </a:effectRef>
+      <a:fontRef idx="minor"/>
+    </dgm:style>
+  </dgm:styleLbl>
+  <dgm:styleLbl name="parChTrans1D2">
+    <dgm:scene3d>
+      <a:camera prst="orthographicFront"/>
+      <a:lightRig rig="threePt" dir="t"/>
+    </dgm:scene3d>
+    <dgm:sp3d/>
+    <dgm:txPr/>
+    <dgm:style>
+      <a:lnRef idx="2">
+        <a:scrgbClr r="0" g="0" b="0"/>
+      </a:lnRef>
+      <a:fillRef idx="0">
+        <a:scrgbClr r="0" g="0" b="0"/>
+      </a:fillRef>
+      <a:effectRef idx="0">
+        <a:scrgbClr r="0" g="0" b="0"/>
+      </a:effectRef>
+      <a:fontRef idx="minor"/>
+    </dgm:style>
+  </dgm:styleLbl>
+  <dgm:styleLbl name="parChTrans1D3">
+    <dgm:scene3d>
+      <a:camera prst="orthographicFront"/>
+      <a:lightRig rig="threePt" dir="t"/>
+    </dgm:scene3d>
+    <dgm:sp3d/>
+    <dgm:txPr/>
+    <dgm:style>
+      <a:lnRef idx="2">
+        <a:scrgbClr r="0" g="0" b="0"/>
+      </a:lnRef>
+      <a:fillRef idx="0">
+        <a:scrgbClr r="0" g="0" b="0"/>
+      </a:fillRef>
+      <a:effectRef idx="0">
+        <a:scrgbClr r="0" g="0" b="0"/>
+      </a:effectRef>
+      <a:fontRef idx="minor"/>
+    </dgm:style>
+  </dgm:styleLbl>
+  <dgm:styleLbl name="parChTrans1D4">
+    <dgm:scene3d>
+      <a:camera prst="orthographicFront"/>
+      <a:lightRig rig="threePt" dir="t"/>
+    </dgm:scene3d>
+    <dgm:sp3d/>
+    <dgm:txPr/>
+    <dgm:style>
+      <a:lnRef idx="2">
+        <a:scrgbClr r="0" g="0" b="0"/>
+      </a:lnRef>
+      <a:fillRef idx="0">
+        <a:scrgbClr r="0" g="0" b="0"/>
+      </a:fillRef>
+      <a:effectRef idx="0">
+        <a:scrgbClr r="0" g="0" b="0"/>
+      </a:effectRef>
+      <a:fontRef idx="minor"/>
+    </dgm:style>
+  </dgm:styleLbl>
+  <dgm:styleLbl name="fgAcc1">
+    <dgm:scene3d>
+      <a:camera prst="orthographicFront"/>
+      <a:lightRig rig="threePt" dir="t"/>
+    </dgm:scene3d>
+    <dgm:sp3d/>
+    <dgm:txPr/>
+    <dgm:style>
+      <a:lnRef idx="2">
+        <a:scrgbClr r="0" g="0" b="0"/>
+      </a:lnRef>
+      <a:fillRef idx="1">
+        <a:scrgbClr r="0" g="0" b="0"/>
+      </a:fillRef>
+      <a:effectRef idx="0">
+        <a:scrgbClr r="0" g="0" b="0"/>
+      </a:effectRef>
+      <a:fontRef idx="minor"/>
+    </dgm:style>
+  </dgm:styleLbl>
+  <dgm:styleLbl name="conFgAcc1">
+    <dgm:scene3d>
+      <a:camera prst="orthographicFront"/>
+      <a:lightRig rig="threePt" dir="t"/>
+    </dgm:scene3d>
+    <dgm:sp3d/>
+    <dgm:txPr/>
+    <dgm:style>
+      <a:lnRef idx="2">
+        <a:scrgbClr r="0" g="0" b="0"/>
+      </a:lnRef>
+      <a:fillRef idx="1">
+        <a:scrgbClr r="0" g="0" b="0"/>
+      </a:fillRef>
+      <a:effectRef idx="0">
+        <a:scrgbClr r="0" g="0" b="0"/>
+      </a:effectRef>
+      <a:fontRef idx="minor"/>
+    </dgm:style>
+  </dgm:styleLbl>
+  <dgm:styleLbl name="alignAcc1">
+    <dgm:scene3d>
+      <a:camera prst="orthographicFront"/>
+      <a:lightRig rig="threePt" dir="t"/>
+    </dgm:scene3d>
+    <dgm:sp3d/>
+    <dgm:txPr/>
+    <dgm:style>
+      <a:lnRef idx="2">
+        <a:scrgbClr r="0" g="0" b="0"/>
+      </a:lnRef>
+      <a:fillRef idx="1">
+        <a:scrgbClr r="0" g="0" b="0"/>
+      </a:fillRef>
+      <a:effectRef idx="0">
+        <a:scrgbClr r="0" g="0" b="0"/>
+      </a:effectRef>
+      <a:fontRef idx="minor"/>
+    </dgm:style>
+  </dgm:styleLbl>
+  <dgm:styleLbl name="trAlignAcc1">
+    <dgm:scene3d>
+      <a:camera prst="orthographicFront"/>
+      <a:lightRig rig="threePt" dir="t"/>
+    </dgm:scene3d>
+    <dgm:sp3d/>
+    <dgm:txPr/>
+    <dgm:style>
+      <a:lnRef idx="1">
+        <a:scrgbClr r="0" g="0" b="0"/>
+      </a:lnRef>
+      <a:fillRef idx="1">
+        <a:scrgbClr r="0" g="0" b="0"/>
+      </a:fillRef>
+      <a:effectRef idx="0">
+        <a:scrgbClr r="0" g="0" b="0"/>
+      </a:effectRef>
+      <a:fontRef idx="minor"/>
+    </dgm:style>
+  </dgm:styleLbl>
+  <dgm:styleLbl name="bgAcc1">
+    <dgm:scene3d>
+      <a:camera prst="orthographicFront"/>
+      <a:lightRig rig="threePt" dir="t"/>
+    </dgm:scene3d>
+    <dgm:sp3d/>
+    <dgm:txPr/>
+    <dgm:style>
+      <a:lnRef idx="2">
+        <a:scrgbClr r="0" g="0" b="0"/>
+      </a:lnRef>
+      <a:fillRef idx="1">
+        <a:scrgbClr r="0" g="0" b="0"/>
+      </a:fillRef>
+      <a:effectRef idx="0">
+        <a:scrgbClr r="0" g="0" b="0"/>
+      </a:effectRef>
+      <a:fontRef idx="minor"/>
+    </dgm:style>
+  </dgm:styleLbl>
+  <dgm:styleLbl name="solidFgAcc1">
+    <dgm:scene3d>
+      <a:camera prst="orthographicFront"/>
+      <a:lightRig rig="threePt" dir="t"/>
+    </dgm:scene3d>
+    <dgm:sp3d/>
+    <dgm:txPr/>
+    <dgm:style>
+      <a:lnRef idx="2">
+        <a:scrgbClr r="0" g="0" b="0"/>
+      </a:lnRef>
+      <a:fillRef idx="1">
+        <a:scrgbClr r="0" g="0" b="0"/>
+      </a:fillRef>
+      <a:effectRef idx="0">
+        <a:scrgbClr r="0" g="0" b="0"/>
+      </a:effectRef>
+      <a:fontRef idx="minor"/>
+    </dgm:style>
+  </dgm:styleLbl>
+  <dgm:styleLbl name="solidAlignAcc1">
+    <dgm:scene3d>
+      <a:camera prst="orthographicFront"/>
+      <a:lightRig rig="threePt" dir="t"/>
+    </dgm:scene3d>
+    <dgm:sp3d/>
+    <dgm:txPr/>
+    <dgm:style>
+      <a:lnRef idx="2">
+        <a:scrgbClr r="0" g="0" b="0"/>
+      </a:lnRef>
+      <a:fillRef idx="1">
+        <a:scrgbClr r="0" g="0" b="0"/>
+      </a:fillRef>
+      <a:effectRef idx="0">
+        <a:scrgbClr r="0" g="0" b="0"/>
+      </a:effectRef>
+      <a:fontRef idx="minor"/>
+    </dgm:style>
+  </dgm:styleLbl>
+  <dgm:styleLbl name="solidBgAcc1">
+    <dgm:scene3d>
+      <a:camera prst="orthographicFront"/>
+      <a:lightRig rig="threePt" dir="t"/>
+    </dgm:scene3d>
+    <dgm:sp3d/>
+    <dgm:txPr/>
+    <dgm:style>
+      <a:lnRef idx="2">
+        <a:scrgbClr r="0" g="0" b="0"/>
+      </a:lnRef>
+      <a:fillRef idx="1">
+        <a:scrgbClr r="0" g="0" b="0"/>
+      </a:fillRef>
+      <a:effectRef idx="0">
+        <a:scrgbClr r="0" g="0" b="0"/>
+      </a:effectRef>
+      <a:fontRef idx="minor"/>
+    </dgm:style>
+  </dgm:styleLbl>
+  <dgm:styleLbl name="fgAccFollowNode1">
+    <dgm:scene3d>
+      <a:camera prst="orthographicFront"/>
+      <a:lightRig rig="threePt" dir="t"/>
+    </dgm:scene3d>
+    <dgm:sp3d/>
+    <dgm:txPr/>
+    <dgm:style>
+      <a:lnRef idx="2">
+        <a:scrgbClr r="0" g="0" b="0"/>
+      </a:lnRef>
+      <a:fillRef idx="1">
+        <a:scrgbClr r="0" g="0" b="0"/>
+      </a:fillRef>
+      <a:effectRef idx="0">
+        <a:scrgbClr r="0" g="0" b="0"/>
+      </a:effectRef>
+      <a:fontRef idx="minor"/>
+    </dgm:style>
+  </dgm:styleLbl>
+  <dgm:styleLbl name="alignAccFollowNode1">
+    <dgm:scene3d>
+      <a:camera prst="orthographicFront"/>
+      <a:lightRig rig="threePt" dir="t"/>
+    </dgm:scene3d>
+    <dgm:sp3d/>
+    <dgm:txPr/>
+    <dgm:style>
+      <a:lnRef idx="2">
+        <a:scrgbClr r="0" g="0" b="0"/>
+      </a:lnRef>
+      <a:fillRef idx="1">
+        <a:scrgbClr r="0" g="0" b="0"/>
+      </a:fillRef>
+      <a:effectRef idx="0">
+        <a:scrgbClr r="0" g="0" b="0"/>
+      </a:effectRef>
+      <a:fontRef idx="minor"/>
+    </dgm:style>
+  </dgm:styleLbl>
+  <dgm:styleLbl name="bgAccFollowNode1">
+    <dgm:scene3d>
+      <a:camera prst="orthographicFront"/>
+      <a:lightRig rig="threePt" dir="t"/>
+    </dgm:scene3d>
+    <dgm:sp3d/>
+    <dgm:txPr/>
+    <dgm:style>
+      <a:lnRef idx="2">
+        <a:scrgbClr r="0" g="0" b="0"/>
+      </a:lnRef>
+      <a:fillRef idx="1">
+        <a:scrgbClr r="0" g="0" b="0"/>
+      </a:fillRef>
+      <a:effectRef idx="0">
+        <a:scrgbClr r="0" g="0" b="0"/>
+      </a:effectRef>
+      <a:fontRef idx="minor"/>
+    </dgm:style>
+  </dgm:styleLbl>
+  <dgm:styleLbl name="fgAcc0">
+    <dgm:scene3d>
+      <a:camera prst="orthographicFront"/>
+      <a:lightRig rig="threePt" dir="t"/>
+    </dgm:scene3d>
+    <dgm:sp3d/>
+    <dgm:txPr/>
+    <dgm:style>
+      <a:lnRef idx="2">
+        <a:scrgbClr r="0" g="0" b="0"/>
+      </a:lnRef>
+      <a:fillRef idx="1">
+        <a:scrgbClr r="0" g="0" b="0"/>
+      </a:fillRef>
+      <a:effectRef idx="0">
+        <a:scrgbClr r="0" g="0" b="0"/>
+      </a:effectRef>
+      <a:fontRef idx="minor"/>
+    </dgm:style>
+  </dgm:styleLbl>
+  <dgm:styleLbl name="fgAcc2">
+    <dgm:scene3d>
+      <a:camera prst="orthographicFront"/>
+      <a:lightRig rig="threePt" dir="t"/>
+    </dgm:scene3d>
+    <dgm:sp3d/>
+    <dgm:txPr/>
+    <dgm:style>
+      <a:lnRef idx="2">
+        <a:scrgbClr r="0" g="0" b="0"/>
+      </a:lnRef>
+      <a:fillRef idx="1">
+        <a:scrgbClr r="0" g="0" b="0"/>
+      </a:fillRef>
+      <a:effectRef idx="0">
+        <a:scrgbClr r="0" g="0" b="0"/>
+      </a:effectRef>
+      <a:fontRef idx="minor"/>
+    </dgm:style>
+  </dgm:styleLbl>
+  <dgm:styleLbl name="fgAcc3">
+    <dgm:scene3d>
+      <a:camera prst="orthographicFront"/>
+      <a:lightRig rig="threePt" dir="t"/>
+    </dgm:scene3d>
+    <dgm:sp3d/>
+    <dgm:txPr/>
+    <dgm:style>
+      <a:lnRef idx="2">
+        <a:scrgbClr r="0" g="0" b="0"/>
+      </a:lnRef>
+      <a:fillRef idx="1">
+        <a:scrgbClr r="0" g="0" b="0"/>
+      </a:fillRef>
+      <a:effectRef idx="0">
+        <a:scrgbClr r="0" g="0" b="0"/>
+      </a:effectRef>
+      <a:fontRef idx="minor"/>
+    </dgm:style>
+  </dgm:styleLbl>
+  <dgm:styleLbl name="fgAcc4">
+    <dgm:scene3d>
+      <a:camera prst="orthographicFront"/>
+      <a:lightRig rig="threePt" dir="t"/>
+    </dgm:scene3d>
+    <dgm:sp3d/>
+    <dgm:txPr/>
+    <dgm:style>
+      <a:lnRef idx="2">
+        <a:scrgbClr r="0" g="0" b="0"/>
+      </a:lnRef>
+      <a:fillRef idx="1">
+        <a:scrgbClr r="0" g="0" b="0"/>
+      </a:fillRef>
+      <a:effectRef idx="0">
+        <a:scrgbClr r="0" g="0" b="0"/>
+      </a:effectRef>
+      <a:fontRef idx="minor"/>
+    </dgm:style>
+  </dgm:styleLbl>
+  <dgm:styleLbl name="bgShp">
+    <dgm:scene3d>
+      <a:camera prst="orthographicFront"/>
+      <a:lightRig rig="threePt" dir="t"/>
+    </dgm:scene3d>
+    <dgm:sp3d/>
+    <dgm:txPr/>
+    <dgm:style>
+      <a:lnRef idx="0">
+        <a:scrgbClr r="0" g="0" b="0"/>
+      </a:lnRef>
+      <a:fillRef idx="1">
+        <a:scrgbClr r="0" g="0" b="0"/>
+      </a:fillRef>
+      <a:effectRef idx="0">
+        <a:scrgbClr r="0" g="0" b="0"/>
+      </a:effectRef>
+      <a:fontRef idx="minor"/>
+    </dgm:style>
+  </dgm:styleLbl>
+  <dgm:styleLbl name="dkBgShp">
+    <dgm:scene3d>
+      <a:camera prst="orthographicFront"/>
+      <a:lightRig rig="threePt" dir="t"/>
+    </dgm:scene3d>
+    <dgm:sp3d/>
+    <dgm:txPr/>
+    <dgm:style>
+      <a:lnRef idx="0">
+        <a:scrgbClr r="0" g="0" b="0"/>
+      </a:lnRef>
+      <a:fillRef idx="1">
+        <a:scrgbClr r="0" g="0" b="0"/>
+      </a:fillRef>
+      <a:effectRef idx="0">
+        <a:scrgbClr r="0" g="0" b="0"/>
+      </a:effectRef>
+      <a:fontRef idx="minor"/>
+    </dgm:style>
+  </dgm:styleLbl>
+  <dgm:styleLbl name="trBgShp">
+    <dgm:scene3d>
+      <a:camera prst="orthographicFront"/>
+      <a:lightRig rig="threePt" dir="t"/>
+    </dgm:scene3d>
+    <dgm:sp3d/>
+    <dgm:txPr/>
+    <dgm:style>
+      <a:lnRef idx="0">
+        <a:scrgbClr r="0" g="0" b="0"/>
+      </a:lnRef>
+      <a:fillRef idx="1">
+        <a:scrgbClr r="0" g="0" b="0"/>
+      </a:fillRef>
+      <a:effectRef idx="0">
+        <a:scrgbClr r="0" g="0" b="0"/>
+      </a:effectRef>
+      <a:fontRef idx="minor"/>
+    </dgm:style>
+  </dgm:styleLbl>
+  <dgm:styleLbl name="fgShp">
+    <dgm:scene3d>
+      <a:camera prst="orthographicFront"/>
+      <a:lightRig rig="threePt" dir="t"/>
+    </dgm:scene3d>
+    <dgm:sp3d/>
+    <dgm:txPr/>
+    <dgm:style>
+      <a:lnRef idx="2">
+        <a:scrgbClr r="0" g="0" b="0"/>
+      </a:lnRef>
+      <a:fillRef idx="1">
+        <a:scrgbClr r="0" g="0" b="0"/>
+      </a:fillRef>
+      <a:effectRef idx="0">
+        <a:scrgbClr r="0" g="0" b="0"/>
+      </a:effectRef>
+      <a:fontRef idx="minor"/>
+    </dgm:style>
+  </dgm:styleLbl>
+  <dgm:styleLbl name="revTx">
+    <dgm:scene3d>
+      <a:camera prst="orthographicFront"/>
+      <a:lightRig rig="threePt" dir="t"/>
+    </dgm:scene3d>
+    <dgm:sp3d/>
+    <dgm:txPr/>
+    <dgm:style>
+      <a:lnRef idx="0">
+        <a:scrgbClr r="0" g="0" b="0"/>
+      </a:lnRef>
+      <a:fillRef idx="0">
+        <a:scrgbClr r="0" g="0" b="0"/>
+      </a:fillRef>
+      <a:effectRef idx="0">
+        <a:scrgbClr r="0" g="0" b="0"/>
+      </a:effectRef>
+      <a:fontRef idx="minor"/>
+    </dgm:style>
+  </dgm:styleLbl>
+</dgm:styleDef>
+</file>
+
+<file path=ppt/diagrams/quickStyle3.xml><?xml version="1.0" encoding="utf-8"?>
+<dgm:styleDef xmlns:dgm="http://schemas.openxmlformats.org/drawingml/2006/diagram" xmlns:a="http://schemas.openxmlformats.org/drawingml/2006/main" uniqueId="urn:microsoft.com/office/officeart/2005/8/quickstyle/simple1">
+  <dgm:title val=""/>
+  <dgm:desc val=""/>
+  <dgm:catLst>
+    <dgm:cat type="simple" pri="10100"/>
+  </dgm:catLst>
+  <dgm:scene3d>
+    <a:camera prst="orthographicFront"/>
+    <a:lightRig rig="threePt" dir="t"/>
+  </dgm:scene3d>
+  <dgm:styleLbl name="node0">
+    <dgm:scene3d>
+      <a:camera prst="orthographicFront"/>
+      <a:lightRig rig="threePt" dir="t"/>
+    </dgm:scene3d>
+    <dgm:sp3d/>
+    <dgm:txPr/>
+    <dgm:style>
+      <a:lnRef idx="2">
+        <a:scrgbClr r="0" g="0" b="0"/>
+      </a:lnRef>
+      <a:fillRef idx="1">
+        <a:scrgbClr r="0" g="0" b="0"/>
+      </a:fillRef>
+      <a:effectRef idx="0">
+        <a:scrgbClr r="0" g="0" b="0"/>
+      </a:effectRef>
+      <a:fontRef idx="minor">
+        <a:schemeClr val="lt1"/>
+      </a:fontRef>
+    </dgm:style>
+  </dgm:styleLbl>
+  <dgm:styleLbl name="lnNode1">
+    <dgm:scene3d>
+      <a:camera prst="orthographicFront"/>
+      <a:lightRig rig="threePt" dir="t"/>
+    </dgm:scene3d>
+    <dgm:sp3d/>
+    <dgm:txPr/>
+    <dgm:style>
+      <a:lnRef idx="2">
+        <a:scrgbClr r="0" g="0" b="0"/>
+      </a:lnRef>
+      <a:fillRef idx="1">
+        <a:scrgbClr r="0" g="0" b="0"/>
+      </a:fillRef>
+      <a:effectRef idx="0">
+        <a:scrgbClr r="0" g="0" b="0"/>
+      </a:effectRef>
+      <a:fontRef idx="minor">
+        <a:schemeClr val="lt1"/>
+      </a:fontRef>
+    </dgm:style>
+  </dgm:styleLbl>
+  <dgm:styleLbl name="vennNode1">
+    <dgm:scene3d>
+      <a:camera prst="orthographicFront"/>
+      <a:lightRig rig="threePt" dir="t"/>
+    </dgm:scene3d>
+    <dgm:sp3d/>
+    <dgm:txPr/>
+    <dgm:style>
+      <a:lnRef idx="2">
+        <a:scrgbClr r="0" g="0" b="0"/>
+      </a:lnRef>
+      <a:fillRef idx="1">
+        <a:scrgbClr r="0" g="0" b="0"/>
+      </a:fillRef>
+      <a:effectRef idx="0">
+        <a:scrgbClr r="0" g="0" b="0"/>
+      </a:effectRef>
+      <a:fontRef idx="minor">
+        <a:schemeClr val="tx1"/>
+      </a:fontRef>
+    </dgm:style>
+  </dgm:styleLbl>
+  <dgm:styleLbl name="alignNode1">
+    <dgm:scene3d>
+      <a:camera prst="orthographicFront"/>
+      <a:lightRig rig="threePt" dir="t"/>
+    </dgm:scene3d>
+    <dgm:sp3d/>
+    <dgm:txPr/>
+    <dgm:style>
+      <a:lnRef idx="2">
+        <a:scrgbClr r="0" g="0" b="0"/>
+      </a:lnRef>
+      <a:fillRef idx="1">
+        <a:scrgbClr r="0" g="0" b="0"/>
+      </a:fillRef>
+      <a:effectRef idx="0">
+        <a:scrgbClr r="0" g="0" b="0"/>
+      </a:effectRef>
+      <a:fontRef idx="minor">
+        <a:schemeClr val="lt1"/>
+      </a:fontRef>
+    </dgm:style>
+  </dgm:styleLbl>
+  <dgm:styleLbl name="node1">
+    <dgm:scene3d>
+      <a:camera prst="orthographicFront"/>
+      <a:lightRig rig="threePt" dir="t"/>
+    </dgm:scene3d>
+    <dgm:sp3d/>
+    <dgm:txPr/>
+    <dgm:style>
+      <a:lnRef idx="2">
+        <a:scrgbClr r="0" g="0" b="0"/>
+      </a:lnRef>
+      <a:fillRef idx="1">
+        <a:scrgbClr r="0" g="0" b="0"/>
+      </a:fillRef>
+      <a:effectRef idx="0">
+        <a:scrgbClr r="0" g="0" b="0"/>
+      </a:effectRef>
+      <a:fontRef idx="minor">
+        <a:schemeClr val="lt1"/>
+      </a:fontRef>
+    </dgm:style>
+  </dgm:styleLbl>
+  <dgm:styleLbl name="node2">
+    <dgm:scene3d>
+      <a:camera prst="orthographicFront"/>
+      <a:lightRig rig="threePt" dir="t"/>
+    </dgm:scene3d>
+    <dgm:sp3d/>
+    <dgm:txPr/>
+    <dgm:style>
+      <a:lnRef idx="2">
+        <a:scrgbClr r="0" g="0" b="0"/>
+      </a:lnRef>
+      <a:fillRef idx="1">
+        <a:scrgbClr r="0" g="0" b="0"/>
+      </a:fillRef>
+      <a:effectRef idx="0">
+        <a:scrgbClr r="0" g="0" b="0"/>
+      </a:effectRef>
+      <a:fontRef idx="minor">
+        <a:schemeClr val="lt1"/>
+      </a:fontRef>
+    </dgm:style>
+  </dgm:styleLbl>
+  <dgm:styleLbl name="node3">
+    <dgm:scene3d>
+      <a:camera prst="orthographicFront"/>
+      <a:lightRig rig="threePt" dir="t"/>
+    </dgm:scene3d>
+    <dgm:sp3d/>
+    <dgm:txPr/>
+    <dgm:style>
+      <a:lnRef idx="2">
+        <a:scrgbClr r="0" g="0" b="0"/>
+      </a:lnRef>
+      <a:fillRef idx="1">
+        <a:scrgbClr r="0" g="0" b="0"/>
+      </a:fillRef>
+      <a:effectRef idx="0">
+        <a:scrgbClr r="0" g="0" b="0"/>
+      </a:effectRef>
+      <a:fontRef idx="minor">
+        <a:schemeClr val="lt1"/>
+      </a:fontRef>
+    </dgm:style>
+  </dgm:styleLbl>
+  <dgm:styleLbl name="node4">
+    <dgm:scene3d>
+      <a:camera prst="orthographicFront"/>
+      <a:lightRig rig="threePt" dir="t"/>
+    </dgm:scene3d>
+    <dgm:sp3d/>
+    <dgm:txPr/>
+    <dgm:style>
+      <a:lnRef idx="2">
+        <a:scrgbClr r="0" g="0" b="0"/>
+      </a:lnRef>
+      <a:fillRef idx="1">
+        <a:scrgbClr r="0" g="0" b="0"/>
+      </a:fillRef>
+      <a:effectRef idx="0">
+        <a:scrgbClr r="0" g="0" b="0"/>
+      </a:effectRef>
+      <a:fontRef idx="minor">
+        <a:schemeClr val="lt1"/>
+      </a:fontRef>
+    </dgm:style>
+  </dgm:styleLbl>
+  <dgm:styleLbl name="fgImgPlace1">
+    <dgm:scene3d>
+      <a:camera prst="orthographicFront"/>
+      <a:lightRig rig="threePt" dir="t"/>
+    </dgm:scene3d>
+    <dgm:sp3d/>
+    <dgm:txPr/>
+    <dgm:style>
+      <a:lnRef idx="2">
+        <a:scrgbClr r="0" g="0" b="0"/>
+      </a:lnRef>
+      <a:fillRef idx="1">
+        <a:scrgbClr r="0" g="0" b="0"/>
+      </a:fillRef>
+      <a:effectRef idx="0">
+        <a:scrgbClr r="0" g="0" b="0"/>
+      </a:effectRef>
+      <a:fontRef idx="minor"/>
+    </dgm:style>
+  </dgm:styleLbl>
+  <dgm:styleLbl name="alignImgPlace1">
+    <dgm:scene3d>
+      <a:camera prst="orthographicFront"/>
+      <a:lightRig rig="threePt" dir="t"/>
+    </dgm:scene3d>
+    <dgm:sp3d/>
+    <dgm:txPr/>
+    <dgm:style>
+      <a:lnRef idx="2">
+        <a:scrgbClr r="0" g="0" b="0"/>
+      </a:lnRef>
+      <a:fillRef idx="1">
+        <a:scrgbClr r="0" g="0" b="0"/>
+      </a:fillRef>
+      <a:effectRef idx="0">
+        <a:scrgbClr r="0" g="0" b="0"/>
+      </a:effectRef>
+      <a:fontRef idx="minor"/>
+    </dgm:style>
+  </dgm:styleLbl>
+  <dgm:styleLbl name="bgImgPlace1">
+    <dgm:scene3d>
+      <a:camera prst="orthographicFront"/>
+      <a:lightRig rig="threePt" dir="t"/>
+    </dgm:scene3d>
+    <dgm:sp3d/>
+    <dgm:txPr/>
+    <dgm:style>
+      <a:lnRef idx="2">
+        <a:scrgbClr r="0" g="0" b="0"/>
+      </a:lnRef>
+      <a:fillRef idx="1">
+        <a:scrgbClr r="0" g="0" b="0"/>
+      </a:fillRef>
+      <a:effectRef idx="0">
+        <a:scrgbClr r="0" g="0" b="0"/>
+      </a:effectRef>
+      <a:fontRef idx="minor"/>
+    </dgm:style>
+  </dgm:styleLbl>
+  <dgm:styleLbl name="sibTrans2D1">
+    <dgm:scene3d>
+      <a:camera prst="orthographicFront"/>
+      <a:lightRig rig="threePt" dir="t"/>
+    </dgm:scene3d>
+    <dgm:sp3d/>
+    <dgm:txPr/>
+    <dgm:style>
+      <a:lnRef idx="0">
+        <a:scrgbClr r="0" g="0" b="0"/>
+      </a:lnRef>
+      <a:fillRef idx="1">
+        <a:scrgbClr r="0" g="0" b="0"/>
+      </a:fillRef>
+      <a:effectRef idx="0">
+        <a:scrgbClr r="0" g="0" b="0"/>
+      </a:effectRef>
+      <a:fontRef idx="minor">
+        <a:schemeClr val="lt1"/>
+      </a:fontRef>
+    </dgm:style>
+  </dgm:styleLbl>
+  <dgm:styleLbl name="fgSibTrans2D1">
+    <dgm:scene3d>
+      <a:camera prst="orthographicFront"/>
+      <a:lightRig rig="threePt" dir="t"/>
+    </dgm:scene3d>
+    <dgm:sp3d/>
+    <dgm:txPr/>
+    <dgm:style>
+      <a:lnRef idx="0">
+        <a:scrgbClr r="0" g="0" b="0"/>
+      </a:lnRef>
+      <a:fillRef idx="1">
+        <a:scrgbClr r="0" g="0" b="0"/>
+      </a:fillRef>
+      <a:effectRef idx="0">
+        <a:scrgbClr r="0" g="0" b="0"/>
+      </a:effectRef>
+      <a:fontRef idx="minor">
+        <a:schemeClr val="lt1"/>
+      </a:fontRef>
+    </dgm:style>
+  </dgm:styleLbl>
+  <dgm:styleLbl name="bgSibTrans2D1">
+    <dgm:scene3d>
+      <a:camera prst="orthographicFront"/>
+      <a:lightRig rig="threePt" dir="t"/>
+    </dgm:scene3d>
+    <dgm:sp3d/>
+    <dgm:txPr/>
+    <dgm:style>
+      <a:lnRef idx="0">
+        <a:scrgbClr r="0" g="0" b="0"/>
+      </a:lnRef>
+      <a:fillRef idx="1">
+        <a:scrgbClr r="0" g="0" b="0"/>
+      </a:fillRef>
+      <a:effectRef idx="0">
+        <a:scrgbClr r="0" g="0" b="0"/>
+      </a:effectRef>
+      <a:fontRef idx="minor">
+        <a:schemeClr val="lt1"/>
+      </a:fontRef>
+    </dgm:style>
+  </dgm:styleLbl>
+  <dgm:styleLbl name="sibTrans1D1">
+    <dgm:scene3d>
+      <a:camera prst="orthographicFront"/>
+      <a:lightRig rig="threePt" dir="t"/>
+    </dgm:scene3d>
+    <dgm:sp3d/>
+    <dgm:txPr/>
+    <dgm:style>
+      <a:lnRef idx="1">
+        <a:scrgbClr r="0" g="0" b="0"/>
+      </a:lnRef>
+      <a:fillRef idx="0">
+        <a:scrgbClr r="0" g="0" b="0"/>
+      </a:fillRef>
+      <a:effectRef idx="0">
+        <a:scrgbClr r="0" g="0" b="0"/>
+      </a:effectRef>
+      <a:fontRef idx="minor"/>
+    </dgm:style>
+  </dgm:styleLbl>
+  <dgm:styleLbl name="callout">
+    <dgm:scene3d>
+      <a:camera prst="orthographicFront"/>
+      <a:lightRig rig="threePt" dir="t"/>
+    </dgm:scene3d>
+    <dgm:sp3d/>
+    <dgm:txPr/>
+    <dgm:style>
+      <a:lnRef idx="2">
+        <a:scrgbClr r="0" g="0" b="0"/>
+      </a:lnRef>
+      <a:fillRef idx="1">
+        <a:scrgbClr r="0" g="0" b="0"/>
+      </a:fillRef>
+      <a:effectRef idx="0">
+        <a:scrgbClr r="0" g="0" b="0"/>
+      </a:effectRef>
+      <a:fontRef idx="minor"/>
+    </dgm:style>
+  </dgm:styleLbl>
+  <dgm:styleLbl name="asst0">
+    <dgm:scene3d>
+      <a:camera prst="orthographicFront"/>
+      <a:lightRig rig="threePt" dir="t"/>
+    </dgm:scene3d>
+    <dgm:sp3d/>
+    <dgm:txPr/>
+    <dgm:style>
+      <a:lnRef idx="2">
+        <a:scrgbClr r="0" g="0" b="0"/>
+      </a:lnRef>
+      <a:fillRef idx="1">
+        <a:scrgbClr r="0" g="0" b="0"/>
+      </a:fillRef>
+      <a:effectRef idx="0">
+        <a:scrgbClr r="0" g="0" b="0"/>
+      </a:effectRef>
+      <a:fontRef idx="minor">
+        <a:schemeClr val="lt1"/>
+      </a:fontRef>
+    </dgm:style>
+  </dgm:styleLbl>
+  <dgm:styleLbl name="asst1">
+    <dgm:scene3d>
+      <a:camera prst="orthographicFront"/>
+      <a:lightRig rig="threePt" dir="t"/>
+    </dgm:scene3d>
+    <dgm:sp3d/>
+    <dgm:txPr/>
+    <dgm:style>
+      <a:lnRef idx="2">
+        <a:scrgbClr r="0" g="0" b="0"/>
+      </a:lnRef>
+      <a:fillRef idx="1">
+        <a:scrgbClr r="0" g="0" b="0"/>
+      </a:fillRef>
+      <a:effectRef idx="0">
+        <a:scrgbClr r="0" g="0" b="0"/>
+      </a:effectRef>
+      <a:fontRef idx="minor">
+        <a:schemeClr val="lt1"/>
+      </a:fontRef>
+    </dgm:style>
+  </dgm:styleLbl>
+  <dgm:styleLbl name="asst2">
+    <dgm:scene3d>
+      <a:camera prst="orthographicFront"/>
+      <a:lightRig rig="threePt" dir="t"/>
+    </dgm:scene3d>
+    <dgm:sp3d/>
+    <dgm:txPr/>
+    <dgm:style>
+      <a:lnRef idx="2">
+        <a:scrgbClr r="0" g="0" b="0"/>
+      </a:lnRef>
+      <a:fillRef idx="1">
+        <a:scrgbClr r="0" g="0" b="0"/>
+      </a:fillRef>
+      <a:effectRef idx="0">
+        <a:scrgbClr r="0" g="0" b="0"/>
+      </a:effectRef>
+      <a:fontRef idx="minor">
+        <a:schemeClr val="lt1"/>
+      </a:fontRef>
+    </dgm:style>
+  </dgm:styleLbl>
+  <dgm:styleLbl name="asst3">
+    <dgm:scene3d>
+      <a:camera prst="orthographicFront"/>
+      <a:lightRig rig="threePt" dir="t"/>
+    </dgm:scene3d>
+    <dgm:sp3d/>
+    <dgm:txPr/>
+    <dgm:style>
+      <a:lnRef idx="2">
+        <a:scrgbClr r="0" g="0" b="0"/>
+      </a:lnRef>
+      <a:fillRef idx="1">
+        <a:scrgbClr r="0" g="0" b="0"/>
+      </a:fillRef>
+      <a:effectRef idx="0">
+        <a:scrgbClr r="0" g="0" b="0"/>
+      </a:effectRef>
+      <a:fontRef idx="minor">
+        <a:schemeClr val="lt1"/>
+      </a:fontRef>
+    </dgm:style>
+  </dgm:styleLbl>
+  <dgm:styleLbl name="asst4">
+    <dgm:scene3d>
+      <a:camera prst="orthographicFront"/>
+      <a:lightRig rig="threePt" dir="t"/>
+    </dgm:scene3d>
+    <dgm:sp3d/>
+    <dgm:txPr/>
+    <dgm:style>
+      <a:lnRef idx="2">
+        <a:scrgbClr r="0" g="0" b="0"/>
+      </a:lnRef>
+      <a:fillRef idx="1">
+        <a:scrgbClr r="0" g="0" b="0"/>
+      </a:fillRef>
+      <a:effectRef idx="0">
+        <a:scrgbClr r="0" g="0" b="0"/>
+      </a:effectRef>
+      <a:fontRef idx="minor">
+        <a:schemeClr val="lt1"/>
+      </a:fontRef>
+    </dgm:style>
+  </dgm:styleLbl>
+  <dgm:styleLbl name="parChTrans2D1">
+    <dgm:scene3d>
+      <a:camera prst="orthographicFront"/>
+      <a:lightRig rig="threePt" dir="t"/>
+    </dgm:scene3d>
+    <dgm:sp3d/>
+    <dgm:txPr/>
+    <dgm:style>
+      <a:lnRef idx="2">
+        <a:scrgbClr r="0" g="0" b="0"/>
+      </a:lnRef>
+      <a:fillRef idx="1">
+        <a:scrgbClr r="0" g="0" b="0"/>
+      </a:fillRef>
+      <a:effectRef idx="0">
+        <a:scrgbClr r="0" g="0" b="0"/>
+      </a:effectRef>
+      <a:fontRef idx="minor">
+        <a:schemeClr val="lt1"/>
+      </a:fontRef>
+    </dgm:style>
+  </dgm:styleLbl>
+  <dgm:styleLbl name="parChTrans2D2">
+    <dgm:scene3d>
+      <a:camera prst="orthographicFront"/>
+      <a:lightRig rig="threePt" dir="t"/>
+    </dgm:scene3d>
+    <dgm:sp3d/>
+    <dgm:txPr/>
+    <dgm:style>
+      <a:lnRef idx="2">
+        <a:scrgbClr r="0" g="0" b="0"/>
+      </a:lnRef>
+      <a:fillRef idx="1">
+        <a:scrgbClr r="0" g="0" b="0"/>
+      </a:fillRef>
+      <a:effectRef idx="0">
+        <a:scrgbClr r="0" g="0" b="0"/>
+      </a:effectRef>
+      <a:fontRef idx="minor">
+        <a:schemeClr val="lt1"/>
+      </a:fontRef>
+    </dgm:style>
+  </dgm:styleLbl>
+  <dgm:styleLbl name="parChTrans2D3">
+    <dgm:scene3d>
+      <a:camera prst="orthographicFront"/>
+      <a:lightRig rig="threePt" dir="t"/>
+    </dgm:scene3d>
+    <dgm:sp3d/>
+    <dgm:txPr/>
+    <dgm:style>
+      <a:lnRef idx="2">
+        <a:scrgbClr r="0" g="0" b="0"/>
+      </a:lnRef>
+      <a:fillRef idx="1">
+        <a:scrgbClr r="0" g="0" b="0"/>
+      </a:fillRef>
+      <a:effectRef idx="0">
+        <a:scrgbClr r="0" g="0" b="0"/>
+      </a:effectRef>
+      <a:fontRef idx="minor">
+        <a:schemeClr val="lt1"/>
+      </a:fontRef>
+    </dgm:style>
+  </dgm:styleLbl>
+  <dgm:styleLbl name="parChTrans2D4">
+    <dgm:scene3d>
+      <a:camera prst="orthographicFront"/>
+      <a:lightRig rig="threePt" dir="t"/>
+    </dgm:scene3d>
+    <dgm:sp3d/>
+    <dgm:txPr/>
+    <dgm:style>
+      <a:lnRef idx="2">
+        <a:scrgbClr r="0" g="0" b="0"/>
+      </a:lnRef>
+      <a:fillRef idx="1">
+        <a:scrgbClr r="0" g="0" b="0"/>
+      </a:fillRef>
+      <a:effectRef idx="0">
+        <a:scrgbClr r="0" g="0" b="0"/>
+      </a:effectRef>
+      <a:fontRef idx="minor">
+        <a:schemeClr val="lt1"/>
+      </a:fontRef>
+    </dgm:style>
+  </dgm:styleLbl>
+  <dgm:styleLbl name="parChTrans1D1">
+    <dgm:scene3d>
+      <a:camera prst="orthographicFront"/>
+      <a:lightRig rig="threePt" dir="t"/>
+    </dgm:scene3d>
+    <dgm:sp3d/>
+    <dgm:txPr/>
+    <dgm:style>
+      <a:lnRef idx="2">
+        <a:scrgbClr r="0" g="0" b="0"/>
+      </a:lnRef>
+      <a:fillRef idx="0">
+        <a:scrgbClr r="0" g="0" b="0"/>
+      </a:fillRef>
+      <a:effectRef idx="0">
+        <a:scrgbClr r="0" g="0" b="0"/>
+      </a:effectRef>
+      <a:fontRef idx="minor"/>
+    </dgm:style>
+  </dgm:styleLbl>
+  <dgm:styleLbl name="parChTrans1D2">
+    <dgm:scene3d>
+      <a:camera prst="orthographicFront"/>
+      <a:lightRig rig="threePt" dir="t"/>
+    </dgm:scene3d>
+    <dgm:sp3d/>
+    <dgm:txPr/>
+    <dgm:style>
+      <a:lnRef idx="2">
+        <a:scrgbClr r="0" g="0" b="0"/>
+      </a:lnRef>
+      <a:fillRef idx="0">
+        <a:scrgbClr r="0" g="0" b="0"/>
+      </a:fillRef>
+      <a:effectRef idx="0">
+        <a:scrgbClr r="0" g="0" b="0"/>
+      </a:effectRef>
+      <a:fontRef idx="minor"/>
+    </dgm:style>
+  </dgm:styleLbl>
+  <dgm:styleLbl name="parChTrans1D3">
+    <dgm:scene3d>
+      <a:camera prst="orthographicFront"/>
+      <a:lightRig rig="threePt" dir="t"/>
+    </dgm:scene3d>
+    <dgm:sp3d/>
+    <dgm:txPr/>
+    <dgm:style>
+      <a:lnRef idx="2">
+        <a:scrgbClr r="0" g="0" b="0"/>
+      </a:lnRef>
+      <a:fillRef idx="0">
+        <a:scrgbClr r="0" g="0" b="0"/>
+      </a:fillRef>
+      <a:effectRef idx="0">
+        <a:scrgbClr r="0" g="0" b="0"/>
+      </a:effectRef>
+      <a:fontRef idx="minor"/>
+    </dgm:style>
+  </dgm:styleLbl>
+  <dgm:styleLbl name="parChTrans1D4">
+    <dgm:scene3d>
+      <a:camera prst="orthographicFront"/>
+      <a:lightRig rig="threePt" dir="t"/>
+    </dgm:scene3d>
+    <dgm:sp3d/>
+    <dgm:txPr/>
+    <dgm:style>
+      <a:lnRef idx="2">
+        <a:scrgbClr r="0" g="0" b="0"/>
+      </a:lnRef>
+      <a:fillRef idx="0">
+        <a:scrgbClr r="0" g="0" b="0"/>
+      </a:fillRef>
+      <a:effectRef idx="0">
+        <a:scrgbClr r="0" g="0" b="0"/>
+      </a:effectRef>
+      <a:fontRef idx="minor"/>
+    </dgm:style>
+  </dgm:styleLbl>
+  <dgm:styleLbl name="fgAcc1">
+    <dgm:scene3d>
+      <a:camera prst="orthographicFront"/>
+      <a:lightRig rig="threePt" dir="t"/>
+    </dgm:scene3d>
+    <dgm:sp3d/>
+    <dgm:txPr/>
+    <dgm:style>
+      <a:lnRef idx="2">
+        <a:scrgbClr r="0" g="0" b="0"/>
+      </a:lnRef>
+      <a:fillRef idx="1">
+        <a:scrgbClr r="0" g="0" b="0"/>
+      </a:fillRef>
+      <a:effectRef idx="0">
+        <a:scrgbClr r="0" g="0" b="0"/>
+      </a:effectRef>
+      <a:fontRef idx="minor"/>
+    </dgm:style>
+  </dgm:styleLbl>
+  <dgm:styleLbl name="conFgAcc1">
+    <dgm:scene3d>
+      <a:camera prst="orthographicFront"/>
+      <a:lightRig rig="threePt" dir="t"/>
+    </dgm:scene3d>
+    <dgm:sp3d/>
+    <dgm:txPr/>
+    <dgm:style>
+      <a:lnRef idx="2">
+        <a:scrgbClr r="0" g="0" b="0"/>
+      </a:lnRef>
+      <a:fillRef idx="1">
+        <a:scrgbClr r="0" g="0" b="0"/>
+      </a:fillRef>
+      <a:effectRef idx="0">
+        <a:scrgbClr r="0" g="0" b="0"/>
+      </a:effectRef>
+      <a:fontRef idx="minor"/>
+    </dgm:style>
+  </dgm:styleLbl>
+  <dgm:styleLbl name="alignAcc1">
+    <dgm:scene3d>
+      <a:camera prst="orthographicFront"/>
+      <a:lightRig rig="threePt" dir="t"/>
+    </dgm:scene3d>
+    <dgm:sp3d/>
+    <dgm:txPr/>
+    <dgm:style>
+      <a:lnRef idx="2">
+        <a:scrgbClr r="0" g="0" b="0"/>
+      </a:lnRef>
+      <a:fillRef idx="1">
+        <a:scrgbClr r="0" g="0" b="0"/>
+      </a:fillRef>
+      <a:effectRef idx="0">
+        <a:scrgbClr r="0" g="0" b="0"/>
+      </a:effectRef>
+      <a:fontRef idx="minor"/>
+    </dgm:style>
+  </dgm:styleLbl>
+  <dgm:styleLbl name="trAlignAcc1">
+    <dgm:scene3d>
+      <a:camera prst="orthographicFront"/>
+      <a:lightRig rig="threePt" dir="t"/>
+    </dgm:scene3d>
+    <dgm:sp3d/>
+    <dgm:txPr/>
+    <dgm:style>
+      <a:lnRef idx="1">
+        <a:scrgbClr r="0" g="0" b="0"/>
+      </a:lnRef>
+      <a:fillRef idx="1">
+        <a:scrgbClr r="0" g="0" b="0"/>
+      </a:fillRef>
+      <a:effectRef idx="0">
+        <a:scrgbClr r="0" g="0" b="0"/>
+      </a:effectRef>
+      <a:fontRef idx="minor"/>
+    </dgm:style>
+  </dgm:styleLbl>
+  <dgm:styleLbl name="bgAcc1">
+    <dgm:scene3d>
+      <a:camera prst="orthographicFront"/>
+      <a:lightRig rig="threePt" dir="t"/>
+    </dgm:scene3d>
+    <dgm:sp3d/>
+    <dgm:txPr/>
+    <dgm:style>
+      <a:lnRef idx="2">
+        <a:scrgbClr r="0" g="0" b="0"/>
+      </a:lnRef>
+      <a:fillRef idx="1">
+        <a:scrgbClr r="0" g="0" b="0"/>
+      </a:fillRef>
+      <a:effectRef idx="0">
+        <a:scrgbClr r="0" g="0" b="0"/>
+      </a:effectRef>
+      <a:fontRef idx="minor"/>
+    </dgm:style>
+  </dgm:styleLbl>
+  <dgm:styleLbl name="solidFgAcc1">
+    <dgm:scene3d>
+      <a:camera prst="orthographicFront"/>
+      <a:lightRig rig="threePt" dir="t"/>
+    </dgm:scene3d>
+    <dgm:sp3d/>
+    <dgm:txPr/>
+    <dgm:style>
+      <a:lnRef idx="2">
+        <a:scrgbClr r="0" g="0" b="0"/>
+      </a:lnRef>
+      <a:fillRef idx="1">
+        <a:scrgbClr r="0" g="0" b="0"/>
+      </a:fillRef>
+      <a:effectRef idx="0">
+        <a:scrgbClr r="0" g="0" b="0"/>
+      </a:effectRef>
+      <a:fontRef idx="minor"/>
+    </dgm:style>
+  </dgm:styleLbl>
+  <dgm:styleLbl name="solidAlignAcc1">
+    <dgm:scene3d>
+      <a:camera prst="orthographicFront"/>
+      <a:lightRig rig="threePt" dir="t"/>
+    </dgm:scene3d>
+    <dgm:sp3d/>
+    <dgm:txPr/>
+    <dgm:style>
+      <a:lnRef idx="2">
+        <a:scrgbClr r="0" g="0" b="0"/>
+      </a:lnRef>
+      <a:fillRef idx="1">
+        <a:scrgbClr r="0" g="0" b="0"/>
+      </a:fillRef>
+      <a:effectRef idx="0">
+        <a:scrgbClr r="0" g="0" b="0"/>
+      </a:effectRef>
+      <a:fontRef idx="minor"/>
+    </dgm:style>
+  </dgm:styleLbl>
+  <dgm:styleLbl name="solidBgAcc1">
+    <dgm:scene3d>
+      <a:camera prst="orthographicFront"/>
+      <a:lightRig rig="threePt" dir="t"/>
+    </dgm:scene3d>
+    <dgm:sp3d/>
+    <dgm:txPr/>
+    <dgm:style>
+      <a:lnRef idx="2">
+        <a:scrgbClr r="0" g="0" b="0"/>
+      </a:lnRef>
+      <a:fillRef idx="1">
+        <a:scrgbClr r="0" g="0" b="0"/>
+      </a:fillRef>
+      <a:effectRef idx="0">
+        <a:scrgbClr r="0" g="0" b="0"/>
+      </a:effectRef>
+      <a:fontRef idx="minor"/>
+    </dgm:style>
+  </dgm:styleLbl>
+  <dgm:styleLbl name="fgAccFollowNode1">
+    <dgm:scene3d>
+      <a:camera prst="orthographicFront"/>
+      <a:lightRig rig="threePt" dir="t"/>
+    </dgm:scene3d>
+    <dgm:sp3d/>
+    <dgm:txPr/>
+    <dgm:style>
+      <a:lnRef idx="2">
+        <a:scrgbClr r="0" g="0" b="0"/>
+      </a:lnRef>
+      <a:fillRef idx="1">
+        <a:scrgbClr r="0" g="0" b="0"/>
+      </a:fillRef>
+      <a:effectRef idx="0">
+        <a:scrgbClr r="0" g="0" b="0"/>
+      </a:effectRef>
+      <a:fontRef idx="minor"/>
+    </dgm:style>
+  </dgm:styleLbl>
+  <dgm:styleLbl name="alignAccFollowNode1">
+    <dgm:scene3d>
+      <a:camera prst="orthographicFront"/>
+      <a:lightRig rig="threePt" dir="t"/>
+    </dgm:scene3d>
+    <dgm:sp3d/>
+    <dgm:txPr/>
+    <dgm:style>
+      <a:lnRef idx="2">
+        <a:scrgbClr r="0" g="0" b="0"/>
+      </a:lnRef>
+      <a:fillRef idx="1">
+        <a:scrgbClr r="0" g="0" b="0"/>
+      </a:fillRef>
+      <a:effectRef idx="0">
+        <a:scrgbClr r="0" g="0" b="0"/>
+      </a:effectRef>
+      <a:fontRef idx="minor"/>
+    </dgm:style>
+  </dgm:styleLbl>
+  <dgm:styleLbl name="bgAccFollowNode1">
+    <dgm:scene3d>
+      <a:camera prst="orthographicFront"/>
+      <a:lightRig rig="threePt" dir="t"/>
+    </dgm:scene3d>
+    <dgm:sp3d/>
+    <dgm:txPr/>
+    <dgm:style>
+      <a:lnRef idx="2">
+        <a:scrgbClr r="0" g="0" b="0"/>
+      </a:lnRef>
+      <a:fillRef idx="1">
+        <a:scrgbClr r="0" g="0" b="0"/>
+      </a:fillRef>
+      <a:effectRef idx="0">
+        <a:scrgbClr r="0" g="0" b="0"/>
+      </a:effectRef>
+      <a:fontRef idx="minor"/>
+    </dgm:style>
+  </dgm:styleLbl>
+  <dgm:styleLbl name="fgAcc0">
+    <dgm:scene3d>
+      <a:camera prst="orthographicFront"/>
+      <a:lightRig rig="threePt" dir="t"/>
+    </dgm:scene3d>
+    <dgm:sp3d/>
+    <dgm:txPr/>
+    <dgm:style>
+      <a:lnRef idx="2">
+        <a:scrgbClr r="0" g="0" b="0"/>
+      </a:lnRef>
+      <a:fillRef idx="1">
+        <a:scrgbClr r="0" g="0" b="0"/>
+      </a:fillRef>
+      <a:effectRef idx="0">
+        <a:scrgbClr r="0" g="0" b="0"/>
+      </a:effectRef>
+      <a:fontRef idx="minor"/>
+    </dgm:style>
+  </dgm:styleLbl>
+  <dgm:styleLbl name="fgAcc2">
+    <dgm:scene3d>
+      <a:camera prst="orthographicFront"/>
+      <a:lightRig rig="threePt" dir="t"/>
+    </dgm:scene3d>
+    <dgm:sp3d/>
+    <dgm:txPr/>
+    <dgm:style>
+      <a:lnRef idx="2">
+        <a:scrgbClr r="0" g="0" b="0"/>
+      </a:lnRef>
+      <a:fillRef idx="1">
+        <a:scrgbClr r="0" g="0" b="0"/>
+      </a:fillRef>
+      <a:effectRef idx="0">
+        <a:scrgbClr r="0" g="0" b="0"/>
+      </a:effectRef>
+      <a:fontRef idx="minor"/>
+    </dgm:style>
+  </dgm:styleLbl>
+  <dgm:styleLbl name="fgAcc3">
+    <dgm:scene3d>
+      <a:camera prst="orthographicFront"/>
+      <a:lightRig rig="threePt" dir="t"/>
+    </dgm:scene3d>
+    <dgm:sp3d/>
+    <dgm:txPr/>
+    <dgm:style>
+      <a:lnRef idx="2">
+        <a:scrgbClr r="0" g="0" b="0"/>
+      </a:lnRef>
+      <a:fillRef idx="1">
+        <a:scrgbClr r="0" g="0" b="0"/>
+      </a:fillRef>
+      <a:effectRef idx="0">
+        <a:scrgbClr r="0" g="0" b="0"/>
+      </a:effectRef>
+      <a:fontRef idx="minor"/>
+    </dgm:style>
+  </dgm:styleLbl>
+  <dgm:styleLbl name="fgAcc4">
+    <dgm:scene3d>
+      <a:camera prst="orthographicFront"/>
+      <a:lightRig rig="threePt" dir="t"/>
+    </dgm:scene3d>
+    <dgm:sp3d/>
+    <dgm:txPr/>
+    <dgm:style>
+      <a:lnRef idx="2">
+        <a:scrgbClr r="0" g="0" b="0"/>
+      </a:lnRef>
+      <a:fillRef idx="1">
+        <a:scrgbClr r="0" g="0" b="0"/>
+      </a:fillRef>
+      <a:effectRef idx="0">
+        <a:scrgbClr r="0" g="0" b="0"/>
+      </a:effectRef>
+      <a:fontRef idx="minor"/>
+    </dgm:style>
+  </dgm:styleLbl>
+  <dgm:styleLbl name="bgShp">
+    <dgm:scene3d>
+      <a:camera prst="orthographicFront"/>
+      <a:lightRig rig="threePt" dir="t"/>
+    </dgm:scene3d>
+    <dgm:sp3d/>
+    <dgm:txPr/>
+    <dgm:style>
+      <a:lnRef idx="0">
+        <a:scrgbClr r="0" g="0" b="0"/>
+      </a:lnRef>
+      <a:fillRef idx="1">
+        <a:scrgbClr r="0" g="0" b="0"/>
+      </a:fillRef>
+      <a:effectRef idx="0">
+        <a:scrgbClr r="0" g="0" b="0"/>
+      </a:effectRef>
+      <a:fontRef idx="minor"/>
+    </dgm:style>
+  </dgm:styleLbl>
+  <dgm:styleLbl name="dkBgShp">
+    <dgm:scene3d>
+      <a:camera prst="orthographicFront"/>
+      <a:lightRig rig="threePt" dir="t"/>
+    </dgm:scene3d>
+    <dgm:sp3d/>
+    <dgm:txPr/>
+    <dgm:style>
+      <a:lnRef idx="0">
+        <a:scrgbClr r="0" g="0" b="0"/>
+      </a:lnRef>
+      <a:fillRef idx="1">
+        <a:scrgbClr r="0" g="0" b="0"/>
+      </a:fillRef>
+      <a:effectRef idx="0">
+        <a:scrgbClr r="0" g="0" b="0"/>
+      </a:effectRef>
+      <a:fontRef idx="minor"/>
+    </dgm:style>
+  </dgm:styleLbl>
+  <dgm:styleLbl name="trBgShp">
+    <dgm:scene3d>
+      <a:camera prst="orthographicFront"/>
+      <a:lightRig rig="threePt" dir="t"/>
+    </dgm:scene3d>
+    <dgm:sp3d/>
+    <dgm:txPr/>
+    <dgm:style>
+      <a:lnRef idx="0">
+        <a:scrgbClr r="0" g="0" b="0"/>
+      </a:lnRef>
+      <a:fillRef idx="1">
+        <a:scrgbClr r="0" g="0" b="0"/>
+      </a:fillRef>
+      <a:effectRef idx="0">
+        <a:scrgbClr r="0" g="0" b="0"/>
+      </a:effectRef>
+      <a:fontRef idx="minor"/>
+    </dgm:style>
+  </dgm:styleLbl>
+  <dgm:styleLbl name="fgShp">
+    <dgm:scene3d>
+      <a:camera prst="orthographicFront"/>
+      <a:lightRig rig="threePt" dir="t"/>
+    </dgm:scene3d>
+    <dgm:sp3d/>
+    <dgm:txPr/>
+    <dgm:style>
+      <a:lnRef idx="2">
+        <a:scrgbClr r="0" g="0" b="0"/>
+      </a:lnRef>
+      <a:fillRef idx="1">
+        <a:scrgbClr r="0" g="0" b="0"/>
+      </a:fillRef>
+      <a:effectRef idx="0">
+        <a:scrgbClr r="0" g="0" b="0"/>
+      </a:effectRef>
+      <a:fontRef idx="minor"/>
+    </dgm:style>
+  </dgm:styleLbl>
+  <dgm:styleLbl name="revTx">
+    <dgm:scene3d>
+      <a:camera prst="orthographicFront"/>
+      <a:lightRig rig="threePt" dir="t"/>
+    </dgm:scene3d>
+    <dgm:sp3d/>
+    <dgm:txPr/>
+    <dgm:style>
+      <a:lnRef idx="0">
+        <a:scrgbClr r="0" g="0" b="0"/>
+      </a:lnRef>
+      <a:fillRef idx="0">
+        <a:scrgbClr r="0" g="0" b="0"/>
+      </a:fillRef>
+      <a:effectRef idx="0">
+        <a:scrgbClr r="0" g="0" b="0"/>
+      </a:effectRef>
+      <a:fontRef idx="minor"/>
+    </dgm:style>
+  </dgm:styleLbl>
+</dgm:styleDef>
+</file>
+
+<file path=ppt/diagrams/quickStyle4.xml><?xml version="1.0" encoding="utf-8"?>
 <dgm:styleDef xmlns:dgm="http://schemas.openxmlformats.org/drawingml/2006/diagram" xmlns:a="http://schemas.openxmlformats.org/drawingml/2006/main" uniqueId="urn:microsoft.com/office/officeart/2005/8/quickstyle/simple1">
   <dgm:title val=""/>
   <dgm:desc val=""/>
@@ -7860,6 +14719,292 @@
     <p:extLst>
       <p:ext uri="{BB962C8B-B14F-4D97-AF65-F5344CB8AC3E}">
         <p14:creationId xmlns:p14="http://schemas.microsoft.com/office/powerpoint/2010/main" val="2324463338"/>
+      </p:ext>
+    </p:extLst>
+  </p:cSld>
+  <p:clrMapOvr>
+    <a:masterClrMapping/>
+  </p:clrMapOvr>
+</p:sldLayout>
+</file>
+
+<file path=ppt/slideLayouts/slideLayout12.xml><?xml version="1.0" encoding="utf-8"?>
+<p:sldLayout xmlns:a="http://schemas.openxmlformats.org/drawingml/2006/main" xmlns:r="http://schemas.openxmlformats.org/officeDocument/2006/relationships" xmlns:p="http://schemas.openxmlformats.org/presentationml/2006/main">
+  <p:cSld name="Agenda">
+    <p:spTree>
+      <p:nvGrpSpPr>
+        <p:cNvPr id="1" name=""/>
+        <p:cNvGrpSpPr/>
+        <p:nvPr/>
+      </p:nvGrpSpPr>
+      <p:grpSpPr>
+        <a:xfrm>
+          <a:off x="0" y="0"/>
+          <a:ext cx="0" cy="0"/>
+          <a:chOff x="0" y="0"/>
+          <a:chExt cx="0" cy="0"/>
+        </a:xfrm>
+      </p:grpSpPr>
+      <p:sp>
+        <p:nvSpPr>
+          <p:cNvPr id="2" name="Title 1"/>
+          <p:cNvSpPr>
+            <a:spLocks noGrp="1"/>
+          </p:cNvSpPr>
+          <p:nvPr>
+            <p:ph type="title" hasCustomPrompt="1"/>
+          </p:nvPr>
+        </p:nvSpPr>
+        <p:spPr>
+          <a:xfrm>
+            <a:off x="838201" y="250832"/>
+            <a:ext cx="8800551" cy="545561"/>
+          </a:xfrm>
+        </p:spPr>
+        <p:txBody>
+          <a:bodyPr>
+            <a:normAutofit/>
+          </a:bodyPr>
+          <a:lstStyle>
+            <a:lvl1pPr>
+              <a:defRPr sz="3200" b="1" cap="none" baseline="0">
+                <a:solidFill>
+                  <a:srgbClr val="173F7E"/>
+                </a:solidFill>
+                <a:latin typeface="Arial" panose="020B0604020202020204" pitchFamily="34" charset="0"/>
+                <a:cs typeface="Arial" panose="020B0604020202020204" pitchFamily="34" charset="0"/>
+              </a:defRPr>
+            </a:lvl1pPr>
+          </a:lstStyle>
+          <a:p>
+            <a:r>
+              <a:rPr lang="en-US" dirty="0"/>
+              <a:t>Agenda</a:t>
+            </a:r>
+          </a:p>
+        </p:txBody>
+      </p:sp>
+      <p:pic>
+        <p:nvPicPr>
+          <p:cNvPr id="7" name="Picture 6"/>
+          <p:cNvPicPr>
+            <a:picLocks noChangeAspect="1"/>
+          </p:cNvPicPr>
+          <p:nvPr/>
+        </p:nvPicPr>
+        <p:blipFill>
+          <a:blip r:embed="rId2" cstate="print">
+            <a:extLst>
+              <a:ext uri="{28A0092B-C50C-407E-A947-70E740481C1C}">
+                <a14:useLocalDpi xmlns:a14="http://schemas.microsoft.com/office/drawing/2010/main" val="0"/>
+              </a:ext>
+            </a:extLst>
+          </a:blip>
+          <a:stretch>
+            <a:fillRect/>
+          </a:stretch>
+        </p:blipFill>
+        <p:spPr>
+          <a:xfrm>
+            <a:off x="2651" y="250831"/>
+            <a:ext cx="778459" cy="545560"/>
+          </a:xfrm>
+          <a:prstGeom prst="rect">
+            <a:avLst/>
+          </a:prstGeom>
+        </p:spPr>
+      </p:pic>
+      <p:sp>
+        <p:nvSpPr>
+          <p:cNvPr id="12" name="Text Placeholder 11"/>
+          <p:cNvSpPr>
+            <a:spLocks noGrp="1"/>
+          </p:cNvSpPr>
+          <p:nvPr>
+            <p:ph type="body" sz="quarter" idx="13" hasCustomPrompt="1"/>
+          </p:nvPr>
+        </p:nvSpPr>
+        <p:spPr>
+          <a:xfrm>
+            <a:off x="838200" y="1167028"/>
+            <a:ext cx="10515600" cy="4143375"/>
+          </a:xfrm>
+        </p:spPr>
+        <p:txBody>
+          <a:bodyPr/>
+          <a:lstStyle>
+            <a:lvl1pPr marL="514350" indent="-514350" algn="just">
+              <a:buFont typeface="Arial" panose="020B0604020202020204" pitchFamily="34" charset="0"/>
+              <a:buChar char="•"/>
+              <a:defRPr b="0" cap="none" baseline="0">
+                <a:solidFill>
+                  <a:schemeClr val="tx1">
+                    <a:lumMod val="75000"/>
+                    <a:lumOff val="25000"/>
+                  </a:schemeClr>
+                </a:solidFill>
+              </a:defRPr>
+            </a:lvl1pPr>
+            <a:lvl2pPr>
+              <a:defRPr>
+                <a:solidFill>
+                  <a:schemeClr val="tx1">
+                    <a:lumMod val="75000"/>
+                    <a:lumOff val="25000"/>
+                  </a:schemeClr>
+                </a:solidFill>
+              </a:defRPr>
+            </a:lvl2pPr>
+          </a:lstStyle>
+          <a:p>
+            <a:pPr lvl="0"/>
+            <a:r>
+              <a:rPr lang="en-US" dirty="0"/>
+              <a:t>Agenda 1</a:t>
+            </a:r>
+          </a:p>
+          <a:p>
+            <a:pPr lvl="0"/>
+            <a:r>
+              <a:rPr lang="en-US" dirty="0"/>
+              <a:t>Agenda 2</a:t>
+            </a:r>
+          </a:p>
+          <a:p>
+            <a:pPr lvl="0"/>
+            <a:r>
+              <a:rPr lang="en-US" dirty="0"/>
+              <a:t>Agenda 3</a:t>
+            </a:r>
+          </a:p>
+          <a:p>
+            <a:pPr lvl="0"/>
+            <a:r>
+              <a:rPr lang="en-US" dirty="0"/>
+              <a:t>Agenda 4</a:t>
+            </a:r>
+          </a:p>
+          <a:p>
+            <a:pPr lvl="0"/>
+            <a:r>
+              <a:rPr lang="en-US" dirty="0"/>
+              <a:t>Agenda 5</a:t>
+            </a:r>
+          </a:p>
+        </p:txBody>
+      </p:sp>
+      <p:pic>
+        <p:nvPicPr>
+          <p:cNvPr id="8" name="Picture 7"/>
+          <p:cNvPicPr>
+            <a:picLocks noChangeAspect="1"/>
+          </p:cNvPicPr>
+          <p:nvPr userDrawn="1"/>
+        </p:nvPicPr>
+        <p:blipFill>
+          <a:blip r:embed="rId2" cstate="print">
+            <a:extLst>
+              <a:ext uri="{28A0092B-C50C-407E-A947-70E740481C1C}">
+                <a14:useLocalDpi xmlns:a14="http://schemas.microsoft.com/office/drawing/2010/main" val="0"/>
+              </a:ext>
+            </a:extLst>
+          </a:blip>
+          <a:stretch>
+            <a:fillRect/>
+          </a:stretch>
+        </p:blipFill>
+        <p:spPr>
+          <a:xfrm>
+            <a:off x="2651" y="250831"/>
+            <a:ext cx="778459" cy="545560"/>
+          </a:xfrm>
+          <a:prstGeom prst="rect">
+            <a:avLst/>
+          </a:prstGeom>
+        </p:spPr>
+      </p:pic>
+      <p:pic>
+        <p:nvPicPr>
+          <p:cNvPr id="13" name="Picture 12"/>
+          <p:cNvPicPr>
+            <a:picLocks noChangeAspect="1"/>
+          </p:cNvPicPr>
+          <p:nvPr userDrawn="1"/>
+        </p:nvPicPr>
+        <p:blipFill>
+          <a:blip r:embed="rId3" cstate="print">
+            <a:extLst>
+              <a:ext uri="{28A0092B-C50C-407E-A947-70E740481C1C}">
+                <a14:useLocalDpi xmlns:a14="http://schemas.microsoft.com/office/drawing/2010/main" val="0"/>
+              </a:ext>
+            </a:extLst>
+          </a:blip>
+          <a:stretch>
+            <a:fillRect/>
+          </a:stretch>
+        </p:blipFill>
+        <p:spPr>
+          <a:xfrm>
+            <a:off x="9638751" y="-3081"/>
+            <a:ext cx="2550368" cy="645447"/>
+          </a:xfrm>
+          <a:prstGeom prst="rect">
+            <a:avLst/>
+          </a:prstGeom>
+        </p:spPr>
+      </p:pic>
+      <p:sp>
+        <p:nvSpPr>
+          <p:cNvPr id="9" name="Slide Number Placeholder 5"/>
+          <p:cNvSpPr>
+            <a:spLocks noGrp="1"/>
+          </p:cNvSpPr>
+          <p:nvPr>
+            <p:ph type="sldNum" sz="quarter" idx="4"/>
+          </p:nvPr>
+        </p:nvSpPr>
+        <p:spPr>
+          <a:xfrm>
+            <a:off x="10664922" y="6492874"/>
+            <a:ext cx="1527079" cy="365126"/>
+          </a:xfrm>
+          <a:prstGeom prst="rect">
+            <a:avLst/>
+          </a:prstGeom>
+        </p:spPr>
+        <p:txBody>
+          <a:bodyPr vert="horz" lIns="91440" tIns="45720" rIns="91440" bIns="45720" rtlCol="0" anchor="ctr"/>
+          <a:lstStyle>
+            <a:lvl1pPr algn="r">
+              <a:defRPr sz="1000">
+                <a:solidFill>
+                  <a:schemeClr val="tx1">
+                    <a:tint val="75000"/>
+                  </a:schemeClr>
+                </a:solidFill>
+                <a:latin typeface="Arial" panose="020B0604020202020204" pitchFamily="34" charset="0"/>
+                <a:cs typeface="Arial" panose="020B0604020202020204" pitchFamily="34" charset="0"/>
+              </a:defRPr>
+            </a:lvl1pPr>
+          </a:lstStyle>
+          <a:p>
+            <a:r>
+              <a:rPr lang="en-SG" dirty="0"/>
+              <a:t>Page </a:t>
+            </a:r>
+            <a:fld id="{2F63C605-4FC6-46DE-BC90-871762EA3F52}" type="slidenum">
+              <a:rPr lang="en-SG" smtClean="0"/>
+              <a:pPr/>
+              <a:t>‹#›</a:t>
+            </a:fld>
+            <a:endParaRPr lang="en-SG" dirty="0"/>
+          </a:p>
+        </p:txBody>
+      </p:sp>
+    </p:spTree>
+    <p:extLst>
+      <p:ext uri="{BB962C8B-B14F-4D97-AF65-F5344CB8AC3E}">
+        <p14:creationId xmlns:p14="http://schemas.microsoft.com/office/powerpoint/2010/main" val="4257384008"/>
       </p:ext>
     </p:extLst>
   </p:cSld>
@@ -9868,6 +17013,7 @@
     <p:sldLayoutId id="2147483657" r:id="rId9"/>
     <p:sldLayoutId id="2147483658" r:id="rId10"/>
     <p:sldLayoutId id="2147483659" r:id="rId11"/>
+    <p:sldLayoutId id="2147483660" r:id="rId12"/>
   </p:sldLayoutIdLst>
   <p:txStyles>
     <p:titleStyle>
@@ -10426,6 +17572,236 @@
 </p:sld>
 </file>
 
+<file path=ppt/slides/slide3.xml><?xml version="1.0" encoding="utf-8"?>
+<p:sld xmlns:a="http://schemas.openxmlformats.org/drawingml/2006/main" xmlns:r="http://schemas.openxmlformats.org/officeDocument/2006/relationships" xmlns:p="http://schemas.openxmlformats.org/presentationml/2006/main">
+  <p:cSld>
+    <p:spTree>
+      <p:nvGrpSpPr>
+        <p:cNvPr id="1" name=""/>
+        <p:cNvGrpSpPr/>
+        <p:nvPr/>
+      </p:nvGrpSpPr>
+      <p:grpSpPr>
+        <a:xfrm>
+          <a:off x="0" y="0"/>
+          <a:ext cx="0" cy="0"/>
+          <a:chOff x="0" y="0"/>
+          <a:chExt cx="0" cy="0"/>
+        </a:xfrm>
+      </p:grpSpPr>
+      <p:sp>
+        <p:nvSpPr>
+          <p:cNvPr id="2" name="Title 1"/>
+          <p:cNvSpPr>
+            <a:spLocks noGrp="1"/>
+          </p:cNvSpPr>
+          <p:nvPr>
+            <p:ph type="title"/>
+          </p:nvPr>
+        </p:nvSpPr>
+        <p:spPr>
+          <a:xfrm>
+            <a:off x="2152650" y="250832"/>
+            <a:ext cx="7301692" cy="545561"/>
+          </a:xfrm>
+        </p:spPr>
+        <p:txBody>
+          <a:bodyPr>
+            <a:normAutofit/>
+          </a:bodyPr>
+          <a:lstStyle/>
+          <a:p>
+            <a:r>
+              <a:rPr lang="en-US" i="1" dirty="0"/>
+              <a:t>optional: Release Plan</a:t>
+            </a:r>
+          </a:p>
+        </p:txBody>
+      </p:sp>
+      <p:sp>
+        <p:nvSpPr>
+          <p:cNvPr id="4" name="Slide Number Placeholder 3"/>
+          <p:cNvSpPr>
+            <a:spLocks noGrp="1"/>
+          </p:cNvSpPr>
+          <p:nvPr>
+            <p:ph type="sldNum" sz="quarter" idx="4"/>
+          </p:nvPr>
+        </p:nvSpPr>
+        <p:spPr/>
+        <p:txBody>
+          <a:bodyPr/>
+          <a:lstStyle/>
+          <a:p>
+            <a:r>
+              <a:rPr lang="en-SG"/>
+              <a:t>Page </a:t>
+            </a:r>
+            <a:fld id="{2F63C605-4FC6-46DE-BC90-871762EA3F52}" type="slidenum">
+              <a:rPr lang="en-SG" smtClean="0"/>
+              <a:pPr/>
+              <a:t>3</a:t>
+            </a:fld>
+            <a:endParaRPr lang="en-SG" dirty="0"/>
+          </a:p>
+        </p:txBody>
+      </p:sp>
+      <p:graphicFrame>
+        <p:nvGraphicFramePr>
+          <p:cNvPr id="8" name="Diagram 7">
+            <a:extLst>
+              <a:ext uri="{FF2B5EF4-FFF2-40B4-BE49-F238E27FC236}">
+                <a16:creationId xmlns:a16="http://schemas.microsoft.com/office/drawing/2014/main" id="{0B128B1A-8EDF-4AD8-A226-780FFC09D19C}"/>
+              </a:ext>
+            </a:extLst>
+          </p:cNvPr>
+          <p:cNvGraphicFramePr/>
+          <p:nvPr>
+            <p:extLst>
+              <p:ext uri="{D42A27DB-BD31-4B8C-83A1-F6EECF244321}">
+                <p14:modId xmlns:p14="http://schemas.microsoft.com/office/powerpoint/2010/main" val="130097121"/>
+              </p:ext>
+            </p:extLst>
+          </p:nvPr>
+        </p:nvGraphicFramePr>
+        <p:xfrm>
+          <a:off x="974725" y="843491"/>
+          <a:ext cx="9436100" cy="5728759"/>
+        </p:xfrm>
+        <a:graphic>
+          <a:graphicData uri="http://schemas.openxmlformats.org/drawingml/2006/diagram">
+            <dgm:relIds xmlns:dgm="http://schemas.openxmlformats.org/drawingml/2006/diagram" xmlns:r="http://schemas.openxmlformats.org/officeDocument/2006/relationships" r:dm="rId2" r:lo="rId3" r:qs="rId4" r:cs="rId5"/>
+          </a:graphicData>
+        </a:graphic>
+      </p:graphicFrame>
+    </p:spTree>
+    <p:extLst>
+      <p:ext uri="{BB962C8B-B14F-4D97-AF65-F5344CB8AC3E}">
+        <p14:creationId xmlns:p14="http://schemas.microsoft.com/office/powerpoint/2010/main" val="1415903077"/>
+      </p:ext>
+    </p:extLst>
+  </p:cSld>
+  <p:clrMapOvr>
+    <a:masterClrMapping/>
+  </p:clrMapOvr>
+</p:sld>
+</file>
+
+<file path=ppt/slides/slide4.xml><?xml version="1.0" encoding="utf-8"?>
+<p:sld xmlns:a="http://schemas.openxmlformats.org/drawingml/2006/main" xmlns:r="http://schemas.openxmlformats.org/officeDocument/2006/relationships" xmlns:p="http://schemas.openxmlformats.org/presentationml/2006/main">
+  <p:cSld>
+    <p:spTree>
+      <p:nvGrpSpPr>
+        <p:cNvPr id="1" name=""/>
+        <p:cNvGrpSpPr/>
+        <p:nvPr/>
+      </p:nvGrpSpPr>
+      <p:grpSpPr>
+        <a:xfrm>
+          <a:off x="0" y="0"/>
+          <a:ext cx="0" cy="0"/>
+          <a:chOff x="0" y="0"/>
+          <a:chExt cx="0" cy="0"/>
+        </a:xfrm>
+      </p:grpSpPr>
+      <p:sp>
+        <p:nvSpPr>
+          <p:cNvPr id="2" name="Title 1"/>
+          <p:cNvSpPr>
+            <a:spLocks noGrp="1"/>
+          </p:cNvSpPr>
+          <p:nvPr>
+            <p:ph type="title"/>
+          </p:nvPr>
+        </p:nvSpPr>
+        <p:spPr>
+          <a:xfrm>
+            <a:off x="2152650" y="250832"/>
+            <a:ext cx="7301692" cy="545561"/>
+          </a:xfrm>
+        </p:spPr>
+        <p:txBody>
+          <a:bodyPr>
+            <a:normAutofit/>
+          </a:bodyPr>
+          <a:lstStyle/>
+          <a:p>
+            <a:r>
+              <a:rPr lang="en-US" i="1" dirty="0"/>
+              <a:t>optional: Release Plan</a:t>
+            </a:r>
+          </a:p>
+        </p:txBody>
+      </p:sp>
+      <p:sp>
+        <p:nvSpPr>
+          <p:cNvPr id="4" name="Slide Number Placeholder 3"/>
+          <p:cNvSpPr>
+            <a:spLocks noGrp="1"/>
+          </p:cNvSpPr>
+          <p:nvPr>
+            <p:ph type="sldNum" sz="quarter" idx="4"/>
+          </p:nvPr>
+        </p:nvSpPr>
+        <p:spPr/>
+        <p:txBody>
+          <a:bodyPr/>
+          <a:lstStyle/>
+          <a:p>
+            <a:r>
+              <a:rPr lang="en-SG"/>
+              <a:t>Page </a:t>
+            </a:r>
+            <a:fld id="{2F63C605-4FC6-46DE-BC90-871762EA3F52}" type="slidenum">
+              <a:rPr lang="en-SG" smtClean="0"/>
+              <a:pPr/>
+              <a:t>4</a:t>
+            </a:fld>
+            <a:endParaRPr lang="en-SG" dirty="0"/>
+          </a:p>
+        </p:txBody>
+      </p:sp>
+      <p:graphicFrame>
+        <p:nvGraphicFramePr>
+          <p:cNvPr id="5" name="Diagram 4">
+            <a:extLst>
+              <a:ext uri="{FF2B5EF4-FFF2-40B4-BE49-F238E27FC236}">
+                <a16:creationId xmlns:a16="http://schemas.microsoft.com/office/drawing/2014/main" id="{990FE750-C1ED-402D-BA08-A0A4BB040179}"/>
+              </a:ext>
+            </a:extLst>
+          </p:cNvPr>
+          <p:cNvGraphicFramePr/>
+          <p:nvPr>
+            <p:extLst>
+              <p:ext uri="{D42A27DB-BD31-4B8C-83A1-F6EECF244321}">
+                <p14:modId xmlns:p14="http://schemas.microsoft.com/office/powerpoint/2010/main" val="3517293571"/>
+              </p:ext>
+            </p:extLst>
+          </p:nvPr>
+        </p:nvGraphicFramePr>
+        <p:xfrm>
+          <a:off x="974725" y="843491"/>
+          <a:ext cx="9436100" cy="5728759"/>
+        </p:xfrm>
+        <a:graphic>
+          <a:graphicData uri="http://schemas.openxmlformats.org/drawingml/2006/diagram">
+            <dgm:relIds xmlns:dgm="http://schemas.openxmlformats.org/drawingml/2006/diagram" xmlns:r="http://schemas.openxmlformats.org/officeDocument/2006/relationships" r:dm="rId2" r:lo="rId3" r:qs="rId4" r:cs="rId5"/>
+          </a:graphicData>
+        </a:graphic>
+      </p:graphicFrame>
+    </p:spTree>
+    <p:extLst>
+      <p:ext uri="{BB962C8B-B14F-4D97-AF65-F5344CB8AC3E}">
+        <p14:creationId xmlns:p14="http://schemas.microsoft.com/office/powerpoint/2010/main" val="181972725"/>
+      </p:ext>
+    </p:extLst>
+  </p:cSld>
+  <p:clrMapOvr>
+    <a:masterClrMapping/>
+  </p:clrMapOvr>
+</p:sld>
+</file>
+
 <file path=ppt/theme/theme1.xml><?xml version="1.0" encoding="utf-8"?>
 <a:theme xmlns:a="http://schemas.openxmlformats.org/drawingml/2006/main" name="Office Theme">
   <a:themeElements>
